--- a/images/onebyone_container/PID_Namespace/PID_Namespace.pptx
+++ b/images/onebyone_container/PID_Namespace/PID_Namespace.pptx
@@ -1942,7 +1942,7 @@
                 <a:schemeClr val="accent3"/>
               </a:solidFill>
             </a:rPr>
-            <a:t>2</a:t>
+            <a:t>4</a:t>
           </a:r>
           <a:endParaRPr lang="ko-KR" altLang="en-US" sz="1400">
             <a:solidFill>
@@ -2002,7 +2002,7 @@
                 <a:schemeClr val="accent2"/>
               </a:solidFill>
             </a:rPr>
-            <a:t>5</a:t>
+            <a:t>6</a:t>
           </a:r>
           <a:endParaRPr lang="ko-KR" altLang="en-US" sz="1400">
             <a:solidFill>
@@ -2062,7 +2062,7 @@
                 <a:schemeClr val="accent2"/>
               </a:solidFill>
             </a:rPr>
-            <a:t>6</a:t>
+            <a:t>7</a:t>
           </a:r>
           <a:endParaRPr lang="ko-KR" altLang="en-US" sz="1400">
             <a:solidFill>
@@ -3422,7 +3422,7 @@
                 <a:schemeClr val="accent2"/>
               </a:solidFill>
             </a:rPr>
-            <a:t>5</a:t>
+            <a:t>6</a:t>
           </a:r>
           <a:endParaRPr lang="ko-KR" altLang="en-US" sz="1400" kern="1200">
             <a:solidFill>
@@ -3584,7 +3584,7 @@
                 <a:schemeClr val="accent2"/>
               </a:solidFill>
             </a:rPr>
-            <a:t>6</a:t>
+            <a:t>7</a:t>
           </a:r>
           <a:endParaRPr lang="ko-KR" altLang="en-US" sz="1400" kern="1200">
             <a:solidFill>
@@ -4052,7 +4052,7 @@
                 <a:schemeClr val="accent3"/>
               </a:solidFill>
             </a:rPr>
-            <a:t>2</a:t>
+            <a:t>4</a:t>
           </a:r>
           <a:endParaRPr lang="ko-KR" altLang="en-US" sz="1400" kern="1200">
             <a:solidFill>
@@ -4607,8 +4607,8 @@
       </dsp:nvSpPr>
       <dsp:spPr>
         <a:xfrm>
-          <a:off x="904646" y="146363"/>
-          <a:ext cx="1148577" cy="503390"/>
+          <a:off x="887700" y="115044"/>
+          <a:ext cx="1182469" cy="518245"/>
         </a:xfrm>
         <a:prstGeom prst="roundRect">
           <a:avLst>
@@ -4679,8 +4679,8 @@
         </a:p>
       </dsp:txBody>
       <dsp:txXfrm>
-        <a:off x="919390" y="161107"/>
-        <a:ext cx="1119089" cy="473902"/>
+        <a:off x="902879" y="130223"/>
+        <a:ext cx="1152111" cy="487887"/>
       </dsp:txXfrm>
     </dsp:sp>
     <dsp:sp modelId="{5FD6F33C-560E-4CAD-B5A1-2A4FD41C4CB4}">
@@ -4690,8 +4690,8 @@
       </dsp:nvSpPr>
       <dsp:spPr>
         <a:xfrm>
-          <a:off x="732359" y="649754"/>
-          <a:ext cx="746575" cy="306287"/>
+          <a:off x="710329" y="633289"/>
+          <a:ext cx="768605" cy="315325"/>
         </a:xfrm>
         <a:custGeom>
           <a:avLst/>
@@ -4702,16 +4702,16 @@
           <a:pathLst>
             <a:path>
               <a:moveTo>
-                <a:pt x="746575" y="0"/>
+                <a:pt x="768605" y="0"/>
               </a:moveTo>
               <a:lnTo>
-                <a:pt x="746575" y="153143"/>
+                <a:pt x="768605" y="157662"/>
               </a:lnTo>
               <a:lnTo>
-                <a:pt x="0" y="153143"/>
+                <a:pt x="0" y="157662"/>
               </a:lnTo>
               <a:lnTo>
-                <a:pt x="0" y="306287"/>
+                <a:pt x="0" y="315325"/>
               </a:lnTo>
             </a:path>
           </a:pathLst>
@@ -4751,8 +4751,8 @@
       </dsp:nvSpPr>
       <dsp:spPr>
         <a:xfrm>
-          <a:off x="158070" y="956041"/>
-          <a:ext cx="1148577" cy="503390"/>
+          <a:off x="119094" y="948614"/>
+          <a:ext cx="1182469" cy="518245"/>
         </a:xfrm>
         <a:prstGeom prst="roundRect">
           <a:avLst>
@@ -4823,8 +4823,8 @@
         </a:p>
       </dsp:txBody>
       <dsp:txXfrm>
-        <a:off x="172814" y="970785"/>
-        <a:ext cx="1119089" cy="473902"/>
+        <a:off x="134273" y="963793"/>
+        <a:ext cx="1152111" cy="487887"/>
       </dsp:txXfrm>
     </dsp:sp>
     <dsp:sp modelId="{5B4B4C1C-DDB0-45F3-862A-173218B11B86}">
@@ -4834,8 +4834,8 @@
       </dsp:nvSpPr>
       <dsp:spPr>
         <a:xfrm>
-          <a:off x="1478935" y="649754"/>
-          <a:ext cx="746575" cy="306287"/>
+          <a:off x="1478935" y="633289"/>
+          <a:ext cx="768605" cy="315325"/>
         </a:xfrm>
         <a:custGeom>
           <a:avLst/>
@@ -4849,13 +4849,13 @@
                 <a:pt x="0" y="0"/>
               </a:moveTo>
               <a:lnTo>
-                <a:pt x="0" y="153143"/>
+                <a:pt x="0" y="157662"/>
               </a:lnTo>
               <a:lnTo>
-                <a:pt x="746575" y="153143"/>
+                <a:pt x="768605" y="157662"/>
               </a:lnTo>
               <a:lnTo>
-                <a:pt x="746575" y="306287"/>
+                <a:pt x="768605" y="315325"/>
               </a:lnTo>
             </a:path>
           </a:pathLst>
@@ -4895,8 +4895,8 @@
       </dsp:nvSpPr>
       <dsp:spPr>
         <a:xfrm>
-          <a:off x="1651221" y="956041"/>
-          <a:ext cx="1148577" cy="503390"/>
+          <a:off x="1656305" y="948614"/>
+          <a:ext cx="1182469" cy="518245"/>
         </a:xfrm>
         <a:prstGeom prst="roundRect">
           <a:avLst>
@@ -4967,8 +4967,8 @@
         </a:p>
       </dsp:txBody>
       <dsp:txXfrm>
-        <a:off x="1665965" y="970785"/>
-        <a:ext cx="1119089" cy="473902"/>
+        <a:off x="1671484" y="963793"/>
+        <a:ext cx="1152111" cy="487887"/>
       </dsp:txXfrm>
     </dsp:sp>
     <dsp:sp modelId="{C3867941-32AC-48B9-908F-0E9F055C7B76}">
@@ -4978,8 +4978,8 @@
       </dsp:nvSpPr>
       <dsp:spPr>
         <a:xfrm>
-          <a:off x="2179790" y="1459432"/>
-          <a:ext cx="91440" cy="306287"/>
+          <a:off x="2201820" y="1466859"/>
+          <a:ext cx="91440" cy="315325"/>
         </a:xfrm>
         <a:custGeom>
           <a:avLst/>
@@ -4993,7 +4993,7 @@
                 <a:pt x="45720" y="0"/>
               </a:moveTo>
               <a:lnTo>
-                <a:pt x="45720" y="306287"/>
+                <a:pt x="45720" y="315325"/>
               </a:lnTo>
             </a:path>
           </a:pathLst>
@@ -5033,8 +5033,8 @@
       </dsp:nvSpPr>
       <dsp:spPr>
         <a:xfrm>
-          <a:off x="1651221" y="1765719"/>
-          <a:ext cx="1148577" cy="503390"/>
+          <a:off x="1656305" y="1782184"/>
+          <a:ext cx="1182469" cy="518245"/>
         </a:xfrm>
         <a:prstGeom prst="roundRect">
           <a:avLst>
@@ -5105,8 +5105,8 @@
         </a:p>
       </dsp:txBody>
       <dsp:txXfrm>
-        <a:off x="1665965" y="1780463"/>
-        <a:ext cx="1119089" cy="473902"/>
+        <a:off x="1671484" y="1797363"/>
+        <a:ext cx="1152111" cy="487887"/>
       </dsp:txXfrm>
     </dsp:sp>
   </dsp:spTree>
@@ -11630,7 +11630,7 @@
             <p:nvPr>
               <p:extLst>
                 <p:ext uri="{D42A27DB-BD31-4B8C-83A1-F6EECF244321}">
-                  <p14:modId xmlns:p14="http://schemas.microsoft.com/office/powerpoint/2010/main" val="812937424"/>
+                  <p14:modId xmlns:p14="http://schemas.microsoft.com/office/powerpoint/2010/main" val="4021545597"/>
                 </p:ext>
               </p:extLst>
             </p:nvPr>

--- a/images/onebyone_container/PID_Namespace/PID_Namespace.pptx
+++ b/images/onebyone_container/PID_Namespace/PID_Namespace.pptx
@@ -1774,11 +1774,26 @@
                 <a:schemeClr val="tx2"/>
               </a:solidFill>
             </a:rPr>
-            <a:t>1</a:t>
+            <a:t>1 </a:t>
           </a:r>
-          <a:endParaRPr lang="ko-KR" altLang="en-US" sz="1400">
+          <a:br>
+            <a:rPr lang="en-US" altLang="ko-KR" sz="1400">
+              <a:solidFill>
+                <a:schemeClr val="tx2"/>
+              </a:solidFill>
+            </a:rPr>
+          </a:br>
+          <a:r>
+            <a:rPr lang="en-US" altLang="ko-KR" sz="1100">
+              <a:solidFill>
+                <a:schemeClr val="tx1"/>
+              </a:solidFill>
+            </a:rPr>
+            <a:t>A Process</a:t>
+          </a:r>
+          <a:endParaRPr lang="en-US" altLang="ko-KR" sz="1400">
             <a:solidFill>
-              <a:schemeClr val="tx2"/>
+              <a:schemeClr val="tx1"/>
             </a:solidFill>
           </a:endParaRPr>
         </a:p>
@@ -1836,9 +1851,24 @@
             </a:rPr>
             <a:t>1</a:t>
           </a:r>
+          <a:br>
+            <a:rPr lang="en-US" altLang="ko-KR" sz="1400">
+              <a:solidFill>
+                <a:schemeClr val="accent2"/>
+              </a:solidFill>
+            </a:rPr>
+          </a:br>
+          <a:r>
+            <a:rPr lang="en-US" altLang="ko-KR" sz="1100">
+              <a:solidFill>
+                <a:schemeClr val="tx1"/>
+              </a:solidFill>
+            </a:rPr>
+            <a:t>B Process</a:t>
+          </a:r>
           <a:endParaRPr lang="ko-KR" altLang="en-US" sz="1400">
             <a:solidFill>
-              <a:schemeClr val="accent2"/>
+              <a:schemeClr val="tx1"/>
             </a:solidFill>
           </a:endParaRPr>
         </a:p>
@@ -1884,9 +1914,24 @@
             </a:rPr>
             <a:t>3</a:t>
           </a:r>
+          <a:br>
+            <a:rPr lang="en-US" altLang="ko-KR" sz="1400">
+              <a:solidFill>
+                <a:schemeClr val="tx2"/>
+              </a:solidFill>
+            </a:rPr>
+          </a:br>
+          <a:r>
+            <a:rPr lang="en-US" altLang="ko-KR" sz="1100">
+              <a:solidFill>
+                <a:schemeClr val="tx1"/>
+              </a:solidFill>
+            </a:rPr>
+            <a:t>C Process</a:t>
+          </a:r>
           <a:endParaRPr lang="ko-KR" altLang="en-US" sz="1400">
             <a:solidFill>
-              <a:schemeClr val="tx2"/>
+              <a:schemeClr val="tx1"/>
             </a:solidFill>
           </a:endParaRPr>
         </a:p>
@@ -1944,9 +1989,24 @@
             </a:rPr>
             <a:t>4</a:t>
           </a:r>
-          <a:endParaRPr lang="ko-KR" altLang="en-US" sz="1400">
+          <a:br>
+            <a:rPr lang="en-US" altLang="ko-KR" sz="1400">
+              <a:solidFill>
+                <a:schemeClr val="accent3"/>
+              </a:solidFill>
+            </a:rPr>
+          </a:br>
+          <a:r>
+            <a:rPr lang="en-US" altLang="ko-KR" sz="1100">
+              <a:solidFill>
+                <a:schemeClr val="tx1"/>
+              </a:solidFill>
+            </a:rPr>
+            <a:t>G Process</a:t>
+          </a:r>
+          <a:endParaRPr lang="en-US" altLang="ko-KR" sz="1400">
             <a:solidFill>
-              <a:schemeClr val="accent3"/>
+              <a:schemeClr val="tx1"/>
             </a:solidFill>
           </a:endParaRPr>
         </a:p>
@@ -2004,9 +2064,24 @@
             </a:rPr>
             <a:t>6</a:t>
           </a:r>
-          <a:endParaRPr lang="ko-KR" altLang="en-US" sz="1400">
+          <a:br>
+            <a:rPr lang="en-US" altLang="ko-KR" sz="1400">
+              <a:solidFill>
+                <a:schemeClr val="accent2"/>
+              </a:solidFill>
+            </a:rPr>
+          </a:br>
+          <a:r>
+            <a:rPr lang="en-US" altLang="ko-KR" sz="1100">
+              <a:solidFill>
+                <a:schemeClr val="tx1"/>
+              </a:solidFill>
+            </a:rPr>
+            <a:t>E Process</a:t>
+          </a:r>
+          <a:endParaRPr lang="en-US" altLang="ko-KR" sz="1400">
             <a:solidFill>
-              <a:schemeClr val="accent2"/>
+              <a:schemeClr val="tx1"/>
             </a:solidFill>
           </a:endParaRPr>
         </a:p>
@@ -2064,9 +2139,24 @@
             </a:rPr>
             <a:t>7</a:t>
           </a:r>
-          <a:endParaRPr lang="ko-KR" altLang="en-US" sz="1400">
+          <a:br>
+            <a:rPr lang="en-US" altLang="ko-KR" sz="1400">
+              <a:solidFill>
+                <a:schemeClr val="accent2"/>
+              </a:solidFill>
+            </a:rPr>
+          </a:br>
+          <a:r>
+            <a:rPr lang="en-US" altLang="ko-KR" sz="1100">
+              <a:solidFill>
+                <a:schemeClr val="tx1"/>
+              </a:solidFill>
+            </a:rPr>
+            <a:t>F Process</a:t>
+          </a:r>
+          <a:endParaRPr lang="ko-KR" altLang="en-US" sz="1100">
             <a:solidFill>
-              <a:schemeClr val="accent2"/>
+              <a:schemeClr val="tx1"/>
             </a:solidFill>
           </a:endParaRPr>
         </a:p>
@@ -2136,9 +2226,24 @@
             </a:rPr>
             <a:t>1</a:t>
           </a:r>
+          <a:br>
+            <a:rPr lang="en-US" altLang="ko-KR" sz="1400">
+              <a:solidFill>
+                <a:schemeClr val="accent6"/>
+              </a:solidFill>
+            </a:rPr>
+          </a:br>
+          <a:r>
+            <a:rPr lang="en-US" altLang="ko-KR" sz="1100">
+              <a:solidFill>
+                <a:schemeClr val="tx1"/>
+              </a:solidFill>
+            </a:rPr>
+            <a:t>H Process</a:t>
+          </a:r>
           <a:endParaRPr lang="ko-KR" altLang="en-US" sz="1400">
             <a:solidFill>
-              <a:schemeClr val="accent6"/>
+              <a:schemeClr val="tx1"/>
             </a:solidFill>
           </a:endParaRPr>
         </a:p>
@@ -2208,9 +2313,24 @@
             </a:rPr>
             <a:t>2</a:t>
           </a:r>
+          <a:br>
+            <a:rPr lang="en-US" altLang="ko-KR" sz="1400">
+              <a:solidFill>
+                <a:schemeClr val="accent6"/>
+              </a:solidFill>
+            </a:rPr>
+          </a:br>
+          <a:r>
+            <a:rPr lang="en-US" altLang="ko-KR" sz="1100">
+              <a:solidFill>
+                <a:schemeClr val="tx1"/>
+              </a:solidFill>
+            </a:rPr>
+            <a:t>I Process</a:t>
+          </a:r>
           <a:endParaRPr lang="ko-KR" altLang="en-US" sz="1400">
             <a:solidFill>
-              <a:schemeClr val="accent6"/>
+              <a:schemeClr val="tx1"/>
             </a:solidFill>
           </a:endParaRPr>
         </a:p>
@@ -2280,9 +2400,24 @@
             </a:rPr>
             <a:t>3</a:t>
           </a:r>
-          <a:endParaRPr lang="ko-KR" altLang="en-US" sz="1400">
+          <a:br>
+            <a:rPr lang="en-US" altLang="ko-KR" sz="1400">
+              <a:solidFill>
+                <a:schemeClr val="accent6"/>
+              </a:solidFill>
+            </a:rPr>
+          </a:br>
+          <a:r>
+            <a:rPr lang="en-US" altLang="ko-KR" sz="1100">
+              <a:solidFill>
+                <a:schemeClr val="tx1"/>
+              </a:solidFill>
+            </a:rPr>
+            <a:t>G Process</a:t>
+          </a:r>
+          <a:endParaRPr lang="en-US" altLang="ko-KR" sz="1400">
             <a:solidFill>
-              <a:schemeClr val="accent6"/>
+              <a:schemeClr val="tx1"/>
             </a:solidFill>
           </a:endParaRPr>
         </a:p>
@@ -2340,9 +2475,24 @@
             </a:rPr>
             <a:t>1</a:t>
           </a:r>
+          <a:br>
+            <a:rPr lang="en-US" altLang="ko-KR" sz="1400">
+              <a:solidFill>
+                <a:schemeClr val="accent3"/>
+              </a:solidFill>
+            </a:rPr>
+          </a:br>
+          <a:r>
+            <a:rPr lang="en-US" altLang="ko-KR" sz="1100">
+              <a:solidFill>
+                <a:schemeClr val="tx1"/>
+              </a:solidFill>
+            </a:rPr>
+            <a:t>D Process</a:t>
+          </a:r>
           <a:endParaRPr lang="ko-KR" altLang="en-US" sz="1400">
             <a:solidFill>
-              <a:schemeClr val="accent3"/>
+              <a:schemeClr val="tx1"/>
             </a:solidFill>
           </a:endParaRPr>
         </a:p>
@@ -2682,7 +2832,7 @@
                 <a:schemeClr val="tx2"/>
               </a:solidFill>
             </a:rPr>
-            <a:t>Namespace A</a:t>
+            <a:t>A Namespace</a:t>
           </a:r>
           <a:endParaRPr lang="ko-KR" altLang="en-US" sz="1200">
             <a:solidFill>
@@ -2736,7 +2886,7 @@
                 <a:schemeClr val="accent2"/>
               </a:solidFill>
             </a:rPr>
-            <a:t>Namespace B</a:t>
+            <a:t>B Namespace</a:t>
           </a:r>
           <a:endParaRPr lang="ko-KR" altLang="en-US" sz="1200">
             <a:solidFill>
@@ -2790,7 +2940,7 @@
                 <a:schemeClr val="accent3"/>
               </a:solidFill>
             </a:rPr>
-            <a:t>Namespace C</a:t>
+            <a:t>C Namespace</a:t>
           </a:r>
           <a:endParaRPr lang="ko-KR" altLang="en-US" sz="1200">
             <a:solidFill>
@@ -2844,7 +2994,7 @@
                 <a:schemeClr val="accent6"/>
               </a:solidFill>
             </a:rPr>
-            <a:t>Namespace D</a:t>
+            <a:t>D Namespace</a:t>
           </a:r>
           <a:endParaRPr lang="ko-KR" altLang="en-US" sz="1200">
             <a:solidFill>
@@ -3098,11 +3248,26 @@
                 <a:schemeClr val="tx2"/>
               </a:solidFill>
             </a:rPr>
-            <a:t>1</a:t>
+            <a:t>1 </a:t>
           </a:r>
-          <a:endParaRPr lang="ko-KR" altLang="en-US" sz="1400" kern="1200">
+          <a:br>
+            <a:rPr lang="en-US" altLang="ko-KR" sz="1400" kern="1200">
+              <a:solidFill>
+                <a:schemeClr val="tx2"/>
+              </a:solidFill>
+            </a:rPr>
+          </a:br>
+          <a:r>
+            <a:rPr lang="en-US" altLang="ko-KR" sz="1100" kern="1200">
+              <a:solidFill>
+                <a:schemeClr val="tx1"/>
+              </a:solidFill>
+            </a:rPr>
+            <a:t>A Process</a:t>
+          </a:r>
+          <a:endParaRPr lang="en-US" altLang="ko-KR" sz="1400" kern="1200">
             <a:solidFill>
-              <a:schemeClr val="tx2"/>
+              <a:schemeClr val="tx1"/>
             </a:solidFill>
           </a:endParaRPr>
         </a:p>
@@ -3262,9 +3427,24 @@
             </a:rPr>
             <a:t>1</a:t>
           </a:r>
+          <a:br>
+            <a:rPr lang="en-US" altLang="ko-KR" sz="1400" kern="1200">
+              <a:solidFill>
+                <a:schemeClr val="accent2"/>
+              </a:solidFill>
+            </a:rPr>
+          </a:br>
+          <a:r>
+            <a:rPr lang="en-US" altLang="ko-KR" sz="1100" kern="1200">
+              <a:solidFill>
+                <a:schemeClr val="tx1"/>
+              </a:solidFill>
+            </a:rPr>
+            <a:t>B Process</a:t>
+          </a:r>
           <a:endParaRPr lang="ko-KR" altLang="en-US" sz="1400" kern="1200">
             <a:solidFill>
-              <a:schemeClr val="accent2"/>
+              <a:schemeClr val="tx1"/>
             </a:solidFill>
           </a:endParaRPr>
         </a:p>
@@ -3424,9 +3604,24 @@
             </a:rPr>
             <a:t>6</a:t>
           </a:r>
-          <a:endParaRPr lang="ko-KR" altLang="en-US" sz="1400" kern="1200">
+          <a:br>
+            <a:rPr lang="en-US" altLang="ko-KR" sz="1400" kern="1200">
+              <a:solidFill>
+                <a:schemeClr val="accent2"/>
+              </a:solidFill>
+            </a:rPr>
+          </a:br>
+          <a:r>
+            <a:rPr lang="en-US" altLang="ko-KR" sz="1100" kern="1200">
+              <a:solidFill>
+                <a:schemeClr val="tx1"/>
+              </a:solidFill>
+            </a:rPr>
+            <a:t>E Process</a:t>
+          </a:r>
+          <a:endParaRPr lang="en-US" altLang="ko-KR" sz="1400" kern="1200">
             <a:solidFill>
-              <a:schemeClr val="accent2"/>
+              <a:schemeClr val="tx1"/>
             </a:solidFill>
           </a:endParaRPr>
         </a:p>
@@ -3586,9 +3781,24 @@
             </a:rPr>
             <a:t>7</a:t>
           </a:r>
-          <a:endParaRPr lang="ko-KR" altLang="en-US" sz="1400" kern="1200">
+          <a:br>
+            <a:rPr lang="en-US" altLang="ko-KR" sz="1400" kern="1200">
+              <a:solidFill>
+                <a:schemeClr val="accent2"/>
+              </a:solidFill>
+            </a:rPr>
+          </a:br>
+          <a:r>
+            <a:rPr lang="en-US" altLang="ko-KR" sz="1100" kern="1200">
+              <a:solidFill>
+                <a:schemeClr val="tx1"/>
+              </a:solidFill>
+            </a:rPr>
+            <a:t>F Process</a:t>
+          </a:r>
+          <a:endParaRPr lang="ko-KR" altLang="en-US" sz="1100" kern="1200">
             <a:solidFill>
-              <a:schemeClr val="accent2"/>
+              <a:schemeClr val="tx1"/>
             </a:solidFill>
           </a:endParaRPr>
         </a:p>
@@ -3730,9 +3940,24 @@
             </a:rPr>
             <a:t>3</a:t>
           </a:r>
+          <a:br>
+            <a:rPr lang="en-US" altLang="ko-KR" sz="1400" kern="1200">
+              <a:solidFill>
+                <a:schemeClr val="tx2"/>
+              </a:solidFill>
+            </a:rPr>
+          </a:br>
+          <a:r>
+            <a:rPr lang="en-US" altLang="ko-KR" sz="1100" kern="1200">
+              <a:solidFill>
+                <a:schemeClr val="tx1"/>
+              </a:solidFill>
+            </a:rPr>
+            <a:t>C Process</a:t>
+          </a:r>
           <a:endParaRPr lang="ko-KR" altLang="en-US" sz="1400" kern="1200">
             <a:solidFill>
-              <a:schemeClr val="tx2"/>
+              <a:schemeClr val="tx1"/>
             </a:solidFill>
           </a:endParaRPr>
         </a:p>
@@ -3892,9 +4117,24 @@
             </a:rPr>
             <a:t>1</a:t>
           </a:r>
+          <a:br>
+            <a:rPr lang="en-US" altLang="ko-KR" sz="1400" kern="1200">
+              <a:solidFill>
+                <a:schemeClr val="accent3"/>
+              </a:solidFill>
+            </a:rPr>
+          </a:br>
+          <a:r>
+            <a:rPr lang="en-US" altLang="ko-KR" sz="1100" kern="1200">
+              <a:solidFill>
+                <a:schemeClr val="tx1"/>
+              </a:solidFill>
+            </a:rPr>
+            <a:t>D Process</a:t>
+          </a:r>
           <a:endParaRPr lang="ko-KR" altLang="en-US" sz="1400" kern="1200">
             <a:solidFill>
-              <a:schemeClr val="accent3"/>
+              <a:schemeClr val="tx1"/>
             </a:solidFill>
           </a:endParaRPr>
         </a:p>
@@ -4054,9 +4294,24 @@
             </a:rPr>
             <a:t>4</a:t>
           </a:r>
-          <a:endParaRPr lang="ko-KR" altLang="en-US" sz="1400" kern="1200">
+          <a:br>
+            <a:rPr lang="en-US" altLang="ko-KR" sz="1400" kern="1200">
+              <a:solidFill>
+                <a:schemeClr val="accent3"/>
+              </a:solidFill>
+            </a:rPr>
+          </a:br>
+          <a:r>
+            <a:rPr lang="en-US" altLang="ko-KR" sz="1100" kern="1200">
+              <a:solidFill>
+                <a:schemeClr val="tx1"/>
+              </a:solidFill>
+            </a:rPr>
+            <a:t>G Process</a:t>
+          </a:r>
+          <a:endParaRPr lang="en-US" altLang="ko-KR" sz="1400" kern="1200">
             <a:solidFill>
-              <a:schemeClr val="accent3"/>
+              <a:schemeClr val="tx1"/>
             </a:solidFill>
           </a:endParaRPr>
         </a:p>
@@ -4228,9 +4483,24 @@
             </a:rPr>
             <a:t>1</a:t>
           </a:r>
+          <a:br>
+            <a:rPr lang="en-US" altLang="ko-KR" sz="1400" kern="1200">
+              <a:solidFill>
+                <a:schemeClr val="accent6"/>
+              </a:solidFill>
+            </a:rPr>
+          </a:br>
+          <a:r>
+            <a:rPr lang="en-US" altLang="ko-KR" sz="1100" kern="1200">
+              <a:solidFill>
+                <a:schemeClr val="tx1"/>
+              </a:solidFill>
+            </a:rPr>
+            <a:t>H Process</a:t>
+          </a:r>
           <a:endParaRPr lang="ko-KR" altLang="en-US" sz="1400" kern="1200">
             <a:solidFill>
-              <a:schemeClr val="accent6"/>
+              <a:schemeClr val="tx1"/>
             </a:solidFill>
           </a:endParaRPr>
         </a:p>
@@ -4402,9 +4672,24 @@
             </a:rPr>
             <a:t>2</a:t>
           </a:r>
+          <a:br>
+            <a:rPr lang="en-US" altLang="ko-KR" sz="1400" kern="1200">
+              <a:solidFill>
+                <a:schemeClr val="accent6"/>
+              </a:solidFill>
+            </a:rPr>
+          </a:br>
+          <a:r>
+            <a:rPr lang="en-US" altLang="ko-KR" sz="1100" kern="1200">
+              <a:solidFill>
+                <a:schemeClr val="tx1"/>
+              </a:solidFill>
+            </a:rPr>
+            <a:t>I Process</a:t>
+          </a:r>
           <a:endParaRPr lang="ko-KR" altLang="en-US" sz="1400" kern="1200">
             <a:solidFill>
-              <a:schemeClr val="accent6"/>
+              <a:schemeClr val="tx1"/>
             </a:solidFill>
           </a:endParaRPr>
         </a:p>
@@ -4576,9 +4861,24 @@
             </a:rPr>
             <a:t>3</a:t>
           </a:r>
-          <a:endParaRPr lang="ko-KR" altLang="en-US" sz="1400" kern="1200">
+          <a:br>
+            <a:rPr lang="en-US" altLang="ko-KR" sz="1400" kern="1200">
+              <a:solidFill>
+                <a:schemeClr val="accent6"/>
+              </a:solidFill>
+            </a:rPr>
+          </a:br>
+          <a:r>
+            <a:rPr lang="en-US" altLang="ko-KR" sz="1100" kern="1200">
+              <a:solidFill>
+                <a:schemeClr val="tx1"/>
+              </a:solidFill>
+            </a:rPr>
+            <a:t>G Process</a:t>
+          </a:r>
+          <a:endParaRPr lang="en-US" altLang="ko-KR" sz="1400" kern="1200">
             <a:solidFill>
-              <a:schemeClr val="accent6"/>
+              <a:schemeClr val="tx1"/>
             </a:solidFill>
           </a:endParaRPr>
         </a:p>
@@ -4669,7 +4969,7 @@
                 <a:schemeClr val="tx2"/>
               </a:solidFill>
             </a:rPr>
-            <a:t>Namespace A</a:t>
+            <a:t>A Namespace</a:t>
           </a:r>
           <a:endParaRPr lang="ko-KR" altLang="en-US" sz="1200" kern="1200">
             <a:solidFill>
@@ -4813,7 +5113,7 @@
                 <a:schemeClr val="accent2"/>
               </a:solidFill>
             </a:rPr>
-            <a:t>Namespace B</a:t>
+            <a:t>B Namespace</a:t>
           </a:r>
           <a:endParaRPr lang="ko-KR" altLang="en-US" sz="1200" kern="1200">
             <a:solidFill>
@@ -4957,7 +5257,7 @@
                 <a:schemeClr val="accent3"/>
               </a:solidFill>
             </a:rPr>
-            <a:t>Namespace C</a:t>
+            <a:t>C Namespace</a:t>
           </a:r>
           <a:endParaRPr lang="ko-KR" altLang="en-US" sz="1200" kern="1200">
             <a:solidFill>
@@ -5095,7 +5395,7 @@
                 <a:schemeClr val="accent6"/>
               </a:solidFill>
             </a:rPr>
-            <a:t>Namespace D</a:t>
+            <a:t>D Namespace</a:t>
           </a:r>
           <a:endParaRPr lang="ko-KR" altLang="en-US" sz="1200" kern="1200">
             <a:solidFill>
@@ -8285,7 +8585,7 @@
           <a:p>
             <a:fld id="{6CD5550B-26C4-49A9-A5BA-636EF7BE6CE9}" type="datetimeFigureOut">
               <a:rPr lang="ko-KR" altLang="en-US" smtClean="0"/>
-              <a:t>2020-04-12</a:t>
+              <a:t>2020-04-13</a:t>
             </a:fld>
             <a:endParaRPr lang="ko-KR" altLang="en-US"/>
           </a:p>
@@ -8831,7 +9131,7 @@
           <a:p>
             <a:fld id="{FB30EDBD-1C2D-4C1E-B459-B60219FAB484}" type="datetimeFigureOut">
               <a:rPr lang="ko-KR" altLang="en-US" smtClean="0"/>
-              <a:t>2020-04-12</a:t>
+              <a:t>2020-04-13</a:t>
             </a:fld>
             <a:endParaRPr lang="ko-KR" altLang="en-US"/>
           </a:p>
@@ -8994,7 +9294,7 @@
           <a:p>
             <a:fld id="{FB30EDBD-1C2D-4C1E-B459-B60219FAB484}" type="datetimeFigureOut">
               <a:rPr lang="ko-KR" altLang="en-US" smtClean="0"/>
-              <a:t>2020-04-12</a:t>
+              <a:t>2020-04-13</a:t>
             </a:fld>
             <a:endParaRPr lang="ko-KR" altLang="en-US"/>
           </a:p>
@@ -9167,7 +9467,7 @@
           <a:p>
             <a:fld id="{FB30EDBD-1C2D-4C1E-B459-B60219FAB484}" type="datetimeFigureOut">
               <a:rPr lang="ko-KR" altLang="en-US" smtClean="0"/>
-              <a:t>2020-04-12</a:t>
+              <a:t>2020-04-13</a:t>
             </a:fld>
             <a:endParaRPr lang="ko-KR" altLang="en-US"/>
           </a:p>
@@ -9330,7 +9630,7 @@
           <a:p>
             <a:fld id="{FB30EDBD-1C2D-4C1E-B459-B60219FAB484}" type="datetimeFigureOut">
               <a:rPr lang="ko-KR" altLang="en-US" smtClean="0"/>
-              <a:t>2020-04-12</a:t>
+              <a:t>2020-04-13</a:t>
             </a:fld>
             <a:endParaRPr lang="ko-KR" altLang="en-US"/>
           </a:p>
@@ -9570,7 +9870,7 @@
           <a:p>
             <a:fld id="{FB30EDBD-1C2D-4C1E-B459-B60219FAB484}" type="datetimeFigureOut">
               <a:rPr lang="ko-KR" altLang="en-US" smtClean="0"/>
-              <a:t>2020-04-12</a:t>
+              <a:t>2020-04-13</a:t>
             </a:fld>
             <a:endParaRPr lang="ko-KR" altLang="en-US"/>
           </a:p>
@@ -9850,7 +10150,7 @@
           <a:p>
             <a:fld id="{FB30EDBD-1C2D-4C1E-B459-B60219FAB484}" type="datetimeFigureOut">
               <a:rPr lang="ko-KR" altLang="en-US" smtClean="0"/>
-              <a:t>2020-04-12</a:t>
+              <a:t>2020-04-13</a:t>
             </a:fld>
             <a:endParaRPr lang="ko-KR" altLang="en-US"/>
           </a:p>
@@ -10264,7 +10564,7 @@
           <a:p>
             <a:fld id="{FB30EDBD-1C2D-4C1E-B459-B60219FAB484}" type="datetimeFigureOut">
               <a:rPr lang="ko-KR" altLang="en-US" smtClean="0"/>
-              <a:t>2020-04-12</a:t>
+              <a:t>2020-04-13</a:t>
             </a:fld>
             <a:endParaRPr lang="ko-KR" altLang="en-US"/>
           </a:p>
@@ -10376,7 +10676,7 @@
           <a:p>
             <a:fld id="{FB30EDBD-1C2D-4C1E-B459-B60219FAB484}" type="datetimeFigureOut">
               <a:rPr lang="ko-KR" altLang="en-US" smtClean="0"/>
-              <a:t>2020-04-12</a:t>
+              <a:t>2020-04-13</a:t>
             </a:fld>
             <a:endParaRPr lang="ko-KR" altLang="en-US"/>
           </a:p>
@@ -10466,7 +10766,7 @@
           <a:p>
             <a:fld id="{FB30EDBD-1C2D-4C1E-B459-B60219FAB484}" type="datetimeFigureOut">
               <a:rPr lang="ko-KR" altLang="en-US" smtClean="0"/>
-              <a:t>2020-04-12</a:t>
+              <a:t>2020-04-13</a:t>
             </a:fld>
             <a:endParaRPr lang="ko-KR" altLang="en-US"/>
           </a:p>
@@ -10736,7 +11036,7 @@
           <a:p>
             <a:fld id="{FB30EDBD-1C2D-4C1E-B459-B60219FAB484}" type="datetimeFigureOut">
               <a:rPr lang="ko-KR" altLang="en-US" smtClean="0"/>
-              <a:t>2020-04-12</a:t>
+              <a:t>2020-04-13</a:t>
             </a:fld>
             <a:endParaRPr lang="ko-KR" altLang="en-US"/>
           </a:p>
@@ -10983,7 +11283,7 @@
           <a:p>
             <a:fld id="{FB30EDBD-1C2D-4C1E-B459-B60219FAB484}" type="datetimeFigureOut">
               <a:rPr lang="ko-KR" altLang="en-US" smtClean="0"/>
-              <a:t>2020-04-12</a:t>
+              <a:t>2020-04-13</a:t>
             </a:fld>
             <a:endParaRPr lang="ko-KR" altLang="en-US"/>
           </a:p>
@@ -11189,7 +11489,7 @@
           <a:p>
             <a:fld id="{FB30EDBD-1C2D-4C1E-B459-B60219FAB484}" type="datetimeFigureOut">
               <a:rPr lang="ko-KR" altLang="en-US" smtClean="0"/>
-              <a:t>2020-04-12</a:t>
+              <a:t>2020-04-13</a:t>
             </a:fld>
             <a:endParaRPr lang="ko-KR" altLang="en-US"/>
           </a:p>
@@ -11630,7 +11930,7 @@
             <p:nvPr>
               <p:extLst>
                 <p:ext uri="{D42A27DB-BD31-4B8C-83A1-F6EECF244321}">
-                  <p14:modId xmlns:p14="http://schemas.microsoft.com/office/powerpoint/2010/main" val="4021545597"/>
+                  <p14:modId xmlns:p14="http://schemas.microsoft.com/office/powerpoint/2010/main" val="77712307"/>
                 </p:ext>
               </p:extLst>
             </p:nvPr>
@@ -11700,7 +12000,7 @@
                     <a:schemeClr val="tx2"/>
                   </a:solidFill>
                 </a:rPr>
-                <a:t>Namespace A</a:t>
+                <a:t>A Namespace</a:t>
               </a:r>
               <a:endParaRPr lang="ko-KR" altLang="en-US" sz="1400">
                 <a:solidFill>
@@ -11765,7 +12065,7 @@
                     <a:schemeClr val="accent2"/>
                   </a:solidFill>
                 </a:rPr>
-                <a:t>Namespace B</a:t>
+                <a:t>B Namespace</a:t>
               </a:r>
               <a:endParaRPr lang="ko-KR" altLang="en-US" sz="1400">
                 <a:solidFill>
@@ -11830,7 +12130,7 @@
                     <a:schemeClr val="accent3"/>
                   </a:solidFill>
                 </a:rPr>
-                <a:t>Namespace C</a:t>
+                <a:t>C Namespace</a:t>
               </a:r>
               <a:endParaRPr lang="ko-KR" altLang="en-US" sz="1400">
                 <a:solidFill>
@@ -11895,7 +12195,7 @@
                     <a:schemeClr val="accent6"/>
                   </a:solidFill>
                 </a:rPr>
-                <a:t>Namespace D</a:t>
+                <a:t>D Namespace</a:t>
               </a:r>
               <a:endParaRPr lang="ko-KR" altLang="en-US" sz="1400">
                 <a:solidFill>
@@ -11919,7 +12219,7 @@
           <p:nvPr>
             <p:extLst>
               <p:ext uri="{D42A27DB-BD31-4B8C-83A1-F6EECF244321}">
-                <p14:modId xmlns:p14="http://schemas.microsoft.com/office/powerpoint/2010/main" val="2132451767"/>
+                <p14:modId xmlns:p14="http://schemas.microsoft.com/office/powerpoint/2010/main" val="535041337"/>
               </p:ext>
             </p:extLst>
           </p:nvPr>

--- a/images/onebyone_container/PID_Namespace/PID_Namespace.pptx
+++ b/images/onebyone_container/PID_Namespace/PID_Namespace.pptx
@@ -5,10 +5,11 @@
     <p:sldMasterId id="2147483648" r:id="rId1"/>
   </p:sldMasterIdLst>
   <p:notesMasterIdLst>
-    <p:notesMasterId r:id="rId3"/>
+    <p:notesMasterId r:id="rId4"/>
   </p:notesMasterIdLst>
   <p:sldIdLst>
     <p:sldId id="424" r:id="rId2"/>
+    <p:sldId id="425" r:id="rId3"/>
   </p:sldIdLst>
   <p:sldSz cx="9144000" cy="5143500" type="screen16x9"/>
   <p:notesSz cx="6858000" cy="9144000"/>
@@ -939,6 +940,813 @@
 </file>
 
 <file path=ppt/diagrams/colors2.xml><?xml version="1.0" encoding="utf-8"?>
+<dgm:colorsDef xmlns:dgm="http://schemas.openxmlformats.org/drawingml/2006/diagram" xmlns:a="http://schemas.openxmlformats.org/drawingml/2006/main" uniqueId="urn:microsoft.com/office/officeart/2005/8/colors/accent0_1">
+  <dgm:title val=""/>
+  <dgm:desc val=""/>
+  <dgm:catLst>
+    <dgm:cat type="mainScheme" pri="10100"/>
+  </dgm:catLst>
+  <dgm:styleLbl name="node0">
+    <dgm:fillClrLst meth="repeat">
+      <a:schemeClr val="lt1"/>
+    </dgm:fillClrLst>
+    <dgm:linClrLst meth="repeat">
+      <a:schemeClr val="dk1">
+        <a:shade val="80000"/>
+      </a:schemeClr>
+    </dgm:linClrLst>
+    <dgm:effectClrLst/>
+    <dgm:txLinClrLst/>
+    <dgm:txFillClrLst meth="repeat">
+      <a:schemeClr val="dk1"/>
+    </dgm:txFillClrLst>
+    <dgm:txEffectClrLst/>
+  </dgm:styleLbl>
+  <dgm:styleLbl name="node1">
+    <dgm:fillClrLst meth="repeat">
+      <a:schemeClr val="lt1"/>
+    </dgm:fillClrLst>
+    <dgm:linClrLst meth="repeat">
+      <a:schemeClr val="dk1">
+        <a:shade val="80000"/>
+      </a:schemeClr>
+    </dgm:linClrLst>
+    <dgm:effectClrLst/>
+    <dgm:txLinClrLst/>
+    <dgm:txFillClrLst meth="repeat">
+      <a:schemeClr val="dk1"/>
+    </dgm:txFillClrLst>
+    <dgm:txEffectClrLst/>
+  </dgm:styleLbl>
+  <dgm:styleLbl name="alignNode1">
+    <dgm:fillClrLst meth="repeat">
+      <a:schemeClr val="lt1"/>
+    </dgm:fillClrLst>
+    <dgm:linClrLst meth="repeat">
+      <a:schemeClr val="dk1">
+        <a:shade val="80000"/>
+      </a:schemeClr>
+    </dgm:linClrLst>
+    <dgm:effectClrLst/>
+    <dgm:txLinClrLst/>
+    <dgm:txFillClrLst meth="repeat">
+      <a:schemeClr val="dk1"/>
+    </dgm:txFillClrLst>
+    <dgm:txEffectClrLst/>
+  </dgm:styleLbl>
+  <dgm:styleLbl name="lnNode1">
+    <dgm:fillClrLst meth="repeat">
+      <a:schemeClr val="lt1"/>
+    </dgm:fillClrLst>
+    <dgm:linClrLst meth="repeat">
+      <a:schemeClr val="dk1">
+        <a:shade val="80000"/>
+      </a:schemeClr>
+    </dgm:linClrLst>
+    <dgm:effectClrLst/>
+    <dgm:txLinClrLst/>
+    <dgm:txFillClrLst meth="repeat">
+      <a:schemeClr val="dk1"/>
+    </dgm:txFillClrLst>
+    <dgm:txEffectClrLst/>
+  </dgm:styleLbl>
+  <dgm:styleLbl name="vennNode1">
+    <dgm:fillClrLst meth="repeat">
+      <a:schemeClr val="lt1">
+        <a:alpha val="50000"/>
+      </a:schemeClr>
+    </dgm:fillClrLst>
+    <dgm:linClrLst meth="repeat">
+      <a:schemeClr val="dk1">
+        <a:shade val="80000"/>
+      </a:schemeClr>
+    </dgm:linClrLst>
+    <dgm:effectClrLst/>
+    <dgm:txLinClrLst/>
+    <dgm:txFillClrLst/>
+    <dgm:txEffectClrLst/>
+  </dgm:styleLbl>
+  <dgm:styleLbl name="node2">
+    <dgm:fillClrLst meth="repeat">
+      <a:schemeClr val="lt1"/>
+    </dgm:fillClrLst>
+    <dgm:linClrLst meth="repeat">
+      <a:schemeClr val="dk1">
+        <a:shade val="80000"/>
+      </a:schemeClr>
+    </dgm:linClrLst>
+    <dgm:effectClrLst/>
+    <dgm:txLinClrLst/>
+    <dgm:txFillClrLst meth="repeat">
+      <a:schemeClr val="dk1"/>
+    </dgm:txFillClrLst>
+    <dgm:txEffectClrLst/>
+  </dgm:styleLbl>
+  <dgm:styleLbl name="node3">
+    <dgm:fillClrLst meth="repeat">
+      <a:schemeClr val="lt1"/>
+    </dgm:fillClrLst>
+    <dgm:linClrLst meth="repeat">
+      <a:schemeClr val="dk1">
+        <a:shade val="80000"/>
+      </a:schemeClr>
+    </dgm:linClrLst>
+    <dgm:effectClrLst/>
+    <dgm:txLinClrLst/>
+    <dgm:txFillClrLst meth="repeat">
+      <a:schemeClr val="dk1"/>
+    </dgm:txFillClrLst>
+    <dgm:txEffectClrLst/>
+  </dgm:styleLbl>
+  <dgm:styleLbl name="node4">
+    <dgm:fillClrLst meth="repeat">
+      <a:schemeClr val="lt1"/>
+    </dgm:fillClrLst>
+    <dgm:linClrLst meth="repeat">
+      <a:schemeClr val="dk1">
+        <a:shade val="80000"/>
+      </a:schemeClr>
+    </dgm:linClrLst>
+    <dgm:effectClrLst/>
+    <dgm:txLinClrLst/>
+    <dgm:txFillClrLst meth="repeat">
+      <a:schemeClr val="dk1"/>
+    </dgm:txFillClrLst>
+    <dgm:txEffectClrLst/>
+  </dgm:styleLbl>
+  <dgm:styleLbl name="fgImgPlace1">
+    <dgm:fillClrLst meth="repeat">
+      <a:schemeClr val="dk1">
+        <a:tint val="40000"/>
+      </a:schemeClr>
+    </dgm:fillClrLst>
+    <dgm:linClrLst meth="repeat">
+      <a:schemeClr val="dk1">
+        <a:shade val="80000"/>
+      </a:schemeClr>
+    </dgm:linClrLst>
+    <dgm:effectClrLst/>
+    <dgm:txLinClrLst/>
+    <dgm:txFillClrLst meth="repeat">
+      <a:schemeClr val="lt1"/>
+    </dgm:txFillClrLst>
+    <dgm:txEffectClrLst/>
+  </dgm:styleLbl>
+  <dgm:styleLbl name="alignImgPlace1">
+    <dgm:fillClrLst meth="repeat">
+      <a:schemeClr val="dk1">
+        <a:tint val="40000"/>
+      </a:schemeClr>
+    </dgm:fillClrLst>
+    <dgm:linClrLst meth="repeat">
+      <a:schemeClr val="dk1">
+        <a:shade val="80000"/>
+      </a:schemeClr>
+    </dgm:linClrLst>
+    <dgm:effectClrLst/>
+    <dgm:txLinClrLst/>
+    <dgm:txFillClrLst meth="repeat">
+      <a:schemeClr val="lt1"/>
+    </dgm:txFillClrLst>
+    <dgm:txEffectClrLst/>
+  </dgm:styleLbl>
+  <dgm:styleLbl name="bgImgPlace1">
+    <dgm:fillClrLst meth="repeat">
+      <a:schemeClr val="dk1">
+        <a:tint val="40000"/>
+      </a:schemeClr>
+    </dgm:fillClrLst>
+    <dgm:linClrLst meth="repeat">
+      <a:schemeClr val="dk1">
+        <a:shade val="80000"/>
+      </a:schemeClr>
+    </dgm:linClrLst>
+    <dgm:effectClrLst/>
+    <dgm:txLinClrLst/>
+    <dgm:txFillClrLst meth="repeat">
+      <a:schemeClr val="lt1"/>
+    </dgm:txFillClrLst>
+    <dgm:txEffectClrLst/>
+  </dgm:styleLbl>
+  <dgm:styleLbl name="sibTrans2D1">
+    <dgm:fillClrLst meth="repeat">
+      <a:schemeClr val="dk1">
+        <a:tint val="60000"/>
+      </a:schemeClr>
+    </dgm:fillClrLst>
+    <dgm:linClrLst meth="repeat">
+      <a:schemeClr val="dk1">
+        <a:tint val="60000"/>
+      </a:schemeClr>
+    </dgm:linClrLst>
+    <dgm:effectClrLst/>
+    <dgm:txLinClrLst/>
+    <dgm:txFillClrLst meth="repeat">
+      <a:schemeClr val="dk1"/>
+    </dgm:txFillClrLst>
+    <dgm:txEffectClrLst/>
+  </dgm:styleLbl>
+  <dgm:styleLbl name="fgSibTrans2D1">
+    <dgm:fillClrLst meth="repeat">
+      <a:schemeClr val="dk1">
+        <a:tint val="60000"/>
+      </a:schemeClr>
+    </dgm:fillClrLst>
+    <dgm:linClrLst meth="repeat">
+      <a:schemeClr val="dk1">
+        <a:tint val="60000"/>
+      </a:schemeClr>
+    </dgm:linClrLst>
+    <dgm:effectClrLst/>
+    <dgm:txLinClrLst/>
+    <dgm:txFillClrLst meth="repeat">
+      <a:schemeClr val="dk1"/>
+    </dgm:txFillClrLst>
+    <dgm:txEffectClrLst/>
+  </dgm:styleLbl>
+  <dgm:styleLbl name="bgSibTrans2D1">
+    <dgm:fillClrLst meth="repeat">
+      <a:schemeClr val="dk1">
+        <a:tint val="60000"/>
+      </a:schemeClr>
+    </dgm:fillClrLst>
+    <dgm:linClrLst meth="repeat">
+      <a:schemeClr val="dk1">
+        <a:tint val="60000"/>
+      </a:schemeClr>
+    </dgm:linClrLst>
+    <dgm:effectClrLst/>
+    <dgm:txLinClrLst/>
+    <dgm:txFillClrLst meth="repeat">
+      <a:schemeClr val="dk1"/>
+    </dgm:txFillClrLst>
+    <dgm:txEffectClrLst/>
+  </dgm:styleLbl>
+  <dgm:styleLbl name="sibTrans1D1">
+    <dgm:fillClrLst meth="repeat">
+      <a:schemeClr val="dk1"/>
+    </dgm:fillClrLst>
+    <dgm:linClrLst meth="repeat">
+      <a:schemeClr val="dk1"/>
+    </dgm:linClrLst>
+    <dgm:effectClrLst/>
+    <dgm:txLinClrLst/>
+    <dgm:txFillClrLst meth="repeat">
+      <a:schemeClr val="tx1"/>
+    </dgm:txFillClrLst>
+    <dgm:txEffectClrLst/>
+  </dgm:styleLbl>
+  <dgm:styleLbl name="callout">
+    <dgm:fillClrLst meth="repeat">
+      <a:schemeClr val="dk1"/>
+    </dgm:fillClrLst>
+    <dgm:linClrLst meth="repeat">
+      <a:schemeClr val="dk1"/>
+    </dgm:linClrLst>
+    <dgm:effectClrLst/>
+    <dgm:txLinClrLst/>
+    <dgm:txFillClrLst meth="repeat">
+      <a:schemeClr val="tx1"/>
+    </dgm:txFillClrLst>
+    <dgm:txEffectClrLst/>
+  </dgm:styleLbl>
+  <dgm:styleLbl name="asst0">
+    <dgm:fillClrLst meth="repeat">
+      <a:schemeClr val="lt1"/>
+    </dgm:fillClrLst>
+    <dgm:linClrLst meth="repeat">
+      <a:schemeClr val="dk1">
+        <a:shade val="80000"/>
+      </a:schemeClr>
+    </dgm:linClrLst>
+    <dgm:effectClrLst/>
+    <dgm:txLinClrLst/>
+    <dgm:txFillClrLst meth="repeat">
+      <a:schemeClr val="dk1"/>
+    </dgm:txFillClrLst>
+    <dgm:txEffectClrLst/>
+  </dgm:styleLbl>
+  <dgm:styleLbl name="asst1">
+    <dgm:fillClrLst meth="repeat">
+      <a:schemeClr val="lt1"/>
+    </dgm:fillClrLst>
+    <dgm:linClrLst meth="repeat">
+      <a:schemeClr val="dk1">
+        <a:shade val="80000"/>
+      </a:schemeClr>
+    </dgm:linClrLst>
+    <dgm:effectClrLst/>
+    <dgm:txLinClrLst/>
+    <dgm:txFillClrLst meth="repeat">
+      <a:schemeClr val="dk1"/>
+    </dgm:txFillClrLst>
+    <dgm:txEffectClrLst/>
+  </dgm:styleLbl>
+  <dgm:styleLbl name="asst2">
+    <dgm:fillClrLst meth="repeat">
+      <a:schemeClr val="lt1"/>
+    </dgm:fillClrLst>
+    <dgm:linClrLst meth="repeat">
+      <a:schemeClr val="dk1">
+        <a:shade val="80000"/>
+      </a:schemeClr>
+    </dgm:linClrLst>
+    <dgm:effectClrLst/>
+    <dgm:txLinClrLst/>
+    <dgm:txFillClrLst meth="repeat">
+      <a:schemeClr val="dk1"/>
+    </dgm:txFillClrLst>
+    <dgm:txEffectClrLst/>
+  </dgm:styleLbl>
+  <dgm:styleLbl name="asst3">
+    <dgm:fillClrLst meth="repeat">
+      <a:schemeClr val="lt1"/>
+    </dgm:fillClrLst>
+    <dgm:linClrLst meth="repeat">
+      <a:schemeClr val="dk1">
+        <a:shade val="80000"/>
+      </a:schemeClr>
+    </dgm:linClrLst>
+    <dgm:effectClrLst/>
+    <dgm:txLinClrLst/>
+    <dgm:txFillClrLst meth="repeat">
+      <a:schemeClr val="dk1"/>
+    </dgm:txFillClrLst>
+    <dgm:txEffectClrLst/>
+  </dgm:styleLbl>
+  <dgm:styleLbl name="asst4">
+    <dgm:fillClrLst meth="repeat">
+      <a:schemeClr val="lt1"/>
+    </dgm:fillClrLst>
+    <dgm:linClrLst meth="repeat">
+      <a:schemeClr val="dk1">
+        <a:shade val="80000"/>
+      </a:schemeClr>
+    </dgm:linClrLst>
+    <dgm:effectClrLst/>
+    <dgm:txLinClrLst/>
+    <dgm:txFillClrLst meth="repeat">
+      <a:schemeClr val="dk1"/>
+    </dgm:txFillClrLst>
+    <dgm:txEffectClrLst/>
+  </dgm:styleLbl>
+  <dgm:styleLbl name="parChTrans2D1">
+    <dgm:fillClrLst meth="repeat">
+      <a:schemeClr val="dk1">
+        <a:tint val="60000"/>
+      </a:schemeClr>
+    </dgm:fillClrLst>
+    <dgm:linClrLst meth="repeat">
+      <a:schemeClr val="dk1">
+        <a:tint val="60000"/>
+      </a:schemeClr>
+    </dgm:linClrLst>
+    <dgm:effectClrLst/>
+    <dgm:txLinClrLst/>
+    <dgm:txFillClrLst/>
+    <dgm:txEffectClrLst/>
+  </dgm:styleLbl>
+  <dgm:styleLbl name="parChTrans2D2">
+    <dgm:fillClrLst meth="repeat">
+      <a:schemeClr val="dk1"/>
+    </dgm:fillClrLst>
+    <dgm:linClrLst meth="repeat">
+      <a:schemeClr val="dk1"/>
+    </dgm:linClrLst>
+    <dgm:effectClrLst/>
+    <dgm:txLinClrLst/>
+    <dgm:txFillClrLst/>
+    <dgm:txEffectClrLst/>
+  </dgm:styleLbl>
+  <dgm:styleLbl name="parChTrans2D3">
+    <dgm:fillClrLst meth="repeat">
+      <a:schemeClr val="dk1"/>
+    </dgm:fillClrLst>
+    <dgm:linClrLst meth="repeat">
+      <a:schemeClr val="dk1"/>
+    </dgm:linClrLst>
+    <dgm:effectClrLst/>
+    <dgm:txLinClrLst/>
+    <dgm:txFillClrLst/>
+    <dgm:txEffectClrLst/>
+  </dgm:styleLbl>
+  <dgm:styleLbl name="parChTrans2D4">
+    <dgm:fillClrLst meth="repeat">
+      <a:schemeClr val="dk1"/>
+    </dgm:fillClrLst>
+    <dgm:linClrLst meth="repeat">
+      <a:schemeClr val="dk1"/>
+    </dgm:linClrLst>
+    <dgm:effectClrLst/>
+    <dgm:txLinClrLst/>
+    <dgm:txFillClrLst meth="repeat">
+      <a:schemeClr val="lt1"/>
+    </dgm:txFillClrLst>
+    <dgm:txEffectClrLst/>
+  </dgm:styleLbl>
+  <dgm:styleLbl name="parChTrans1D1">
+    <dgm:fillClrLst meth="repeat">
+      <a:schemeClr val="dk1"/>
+    </dgm:fillClrLst>
+    <dgm:linClrLst meth="repeat">
+      <a:schemeClr val="dk1">
+        <a:shade val="60000"/>
+      </a:schemeClr>
+    </dgm:linClrLst>
+    <dgm:effectClrLst/>
+    <dgm:txLinClrLst/>
+    <dgm:txFillClrLst meth="repeat">
+      <a:schemeClr val="tx1"/>
+    </dgm:txFillClrLst>
+    <dgm:txEffectClrLst/>
+  </dgm:styleLbl>
+  <dgm:styleLbl name="parChTrans1D2">
+    <dgm:fillClrLst meth="repeat">
+      <a:schemeClr val="dk1"/>
+    </dgm:fillClrLst>
+    <dgm:linClrLst meth="repeat">
+      <a:schemeClr val="dk1">
+        <a:shade val="60000"/>
+      </a:schemeClr>
+    </dgm:linClrLst>
+    <dgm:effectClrLst/>
+    <dgm:txLinClrLst/>
+    <dgm:txFillClrLst meth="repeat">
+      <a:schemeClr val="tx1"/>
+    </dgm:txFillClrLst>
+    <dgm:txEffectClrLst/>
+  </dgm:styleLbl>
+  <dgm:styleLbl name="parChTrans1D3">
+    <dgm:fillClrLst meth="repeat">
+      <a:schemeClr val="dk1"/>
+    </dgm:fillClrLst>
+    <dgm:linClrLst meth="repeat">
+      <a:schemeClr val="dk1">
+        <a:shade val="80000"/>
+      </a:schemeClr>
+    </dgm:linClrLst>
+    <dgm:effectClrLst/>
+    <dgm:txLinClrLst/>
+    <dgm:txFillClrLst meth="repeat">
+      <a:schemeClr val="tx1"/>
+    </dgm:txFillClrLst>
+    <dgm:txEffectClrLst/>
+  </dgm:styleLbl>
+  <dgm:styleLbl name="parChTrans1D4">
+    <dgm:fillClrLst meth="repeat">
+      <a:schemeClr val="dk1"/>
+    </dgm:fillClrLst>
+    <dgm:linClrLst meth="repeat">
+      <a:schemeClr val="dk1">
+        <a:shade val="80000"/>
+      </a:schemeClr>
+    </dgm:linClrLst>
+    <dgm:effectClrLst/>
+    <dgm:txLinClrLst/>
+    <dgm:txFillClrLst meth="repeat">
+      <a:schemeClr val="tx1"/>
+    </dgm:txFillClrLst>
+    <dgm:txEffectClrLst/>
+  </dgm:styleLbl>
+  <dgm:styleLbl name="fgAcc1">
+    <dgm:fillClrLst meth="repeat">
+      <a:schemeClr val="dk1">
+        <a:alpha val="90000"/>
+        <a:tint val="40000"/>
+      </a:schemeClr>
+    </dgm:fillClrLst>
+    <dgm:linClrLst meth="repeat">
+      <a:schemeClr val="dk1"/>
+    </dgm:linClrLst>
+    <dgm:effectClrLst/>
+    <dgm:txLinClrLst/>
+    <dgm:txFillClrLst meth="repeat">
+      <a:schemeClr val="dk1"/>
+    </dgm:txFillClrLst>
+    <dgm:txEffectClrLst/>
+  </dgm:styleLbl>
+  <dgm:styleLbl name="conFgAcc1">
+    <dgm:fillClrLst meth="repeat">
+      <a:schemeClr val="dk1">
+        <a:alpha val="90000"/>
+        <a:tint val="40000"/>
+      </a:schemeClr>
+    </dgm:fillClrLst>
+    <dgm:linClrLst meth="repeat">
+      <a:schemeClr val="dk1"/>
+    </dgm:linClrLst>
+    <dgm:effectClrLst/>
+    <dgm:txLinClrLst/>
+    <dgm:txFillClrLst meth="repeat">
+      <a:schemeClr val="dk1"/>
+    </dgm:txFillClrLst>
+    <dgm:txEffectClrLst/>
+  </dgm:styleLbl>
+  <dgm:styleLbl name="alignAcc1">
+    <dgm:fillClrLst meth="repeat">
+      <a:schemeClr val="dk1">
+        <a:alpha val="90000"/>
+        <a:tint val="40000"/>
+      </a:schemeClr>
+    </dgm:fillClrLst>
+    <dgm:linClrLst meth="repeat">
+      <a:schemeClr val="dk1"/>
+    </dgm:linClrLst>
+    <dgm:effectClrLst/>
+    <dgm:txLinClrLst/>
+    <dgm:txFillClrLst meth="repeat">
+      <a:schemeClr val="dk1"/>
+    </dgm:txFillClrLst>
+    <dgm:txEffectClrLst/>
+  </dgm:styleLbl>
+  <dgm:styleLbl name="trAlignAcc1">
+    <dgm:fillClrLst meth="repeat">
+      <a:schemeClr val="dk1">
+        <a:alpha val="40000"/>
+        <a:tint val="40000"/>
+      </a:schemeClr>
+    </dgm:fillClrLst>
+    <dgm:linClrLst meth="repeat">
+      <a:schemeClr val="dk1"/>
+    </dgm:linClrLst>
+    <dgm:effectClrLst/>
+    <dgm:txLinClrLst/>
+    <dgm:txFillClrLst meth="repeat">
+      <a:schemeClr val="dk1"/>
+    </dgm:txFillClrLst>
+    <dgm:txEffectClrLst/>
+  </dgm:styleLbl>
+  <dgm:styleLbl name="bgAcc1">
+    <dgm:fillClrLst meth="repeat">
+      <a:schemeClr val="dk1">
+        <a:alpha val="90000"/>
+        <a:tint val="40000"/>
+      </a:schemeClr>
+    </dgm:fillClrLst>
+    <dgm:linClrLst meth="repeat">
+      <a:schemeClr val="dk1"/>
+    </dgm:linClrLst>
+    <dgm:effectClrLst/>
+    <dgm:txLinClrLst/>
+    <dgm:txFillClrLst meth="repeat">
+      <a:schemeClr val="dk1"/>
+    </dgm:txFillClrLst>
+    <dgm:txEffectClrLst/>
+  </dgm:styleLbl>
+  <dgm:styleLbl name="solidFgAcc1">
+    <dgm:fillClrLst meth="repeat">
+      <a:schemeClr val="lt1"/>
+    </dgm:fillClrLst>
+    <dgm:linClrLst meth="repeat">
+      <a:schemeClr val="dk1"/>
+    </dgm:linClrLst>
+    <dgm:effectClrLst/>
+    <dgm:txLinClrLst/>
+    <dgm:txFillClrLst meth="repeat">
+      <a:schemeClr val="dk1"/>
+    </dgm:txFillClrLst>
+    <dgm:txEffectClrLst/>
+  </dgm:styleLbl>
+  <dgm:styleLbl name="solidAlignAcc1">
+    <dgm:fillClrLst meth="repeat">
+      <a:schemeClr val="lt1"/>
+    </dgm:fillClrLst>
+    <dgm:linClrLst meth="repeat">
+      <a:schemeClr val="dk1"/>
+    </dgm:linClrLst>
+    <dgm:effectClrLst/>
+    <dgm:txLinClrLst/>
+    <dgm:txFillClrLst meth="repeat">
+      <a:schemeClr val="dk1"/>
+    </dgm:txFillClrLst>
+    <dgm:txEffectClrLst/>
+  </dgm:styleLbl>
+  <dgm:styleLbl name="solidBgAcc1">
+    <dgm:fillClrLst meth="repeat">
+      <a:schemeClr val="lt1"/>
+    </dgm:fillClrLst>
+    <dgm:linClrLst meth="repeat">
+      <a:schemeClr val="dk1"/>
+    </dgm:linClrLst>
+    <dgm:effectClrLst/>
+    <dgm:txLinClrLst/>
+    <dgm:txFillClrLst meth="repeat">
+      <a:schemeClr val="dk1"/>
+    </dgm:txFillClrLst>
+    <dgm:txEffectClrLst/>
+  </dgm:styleLbl>
+  <dgm:styleLbl name="fgAccFollowNode1">
+    <dgm:fillClrLst meth="repeat">
+      <a:schemeClr val="lt1">
+        <a:alpha val="90000"/>
+        <a:tint val="40000"/>
+      </a:schemeClr>
+    </dgm:fillClrLst>
+    <dgm:linClrLst meth="repeat">
+      <a:schemeClr val="dk1">
+        <a:alpha val="90000"/>
+      </a:schemeClr>
+    </dgm:linClrLst>
+    <dgm:effectClrLst/>
+    <dgm:txLinClrLst/>
+    <dgm:txFillClrLst meth="repeat">
+      <a:schemeClr val="dk1"/>
+    </dgm:txFillClrLst>
+    <dgm:txEffectClrLst/>
+  </dgm:styleLbl>
+  <dgm:styleLbl name="alignAccFollowNode1">
+    <dgm:fillClrLst meth="repeat">
+      <a:schemeClr val="lt1">
+        <a:alpha val="90000"/>
+        <a:tint val="40000"/>
+      </a:schemeClr>
+    </dgm:fillClrLst>
+    <dgm:linClrLst meth="repeat">
+      <a:schemeClr val="dk1">
+        <a:alpha val="90000"/>
+      </a:schemeClr>
+    </dgm:linClrLst>
+    <dgm:effectClrLst/>
+    <dgm:txLinClrLst/>
+    <dgm:txFillClrLst meth="repeat">
+      <a:schemeClr val="dk1"/>
+    </dgm:txFillClrLst>
+    <dgm:txEffectClrLst/>
+  </dgm:styleLbl>
+  <dgm:styleLbl name="bgAccFollowNode1">
+    <dgm:fillClrLst meth="repeat">
+      <a:schemeClr val="lt1">
+        <a:alpha val="90000"/>
+        <a:tint val="40000"/>
+      </a:schemeClr>
+    </dgm:fillClrLst>
+    <dgm:linClrLst meth="repeat">
+      <a:schemeClr val="dk1">
+        <a:alpha val="90000"/>
+      </a:schemeClr>
+    </dgm:linClrLst>
+    <dgm:effectClrLst/>
+    <dgm:txLinClrLst/>
+    <dgm:txFillClrLst meth="repeat">
+      <a:schemeClr val="dk1"/>
+    </dgm:txFillClrLst>
+    <dgm:txEffectClrLst/>
+  </dgm:styleLbl>
+  <dgm:styleLbl name="fgAcc0">
+    <dgm:fillClrLst meth="repeat">
+      <a:schemeClr val="dk1">
+        <a:alpha val="90000"/>
+        <a:tint val="40000"/>
+      </a:schemeClr>
+    </dgm:fillClrLst>
+    <dgm:linClrLst meth="repeat">
+      <a:schemeClr val="dk1"/>
+    </dgm:linClrLst>
+    <dgm:effectClrLst/>
+    <dgm:txLinClrLst/>
+    <dgm:txFillClrLst meth="repeat">
+      <a:schemeClr val="dk1"/>
+    </dgm:txFillClrLst>
+    <dgm:txEffectClrLst/>
+  </dgm:styleLbl>
+  <dgm:styleLbl name="fgAcc2">
+    <dgm:fillClrLst meth="repeat">
+      <a:schemeClr val="dk1">
+        <a:alpha val="90000"/>
+        <a:tint val="40000"/>
+      </a:schemeClr>
+    </dgm:fillClrLst>
+    <dgm:linClrLst meth="repeat">
+      <a:schemeClr val="dk1"/>
+    </dgm:linClrLst>
+    <dgm:effectClrLst/>
+    <dgm:txLinClrLst/>
+    <dgm:txFillClrLst meth="repeat">
+      <a:schemeClr val="dk1"/>
+    </dgm:txFillClrLst>
+    <dgm:txEffectClrLst/>
+  </dgm:styleLbl>
+  <dgm:styleLbl name="fgAcc3">
+    <dgm:fillClrLst meth="repeat">
+      <a:schemeClr val="dk1">
+        <a:alpha val="90000"/>
+        <a:tint val="40000"/>
+      </a:schemeClr>
+    </dgm:fillClrLst>
+    <dgm:linClrLst meth="repeat">
+      <a:schemeClr val="dk1"/>
+    </dgm:linClrLst>
+    <dgm:effectClrLst/>
+    <dgm:txLinClrLst/>
+    <dgm:txFillClrLst meth="repeat">
+      <a:schemeClr val="dk1"/>
+    </dgm:txFillClrLst>
+    <dgm:txEffectClrLst/>
+  </dgm:styleLbl>
+  <dgm:styleLbl name="fgAcc4">
+    <dgm:fillClrLst meth="repeat">
+      <a:schemeClr val="dk1">
+        <a:alpha val="90000"/>
+        <a:tint val="40000"/>
+      </a:schemeClr>
+    </dgm:fillClrLst>
+    <dgm:linClrLst meth="repeat">
+      <a:schemeClr val="dk1"/>
+    </dgm:linClrLst>
+    <dgm:effectClrLst/>
+    <dgm:txLinClrLst/>
+    <dgm:txFillClrLst meth="repeat">
+      <a:schemeClr val="dk1"/>
+    </dgm:txFillClrLst>
+    <dgm:txEffectClrLst/>
+  </dgm:styleLbl>
+  <dgm:styleLbl name="bgShp">
+    <dgm:fillClrLst meth="repeat">
+      <a:schemeClr val="dk1">
+        <a:tint val="40000"/>
+      </a:schemeClr>
+    </dgm:fillClrLst>
+    <dgm:linClrLst meth="repeat">
+      <a:schemeClr val="dk1"/>
+    </dgm:linClrLst>
+    <dgm:effectClrLst/>
+    <dgm:txLinClrLst/>
+    <dgm:txFillClrLst meth="repeat">
+      <a:schemeClr val="dk1"/>
+    </dgm:txFillClrLst>
+    <dgm:txEffectClrLst/>
+  </dgm:styleLbl>
+  <dgm:styleLbl name="dkBgShp">
+    <dgm:fillClrLst meth="repeat">
+      <a:schemeClr val="dk1">
+        <a:shade val="80000"/>
+      </a:schemeClr>
+    </dgm:fillClrLst>
+    <dgm:linClrLst meth="repeat">
+      <a:schemeClr val="dk1"/>
+    </dgm:linClrLst>
+    <dgm:effectClrLst/>
+    <dgm:txLinClrLst/>
+    <dgm:txFillClrLst meth="repeat">
+      <a:schemeClr val="lt1"/>
+    </dgm:txFillClrLst>
+    <dgm:txEffectClrLst/>
+  </dgm:styleLbl>
+  <dgm:styleLbl name="trBgShp">
+    <dgm:fillClrLst meth="repeat">
+      <a:schemeClr val="dk1">
+        <a:tint val="50000"/>
+        <a:alpha val="40000"/>
+      </a:schemeClr>
+    </dgm:fillClrLst>
+    <dgm:linClrLst meth="repeat">
+      <a:schemeClr val="dk1"/>
+    </dgm:linClrLst>
+    <dgm:effectClrLst/>
+    <dgm:txLinClrLst/>
+    <dgm:txFillClrLst meth="repeat">
+      <a:schemeClr val="lt1"/>
+    </dgm:txFillClrLst>
+    <dgm:txEffectClrLst/>
+  </dgm:styleLbl>
+  <dgm:styleLbl name="fgShp">
+    <dgm:fillClrLst meth="repeat">
+      <a:schemeClr val="dk1">
+        <a:tint val="60000"/>
+      </a:schemeClr>
+    </dgm:fillClrLst>
+    <dgm:linClrLst meth="repeat">
+      <a:schemeClr val="lt1"/>
+    </dgm:linClrLst>
+    <dgm:effectClrLst/>
+    <dgm:txLinClrLst/>
+    <dgm:txFillClrLst meth="repeat">
+      <a:schemeClr val="dk1"/>
+    </dgm:txFillClrLst>
+    <dgm:txEffectClrLst/>
+  </dgm:styleLbl>
+  <dgm:styleLbl name="revTx">
+    <dgm:fillClrLst meth="repeat">
+      <a:schemeClr val="lt1">
+        <a:alpha val="0"/>
+      </a:schemeClr>
+    </dgm:fillClrLst>
+    <dgm:linClrLst meth="repeat">
+      <a:schemeClr val="dk1">
+        <a:alpha val="0"/>
+      </a:schemeClr>
+    </dgm:linClrLst>
+    <dgm:effectClrLst/>
+    <dgm:txLinClrLst/>
+    <dgm:txFillClrLst meth="repeat">
+      <a:schemeClr val="tx1"/>
+    </dgm:txFillClrLst>
+    <dgm:txEffectClrLst/>
+  </dgm:styleLbl>
+</dgm:colorsDef>
+</file>
+
+<file path=ppt/diagrams/colors3.xml><?xml version="1.0" encoding="utf-8"?>
 <dgm:colorsDef xmlns:dgm="http://schemas.openxmlformats.org/drawingml/2006/diagram" xmlns:a="http://schemas.openxmlformats.org/drawingml/2006/main" uniqueId="urn:microsoft.com/office/officeart/2005/8/colors/accent0_1">
   <dgm:title val=""/>
   <dgm:desc val=""/>
@@ -3160,6 +3968,810 @@
   <dgm:extLst>
     <a:ext uri="http://schemas.microsoft.com/office/drawing/2008/diagram">
       <dsp:dataModelExt xmlns:dsp="http://schemas.microsoft.com/office/drawing/2008/diagram" relId="rId12" minVer="http://schemas.openxmlformats.org/drawingml/2006/diagram"/>
+    </a:ext>
+  </dgm:extLst>
+</dgm:dataModel>
+</file>
+
+<file path=ppt/diagrams/data3.xml><?xml version="1.0" encoding="utf-8"?>
+<dgm:dataModel xmlns:dgm="http://schemas.openxmlformats.org/drawingml/2006/diagram" xmlns:a="http://schemas.openxmlformats.org/drawingml/2006/main">
+  <dgm:ptLst>
+    <dgm:pt modelId="{DFD0CAB2-157B-4176-BCFC-2FBBA3D762B1}" type="doc">
+      <dgm:prSet loTypeId="urn:microsoft.com/office/officeart/2005/8/layout/hierarchy6" loCatId="hierarchy" qsTypeId="urn:microsoft.com/office/officeart/2005/8/quickstyle/simple1" qsCatId="simple" csTypeId="urn:microsoft.com/office/officeart/2005/8/colors/accent0_1" csCatId="mainScheme" phldr="1"/>
+      <dgm:spPr/>
+      <dgm:t>
+        <a:bodyPr/>
+        <a:lstStyle/>
+        <a:p>
+          <a:pPr latinLnBrk="1"/>
+          <a:endParaRPr lang="ko-KR" altLang="en-US"/>
+        </a:p>
+      </dgm:t>
+    </dgm:pt>
+    <dgm:pt modelId="{816DDED8-0159-4FBD-80E5-7DEE6513FC4E}">
+      <dgm:prSet phldrT="[텍스트]" custT="1"/>
+      <dgm:spPr/>
+      <dgm:t>
+        <a:bodyPr/>
+        <a:lstStyle/>
+        <a:p>
+          <a:pPr latinLnBrk="1"/>
+          <a:r>
+            <a:rPr lang="en-US" altLang="ko-KR" sz="1400">
+              <a:solidFill>
+                <a:schemeClr val="tx2"/>
+              </a:solidFill>
+            </a:rPr>
+            <a:t>1 </a:t>
+          </a:r>
+          <a:br>
+            <a:rPr lang="en-US" altLang="ko-KR" sz="1400">
+              <a:solidFill>
+                <a:schemeClr val="tx2"/>
+              </a:solidFill>
+            </a:rPr>
+          </a:br>
+          <a:r>
+            <a:rPr lang="en-US" altLang="ko-KR" sz="1100">
+              <a:solidFill>
+                <a:schemeClr val="tx1"/>
+              </a:solidFill>
+            </a:rPr>
+            <a:t>A Process</a:t>
+          </a:r>
+          <a:endParaRPr lang="en-US" altLang="ko-KR" sz="1400">
+            <a:solidFill>
+              <a:schemeClr val="tx1"/>
+            </a:solidFill>
+          </a:endParaRPr>
+        </a:p>
+      </dgm:t>
+    </dgm:pt>
+    <dgm:pt modelId="{716595D3-0C92-48BD-B94F-60E59D2070CA}" type="parTrans" cxnId="{CCE62A7D-E4C5-439D-B3A2-BBB918F45E26}">
+      <dgm:prSet/>
+      <dgm:spPr/>
+      <dgm:t>
+        <a:bodyPr/>
+        <a:lstStyle/>
+        <a:p>
+          <a:pPr latinLnBrk="1"/>
+          <a:endParaRPr lang="ko-KR" altLang="en-US" sz="1100"/>
+        </a:p>
+      </dgm:t>
+    </dgm:pt>
+    <dgm:pt modelId="{BE71272E-DF10-41D5-B1A8-D50AE65ECE9E}" type="sibTrans" cxnId="{CCE62A7D-E4C5-439D-B3A2-BBB918F45E26}">
+      <dgm:prSet/>
+      <dgm:spPr/>
+      <dgm:t>
+        <a:bodyPr/>
+        <a:lstStyle/>
+        <a:p>
+          <a:pPr latinLnBrk="1"/>
+          <a:endParaRPr lang="ko-KR" altLang="en-US" sz="1100"/>
+        </a:p>
+      </dgm:t>
+    </dgm:pt>
+    <dgm:pt modelId="{9113DB8F-061E-4657-9025-80682929C5A4}">
+      <dgm:prSet phldrT="[텍스트]" custT="1"/>
+      <dgm:spPr/>
+      <dgm:t>
+        <a:bodyPr/>
+        <a:lstStyle/>
+        <a:p>
+          <a:pPr latinLnBrk="1"/>
+          <a:r>
+            <a:rPr lang="en-US" altLang="ko-KR" sz="1400">
+              <a:solidFill>
+                <a:schemeClr val="tx2"/>
+              </a:solidFill>
+            </a:rPr>
+            <a:t>2</a:t>
+          </a:r>
+          <a:br>
+            <a:rPr lang="en-US" altLang="ko-KR" sz="1400">
+              <a:solidFill>
+                <a:schemeClr val="accent2"/>
+              </a:solidFill>
+            </a:rPr>
+          </a:br>
+          <a:r>
+            <a:rPr lang="en-US" altLang="ko-KR" sz="1100">
+              <a:solidFill>
+                <a:schemeClr val="tx1"/>
+              </a:solidFill>
+            </a:rPr>
+            <a:t>B Process</a:t>
+          </a:r>
+          <a:endParaRPr lang="ko-KR" altLang="en-US" sz="1400">
+            <a:solidFill>
+              <a:schemeClr val="tx1"/>
+            </a:solidFill>
+          </a:endParaRPr>
+        </a:p>
+      </dgm:t>
+    </dgm:pt>
+    <dgm:pt modelId="{E27D4E76-D04B-44EA-B806-FC0C1850B0A6}" type="parTrans" cxnId="{A3F9C307-DD43-4EDB-B12D-2ED62EEEB15C}">
+      <dgm:prSet/>
+      <dgm:spPr/>
+      <dgm:t>
+        <a:bodyPr/>
+        <a:lstStyle/>
+        <a:p>
+          <a:pPr latinLnBrk="1"/>
+          <a:endParaRPr lang="ko-KR" altLang="en-US" sz="1100"/>
+        </a:p>
+      </dgm:t>
+    </dgm:pt>
+    <dgm:pt modelId="{47B81702-40BF-472F-AB96-8A6AC4E4B747}" type="sibTrans" cxnId="{A3F9C307-DD43-4EDB-B12D-2ED62EEEB15C}">
+      <dgm:prSet/>
+      <dgm:spPr/>
+      <dgm:t>
+        <a:bodyPr/>
+        <a:lstStyle/>
+        <a:p>
+          <a:pPr latinLnBrk="1"/>
+          <a:endParaRPr lang="ko-KR" altLang="en-US" sz="1100"/>
+        </a:p>
+      </dgm:t>
+    </dgm:pt>
+    <dgm:pt modelId="{01CD5A6D-5886-4D1A-BD8D-DAF97A694EAF}">
+      <dgm:prSet phldrT="[텍스트]" custT="1"/>
+      <dgm:spPr/>
+      <dgm:t>
+        <a:bodyPr/>
+        <a:lstStyle/>
+        <a:p>
+          <a:pPr latinLnBrk="1"/>
+          <a:r>
+            <a:rPr lang="en-US" altLang="ko-KR" sz="1400">
+              <a:solidFill>
+                <a:schemeClr val="tx2"/>
+              </a:solidFill>
+            </a:rPr>
+            <a:t>4</a:t>
+          </a:r>
+          <a:br>
+            <a:rPr lang="en-US" altLang="ko-KR" sz="1400">
+              <a:solidFill>
+                <a:schemeClr val="accent2"/>
+              </a:solidFill>
+            </a:rPr>
+          </a:br>
+          <a:r>
+            <a:rPr lang="en-US" altLang="ko-KR" sz="1100">
+              <a:solidFill>
+                <a:schemeClr val="tx1"/>
+              </a:solidFill>
+            </a:rPr>
+            <a:t>D Process</a:t>
+          </a:r>
+          <a:endParaRPr lang="en-US" altLang="ko-KR" sz="1400">
+            <a:solidFill>
+              <a:schemeClr val="tx1"/>
+            </a:solidFill>
+          </a:endParaRPr>
+        </a:p>
+      </dgm:t>
+    </dgm:pt>
+    <dgm:pt modelId="{142E2EE6-8AD2-4AB9-841B-B1826D46351A}" type="parTrans" cxnId="{5EB54192-8024-4357-BFAF-569016BDFF4B}">
+      <dgm:prSet/>
+      <dgm:spPr/>
+      <dgm:t>
+        <a:bodyPr/>
+        <a:lstStyle/>
+        <a:p>
+          <a:pPr latinLnBrk="1"/>
+          <a:endParaRPr lang="ko-KR" altLang="en-US" sz="1100"/>
+        </a:p>
+      </dgm:t>
+    </dgm:pt>
+    <dgm:pt modelId="{8BACB6AC-502C-45BD-B6F0-2E4BAC022EC3}" type="sibTrans" cxnId="{5EB54192-8024-4357-BFAF-569016BDFF4B}">
+      <dgm:prSet/>
+      <dgm:spPr/>
+      <dgm:t>
+        <a:bodyPr/>
+        <a:lstStyle/>
+        <a:p>
+          <a:pPr latinLnBrk="1"/>
+          <a:endParaRPr lang="ko-KR" altLang="en-US" sz="1100"/>
+        </a:p>
+      </dgm:t>
+    </dgm:pt>
+    <dgm:pt modelId="{2877ECE4-DEA7-4304-AFE2-E98D924080C5}">
+      <dgm:prSet phldrT="[텍스트]" custT="1"/>
+      <dgm:spPr/>
+      <dgm:t>
+        <a:bodyPr/>
+        <a:lstStyle/>
+        <a:p>
+          <a:pPr latinLnBrk="1"/>
+          <a:r>
+            <a:rPr lang="en-US" altLang="ko-KR" sz="1400">
+              <a:solidFill>
+                <a:schemeClr val="tx2"/>
+              </a:solidFill>
+            </a:rPr>
+            <a:t>3</a:t>
+          </a:r>
+          <a:r>
+            <a:rPr lang="en-US" altLang="ko-KR" sz="1400"/>
+            <a:t> / </a:t>
+          </a:r>
+          <a:r>
+            <a:rPr lang="en-US" altLang="ko-KR" sz="1400">
+              <a:solidFill>
+                <a:schemeClr val="accent2"/>
+              </a:solidFill>
+            </a:rPr>
+            <a:t>1</a:t>
+          </a:r>
+          <a:r>
+            <a:rPr lang="en-US" altLang="ko-KR" sz="1400">
+              <a:solidFill>
+                <a:schemeClr val="tx2"/>
+              </a:solidFill>
+            </a:rPr>
+            <a:t>  </a:t>
+          </a:r>
+          <a:br>
+            <a:rPr lang="en-US" altLang="ko-KR" sz="1400">
+              <a:solidFill>
+                <a:schemeClr val="accent3"/>
+              </a:solidFill>
+            </a:rPr>
+          </a:br>
+          <a:r>
+            <a:rPr lang="en-US" altLang="ko-KR" sz="1100">
+              <a:solidFill>
+                <a:schemeClr val="tx1"/>
+              </a:solidFill>
+            </a:rPr>
+            <a:t>C Process</a:t>
+          </a:r>
+          <a:endParaRPr lang="ko-KR" altLang="en-US" sz="1400">
+            <a:solidFill>
+              <a:schemeClr val="tx1"/>
+            </a:solidFill>
+          </a:endParaRPr>
+        </a:p>
+      </dgm:t>
+    </dgm:pt>
+    <dgm:pt modelId="{6EF05690-C8E8-4406-8444-743C199F56BC}" type="parTrans" cxnId="{5DD272AD-E66E-4B24-B3D2-5D46D885B5DA}">
+      <dgm:prSet/>
+      <dgm:spPr/>
+      <dgm:t>
+        <a:bodyPr/>
+        <a:lstStyle/>
+        <a:p>
+          <a:pPr latinLnBrk="1"/>
+          <a:endParaRPr lang="ko-KR" altLang="en-US" sz="1100"/>
+        </a:p>
+      </dgm:t>
+    </dgm:pt>
+    <dgm:pt modelId="{01783217-425C-490B-A55A-A07A5A6888C2}" type="sibTrans" cxnId="{5DD272AD-E66E-4B24-B3D2-5D46D885B5DA}">
+      <dgm:prSet/>
+      <dgm:spPr/>
+      <dgm:t>
+        <a:bodyPr/>
+        <a:lstStyle/>
+        <a:p>
+          <a:pPr latinLnBrk="1"/>
+          <a:endParaRPr lang="ko-KR" altLang="en-US" sz="1100"/>
+        </a:p>
+      </dgm:t>
+    </dgm:pt>
+    <dgm:pt modelId="{7500F060-964C-43FE-97C6-2112F1355715}">
+      <dgm:prSet phldrT="[텍스트]" custT="1"/>
+      <dgm:spPr/>
+      <dgm:t>
+        <a:bodyPr/>
+        <a:lstStyle/>
+        <a:p>
+          <a:pPr latinLnBrk="1"/>
+          <a:r>
+            <a:rPr lang="en-US" altLang="ko-KR" sz="1400">
+              <a:solidFill>
+                <a:schemeClr val="tx2"/>
+              </a:solidFill>
+            </a:rPr>
+            <a:t>6</a:t>
+          </a:r>
+          <a:r>
+            <a:rPr lang="en-US" altLang="ko-KR" sz="1400"/>
+            <a:t> / </a:t>
+          </a:r>
+          <a:r>
+            <a:rPr lang="en-US" altLang="ko-KR" sz="1400">
+              <a:solidFill>
+                <a:schemeClr val="accent2"/>
+              </a:solidFill>
+            </a:rPr>
+            <a:t>2</a:t>
+          </a:r>
+          <a:br>
+            <a:rPr lang="en-US" altLang="ko-KR" sz="1400">
+              <a:solidFill>
+                <a:schemeClr val="accent6"/>
+              </a:solidFill>
+            </a:rPr>
+          </a:br>
+          <a:r>
+            <a:rPr lang="en-US" altLang="ko-KR" sz="1100">
+              <a:solidFill>
+                <a:schemeClr val="tx1"/>
+              </a:solidFill>
+            </a:rPr>
+            <a:t>F Process</a:t>
+          </a:r>
+          <a:endParaRPr lang="ko-KR" altLang="en-US" sz="1400">
+            <a:solidFill>
+              <a:schemeClr val="tx1"/>
+            </a:solidFill>
+          </a:endParaRPr>
+        </a:p>
+      </dgm:t>
+    </dgm:pt>
+    <dgm:pt modelId="{10F352D4-86F7-4CC3-AA31-95571F691B4D}" type="sibTrans" cxnId="{80EC6602-AEB1-46C3-A77F-0FE0F3638958}">
+      <dgm:prSet/>
+      <dgm:spPr/>
+      <dgm:t>
+        <a:bodyPr/>
+        <a:lstStyle/>
+        <a:p>
+          <a:pPr latinLnBrk="1"/>
+          <a:endParaRPr lang="ko-KR" altLang="en-US" sz="1100"/>
+        </a:p>
+      </dgm:t>
+    </dgm:pt>
+    <dgm:pt modelId="{0E63C75E-3BB9-43D2-AF80-02C272ECA11E}" type="parTrans" cxnId="{80EC6602-AEB1-46C3-A77F-0FE0F3638958}">
+      <dgm:prSet/>
+      <dgm:spPr/>
+      <dgm:t>
+        <a:bodyPr/>
+        <a:lstStyle/>
+        <a:p>
+          <a:pPr latinLnBrk="1"/>
+          <a:endParaRPr lang="ko-KR" altLang="en-US" sz="1100"/>
+        </a:p>
+      </dgm:t>
+    </dgm:pt>
+    <dgm:pt modelId="{1F75D6B3-1736-467B-ADFC-2E035CAB7949}">
+      <dgm:prSet phldrT="[텍스트]" custT="1"/>
+      <dgm:spPr/>
+      <dgm:t>
+        <a:bodyPr/>
+        <a:lstStyle/>
+        <a:p>
+          <a:pPr latinLnBrk="1"/>
+          <a:r>
+            <a:rPr lang="en-US" altLang="ko-KR" sz="1400">
+              <a:solidFill>
+                <a:schemeClr val="tx2"/>
+              </a:solidFill>
+            </a:rPr>
+            <a:t>7</a:t>
+          </a:r>
+          <a:r>
+            <a:rPr lang="en-US" altLang="ko-KR" sz="1400"/>
+            <a:t> / </a:t>
+          </a:r>
+          <a:r>
+            <a:rPr lang="en-US" altLang="ko-KR" sz="1400">
+              <a:solidFill>
+                <a:schemeClr val="accent2"/>
+              </a:solidFill>
+            </a:rPr>
+            <a:t>3</a:t>
+          </a:r>
+          <a:br>
+            <a:rPr lang="en-US" altLang="ko-KR" sz="1400">
+              <a:solidFill>
+                <a:schemeClr val="accent6"/>
+              </a:solidFill>
+            </a:rPr>
+          </a:br>
+          <a:r>
+            <a:rPr lang="en-US" altLang="ko-KR" sz="1100">
+              <a:solidFill>
+                <a:schemeClr val="tx1"/>
+              </a:solidFill>
+            </a:rPr>
+            <a:t>G Process</a:t>
+          </a:r>
+          <a:endParaRPr lang="ko-KR" altLang="en-US" sz="1400">
+            <a:solidFill>
+              <a:schemeClr val="tx1"/>
+            </a:solidFill>
+          </a:endParaRPr>
+        </a:p>
+      </dgm:t>
+    </dgm:pt>
+    <dgm:pt modelId="{5AE1E768-3B21-4970-8525-C332CC9DA1E3}" type="sibTrans" cxnId="{E1612E5A-1572-4EA3-B160-23EC8B85AF1D}">
+      <dgm:prSet/>
+      <dgm:spPr/>
+      <dgm:t>
+        <a:bodyPr/>
+        <a:lstStyle/>
+        <a:p>
+          <a:pPr latinLnBrk="1"/>
+          <a:endParaRPr lang="ko-KR" altLang="en-US" sz="1100"/>
+        </a:p>
+      </dgm:t>
+    </dgm:pt>
+    <dgm:pt modelId="{6CDEDAEB-224D-4518-92C9-87B172708FE9}" type="parTrans" cxnId="{E1612E5A-1572-4EA3-B160-23EC8B85AF1D}">
+      <dgm:prSet/>
+      <dgm:spPr/>
+      <dgm:t>
+        <a:bodyPr/>
+        <a:lstStyle/>
+        <a:p>
+          <a:pPr latinLnBrk="1"/>
+          <a:endParaRPr lang="ko-KR" altLang="en-US" sz="1100"/>
+        </a:p>
+      </dgm:t>
+    </dgm:pt>
+    <dgm:pt modelId="{F0361E8B-9037-412D-98C8-6C6200F37606}">
+      <dgm:prSet phldrT="[텍스트]" custT="1"/>
+      <dgm:spPr/>
+      <dgm:t>
+        <a:bodyPr/>
+        <a:lstStyle/>
+        <a:p>
+          <a:pPr latinLnBrk="1"/>
+          <a:r>
+            <a:rPr lang="en-US" altLang="ko-KR" sz="1400">
+              <a:solidFill>
+                <a:schemeClr val="tx2"/>
+              </a:solidFill>
+            </a:rPr>
+            <a:t>8</a:t>
+          </a:r>
+          <a:r>
+            <a:rPr lang="en-US" altLang="ko-KR" sz="1400"/>
+            <a:t> / </a:t>
+          </a:r>
+          <a:r>
+            <a:rPr lang="en-US" altLang="ko-KR" sz="1400">
+              <a:solidFill>
+                <a:schemeClr val="accent2"/>
+              </a:solidFill>
+            </a:rPr>
+            <a:t>4</a:t>
+          </a:r>
+          <a:br>
+            <a:rPr lang="en-US" altLang="ko-KR" sz="1400">
+              <a:solidFill>
+                <a:schemeClr val="accent6"/>
+              </a:solidFill>
+            </a:rPr>
+          </a:br>
+          <a:r>
+            <a:rPr lang="en-US" altLang="ko-KR" sz="1100">
+              <a:solidFill>
+                <a:schemeClr val="tx1"/>
+              </a:solidFill>
+            </a:rPr>
+            <a:t>H Process</a:t>
+          </a:r>
+          <a:endParaRPr lang="en-US" altLang="ko-KR" sz="1400">
+            <a:solidFill>
+              <a:schemeClr val="tx1"/>
+            </a:solidFill>
+          </a:endParaRPr>
+        </a:p>
+      </dgm:t>
+    </dgm:pt>
+    <dgm:pt modelId="{E7D90D52-C1C8-4454-B9D9-0E979F93D238}" type="sibTrans" cxnId="{C45C9C3B-827E-4D52-8197-85DE6D721429}">
+      <dgm:prSet/>
+      <dgm:spPr/>
+      <dgm:t>
+        <a:bodyPr/>
+        <a:lstStyle/>
+        <a:p>
+          <a:pPr latinLnBrk="1"/>
+          <a:endParaRPr lang="ko-KR" altLang="en-US" sz="1100"/>
+        </a:p>
+      </dgm:t>
+    </dgm:pt>
+    <dgm:pt modelId="{6BFB2793-8E47-4116-A996-5A2682D86B5D}" type="parTrans" cxnId="{C45C9C3B-827E-4D52-8197-85DE6D721429}">
+      <dgm:prSet/>
+      <dgm:spPr/>
+      <dgm:t>
+        <a:bodyPr/>
+        <a:lstStyle/>
+        <a:p>
+          <a:pPr latinLnBrk="1"/>
+          <a:endParaRPr lang="ko-KR" altLang="en-US" sz="1100"/>
+        </a:p>
+      </dgm:t>
+    </dgm:pt>
+    <dgm:pt modelId="{13278C24-D517-46E3-A80C-544A47DF8FD5}">
+      <dgm:prSet phldrT="[텍스트]" custT="1"/>
+      <dgm:spPr/>
+      <dgm:t>
+        <a:bodyPr/>
+        <a:lstStyle/>
+        <a:p>
+          <a:pPr latinLnBrk="1"/>
+          <a:r>
+            <a:rPr lang="en-US" altLang="ko-KR" sz="1400">
+              <a:solidFill>
+                <a:schemeClr val="tx2"/>
+              </a:solidFill>
+            </a:rPr>
+            <a:t>5</a:t>
+          </a:r>
+          <a:br>
+            <a:rPr lang="en-US" altLang="ko-KR" sz="1400">
+              <a:solidFill>
+                <a:schemeClr val="accent2"/>
+              </a:solidFill>
+            </a:rPr>
+          </a:br>
+          <a:r>
+            <a:rPr lang="en-US" altLang="ko-KR" sz="1100">
+              <a:solidFill>
+                <a:schemeClr val="tx1"/>
+              </a:solidFill>
+            </a:rPr>
+            <a:t>E Process</a:t>
+          </a:r>
+          <a:endParaRPr lang="ko-KR" altLang="en-US" sz="1100">
+            <a:solidFill>
+              <a:schemeClr val="tx1"/>
+            </a:solidFill>
+          </a:endParaRPr>
+        </a:p>
+      </dgm:t>
+    </dgm:pt>
+    <dgm:pt modelId="{318C091E-3AB0-49F5-8924-ABD0C6BDDD14}" type="sibTrans" cxnId="{E3E0D9D9-9307-43ED-9F32-A1DC8CBF6E65}">
+      <dgm:prSet/>
+      <dgm:spPr/>
+      <dgm:t>
+        <a:bodyPr/>
+        <a:lstStyle/>
+        <a:p>
+          <a:pPr latinLnBrk="1"/>
+          <a:endParaRPr lang="ko-KR" altLang="en-US" sz="1100"/>
+        </a:p>
+      </dgm:t>
+    </dgm:pt>
+    <dgm:pt modelId="{6B322DE4-CF72-4CE0-853B-1907FE8E4E91}" type="parTrans" cxnId="{E3E0D9D9-9307-43ED-9F32-A1DC8CBF6E65}">
+      <dgm:prSet/>
+      <dgm:spPr/>
+      <dgm:t>
+        <a:bodyPr/>
+        <a:lstStyle/>
+        <a:p>
+          <a:pPr latinLnBrk="1"/>
+          <a:endParaRPr lang="ko-KR" altLang="en-US" sz="1100"/>
+        </a:p>
+      </dgm:t>
+    </dgm:pt>
+    <dgm:pt modelId="{8D7B0A8E-724F-4ED4-B60B-CB018C6C9AA4}" type="pres">
+      <dgm:prSet presAssocID="{DFD0CAB2-157B-4176-BCFC-2FBBA3D762B1}" presName="mainComposite" presStyleCnt="0">
+        <dgm:presLayoutVars>
+          <dgm:chPref val="1"/>
+          <dgm:dir/>
+          <dgm:animOne val="branch"/>
+          <dgm:animLvl val="lvl"/>
+          <dgm:resizeHandles val="exact"/>
+        </dgm:presLayoutVars>
+      </dgm:prSet>
+      <dgm:spPr/>
+    </dgm:pt>
+    <dgm:pt modelId="{D4D04B3C-2ECF-49A4-B976-DAFC86CA8BCA}" type="pres">
+      <dgm:prSet presAssocID="{DFD0CAB2-157B-4176-BCFC-2FBBA3D762B1}" presName="hierFlow" presStyleCnt="0"/>
+      <dgm:spPr/>
+    </dgm:pt>
+    <dgm:pt modelId="{9D998A7C-161A-433A-B921-D3F99022E01E}" type="pres">
+      <dgm:prSet presAssocID="{DFD0CAB2-157B-4176-BCFC-2FBBA3D762B1}" presName="hierChild1" presStyleCnt="0">
+        <dgm:presLayoutVars>
+          <dgm:chPref val="1"/>
+          <dgm:animOne val="branch"/>
+          <dgm:animLvl val="lvl"/>
+        </dgm:presLayoutVars>
+      </dgm:prSet>
+      <dgm:spPr/>
+    </dgm:pt>
+    <dgm:pt modelId="{2DEBBCC0-2EB4-4542-8123-0257C27CDA7D}" type="pres">
+      <dgm:prSet presAssocID="{816DDED8-0159-4FBD-80E5-7DEE6513FC4E}" presName="Name14" presStyleCnt="0"/>
+      <dgm:spPr/>
+    </dgm:pt>
+    <dgm:pt modelId="{2013A1B7-FA65-48E2-AD42-8E40B1FA7D33}" type="pres">
+      <dgm:prSet presAssocID="{816DDED8-0159-4FBD-80E5-7DEE6513FC4E}" presName="level1Shape" presStyleLbl="node0" presStyleIdx="0" presStyleCnt="1" custScaleY="65741">
+        <dgm:presLayoutVars>
+          <dgm:chPref val="3"/>
+        </dgm:presLayoutVars>
+      </dgm:prSet>
+      <dgm:spPr/>
+    </dgm:pt>
+    <dgm:pt modelId="{FCB945E5-5DBC-4D20-ADFA-2D11232B10BA}" type="pres">
+      <dgm:prSet presAssocID="{816DDED8-0159-4FBD-80E5-7DEE6513FC4E}" presName="hierChild2" presStyleCnt="0"/>
+      <dgm:spPr/>
+    </dgm:pt>
+    <dgm:pt modelId="{5FD6F33C-560E-4CAD-B5A1-2A4FD41C4CB4}" type="pres">
+      <dgm:prSet presAssocID="{E27D4E76-D04B-44EA-B806-FC0C1850B0A6}" presName="Name19" presStyleLbl="parChTrans1D2" presStyleIdx="0" presStyleCnt="2"/>
+      <dgm:spPr/>
+    </dgm:pt>
+    <dgm:pt modelId="{A9D4378B-78B1-4848-A8BE-B42B83B42055}" type="pres">
+      <dgm:prSet presAssocID="{9113DB8F-061E-4657-9025-80682929C5A4}" presName="Name21" presStyleCnt="0"/>
+      <dgm:spPr/>
+    </dgm:pt>
+    <dgm:pt modelId="{54009E27-826B-4F8C-8850-62614D56D803}" type="pres">
+      <dgm:prSet presAssocID="{9113DB8F-061E-4657-9025-80682929C5A4}" presName="level2Shape" presStyleLbl="node2" presStyleIdx="0" presStyleCnt="2" custScaleY="65741"/>
+      <dgm:spPr/>
+    </dgm:pt>
+    <dgm:pt modelId="{16B6CD83-1620-470C-B84E-F0DF09B9B077}" type="pres">
+      <dgm:prSet presAssocID="{9113DB8F-061E-4657-9025-80682929C5A4}" presName="hierChild3" presStyleCnt="0"/>
+      <dgm:spPr/>
+    </dgm:pt>
+    <dgm:pt modelId="{5B4B4C1C-DDB0-45F3-862A-173218B11B86}" type="pres">
+      <dgm:prSet presAssocID="{142E2EE6-8AD2-4AB9-841B-B1826D46351A}" presName="Name19" presStyleLbl="parChTrans1D3" presStyleIdx="0" presStyleCnt="3"/>
+      <dgm:spPr/>
+    </dgm:pt>
+    <dgm:pt modelId="{997E2772-7F52-4E9F-9668-49C2DB8BF758}" type="pres">
+      <dgm:prSet presAssocID="{01CD5A6D-5886-4D1A-BD8D-DAF97A694EAF}" presName="Name21" presStyleCnt="0"/>
+      <dgm:spPr/>
+    </dgm:pt>
+    <dgm:pt modelId="{CCC33332-F693-40CB-8E4C-5613E0CF1F2E}" type="pres">
+      <dgm:prSet presAssocID="{01CD5A6D-5886-4D1A-BD8D-DAF97A694EAF}" presName="level2Shape" presStyleLbl="node3" presStyleIdx="0" presStyleCnt="3" custScaleY="65741"/>
+      <dgm:spPr/>
+    </dgm:pt>
+    <dgm:pt modelId="{0F2FF98E-7CF8-42D7-AB64-1354286C3D16}" type="pres">
+      <dgm:prSet presAssocID="{01CD5A6D-5886-4D1A-BD8D-DAF97A694EAF}" presName="hierChild3" presStyleCnt="0"/>
+      <dgm:spPr/>
+    </dgm:pt>
+    <dgm:pt modelId="{C3867941-32AC-48B9-908F-0E9F055C7B76}" type="pres">
+      <dgm:prSet presAssocID="{6B322DE4-CF72-4CE0-853B-1907FE8E4E91}" presName="Name19" presStyleLbl="parChTrans1D3" presStyleIdx="1" presStyleCnt="3"/>
+      <dgm:spPr/>
+    </dgm:pt>
+    <dgm:pt modelId="{039A052F-9BDD-45D9-A08F-BE580F47A16C}" type="pres">
+      <dgm:prSet presAssocID="{13278C24-D517-46E3-A80C-544A47DF8FD5}" presName="Name21" presStyleCnt="0"/>
+      <dgm:spPr/>
+    </dgm:pt>
+    <dgm:pt modelId="{A1436DF5-CB73-42FE-A6F5-6C546887899F}" type="pres">
+      <dgm:prSet presAssocID="{13278C24-D517-46E3-A80C-544A47DF8FD5}" presName="level2Shape" presStyleLbl="node3" presStyleIdx="1" presStyleCnt="3" custScaleY="65741"/>
+      <dgm:spPr/>
+    </dgm:pt>
+    <dgm:pt modelId="{64DD61A7-0A19-44BB-8AD9-C59FC7FFD205}" type="pres">
+      <dgm:prSet presAssocID="{13278C24-D517-46E3-A80C-544A47DF8FD5}" presName="hierChild3" presStyleCnt="0"/>
+      <dgm:spPr/>
+    </dgm:pt>
+    <dgm:pt modelId="{19688A33-068A-454C-938D-92D69A8AA5B1}" type="pres">
+      <dgm:prSet presAssocID="{6EF05690-C8E8-4406-8444-743C199F56BC}" presName="Name19" presStyleLbl="parChTrans1D2" presStyleIdx="1" presStyleCnt="2"/>
+      <dgm:spPr/>
+    </dgm:pt>
+    <dgm:pt modelId="{3355C564-B189-4C8D-9CE6-4E85BBE3A176}" type="pres">
+      <dgm:prSet presAssocID="{2877ECE4-DEA7-4304-AFE2-E98D924080C5}" presName="Name21" presStyleCnt="0"/>
+      <dgm:spPr/>
+    </dgm:pt>
+    <dgm:pt modelId="{046611DC-08B4-43B1-84AC-0889CCDA61E2}" type="pres">
+      <dgm:prSet presAssocID="{2877ECE4-DEA7-4304-AFE2-E98D924080C5}" presName="level2Shape" presStyleLbl="node2" presStyleIdx="1" presStyleCnt="2" custScaleY="65741"/>
+      <dgm:spPr/>
+    </dgm:pt>
+    <dgm:pt modelId="{1E907BB7-D058-4187-988A-25898A1EA34B}" type="pres">
+      <dgm:prSet presAssocID="{2877ECE4-DEA7-4304-AFE2-E98D924080C5}" presName="hierChild3" presStyleCnt="0"/>
+      <dgm:spPr/>
+    </dgm:pt>
+    <dgm:pt modelId="{7BA87A94-5498-40B1-89C8-3A76AF8C9E86}" type="pres">
+      <dgm:prSet presAssocID="{0E63C75E-3BB9-43D2-AF80-02C272ECA11E}" presName="Name19" presStyleLbl="parChTrans1D3" presStyleIdx="2" presStyleCnt="3"/>
+      <dgm:spPr/>
+    </dgm:pt>
+    <dgm:pt modelId="{ABDC8F87-418B-4D07-9CE2-016DC05FF7F9}" type="pres">
+      <dgm:prSet presAssocID="{7500F060-964C-43FE-97C6-2112F1355715}" presName="Name21" presStyleCnt="0"/>
+      <dgm:spPr/>
+    </dgm:pt>
+    <dgm:pt modelId="{1CD8FA4B-4AF8-44D8-9240-F85A4010455D}" type="pres">
+      <dgm:prSet presAssocID="{7500F060-964C-43FE-97C6-2112F1355715}" presName="level2Shape" presStyleLbl="node3" presStyleIdx="2" presStyleCnt="3" custScaleY="65741"/>
+      <dgm:spPr/>
+    </dgm:pt>
+    <dgm:pt modelId="{1F5F66E4-5DBF-42F2-94B6-10300BBA0E26}" type="pres">
+      <dgm:prSet presAssocID="{7500F060-964C-43FE-97C6-2112F1355715}" presName="hierChild3" presStyleCnt="0"/>
+      <dgm:spPr/>
+    </dgm:pt>
+    <dgm:pt modelId="{C147F960-799E-4D3E-8972-51704177D7BB}" type="pres">
+      <dgm:prSet presAssocID="{6CDEDAEB-224D-4518-92C9-87B172708FE9}" presName="Name19" presStyleLbl="parChTrans1D4" presStyleIdx="0" presStyleCnt="2"/>
+      <dgm:spPr/>
+    </dgm:pt>
+    <dgm:pt modelId="{45A544C8-857C-49CD-8BDF-4A0BC5883003}" type="pres">
+      <dgm:prSet presAssocID="{1F75D6B3-1736-467B-ADFC-2E035CAB7949}" presName="Name21" presStyleCnt="0"/>
+      <dgm:spPr/>
+    </dgm:pt>
+    <dgm:pt modelId="{9167913F-7EA4-4520-9EA9-29C5E77223E8}" type="pres">
+      <dgm:prSet presAssocID="{1F75D6B3-1736-467B-ADFC-2E035CAB7949}" presName="level2Shape" presStyleLbl="node4" presStyleIdx="0" presStyleCnt="2" custScaleY="65741"/>
+      <dgm:spPr/>
+    </dgm:pt>
+    <dgm:pt modelId="{D534A1E5-566C-4464-B665-B1338CAED943}" type="pres">
+      <dgm:prSet presAssocID="{1F75D6B3-1736-467B-ADFC-2E035CAB7949}" presName="hierChild3" presStyleCnt="0"/>
+      <dgm:spPr/>
+    </dgm:pt>
+    <dgm:pt modelId="{D7B50342-A8DB-4E3B-BA5E-25FBE522F6C5}" type="pres">
+      <dgm:prSet presAssocID="{6BFB2793-8E47-4116-A996-5A2682D86B5D}" presName="Name19" presStyleLbl="parChTrans1D4" presStyleIdx="1" presStyleCnt="2"/>
+      <dgm:spPr/>
+    </dgm:pt>
+    <dgm:pt modelId="{E287ABC9-54DD-41FD-849D-24CD6E680638}" type="pres">
+      <dgm:prSet presAssocID="{F0361E8B-9037-412D-98C8-6C6200F37606}" presName="Name21" presStyleCnt="0"/>
+      <dgm:spPr/>
+    </dgm:pt>
+    <dgm:pt modelId="{09321B55-5C54-4395-A776-7C56F08B0444}" type="pres">
+      <dgm:prSet presAssocID="{F0361E8B-9037-412D-98C8-6C6200F37606}" presName="level2Shape" presStyleLbl="node4" presStyleIdx="1" presStyleCnt="2" custScaleY="65741"/>
+      <dgm:spPr/>
+    </dgm:pt>
+    <dgm:pt modelId="{6819307C-79EF-4903-A2BD-69C8803F0AB3}" type="pres">
+      <dgm:prSet presAssocID="{F0361E8B-9037-412D-98C8-6C6200F37606}" presName="hierChild3" presStyleCnt="0"/>
+      <dgm:spPr/>
+    </dgm:pt>
+    <dgm:pt modelId="{C4048EAC-8713-423B-9A8A-BD2BB8CE73B8}" type="pres">
+      <dgm:prSet presAssocID="{DFD0CAB2-157B-4176-BCFC-2FBBA3D762B1}" presName="bgShapesFlow" presStyleCnt="0"/>
+      <dgm:spPr/>
+    </dgm:pt>
+  </dgm:ptLst>
+  <dgm:cxnLst>
+    <dgm:cxn modelId="{80EC6602-AEB1-46C3-A77F-0FE0F3638958}" srcId="{2877ECE4-DEA7-4304-AFE2-E98D924080C5}" destId="{7500F060-964C-43FE-97C6-2112F1355715}" srcOrd="0" destOrd="0" parTransId="{0E63C75E-3BB9-43D2-AF80-02C272ECA11E}" sibTransId="{10F352D4-86F7-4CC3-AA31-95571F691B4D}"/>
+    <dgm:cxn modelId="{A3F9C307-DD43-4EDB-B12D-2ED62EEEB15C}" srcId="{816DDED8-0159-4FBD-80E5-7DEE6513FC4E}" destId="{9113DB8F-061E-4657-9025-80682929C5A4}" srcOrd="0" destOrd="0" parTransId="{E27D4E76-D04B-44EA-B806-FC0C1850B0A6}" sibTransId="{47B81702-40BF-472F-AB96-8A6AC4E4B747}"/>
+    <dgm:cxn modelId="{8D0A920C-BF0C-49A9-A146-99CE872CB607}" type="presOf" srcId="{F0361E8B-9037-412D-98C8-6C6200F37606}" destId="{09321B55-5C54-4395-A776-7C56F08B0444}" srcOrd="0" destOrd="0" presId="urn:microsoft.com/office/officeart/2005/8/layout/hierarchy6"/>
+    <dgm:cxn modelId="{804AEB11-FDB4-406B-91ED-0CBCE09E8517}" type="presOf" srcId="{6B322DE4-CF72-4CE0-853B-1907FE8E4E91}" destId="{C3867941-32AC-48B9-908F-0E9F055C7B76}" srcOrd="0" destOrd="0" presId="urn:microsoft.com/office/officeart/2005/8/layout/hierarchy6"/>
+    <dgm:cxn modelId="{565AAA24-2FB1-4473-9FB7-DEE2045EA266}" type="presOf" srcId="{6EF05690-C8E8-4406-8444-743C199F56BC}" destId="{19688A33-068A-454C-938D-92D69A8AA5B1}" srcOrd="0" destOrd="0" presId="urn:microsoft.com/office/officeart/2005/8/layout/hierarchy6"/>
+    <dgm:cxn modelId="{FE7BDE24-FB49-402E-91DC-246D34221F88}" type="presOf" srcId="{DFD0CAB2-157B-4176-BCFC-2FBBA3D762B1}" destId="{8D7B0A8E-724F-4ED4-B60B-CB018C6C9AA4}" srcOrd="0" destOrd="0" presId="urn:microsoft.com/office/officeart/2005/8/layout/hierarchy6"/>
+    <dgm:cxn modelId="{C45C9C3B-827E-4D52-8197-85DE6D721429}" srcId="{7500F060-964C-43FE-97C6-2112F1355715}" destId="{F0361E8B-9037-412D-98C8-6C6200F37606}" srcOrd="1" destOrd="0" parTransId="{6BFB2793-8E47-4116-A996-5A2682D86B5D}" sibTransId="{E7D90D52-C1C8-4454-B9D9-0E979F93D238}"/>
+    <dgm:cxn modelId="{AA6F7765-8B70-4A2A-BABA-C6634DCBF41D}" type="presOf" srcId="{E27D4E76-D04B-44EA-B806-FC0C1850B0A6}" destId="{5FD6F33C-560E-4CAD-B5A1-2A4FD41C4CB4}" srcOrd="0" destOrd="0" presId="urn:microsoft.com/office/officeart/2005/8/layout/hierarchy6"/>
+    <dgm:cxn modelId="{05847066-2C4A-4E01-9D96-C11EC40C8149}" type="presOf" srcId="{142E2EE6-8AD2-4AB9-841B-B1826D46351A}" destId="{5B4B4C1C-DDB0-45F3-862A-173218B11B86}" srcOrd="0" destOrd="0" presId="urn:microsoft.com/office/officeart/2005/8/layout/hierarchy6"/>
+    <dgm:cxn modelId="{86C67367-E885-429F-AD6F-91C0F2196B9E}" type="presOf" srcId="{9113DB8F-061E-4657-9025-80682929C5A4}" destId="{54009E27-826B-4F8C-8850-62614D56D803}" srcOrd="0" destOrd="0" presId="urn:microsoft.com/office/officeart/2005/8/layout/hierarchy6"/>
+    <dgm:cxn modelId="{2F85EC73-FD2C-4A0A-86AE-0A61A238778F}" type="presOf" srcId="{6BFB2793-8E47-4116-A996-5A2682D86B5D}" destId="{D7B50342-A8DB-4E3B-BA5E-25FBE522F6C5}" srcOrd="0" destOrd="0" presId="urn:microsoft.com/office/officeart/2005/8/layout/hierarchy6"/>
+    <dgm:cxn modelId="{741C8258-6E0D-4528-8463-504C464C6D5F}" type="presOf" srcId="{13278C24-D517-46E3-A80C-544A47DF8FD5}" destId="{A1436DF5-CB73-42FE-A6F5-6C546887899F}" srcOrd="0" destOrd="0" presId="urn:microsoft.com/office/officeart/2005/8/layout/hierarchy6"/>
+    <dgm:cxn modelId="{E1612E5A-1572-4EA3-B160-23EC8B85AF1D}" srcId="{7500F060-964C-43FE-97C6-2112F1355715}" destId="{1F75D6B3-1736-467B-ADFC-2E035CAB7949}" srcOrd="0" destOrd="0" parTransId="{6CDEDAEB-224D-4518-92C9-87B172708FE9}" sibTransId="{5AE1E768-3B21-4970-8525-C332CC9DA1E3}"/>
+    <dgm:cxn modelId="{CD07E77B-F953-4693-A766-B2D388371B64}" type="presOf" srcId="{816DDED8-0159-4FBD-80E5-7DEE6513FC4E}" destId="{2013A1B7-FA65-48E2-AD42-8E40B1FA7D33}" srcOrd="0" destOrd="0" presId="urn:microsoft.com/office/officeart/2005/8/layout/hierarchy6"/>
+    <dgm:cxn modelId="{1A76A47C-753D-49EC-8663-B133A9D971E2}" type="presOf" srcId="{7500F060-964C-43FE-97C6-2112F1355715}" destId="{1CD8FA4B-4AF8-44D8-9240-F85A4010455D}" srcOrd="0" destOrd="0" presId="urn:microsoft.com/office/officeart/2005/8/layout/hierarchy6"/>
+    <dgm:cxn modelId="{CCE62A7D-E4C5-439D-B3A2-BBB918F45E26}" srcId="{DFD0CAB2-157B-4176-BCFC-2FBBA3D762B1}" destId="{816DDED8-0159-4FBD-80E5-7DEE6513FC4E}" srcOrd="0" destOrd="0" parTransId="{716595D3-0C92-48BD-B94F-60E59D2070CA}" sibTransId="{BE71272E-DF10-41D5-B1A8-D50AE65ECE9E}"/>
+    <dgm:cxn modelId="{1B299781-EA0E-4A0B-A6B2-CB10D3C323E7}" type="presOf" srcId="{6CDEDAEB-224D-4518-92C9-87B172708FE9}" destId="{C147F960-799E-4D3E-8972-51704177D7BB}" srcOrd="0" destOrd="0" presId="urn:microsoft.com/office/officeart/2005/8/layout/hierarchy6"/>
+    <dgm:cxn modelId="{2751E091-8AF7-4FC8-A98C-2E02E5980D3B}" type="presOf" srcId="{2877ECE4-DEA7-4304-AFE2-E98D924080C5}" destId="{046611DC-08B4-43B1-84AC-0889CCDA61E2}" srcOrd="0" destOrd="0" presId="urn:microsoft.com/office/officeart/2005/8/layout/hierarchy6"/>
+    <dgm:cxn modelId="{5EB54192-8024-4357-BFAF-569016BDFF4B}" srcId="{9113DB8F-061E-4657-9025-80682929C5A4}" destId="{01CD5A6D-5886-4D1A-BD8D-DAF97A694EAF}" srcOrd="0" destOrd="0" parTransId="{142E2EE6-8AD2-4AB9-841B-B1826D46351A}" sibTransId="{8BACB6AC-502C-45BD-B6F0-2E4BAC022EC3}"/>
+    <dgm:cxn modelId="{5DD272AD-E66E-4B24-B3D2-5D46D885B5DA}" srcId="{816DDED8-0159-4FBD-80E5-7DEE6513FC4E}" destId="{2877ECE4-DEA7-4304-AFE2-E98D924080C5}" srcOrd="1" destOrd="0" parTransId="{6EF05690-C8E8-4406-8444-743C199F56BC}" sibTransId="{01783217-425C-490B-A55A-A07A5A6888C2}"/>
+    <dgm:cxn modelId="{F56F82B7-589E-4005-859E-96F89D321272}" type="presOf" srcId="{1F75D6B3-1736-467B-ADFC-2E035CAB7949}" destId="{9167913F-7EA4-4520-9EA9-29C5E77223E8}" srcOrd="0" destOrd="0" presId="urn:microsoft.com/office/officeart/2005/8/layout/hierarchy6"/>
+    <dgm:cxn modelId="{E3E0D9D9-9307-43ED-9F32-A1DC8CBF6E65}" srcId="{9113DB8F-061E-4657-9025-80682929C5A4}" destId="{13278C24-D517-46E3-A80C-544A47DF8FD5}" srcOrd="1" destOrd="0" parTransId="{6B322DE4-CF72-4CE0-853B-1907FE8E4E91}" sibTransId="{318C091E-3AB0-49F5-8924-ABD0C6BDDD14}"/>
+    <dgm:cxn modelId="{1516AADE-BE35-4A11-B9D2-AD1DB5003FD1}" type="presOf" srcId="{0E63C75E-3BB9-43D2-AF80-02C272ECA11E}" destId="{7BA87A94-5498-40B1-89C8-3A76AF8C9E86}" srcOrd="0" destOrd="0" presId="urn:microsoft.com/office/officeart/2005/8/layout/hierarchy6"/>
+    <dgm:cxn modelId="{CBE16FE9-2873-4770-AF0F-852447A3A7E5}" type="presOf" srcId="{01CD5A6D-5886-4D1A-BD8D-DAF97A694EAF}" destId="{CCC33332-F693-40CB-8E4C-5613E0CF1F2E}" srcOrd="0" destOrd="0" presId="urn:microsoft.com/office/officeart/2005/8/layout/hierarchy6"/>
+    <dgm:cxn modelId="{57043C33-10FA-4E63-88BD-D41701F6D0F7}" type="presParOf" srcId="{8D7B0A8E-724F-4ED4-B60B-CB018C6C9AA4}" destId="{D4D04B3C-2ECF-49A4-B976-DAFC86CA8BCA}" srcOrd="0" destOrd="0" presId="urn:microsoft.com/office/officeart/2005/8/layout/hierarchy6"/>
+    <dgm:cxn modelId="{6C5DC164-9F90-4224-AEC7-7262B0EA4004}" type="presParOf" srcId="{D4D04B3C-2ECF-49A4-B976-DAFC86CA8BCA}" destId="{9D998A7C-161A-433A-B921-D3F99022E01E}" srcOrd="0" destOrd="0" presId="urn:microsoft.com/office/officeart/2005/8/layout/hierarchy6"/>
+    <dgm:cxn modelId="{A8BC7D90-94D4-4A06-9560-2856DC7B30BA}" type="presParOf" srcId="{9D998A7C-161A-433A-B921-D3F99022E01E}" destId="{2DEBBCC0-2EB4-4542-8123-0257C27CDA7D}" srcOrd="0" destOrd="0" presId="urn:microsoft.com/office/officeart/2005/8/layout/hierarchy6"/>
+    <dgm:cxn modelId="{DAD80A2B-FF62-4D93-B09B-57E1EAA25CB6}" type="presParOf" srcId="{2DEBBCC0-2EB4-4542-8123-0257C27CDA7D}" destId="{2013A1B7-FA65-48E2-AD42-8E40B1FA7D33}" srcOrd="0" destOrd="0" presId="urn:microsoft.com/office/officeart/2005/8/layout/hierarchy6"/>
+    <dgm:cxn modelId="{66C9E1A5-9E38-45D7-9F86-DF9259A680DD}" type="presParOf" srcId="{2DEBBCC0-2EB4-4542-8123-0257C27CDA7D}" destId="{FCB945E5-5DBC-4D20-ADFA-2D11232B10BA}" srcOrd="1" destOrd="0" presId="urn:microsoft.com/office/officeart/2005/8/layout/hierarchy6"/>
+    <dgm:cxn modelId="{558BE4CA-320D-4B08-A16A-65844C8A3012}" type="presParOf" srcId="{FCB945E5-5DBC-4D20-ADFA-2D11232B10BA}" destId="{5FD6F33C-560E-4CAD-B5A1-2A4FD41C4CB4}" srcOrd="0" destOrd="0" presId="urn:microsoft.com/office/officeart/2005/8/layout/hierarchy6"/>
+    <dgm:cxn modelId="{B2FBA260-B3B3-4B75-8285-0359F383C4BC}" type="presParOf" srcId="{FCB945E5-5DBC-4D20-ADFA-2D11232B10BA}" destId="{A9D4378B-78B1-4848-A8BE-B42B83B42055}" srcOrd="1" destOrd="0" presId="urn:microsoft.com/office/officeart/2005/8/layout/hierarchy6"/>
+    <dgm:cxn modelId="{EE258684-3219-43F2-A1AC-25808BB5B3DB}" type="presParOf" srcId="{A9D4378B-78B1-4848-A8BE-B42B83B42055}" destId="{54009E27-826B-4F8C-8850-62614D56D803}" srcOrd="0" destOrd="0" presId="urn:microsoft.com/office/officeart/2005/8/layout/hierarchy6"/>
+    <dgm:cxn modelId="{E0B059FC-08A2-4EDC-AC19-64AFCCA1CAC9}" type="presParOf" srcId="{A9D4378B-78B1-4848-A8BE-B42B83B42055}" destId="{16B6CD83-1620-470C-B84E-F0DF09B9B077}" srcOrd="1" destOrd="0" presId="urn:microsoft.com/office/officeart/2005/8/layout/hierarchy6"/>
+    <dgm:cxn modelId="{EEF7E36F-570A-47D2-8C59-C8153FABA303}" type="presParOf" srcId="{16B6CD83-1620-470C-B84E-F0DF09B9B077}" destId="{5B4B4C1C-DDB0-45F3-862A-173218B11B86}" srcOrd="0" destOrd="0" presId="urn:microsoft.com/office/officeart/2005/8/layout/hierarchy6"/>
+    <dgm:cxn modelId="{1A9BF544-7E64-46E1-914A-F535BD142809}" type="presParOf" srcId="{16B6CD83-1620-470C-B84E-F0DF09B9B077}" destId="{997E2772-7F52-4E9F-9668-49C2DB8BF758}" srcOrd="1" destOrd="0" presId="urn:microsoft.com/office/officeart/2005/8/layout/hierarchy6"/>
+    <dgm:cxn modelId="{7294AA38-B959-4A8B-8A5E-295B9CA746A1}" type="presParOf" srcId="{997E2772-7F52-4E9F-9668-49C2DB8BF758}" destId="{CCC33332-F693-40CB-8E4C-5613E0CF1F2E}" srcOrd="0" destOrd="0" presId="urn:microsoft.com/office/officeart/2005/8/layout/hierarchy6"/>
+    <dgm:cxn modelId="{56B6D4D3-345B-469A-9907-CE0222FB5598}" type="presParOf" srcId="{997E2772-7F52-4E9F-9668-49C2DB8BF758}" destId="{0F2FF98E-7CF8-42D7-AB64-1354286C3D16}" srcOrd="1" destOrd="0" presId="urn:microsoft.com/office/officeart/2005/8/layout/hierarchy6"/>
+    <dgm:cxn modelId="{EECD5807-82EA-424C-A114-A36B6F666CFA}" type="presParOf" srcId="{16B6CD83-1620-470C-B84E-F0DF09B9B077}" destId="{C3867941-32AC-48B9-908F-0E9F055C7B76}" srcOrd="2" destOrd="0" presId="urn:microsoft.com/office/officeart/2005/8/layout/hierarchy6"/>
+    <dgm:cxn modelId="{1C7502A5-4591-4F3A-B6CC-562FDD4706A1}" type="presParOf" srcId="{16B6CD83-1620-470C-B84E-F0DF09B9B077}" destId="{039A052F-9BDD-45D9-A08F-BE580F47A16C}" srcOrd="3" destOrd="0" presId="urn:microsoft.com/office/officeart/2005/8/layout/hierarchy6"/>
+    <dgm:cxn modelId="{3631257B-BE3C-47C2-898D-FE537ECE16FD}" type="presParOf" srcId="{039A052F-9BDD-45D9-A08F-BE580F47A16C}" destId="{A1436DF5-CB73-42FE-A6F5-6C546887899F}" srcOrd="0" destOrd="0" presId="urn:microsoft.com/office/officeart/2005/8/layout/hierarchy6"/>
+    <dgm:cxn modelId="{A17033DC-CD4C-4DFD-9AB5-EC62DEFAEDA3}" type="presParOf" srcId="{039A052F-9BDD-45D9-A08F-BE580F47A16C}" destId="{64DD61A7-0A19-44BB-8AD9-C59FC7FFD205}" srcOrd="1" destOrd="0" presId="urn:microsoft.com/office/officeart/2005/8/layout/hierarchy6"/>
+    <dgm:cxn modelId="{50724D2F-228E-4BE1-88FB-E4E1A394A732}" type="presParOf" srcId="{FCB945E5-5DBC-4D20-ADFA-2D11232B10BA}" destId="{19688A33-068A-454C-938D-92D69A8AA5B1}" srcOrd="2" destOrd="0" presId="urn:microsoft.com/office/officeart/2005/8/layout/hierarchy6"/>
+    <dgm:cxn modelId="{9C62C91A-D88F-42D3-B6E3-0B4AD07BB075}" type="presParOf" srcId="{FCB945E5-5DBC-4D20-ADFA-2D11232B10BA}" destId="{3355C564-B189-4C8D-9CE6-4E85BBE3A176}" srcOrd="3" destOrd="0" presId="urn:microsoft.com/office/officeart/2005/8/layout/hierarchy6"/>
+    <dgm:cxn modelId="{C90ACBC9-EE34-4F84-8B65-A6F99A2940C8}" type="presParOf" srcId="{3355C564-B189-4C8D-9CE6-4E85BBE3A176}" destId="{046611DC-08B4-43B1-84AC-0889CCDA61E2}" srcOrd="0" destOrd="0" presId="urn:microsoft.com/office/officeart/2005/8/layout/hierarchy6"/>
+    <dgm:cxn modelId="{09757D06-7E92-4DA2-99CB-97CE589F6A05}" type="presParOf" srcId="{3355C564-B189-4C8D-9CE6-4E85BBE3A176}" destId="{1E907BB7-D058-4187-988A-25898A1EA34B}" srcOrd="1" destOrd="0" presId="urn:microsoft.com/office/officeart/2005/8/layout/hierarchy6"/>
+    <dgm:cxn modelId="{51968B0A-1BB4-4B84-A4F4-B4929F0FE7ED}" type="presParOf" srcId="{1E907BB7-D058-4187-988A-25898A1EA34B}" destId="{7BA87A94-5498-40B1-89C8-3A76AF8C9E86}" srcOrd="0" destOrd="0" presId="urn:microsoft.com/office/officeart/2005/8/layout/hierarchy6"/>
+    <dgm:cxn modelId="{C0796CF6-18E9-4F5A-BFDD-5828E39884EE}" type="presParOf" srcId="{1E907BB7-D058-4187-988A-25898A1EA34B}" destId="{ABDC8F87-418B-4D07-9CE2-016DC05FF7F9}" srcOrd="1" destOrd="0" presId="urn:microsoft.com/office/officeart/2005/8/layout/hierarchy6"/>
+    <dgm:cxn modelId="{05AEBE33-A3B6-45DF-AC4D-13EA842776F6}" type="presParOf" srcId="{ABDC8F87-418B-4D07-9CE2-016DC05FF7F9}" destId="{1CD8FA4B-4AF8-44D8-9240-F85A4010455D}" srcOrd="0" destOrd="0" presId="urn:microsoft.com/office/officeart/2005/8/layout/hierarchy6"/>
+    <dgm:cxn modelId="{47277586-88ED-42AE-9D9F-E843A7795F25}" type="presParOf" srcId="{ABDC8F87-418B-4D07-9CE2-016DC05FF7F9}" destId="{1F5F66E4-5DBF-42F2-94B6-10300BBA0E26}" srcOrd="1" destOrd="0" presId="urn:microsoft.com/office/officeart/2005/8/layout/hierarchy6"/>
+    <dgm:cxn modelId="{10C0862F-0A4D-4948-885C-A3F14606D726}" type="presParOf" srcId="{1F5F66E4-5DBF-42F2-94B6-10300BBA0E26}" destId="{C147F960-799E-4D3E-8972-51704177D7BB}" srcOrd="0" destOrd="0" presId="urn:microsoft.com/office/officeart/2005/8/layout/hierarchy6"/>
+    <dgm:cxn modelId="{4E019611-D8EF-4132-B38B-D1D88DD510DF}" type="presParOf" srcId="{1F5F66E4-5DBF-42F2-94B6-10300BBA0E26}" destId="{45A544C8-857C-49CD-8BDF-4A0BC5883003}" srcOrd="1" destOrd="0" presId="urn:microsoft.com/office/officeart/2005/8/layout/hierarchy6"/>
+    <dgm:cxn modelId="{FFD54257-0BA4-458B-BCC6-CA428DEE324A}" type="presParOf" srcId="{45A544C8-857C-49CD-8BDF-4A0BC5883003}" destId="{9167913F-7EA4-4520-9EA9-29C5E77223E8}" srcOrd="0" destOrd="0" presId="urn:microsoft.com/office/officeart/2005/8/layout/hierarchy6"/>
+    <dgm:cxn modelId="{0173E3F8-0239-44DF-97B2-4164D71B9098}" type="presParOf" srcId="{45A544C8-857C-49CD-8BDF-4A0BC5883003}" destId="{D534A1E5-566C-4464-B665-B1338CAED943}" srcOrd="1" destOrd="0" presId="urn:microsoft.com/office/officeart/2005/8/layout/hierarchy6"/>
+    <dgm:cxn modelId="{02C31DB9-4290-4E03-A1D9-090111D84937}" type="presParOf" srcId="{1F5F66E4-5DBF-42F2-94B6-10300BBA0E26}" destId="{D7B50342-A8DB-4E3B-BA5E-25FBE522F6C5}" srcOrd="2" destOrd="0" presId="urn:microsoft.com/office/officeart/2005/8/layout/hierarchy6"/>
+    <dgm:cxn modelId="{C815D8E3-76E7-4B6E-9C09-4580A04A96BA}" type="presParOf" srcId="{1F5F66E4-5DBF-42F2-94B6-10300BBA0E26}" destId="{E287ABC9-54DD-41FD-849D-24CD6E680638}" srcOrd="3" destOrd="0" presId="urn:microsoft.com/office/officeart/2005/8/layout/hierarchy6"/>
+    <dgm:cxn modelId="{63140D3F-5A49-4E52-9249-BEACF59C7D0D}" type="presParOf" srcId="{E287ABC9-54DD-41FD-849D-24CD6E680638}" destId="{09321B55-5C54-4395-A776-7C56F08B0444}" srcOrd="0" destOrd="0" presId="urn:microsoft.com/office/officeart/2005/8/layout/hierarchy6"/>
+    <dgm:cxn modelId="{C3064AB5-577F-4DC6-BC3F-1F3F66D8894C}" type="presParOf" srcId="{E287ABC9-54DD-41FD-849D-24CD6E680638}" destId="{6819307C-79EF-4903-A2BD-69C8803F0AB3}" srcOrd="1" destOrd="0" presId="urn:microsoft.com/office/officeart/2005/8/layout/hierarchy6"/>
+    <dgm:cxn modelId="{6CB33ECB-BB5E-4104-A935-0C14C361DF1C}" type="presParOf" srcId="{8D7B0A8E-724F-4ED4-B60B-CB018C6C9AA4}" destId="{C4048EAC-8713-423B-9A8A-BD2BB8CE73B8}" srcOrd="1" destOrd="0" presId="urn:microsoft.com/office/officeart/2005/8/layout/hierarchy6"/>
+  </dgm:cxnLst>
+  <dgm:bg/>
+  <dgm:whole/>
+  <dgm:extLst>
+    <a:ext uri="http://schemas.microsoft.com/office/drawing/2008/diagram">
+      <dsp:dataModelExt xmlns:dsp="http://schemas.microsoft.com/office/drawing/2008/diagram" relId="rId7" minVer="http://schemas.openxmlformats.org/drawingml/2006/diagram"/>
     </a:ext>
   </dgm:extLst>
 </dgm:dataModel>
@@ -5413,6 +7025,1327 @@
 </dsp:drawing>
 </file>
 
+<file path=ppt/diagrams/drawing3.xml><?xml version="1.0" encoding="utf-8"?>
+<dsp:drawing xmlns:dgm="http://schemas.openxmlformats.org/drawingml/2006/diagram" xmlns:dsp="http://schemas.microsoft.com/office/drawing/2008/diagram" xmlns:a="http://schemas.openxmlformats.org/drawingml/2006/main">
+  <dsp:spTree>
+    <dsp:nvGrpSpPr>
+      <dsp:cNvPr id="0" name=""/>
+      <dsp:cNvGrpSpPr/>
+    </dsp:nvGrpSpPr>
+    <dsp:grpSpPr/>
+    <dsp:sp modelId="{2013A1B7-FA65-48E2-AD42-8E40B1FA7D33}">
+      <dsp:nvSpPr>
+        <dsp:cNvPr id="0" name=""/>
+        <dsp:cNvSpPr/>
+      </dsp:nvSpPr>
+      <dsp:spPr>
+        <a:xfrm>
+          <a:off x="2270727" y="134206"/>
+          <a:ext cx="1162868" cy="509654"/>
+        </a:xfrm>
+        <a:prstGeom prst="roundRect">
+          <a:avLst>
+            <a:gd name="adj" fmla="val 10000"/>
+          </a:avLst>
+        </a:prstGeom>
+        <a:solidFill>
+          <a:schemeClr val="lt1">
+            <a:hueOff val="0"/>
+            <a:satOff val="0"/>
+            <a:lumOff val="0"/>
+            <a:alphaOff val="0"/>
+          </a:schemeClr>
+        </a:solidFill>
+        <a:ln w="25400" cap="flat" cmpd="sng" algn="ctr">
+          <a:solidFill>
+            <a:schemeClr val="dk1">
+              <a:shade val="80000"/>
+              <a:hueOff val="0"/>
+              <a:satOff val="0"/>
+              <a:lumOff val="0"/>
+              <a:alphaOff val="0"/>
+            </a:schemeClr>
+          </a:solidFill>
+          <a:prstDash val="solid"/>
+        </a:ln>
+        <a:effectLst/>
+      </dsp:spPr>
+      <dsp:style>
+        <a:lnRef idx="2">
+          <a:scrgbClr r="0" g="0" b="0"/>
+        </a:lnRef>
+        <a:fillRef idx="1">
+          <a:scrgbClr r="0" g="0" b="0"/>
+        </a:fillRef>
+        <a:effectRef idx="0">
+          <a:scrgbClr r="0" g="0" b="0"/>
+        </a:effectRef>
+        <a:fontRef idx="minor">
+          <a:schemeClr val="lt1"/>
+        </a:fontRef>
+      </dsp:style>
+      <dsp:txBody>
+        <a:bodyPr spcFirstLastPara="0" vert="horz" wrap="square" lIns="53340" tIns="53340" rIns="53340" bIns="53340" numCol="1" spcCol="1270" anchor="ctr" anchorCtr="0">
+          <a:noAutofit/>
+        </a:bodyPr>
+        <a:lstStyle/>
+        <a:p>
+          <a:pPr marL="0" lvl="0" indent="0" algn="ctr" defTabSz="622300" latinLnBrk="1">
+            <a:lnSpc>
+              <a:spcPct val="90000"/>
+            </a:lnSpc>
+            <a:spcBef>
+              <a:spcPct val="0"/>
+            </a:spcBef>
+            <a:spcAft>
+              <a:spcPct val="35000"/>
+            </a:spcAft>
+            <a:buNone/>
+          </a:pPr>
+          <a:r>
+            <a:rPr lang="en-US" altLang="ko-KR" sz="1400" kern="1200">
+              <a:solidFill>
+                <a:schemeClr val="tx2"/>
+              </a:solidFill>
+            </a:rPr>
+            <a:t>1 </a:t>
+          </a:r>
+          <a:br>
+            <a:rPr lang="en-US" altLang="ko-KR" sz="1400" kern="1200">
+              <a:solidFill>
+                <a:schemeClr val="tx2"/>
+              </a:solidFill>
+            </a:rPr>
+          </a:br>
+          <a:r>
+            <a:rPr lang="en-US" altLang="ko-KR" sz="1100" kern="1200">
+              <a:solidFill>
+                <a:schemeClr val="tx1"/>
+              </a:solidFill>
+            </a:rPr>
+            <a:t>A Process</a:t>
+          </a:r>
+          <a:endParaRPr lang="en-US" altLang="ko-KR" sz="1400" kern="1200">
+            <a:solidFill>
+              <a:schemeClr val="tx1"/>
+            </a:solidFill>
+          </a:endParaRPr>
+        </a:p>
+      </dsp:txBody>
+      <dsp:txXfrm>
+        <a:off x="2285654" y="149133"/>
+        <a:ext cx="1133014" cy="479800"/>
+      </dsp:txXfrm>
+    </dsp:sp>
+    <dsp:sp modelId="{5FD6F33C-560E-4CAD-B5A1-2A4FD41C4CB4}">
+      <dsp:nvSpPr>
+        <dsp:cNvPr id="0" name=""/>
+        <dsp:cNvSpPr/>
+      </dsp:nvSpPr>
+      <dsp:spPr>
+        <a:xfrm>
+          <a:off x="1340432" y="643860"/>
+          <a:ext cx="1511729" cy="310098"/>
+        </a:xfrm>
+        <a:custGeom>
+          <a:avLst/>
+          <a:gdLst/>
+          <a:ahLst/>
+          <a:cxnLst/>
+          <a:rect l="0" t="0" r="0" b="0"/>
+          <a:pathLst>
+            <a:path>
+              <a:moveTo>
+                <a:pt x="1511729" y="0"/>
+              </a:moveTo>
+              <a:lnTo>
+                <a:pt x="1511729" y="155049"/>
+              </a:lnTo>
+              <a:lnTo>
+                <a:pt x="0" y="155049"/>
+              </a:lnTo>
+              <a:lnTo>
+                <a:pt x="0" y="310098"/>
+              </a:lnTo>
+            </a:path>
+          </a:pathLst>
+        </a:custGeom>
+        <a:noFill/>
+        <a:ln w="25400" cap="flat" cmpd="sng" algn="ctr">
+          <a:solidFill>
+            <a:schemeClr val="dk1">
+              <a:shade val="60000"/>
+              <a:hueOff val="0"/>
+              <a:satOff val="0"/>
+              <a:lumOff val="0"/>
+              <a:alphaOff val="0"/>
+            </a:schemeClr>
+          </a:solidFill>
+          <a:prstDash val="solid"/>
+        </a:ln>
+        <a:effectLst/>
+      </dsp:spPr>
+      <dsp:style>
+        <a:lnRef idx="2">
+          <a:scrgbClr r="0" g="0" b="0"/>
+        </a:lnRef>
+        <a:fillRef idx="0">
+          <a:scrgbClr r="0" g="0" b="0"/>
+        </a:fillRef>
+        <a:effectRef idx="0">
+          <a:scrgbClr r="0" g="0" b="0"/>
+        </a:effectRef>
+        <a:fontRef idx="minor"/>
+      </dsp:style>
+    </dsp:sp>
+    <dsp:sp modelId="{54009E27-826B-4F8C-8850-62614D56D803}">
+      <dsp:nvSpPr>
+        <dsp:cNvPr id="0" name=""/>
+        <dsp:cNvSpPr/>
+      </dsp:nvSpPr>
+      <dsp:spPr>
+        <a:xfrm>
+          <a:off x="758998" y="953959"/>
+          <a:ext cx="1162868" cy="509654"/>
+        </a:xfrm>
+        <a:prstGeom prst="roundRect">
+          <a:avLst>
+            <a:gd name="adj" fmla="val 10000"/>
+          </a:avLst>
+        </a:prstGeom>
+        <a:solidFill>
+          <a:schemeClr val="lt1">
+            <a:hueOff val="0"/>
+            <a:satOff val="0"/>
+            <a:lumOff val="0"/>
+            <a:alphaOff val="0"/>
+          </a:schemeClr>
+        </a:solidFill>
+        <a:ln w="25400" cap="flat" cmpd="sng" algn="ctr">
+          <a:solidFill>
+            <a:schemeClr val="dk1">
+              <a:shade val="80000"/>
+              <a:hueOff val="0"/>
+              <a:satOff val="0"/>
+              <a:lumOff val="0"/>
+              <a:alphaOff val="0"/>
+            </a:schemeClr>
+          </a:solidFill>
+          <a:prstDash val="solid"/>
+        </a:ln>
+        <a:effectLst/>
+      </dsp:spPr>
+      <dsp:style>
+        <a:lnRef idx="2">
+          <a:scrgbClr r="0" g="0" b="0"/>
+        </a:lnRef>
+        <a:fillRef idx="1">
+          <a:scrgbClr r="0" g="0" b="0"/>
+        </a:fillRef>
+        <a:effectRef idx="0">
+          <a:scrgbClr r="0" g="0" b="0"/>
+        </a:effectRef>
+        <a:fontRef idx="minor">
+          <a:schemeClr val="lt1"/>
+        </a:fontRef>
+      </dsp:style>
+      <dsp:txBody>
+        <a:bodyPr spcFirstLastPara="0" vert="horz" wrap="square" lIns="53340" tIns="53340" rIns="53340" bIns="53340" numCol="1" spcCol="1270" anchor="ctr" anchorCtr="0">
+          <a:noAutofit/>
+        </a:bodyPr>
+        <a:lstStyle/>
+        <a:p>
+          <a:pPr marL="0" lvl="0" indent="0" algn="ctr" defTabSz="622300" latinLnBrk="1">
+            <a:lnSpc>
+              <a:spcPct val="90000"/>
+            </a:lnSpc>
+            <a:spcBef>
+              <a:spcPct val="0"/>
+            </a:spcBef>
+            <a:spcAft>
+              <a:spcPct val="35000"/>
+            </a:spcAft>
+            <a:buNone/>
+          </a:pPr>
+          <a:r>
+            <a:rPr lang="en-US" altLang="ko-KR" sz="1400" kern="1200">
+              <a:solidFill>
+                <a:schemeClr val="tx2"/>
+              </a:solidFill>
+            </a:rPr>
+            <a:t>2</a:t>
+          </a:r>
+          <a:br>
+            <a:rPr lang="en-US" altLang="ko-KR" sz="1400" kern="1200">
+              <a:solidFill>
+                <a:schemeClr val="accent2"/>
+              </a:solidFill>
+            </a:rPr>
+          </a:br>
+          <a:r>
+            <a:rPr lang="en-US" altLang="ko-KR" sz="1100" kern="1200">
+              <a:solidFill>
+                <a:schemeClr val="tx1"/>
+              </a:solidFill>
+            </a:rPr>
+            <a:t>B Process</a:t>
+          </a:r>
+          <a:endParaRPr lang="ko-KR" altLang="en-US" sz="1400" kern="1200">
+            <a:solidFill>
+              <a:schemeClr val="tx1"/>
+            </a:solidFill>
+          </a:endParaRPr>
+        </a:p>
+      </dsp:txBody>
+      <dsp:txXfrm>
+        <a:off x="773925" y="968886"/>
+        <a:ext cx="1133014" cy="479800"/>
+      </dsp:txXfrm>
+    </dsp:sp>
+    <dsp:sp modelId="{5B4B4C1C-DDB0-45F3-862A-173218B11B86}">
+      <dsp:nvSpPr>
+        <dsp:cNvPr id="0" name=""/>
+        <dsp:cNvSpPr/>
+      </dsp:nvSpPr>
+      <dsp:spPr>
+        <a:xfrm>
+          <a:off x="584567" y="1463613"/>
+          <a:ext cx="755864" cy="310098"/>
+        </a:xfrm>
+        <a:custGeom>
+          <a:avLst/>
+          <a:gdLst/>
+          <a:ahLst/>
+          <a:cxnLst/>
+          <a:rect l="0" t="0" r="0" b="0"/>
+          <a:pathLst>
+            <a:path>
+              <a:moveTo>
+                <a:pt x="755864" y="0"/>
+              </a:moveTo>
+              <a:lnTo>
+                <a:pt x="755864" y="155049"/>
+              </a:lnTo>
+              <a:lnTo>
+                <a:pt x="0" y="155049"/>
+              </a:lnTo>
+              <a:lnTo>
+                <a:pt x="0" y="310098"/>
+              </a:lnTo>
+            </a:path>
+          </a:pathLst>
+        </a:custGeom>
+        <a:noFill/>
+        <a:ln w="25400" cap="flat" cmpd="sng" algn="ctr">
+          <a:solidFill>
+            <a:schemeClr val="dk1">
+              <a:shade val="80000"/>
+              <a:hueOff val="0"/>
+              <a:satOff val="0"/>
+              <a:lumOff val="0"/>
+              <a:alphaOff val="0"/>
+            </a:schemeClr>
+          </a:solidFill>
+          <a:prstDash val="solid"/>
+        </a:ln>
+        <a:effectLst/>
+      </dsp:spPr>
+      <dsp:style>
+        <a:lnRef idx="2">
+          <a:scrgbClr r="0" g="0" b="0"/>
+        </a:lnRef>
+        <a:fillRef idx="0">
+          <a:scrgbClr r="0" g="0" b="0"/>
+        </a:fillRef>
+        <a:effectRef idx="0">
+          <a:scrgbClr r="0" g="0" b="0"/>
+        </a:effectRef>
+        <a:fontRef idx="minor"/>
+      </dsp:style>
+    </dsp:sp>
+    <dsp:sp modelId="{CCC33332-F693-40CB-8E4C-5613E0CF1F2E}">
+      <dsp:nvSpPr>
+        <dsp:cNvPr id="0" name=""/>
+        <dsp:cNvSpPr/>
+      </dsp:nvSpPr>
+      <dsp:spPr>
+        <a:xfrm>
+          <a:off x="3133" y="1773711"/>
+          <a:ext cx="1162868" cy="509654"/>
+        </a:xfrm>
+        <a:prstGeom prst="roundRect">
+          <a:avLst>
+            <a:gd name="adj" fmla="val 10000"/>
+          </a:avLst>
+        </a:prstGeom>
+        <a:solidFill>
+          <a:schemeClr val="lt1">
+            <a:hueOff val="0"/>
+            <a:satOff val="0"/>
+            <a:lumOff val="0"/>
+            <a:alphaOff val="0"/>
+          </a:schemeClr>
+        </a:solidFill>
+        <a:ln w="25400" cap="flat" cmpd="sng" algn="ctr">
+          <a:solidFill>
+            <a:schemeClr val="dk1">
+              <a:shade val="80000"/>
+              <a:hueOff val="0"/>
+              <a:satOff val="0"/>
+              <a:lumOff val="0"/>
+              <a:alphaOff val="0"/>
+            </a:schemeClr>
+          </a:solidFill>
+          <a:prstDash val="solid"/>
+        </a:ln>
+        <a:effectLst/>
+      </dsp:spPr>
+      <dsp:style>
+        <a:lnRef idx="2">
+          <a:scrgbClr r="0" g="0" b="0"/>
+        </a:lnRef>
+        <a:fillRef idx="1">
+          <a:scrgbClr r="0" g="0" b="0"/>
+        </a:fillRef>
+        <a:effectRef idx="0">
+          <a:scrgbClr r="0" g="0" b="0"/>
+        </a:effectRef>
+        <a:fontRef idx="minor">
+          <a:schemeClr val="lt1"/>
+        </a:fontRef>
+      </dsp:style>
+      <dsp:txBody>
+        <a:bodyPr spcFirstLastPara="0" vert="horz" wrap="square" lIns="53340" tIns="53340" rIns="53340" bIns="53340" numCol="1" spcCol="1270" anchor="ctr" anchorCtr="0">
+          <a:noAutofit/>
+        </a:bodyPr>
+        <a:lstStyle/>
+        <a:p>
+          <a:pPr marL="0" lvl="0" indent="0" algn="ctr" defTabSz="622300" latinLnBrk="1">
+            <a:lnSpc>
+              <a:spcPct val="90000"/>
+            </a:lnSpc>
+            <a:spcBef>
+              <a:spcPct val="0"/>
+            </a:spcBef>
+            <a:spcAft>
+              <a:spcPct val="35000"/>
+            </a:spcAft>
+            <a:buNone/>
+          </a:pPr>
+          <a:r>
+            <a:rPr lang="en-US" altLang="ko-KR" sz="1400" kern="1200">
+              <a:solidFill>
+                <a:schemeClr val="tx2"/>
+              </a:solidFill>
+            </a:rPr>
+            <a:t>4</a:t>
+          </a:r>
+          <a:br>
+            <a:rPr lang="en-US" altLang="ko-KR" sz="1400" kern="1200">
+              <a:solidFill>
+                <a:schemeClr val="accent2"/>
+              </a:solidFill>
+            </a:rPr>
+          </a:br>
+          <a:r>
+            <a:rPr lang="en-US" altLang="ko-KR" sz="1100" kern="1200">
+              <a:solidFill>
+                <a:schemeClr val="tx1"/>
+              </a:solidFill>
+            </a:rPr>
+            <a:t>D Process</a:t>
+          </a:r>
+          <a:endParaRPr lang="en-US" altLang="ko-KR" sz="1400" kern="1200">
+            <a:solidFill>
+              <a:schemeClr val="tx1"/>
+            </a:solidFill>
+          </a:endParaRPr>
+        </a:p>
+      </dsp:txBody>
+      <dsp:txXfrm>
+        <a:off x="18060" y="1788638"/>
+        <a:ext cx="1133014" cy="479800"/>
+      </dsp:txXfrm>
+    </dsp:sp>
+    <dsp:sp modelId="{C3867941-32AC-48B9-908F-0E9F055C7B76}">
+      <dsp:nvSpPr>
+        <dsp:cNvPr id="0" name=""/>
+        <dsp:cNvSpPr/>
+      </dsp:nvSpPr>
+      <dsp:spPr>
+        <a:xfrm>
+          <a:off x="1340432" y="1463613"/>
+          <a:ext cx="755864" cy="310098"/>
+        </a:xfrm>
+        <a:custGeom>
+          <a:avLst/>
+          <a:gdLst/>
+          <a:ahLst/>
+          <a:cxnLst/>
+          <a:rect l="0" t="0" r="0" b="0"/>
+          <a:pathLst>
+            <a:path>
+              <a:moveTo>
+                <a:pt x="0" y="0"/>
+              </a:moveTo>
+              <a:lnTo>
+                <a:pt x="0" y="155049"/>
+              </a:lnTo>
+              <a:lnTo>
+                <a:pt x="755864" y="155049"/>
+              </a:lnTo>
+              <a:lnTo>
+                <a:pt x="755864" y="310098"/>
+              </a:lnTo>
+            </a:path>
+          </a:pathLst>
+        </a:custGeom>
+        <a:noFill/>
+        <a:ln w="25400" cap="flat" cmpd="sng" algn="ctr">
+          <a:solidFill>
+            <a:schemeClr val="dk1">
+              <a:shade val="80000"/>
+              <a:hueOff val="0"/>
+              <a:satOff val="0"/>
+              <a:lumOff val="0"/>
+              <a:alphaOff val="0"/>
+            </a:schemeClr>
+          </a:solidFill>
+          <a:prstDash val="solid"/>
+        </a:ln>
+        <a:effectLst/>
+      </dsp:spPr>
+      <dsp:style>
+        <a:lnRef idx="2">
+          <a:scrgbClr r="0" g="0" b="0"/>
+        </a:lnRef>
+        <a:fillRef idx="0">
+          <a:scrgbClr r="0" g="0" b="0"/>
+        </a:fillRef>
+        <a:effectRef idx="0">
+          <a:scrgbClr r="0" g="0" b="0"/>
+        </a:effectRef>
+        <a:fontRef idx="minor"/>
+      </dsp:style>
+    </dsp:sp>
+    <dsp:sp modelId="{A1436DF5-CB73-42FE-A6F5-6C546887899F}">
+      <dsp:nvSpPr>
+        <dsp:cNvPr id="0" name=""/>
+        <dsp:cNvSpPr/>
+      </dsp:nvSpPr>
+      <dsp:spPr>
+        <a:xfrm>
+          <a:off x="1514862" y="1773711"/>
+          <a:ext cx="1162868" cy="509654"/>
+        </a:xfrm>
+        <a:prstGeom prst="roundRect">
+          <a:avLst>
+            <a:gd name="adj" fmla="val 10000"/>
+          </a:avLst>
+        </a:prstGeom>
+        <a:solidFill>
+          <a:schemeClr val="lt1">
+            <a:hueOff val="0"/>
+            <a:satOff val="0"/>
+            <a:lumOff val="0"/>
+            <a:alphaOff val="0"/>
+          </a:schemeClr>
+        </a:solidFill>
+        <a:ln w="25400" cap="flat" cmpd="sng" algn="ctr">
+          <a:solidFill>
+            <a:schemeClr val="dk1">
+              <a:shade val="80000"/>
+              <a:hueOff val="0"/>
+              <a:satOff val="0"/>
+              <a:lumOff val="0"/>
+              <a:alphaOff val="0"/>
+            </a:schemeClr>
+          </a:solidFill>
+          <a:prstDash val="solid"/>
+        </a:ln>
+        <a:effectLst/>
+      </dsp:spPr>
+      <dsp:style>
+        <a:lnRef idx="2">
+          <a:scrgbClr r="0" g="0" b="0"/>
+        </a:lnRef>
+        <a:fillRef idx="1">
+          <a:scrgbClr r="0" g="0" b="0"/>
+        </a:fillRef>
+        <a:effectRef idx="0">
+          <a:scrgbClr r="0" g="0" b="0"/>
+        </a:effectRef>
+        <a:fontRef idx="minor">
+          <a:schemeClr val="lt1"/>
+        </a:fontRef>
+      </dsp:style>
+      <dsp:txBody>
+        <a:bodyPr spcFirstLastPara="0" vert="horz" wrap="square" lIns="53340" tIns="53340" rIns="53340" bIns="53340" numCol="1" spcCol="1270" anchor="ctr" anchorCtr="0">
+          <a:noAutofit/>
+        </a:bodyPr>
+        <a:lstStyle/>
+        <a:p>
+          <a:pPr marL="0" lvl="0" indent="0" algn="ctr" defTabSz="622300" latinLnBrk="1">
+            <a:lnSpc>
+              <a:spcPct val="90000"/>
+            </a:lnSpc>
+            <a:spcBef>
+              <a:spcPct val="0"/>
+            </a:spcBef>
+            <a:spcAft>
+              <a:spcPct val="35000"/>
+            </a:spcAft>
+            <a:buNone/>
+          </a:pPr>
+          <a:r>
+            <a:rPr lang="en-US" altLang="ko-KR" sz="1400" kern="1200">
+              <a:solidFill>
+                <a:schemeClr val="tx2"/>
+              </a:solidFill>
+            </a:rPr>
+            <a:t>5</a:t>
+          </a:r>
+          <a:br>
+            <a:rPr lang="en-US" altLang="ko-KR" sz="1400" kern="1200">
+              <a:solidFill>
+                <a:schemeClr val="accent2"/>
+              </a:solidFill>
+            </a:rPr>
+          </a:br>
+          <a:r>
+            <a:rPr lang="en-US" altLang="ko-KR" sz="1100" kern="1200">
+              <a:solidFill>
+                <a:schemeClr val="tx1"/>
+              </a:solidFill>
+            </a:rPr>
+            <a:t>E Process</a:t>
+          </a:r>
+          <a:endParaRPr lang="ko-KR" altLang="en-US" sz="1100" kern="1200">
+            <a:solidFill>
+              <a:schemeClr val="tx1"/>
+            </a:solidFill>
+          </a:endParaRPr>
+        </a:p>
+      </dsp:txBody>
+      <dsp:txXfrm>
+        <a:off x="1529789" y="1788638"/>
+        <a:ext cx="1133014" cy="479800"/>
+      </dsp:txXfrm>
+    </dsp:sp>
+    <dsp:sp modelId="{19688A33-068A-454C-938D-92D69A8AA5B1}">
+      <dsp:nvSpPr>
+        <dsp:cNvPr id="0" name=""/>
+        <dsp:cNvSpPr/>
+      </dsp:nvSpPr>
+      <dsp:spPr>
+        <a:xfrm>
+          <a:off x="2852161" y="643860"/>
+          <a:ext cx="1511729" cy="310098"/>
+        </a:xfrm>
+        <a:custGeom>
+          <a:avLst/>
+          <a:gdLst/>
+          <a:ahLst/>
+          <a:cxnLst/>
+          <a:rect l="0" t="0" r="0" b="0"/>
+          <a:pathLst>
+            <a:path>
+              <a:moveTo>
+                <a:pt x="0" y="0"/>
+              </a:moveTo>
+              <a:lnTo>
+                <a:pt x="0" y="155049"/>
+              </a:lnTo>
+              <a:lnTo>
+                <a:pt x="1511729" y="155049"/>
+              </a:lnTo>
+              <a:lnTo>
+                <a:pt x="1511729" y="310098"/>
+              </a:lnTo>
+            </a:path>
+          </a:pathLst>
+        </a:custGeom>
+        <a:noFill/>
+        <a:ln w="25400" cap="flat" cmpd="sng" algn="ctr">
+          <a:solidFill>
+            <a:schemeClr val="dk1">
+              <a:shade val="60000"/>
+              <a:hueOff val="0"/>
+              <a:satOff val="0"/>
+              <a:lumOff val="0"/>
+              <a:alphaOff val="0"/>
+            </a:schemeClr>
+          </a:solidFill>
+          <a:prstDash val="solid"/>
+        </a:ln>
+        <a:effectLst/>
+      </dsp:spPr>
+      <dsp:style>
+        <a:lnRef idx="2">
+          <a:scrgbClr r="0" g="0" b="0"/>
+        </a:lnRef>
+        <a:fillRef idx="0">
+          <a:scrgbClr r="0" g="0" b="0"/>
+        </a:fillRef>
+        <a:effectRef idx="0">
+          <a:scrgbClr r="0" g="0" b="0"/>
+        </a:effectRef>
+        <a:fontRef idx="minor"/>
+      </dsp:style>
+    </dsp:sp>
+    <dsp:sp modelId="{046611DC-08B4-43B1-84AC-0889CCDA61E2}">
+      <dsp:nvSpPr>
+        <dsp:cNvPr id="0" name=""/>
+        <dsp:cNvSpPr/>
+      </dsp:nvSpPr>
+      <dsp:spPr>
+        <a:xfrm>
+          <a:off x="3782456" y="953959"/>
+          <a:ext cx="1162868" cy="509654"/>
+        </a:xfrm>
+        <a:prstGeom prst="roundRect">
+          <a:avLst>
+            <a:gd name="adj" fmla="val 10000"/>
+          </a:avLst>
+        </a:prstGeom>
+        <a:solidFill>
+          <a:schemeClr val="lt1">
+            <a:hueOff val="0"/>
+            <a:satOff val="0"/>
+            <a:lumOff val="0"/>
+            <a:alphaOff val="0"/>
+          </a:schemeClr>
+        </a:solidFill>
+        <a:ln w="25400" cap="flat" cmpd="sng" algn="ctr">
+          <a:solidFill>
+            <a:schemeClr val="dk1">
+              <a:shade val="80000"/>
+              <a:hueOff val="0"/>
+              <a:satOff val="0"/>
+              <a:lumOff val="0"/>
+              <a:alphaOff val="0"/>
+            </a:schemeClr>
+          </a:solidFill>
+          <a:prstDash val="solid"/>
+        </a:ln>
+        <a:effectLst/>
+      </dsp:spPr>
+      <dsp:style>
+        <a:lnRef idx="2">
+          <a:scrgbClr r="0" g="0" b="0"/>
+        </a:lnRef>
+        <a:fillRef idx="1">
+          <a:scrgbClr r="0" g="0" b="0"/>
+        </a:fillRef>
+        <a:effectRef idx="0">
+          <a:scrgbClr r="0" g="0" b="0"/>
+        </a:effectRef>
+        <a:fontRef idx="minor">
+          <a:schemeClr val="lt1"/>
+        </a:fontRef>
+      </dsp:style>
+      <dsp:txBody>
+        <a:bodyPr spcFirstLastPara="0" vert="horz" wrap="square" lIns="53340" tIns="53340" rIns="53340" bIns="53340" numCol="1" spcCol="1270" anchor="ctr" anchorCtr="0">
+          <a:noAutofit/>
+        </a:bodyPr>
+        <a:lstStyle/>
+        <a:p>
+          <a:pPr marL="0" lvl="0" indent="0" algn="ctr" defTabSz="622300" latinLnBrk="1">
+            <a:lnSpc>
+              <a:spcPct val="90000"/>
+            </a:lnSpc>
+            <a:spcBef>
+              <a:spcPct val="0"/>
+            </a:spcBef>
+            <a:spcAft>
+              <a:spcPct val="35000"/>
+            </a:spcAft>
+            <a:buNone/>
+          </a:pPr>
+          <a:r>
+            <a:rPr lang="en-US" altLang="ko-KR" sz="1400" kern="1200">
+              <a:solidFill>
+                <a:schemeClr val="tx2"/>
+              </a:solidFill>
+            </a:rPr>
+            <a:t>3</a:t>
+          </a:r>
+          <a:r>
+            <a:rPr lang="en-US" altLang="ko-KR" sz="1400" kern="1200"/>
+            <a:t> / </a:t>
+          </a:r>
+          <a:r>
+            <a:rPr lang="en-US" altLang="ko-KR" sz="1400" kern="1200">
+              <a:solidFill>
+                <a:schemeClr val="accent2"/>
+              </a:solidFill>
+            </a:rPr>
+            <a:t>1</a:t>
+          </a:r>
+          <a:r>
+            <a:rPr lang="en-US" altLang="ko-KR" sz="1400" kern="1200">
+              <a:solidFill>
+                <a:schemeClr val="tx2"/>
+              </a:solidFill>
+            </a:rPr>
+            <a:t>  </a:t>
+          </a:r>
+          <a:br>
+            <a:rPr lang="en-US" altLang="ko-KR" sz="1400" kern="1200">
+              <a:solidFill>
+                <a:schemeClr val="accent3"/>
+              </a:solidFill>
+            </a:rPr>
+          </a:br>
+          <a:r>
+            <a:rPr lang="en-US" altLang="ko-KR" sz="1100" kern="1200">
+              <a:solidFill>
+                <a:schemeClr val="tx1"/>
+              </a:solidFill>
+            </a:rPr>
+            <a:t>C Process</a:t>
+          </a:r>
+          <a:endParaRPr lang="ko-KR" altLang="en-US" sz="1400" kern="1200">
+            <a:solidFill>
+              <a:schemeClr val="tx1"/>
+            </a:solidFill>
+          </a:endParaRPr>
+        </a:p>
+      </dsp:txBody>
+      <dsp:txXfrm>
+        <a:off x="3797383" y="968886"/>
+        <a:ext cx="1133014" cy="479800"/>
+      </dsp:txXfrm>
+    </dsp:sp>
+    <dsp:sp modelId="{7BA87A94-5498-40B1-89C8-3A76AF8C9E86}">
+      <dsp:nvSpPr>
+        <dsp:cNvPr id="0" name=""/>
+        <dsp:cNvSpPr/>
+      </dsp:nvSpPr>
+      <dsp:spPr>
+        <a:xfrm>
+          <a:off x="4318170" y="1463613"/>
+          <a:ext cx="91440" cy="310098"/>
+        </a:xfrm>
+        <a:custGeom>
+          <a:avLst/>
+          <a:gdLst/>
+          <a:ahLst/>
+          <a:cxnLst/>
+          <a:rect l="0" t="0" r="0" b="0"/>
+          <a:pathLst>
+            <a:path>
+              <a:moveTo>
+                <a:pt x="45720" y="0"/>
+              </a:moveTo>
+              <a:lnTo>
+                <a:pt x="45720" y="310098"/>
+              </a:lnTo>
+            </a:path>
+          </a:pathLst>
+        </a:custGeom>
+        <a:noFill/>
+        <a:ln w="25400" cap="flat" cmpd="sng" algn="ctr">
+          <a:solidFill>
+            <a:schemeClr val="dk1">
+              <a:shade val="80000"/>
+              <a:hueOff val="0"/>
+              <a:satOff val="0"/>
+              <a:lumOff val="0"/>
+              <a:alphaOff val="0"/>
+            </a:schemeClr>
+          </a:solidFill>
+          <a:prstDash val="solid"/>
+        </a:ln>
+        <a:effectLst/>
+      </dsp:spPr>
+      <dsp:style>
+        <a:lnRef idx="2">
+          <a:scrgbClr r="0" g="0" b="0"/>
+        </a:lnRef>
+        <a:fillRef idx="0">
+          <a:scrgbClr r="0" g="0" b="0"/>
+        </a:fillRef>
+        <a:effectRef idx="0">
+          <a:scrgbClr r="0" g="0" b="0"/>
+        </a:effectRef>
+        <a:fontRef idx="minor"/>
+      </dsp:style>
+    </dsp:sp>
+    <dsp:sp modelId="{1CD8FA4B-4AF8-44D8-9240-F85A4010455D}">
+      <dsp:nvSpPr>
+        <dsp:cNvPr id="0" name=""/>
+        <dsp:cNvSpPr/>
+      </dsp:nvSpPr>
+      <dsp:spPr>
+        <a:xfrm>
+          <a:off x="3782456" y="1773711"/>
+          <a:ext cx="1162868" cy="509654"/>
+        </a:xfrm>
+        <a:prstGeom prst="roundRect">
+          <a:avLst>
+            <a:gd name="adj" fmla="val 10000"/>
+          </a:avLst>
+        </a:prstGeom>
+        <a:solidFill>
+          <a:schemeClr val="lt1">
+            <a:hueOff val="0"/>
+            <a:satOff val="0"/>
+            <a:lumOff val="0"/>
+            <a:alphaOff val="0"/>
+          </a:schemeClr>
+        </a:solidFill>
+        <a:ln w="25400" cap="flat" cmpd="sng" algn="ctr">
+          <a:solidFill>
+            <a:schemeClr val="dk1">
+              <a:shade val="80000"/>
+              <a:hueOff val="0"/>
+              <a:satOff val="0"/>
+              <a:lumOff val="0"/>
+              <a:alphaOff val="0"/>
+            </a:schemeClr>
+          </a:solidFill>
+          <a:prstDash val="solid"/>
+        </a:ln>
+        <a:effectLst/>
+      </dsp:spPr>
+      <dsp:style>
+        <a:lnRef idx="2">
+          <a:scrgbClr r="0" g="0" b="0"/>
+        </a:lnRef>
+        <a:fillRef idx="1">
+          <a:scrgbClr r="0" g="0" b="0"/>
+        </a:fillRef>
+        <a:effectRef idx="0">
+          <a:scrgbClr r="0" g="0" b="0"/>
+        </a:effectRef>
+        <a:fontRef idx="minor">
+          <a:schemeClr val="lt1"/>
+        </a:fontRef>
+      </dsp:style>
+      <dsp:txBody>
+        <a:bodyPr spcFirstLastPara="0" vert="horz" wrap="square" lIns="53340" tIns="53340" rIns="53340" bIns="53340" numCol="1" spcCol="1270" anchor="ctr" anchorCtr="0">
+          <a:noAutofit/>
+        </a:bodyPr>
+        <a:lstStyle/>
+        <a:p>
+          <a:pPr marL="0" lvl="0" indent="0" algn="ctr" defTabSz="622300" latinLnBrk="1">
+            <a:lnSpc>
+              <a:spcPct val="90000"/>
+            </a:lnSpc>
+            <a:spcBef>
+              <a:spcPct val="0"/>
+            </a:spcBef>
+            <a:spcAft>
+              <a:spcPct val="35000"/>
+            </a:spcAft>
+            <a:buNone/>
+          </a:pPr>
+          <a:r>
+            <a:rPr lang="en-US" altLang="ko-KR" sz="1400" kern="1200">
+              <a:solidFill>
+                <a:schemeClr val="tx2"/>
+              </a:solidFill>
+            </a:rPr>
+            <a:t>6</a:t>
+          </a:r>
+          <a:r>
+            <a:rPr lang="en-US" altLang="ko-KR" sz="1400" kern="1200"/>
+            <a:t> / </a:t>
+          </a:r>
+          <a:r>
+            <a:rPr lang="en-US" altLang="ko-KR" sz="1400" kern="1200">
+              <a:solidFill>
+                <a:schemeClr val="accent2"/>
+              </a:solidFill>
+            </a:rPr>
+            <a:t>2</a:t>
+          </a:r>
+          <a:br>
+            <a:rPr lang="en-US" altLang="ko-KR" sz="1400" kern="1200">
+              <a:solidFill>
+                <a:schemeClr val="accent6"/>
+              </a:solidFill>
+            </a:rPr>
+          </a:br>
+          <a:r>
+            <a:rPr lang="en-US" altLang="ko-KR" sz="1100" kern="1200">
+              <a:solidFill>
+                <a:schemeClr val="tx1"/>
+              </a:solidFill>
+            </a:rPr>
+            <a:t>F Process</a:t>
+          </a:r>
+          <a:endParaRPr lang="ko-KR" altLang="en-US" sz="1400" kern="1200">
+            <a:solidFill>
+              <a:schemeClr val="tx1"/>
+            </a:solidFill>
+          </a:endParaRPr>
+        </a:p>
+      </dsp:txBody>
+      <dsp:txXfrm>
+        <a:off x="3797383" y="1788638"/>
+        <a:ext cx="1133014" cy="479800"/>
+      </dsp:txXfrm>
+    </dsp:sp>
+    <dsp:sp modelId="{C147F960-799E-4D3E-8972-51704177D7BB}">
+      <dsp:nvSpPr>
+        <dsp:cNvPr id="0" name=""/>
+        <dsp:cNvSpPr/>
+      </dsp:nvSpPr>
+      <dsp:spPr>
+        <a:xfrm>
+          <a:off x="3608026" y="2283365"/>
+          <a:ext cx="755864" cy="310098"/>
+        </a:xfrm>
+        <a:custGeom>
+          <a:avLst/>
+          <a:gdLst/>
+          <a:ahLst/>
+          <a:cxnLst/>
+          <a:rect l="0" t="0" r="0" b="0"/>
+          <a:pathLst>
+            <a:path>
+              <a:moveTo>
+                <a:pt x="755864" y="0"/>
+              </a:moveTo>
+              <a:lnTo>
+                <a:pt x="755864" y="155049"/>
+              </a:lnTo>
+              <a:lnTo>
+                <a:pt x="0" y="155049"/>
+              </a:lnTo>
+              <a:lnTo>
+                <a:pt x="0" y="310098"/>
+              </a:lnTo>
+            </a:path>
+          </a:pathLst>
+        </a:custGeom>
+        <a:noFill/>
+        <a:ln w="25400" cap="flat" cmpd="sng" algn="ctr">
+          <a:solidFill>
+            <a:schemeClr val="dk1">
+              <a:shade val="80000"/>
+              <a:hueOff val="0"/>
+              <a:satOff val="0"/>
+              <a:lumOff val="0"/>
+              <a:alphaOff val="0"/>
+            </a:schemeClr>
+          </a:solidFill>
+          <a:prstDash val="solid"/>
+        </a:ln>
+        <a:effectLst/>
+      </dsp:spPr>
+      <dsp:style>
+        <a:lnRef idx="2">
+          <a:scrgbClr r="0" g="0" b="0"/>
+        </a:lnRef>
+        <a:fillRef idx="0">
+          <a:scrgbClr r="0" g="0" b="0"/>
+        </a:fillRef>
+        <a:effectRef idx="0">
+          <a:scrgbClr r="0" g="0" b="0"/>
+        </a:effectRef>
+        <a:fontRef idx="minor"/>
+      </dsp:style>
+    </dsp:sp>
+    <dsp:sp modelId="{9167913F-7EA4-4520-9EA9-29C5E77223E8}">
+      <dsp:nvSpPr>
+        <dsp:cNvPr id="0" name=""/>
+        <dsp:cNvSpPr/>
+      </dsp:nvSpPr>
+      <dsp:spPr>
+        <a:xfrm>
+          <a:off x="3026591" y="2593464"/>
+          <a:ext cx="1162868" cy="509654"/>
+        </a:xfrm>
+        <a:prstGeom prst="roundRect">
+          <a:avLst>
+            <a:gd name="adj" fmla="val 10000"/>
+          </a:avLst>
+        </a:prstGeom>
+        <a:solidFill>
+          <a:schemeClr val="lt1">
+            <a:hueOff val="0"/>
+            <a:satOff val="0"/>
+            <a:lumOff val="0"/>
+            <a:alphaOff val="0"/>
+          </a:schemeClr>
+        </a:solidFill>
+        <a:ln w="25400" cap="flat" cmpd="sng" algn="ctr">
+          <a:solidFill>
+            <a:schemeClr val="dk1">
+              <a:shade val="80000"/>
+              <a:hueOff val="0"/>
+              <a:satOff val="0"/>
+              <a:lumOff val="0"/>
+              <a:alphaOff val="0"/>
+            </a:schemeClr>
+          </a:solidFill>
+          <a:prstDash val="solid"/>
+        </a:ln>
+        <a:effectLst/>
+      </dsp:spPr>
+      <dsp:style>
+        <a:lnRef idx="2">
+          <a:scrgbClr r="0" g="0" b="0"/>
+        </a:lnRef>
+        <a:fillRef idx="1">
+          <a:scrgbClr r="0" g="0" b="0"/>
+        </a:fillRef>
+        <a:effectRef idx="0">
+          <a:scrgbClr r="0" g="0" b="0"/>
+        </a:effectRef>
+        <a:fontRef idx="minor">
+          <a:schemeClr val="lt1"/>
+        </a:fontRef>
+      </dsp:style>
+      <dsp:txBody>
+        <a:bodyPr spcFirstLastPara="0" vert="horz" wrap="square" lIns="53340" tIns="53340" rIns="53340" bIns="53340" numCol="1" spcCol="1270" anchor="ctr" anchorCtr="0">
+          <a:noAutofit/>
+        </a:bodyPr>
+        <a:lstStyle/>
+        <a:p>
+          <a:pPr marL="0" lvl="0" indent="0" algn="ctr" defTabSz="622300" latinLnBrk="1">
+            <a:lnSpc>
+              <a:spcPct val="90000"/>
+            </a:lnSpc>
+            <a:spcBef>
+              <a:spcPct val="0"/>
+            </a:spcBef>
+            <a:spcAft>
+              <a:spcPct val="35000"/>
+            </a:spcAft>
+            <a:buNone/>
+          </a:pPr>
+          <a:r>
+            <a:rPr lang="en-US" altLang="ko-KR" sz="1400" kern="1200">
+              <a:solidFill>
+                <a:schemeClr val="tx2"/>
+              </a:solidFill>
+            </a:rPr>
+            <a:t>7</a:t>
+          </a:r>
+          <a:r>
+            <a:rPr lang="en-US" altLang="ko-KR" sz="1400" kern="1200"/>
+            <a:t> / </a:t>
+          </a:r>
+          <a:r>
+            <a:rPr lang="en-US" altLang="ko-KR" sz="1400" kern="1200">
+              <a:solidFill>
+                <a:schemeClr val="accent2"/>
+              </a:solidFill>
+            </a:rPr>
+            <a:t>3</a:t>
+          </a:r>
+          <a:br>
+            <a:rPr lang="en-US" altLang="ko-KR" sz="1400" kern="1200">
+              <a:solidFill>
+                <a:schemeClr val="accent6"/>
+              </a:solidFill>
+            </a:rPr>
+          </a:br>
+          <a:r>
+            <a:rPr lang="en-US" altLang="ko-KR" sz="1100" kern="1200">
+              <a:solidFill>
+                <a:schemeClr val="tx1"/>
+              </a:solidFill>
+            </a:rPr>
+            <a:t>G Process</a:t>
+          </a:r>
+          <a:endParaRPr lang="ko-KR" altLang="en-US" sz="1400" kern="1200">
+            <a:solidFill>
+              <a:schemeClr val="tx1"/>
+            </a:solidFill>
+          </a:endParaRPr>
+        </a:p>
+      </dsp:txBody>
+      <dsp:txXfrm>
+        <a:off x="3041518" y="2608391"/>
+        <a:ext cx="1133014" cy="479800"/>
+      </dsp:txXfrm>
+    </dsp:sp>
+    <dsp:sp modelId="{D7B50342-A8DB-4E3B-BA5E-25FBE522F6C5}">
+      <dsp:nvSpPr>
+        <dsp:cNvPr id="0" name=""/>
+        <dsp:cNvSpPr/>
+      </dsp:nvSpPr>
+      <dsp:spPr>
+        <a:xfrm>
+          <a:off x="4363890" y="2283365"/>
+          <a:ext cx="755864" cy="310098"/>
+        </a:xfrm>
+        <a:custGeom>
+          <a:avLst/>
+          <a:gdLst/>
+          <a:ahLst/>
+          <a:cxnLst/>
+          <a:rect l="0" t="0" r="0" b="0"/>
+          <a:pathLst>
+            <a:path>
+              <a:moveTo>
+                <a:pt x="0" y="0"/>
+              </a:moveTo>
+              <a:lnTo>
+                <a:pt x="0" y="155049"/>
+              </a:lnTo>
+              <a:lnTo>
+                <a:pt x="755864" y="155049"/>
+              </a:lnTo>
+              <a:lnTo>
+                <a:pt x="755864" y="310098"/>
+              </a:lnTo>
+            </a:path>
+          </a:pathLst>
+        </a:custGeom>
+        <a:noFill/>
+        <a:ln w="25400" cap="flat" cmpd="sng" algn="ctr">
+          <a:solidFill>
+            <a:schemeClr val="dk1">
+              <a:shade val="80000"/>
+              <a:hueOff val="0"/>
+              <a:satOff val="0"/>
+              <a:lumOff val="0"/>
+              <a:alphaOff val="0"/>
+            </a:schemeClr>
+          </a:solidFill>
+          <a:prstDash val="solid"/>
+        </a:ln>
+        <a:effectLst/>
+      </dsp:spPr>
+      <dsp:style>
+        <a:lnRef idx="2">
+          <a:scrgbClr r="0" g="0" b="0"/>
+        </a:lnRef>
+        <a:fillRef idx="0">
+          <a:scrgbClr r="0" g="0" b="0"/>
+        </a:fillRef>
+        <a:effectRef idx="0">
+          <a:scrgbClr r="0" g="0" b="0"/>
+        </a:effectRef>
+        <a:fontRef idx="minor"/>
+      </dsp:style>
+    </dsp:sp>
+    <dsp:sp modelId="{09321B55-5C54-4395-A776-7C56F08B0444}">
+      <dsp:nvSpPr>
+        <dsp:cNvPr id="0" name=""/>
+        <dsp:cNvSpPr/>
+      </dsp:nvSpPr>
+      <dsp:spPr>
+        <a:xfrm>
+          <a:off x="4538320" y="2593464"/>
+          <a:ext cx="1162868" cy="509654"/>
+        </a:xfrm>
+        <a:prstGeom prst="roundRect">
+          <a:avLst>
+            <a:gd name="adj" fmla="val 10000"/>
+          </a:avLst>
+        </a:prstGeom>
+        <a:solidFill>
+          <a:schemeClr val="lt1">
+            <a:hueOff val="0"/>
+            <a:satOff val="0"/>
+            <a:lumOff val="0"/>
+            <a:alphaOff val="0"/>
+          </a:schemeClr>
+        </a:solidFill>
+        <a:ln w="25400" cap="flat" cmpd="sng" algn="ctr">
+          <a:solidFill>
+            <a:schemeClr val="dk1">
+              <a:shade val="80000"/>
+              <a:hueOff val="0"/>
+              <a:satOff val="0"/>
+              <a:lumOff val="0"/>
+              <a:alphaOff val="0"/>
+            </a:schemeClr>
+          </a:solidFill>
+          <a:prstDash val="solid"/>
+        </a:ln>
+        <a:effectLst/>
+      </dsp:spPr>
+      <dsp:style>
+        <a:lnRef idx="2">
+          <a:scrgbClr r="0" g="0" b="0"/>
+        </a:lnRef>
+        <a:fillRef idx="1">
+          <a:scrgbClr r="0" g="0" b="0"/>
+        </a:fillRef>
+        <a:effectRef idx="0">
+          <a:scrgbClr r="0" g="0" b="0"/>
+        </a:effectRef>
+        <a:fontRef idx="minor">
+          <a:schemeClr val="lt1"/>
+        </a:fontRef>
+      </dsp:style>
+      <dsp:txBody>
+        <a:bodyPr spcFirstLastPara="0" vert="horz" wrap="square" lIns="53340" tIns="53340" rIns="53340" bIns="53340" numCol="1" spcCol="1270" anchor="ctr" anchorCtr="0">
+          <a:noAutofit/>
+        </a:bodyPr>
+        <a:lstStyle/>
+        <a:p>
+          <a:pPr marL="0" lvl="0" indent="0" algn="ctr" defTabSz="622300" latinLnBrk="1">
+            <a:lnSpc>
+              <a:spcPct val="90000"/>
+            </a:lnSpc>
+            <a:spcBef>
+              <a:spcPct val="0"/>
+            </a:spcBef>
+            <a:spcAft>
+              <a:spcPct val="35000"/>
+            </a:spcAft>
+            <a:buNone/>
+          </a:pPr>
+          <a:r>
+            <a:rPr lang="en-US" altLang="ko-KR" sz="1400" kern="1200">
+              <a:solidFill>
+                <a:schemeClr val="tx2"/>
+              </a:solidFill>
+            </a:rPr>
+            <a:t>8</a:t>
+          </a:r>
+          <a:r>
+            <a:rPr lang="en-US" altLang="ko-KR" sz="1400" kern="1200"/>
+            <a:t> / </a:t>
+          </a:r>
+          <a:r>
+            <a:rPr lang="en-US" altLang="ko-KR" sz="1400" kern="1200">
+              <a:solidFill>
+                <a:schemeClr val="accent2"/>
+              </a:solidFill>
+            </a:rPr>
+            <a:t>4</a:t>
+          </a:r>
+          <a:br>
+            <a:rPr lang="en-US" altLang="ko-KR" sz="1400" kern="1200">
+              <a:solidFill>
+                <a:schemeClr val="accent6"/>
+              </a:solidFill>
+            </a:rPr>
+          </a:br>
+          <a:r>
+            <a:rPr lang="en-US" altLang="ko-KR" sz="1100" kern="1200">
+              <a:solidFill>
+                <a:schemeClr val="tx1"/>
+              </a:solidFill>
+            </a:rPr>
+            <a:t>H Process</a:t>
+          </a:r>
+          <a:endParaRPr lang="en-US" altLang="ko-KR" sz="1400" kern="1200">
+            <a:solidFill>
+              <a:schemeClr val="tx1"/>
+            </a:solidFill>
+          </a:endParaRPr>
+        </a:p>
+      </dsp:txBody>
+      <dsp:txXfrm>
+        <a:off x="4553247" y="2608391"/>
+        <a:ext cx="1133014" cy="479800"/>
+      </dsp:txXfrm>
+    </dsp:sp>
+  </dsp:spTree>
+</dsp:drawing>
+</file>
+
 <file path=ppt/diagrams/layout1.xml><?xml version="1.0" encoding="utf-8"?>
 <dgm:layoutDef xmlns:dgm="http://schemas.openxmlformats.org/drawingml/2006/diagram" xmlns:a="http://schemas.openxmlformats.org/drawingml/2006/main" uniqueId="urn:microsoft.com/office/officeart/2005/8/layout/hierarchy6">
   <dgm:title val=""/>
@@ -6435,6 +9368,517 @@
 </dgm:layoutDef>
 </file>
 
+<file path=ppt/diagrams/layout3.xml><?xml version="1.0" encoding="utf-8"?>
+<dgm:layoutDef xmlns:dgm="http://schemas.openxmlformats.org/drawingml/2006/diagram" xmlns:a="http://schemas.openxmlformats.org/drawingml/2006/main" uniqueId="urn:microsoft.com/office/officeart/2005/8/layout/hierarchy6">
+  <dgm:title val=""/>
+  <dgm:desc val=""/>
+  <dgm:catLst>
+    <dgm:cat type="hierarchy" pri="3000"/>
+  </dgm:catLst>
+  <dgm:sampData>
+    <dgm:dataModel>
+      <dgm:ptLst>
+        <dgm:pt modelId="0" type="doc"/>
+        <dgm:pt modelId="1">
+          <dgm:prSet phldr="1"/>
+        </dgm:pt>
+        <dgm:pt modelId="2">
+          <dgm:prSet phldr="1"/>
+        </dgm:pt>
+        <dgm:pt modelId="21">
+          <dgm:prSet phldr="1"/>
+        </dgm:pt>
+        <dgm:pt modelId="22">
+          <dgm:prSet phldr="1"/>
+        </dgm:pt>
+        <dgm:pt modelId="3">
+          <dgm:prSet phldr="1"/>
+        </dgm:pt>
+        <dgm:pt modelId="31">
+          <dgm:prSet phldr="1"/>
+        </dgm:pt>
+        <dgm:pt modelId="4">
+          <dgm:prSet phldr="1"/>
+        </dgm:pt>
+        <dgm:pt modelId="5">
+          <dgm:prSet phldr="1"/>
+        </dgm:pt>
+        <dgm:pt modelId="6">
+          <dgm:prSet phldr="1"/>
+        </dgm:pt>
+      </dgm:ptLst>
+      <dgm:cxnLst>
+        <dgm:cxn modelId="7" srcId="0" destId="1" srcOrd="0" destOrd="0"/>
+        <dgm:cxn modelId="8" srcId="1" destId="2" srcOrd="0" destOrd="0"/>
+        <dgm:cxn modelId="9" srcId="1" destId="3" srcOrd="1" destOrd="0"/>
+        <dgm:cxn modelId="23" srcId="2" destId="21" srcOrd="0" destOrd="0"/>
+        <dgm:cxn modelId="24" srcId="2" destId="22" srcOrd="1" destOrd="0"/>
+        <dgm:cxn modelId="33" srcId="3" destId="31" srcOrd="0" destOrd="0"/>
+        <dgm:cxn modelId="10" srcId="0" destId="4" srcOrd="1" destOrd="0"/>
+        <dgm:cxn modelId="11" srcId="0" destId="5" srcOrd="2" destOrd="0"/>
+        <dgm:cxn modelId="12" srcId="0" destId="6" srcOrd="3" destOrd="0"/>
+      </dgm:cxnLst>
+      <dgm:bg/>
+      <dgm:whole/>
+    </dgm:dataModel>
+  </dgm:sampData>
+  <dgm:styleData>
+    <dgm:dataModel>
+      <dgm:ptLst>
+        <dgm:pt modelId="0" type="doc"/>
+        <dgm:pt modelId="1"/>
+        <dgm:pt modelId="11"/>
+        <dgm:pt modelId="12"/>
+        <dgm:pt modelId="2"/>
+        <dgm:pt modelId="3"/>
+      </dgm:ptLst>
+      <dgm:cxnLst>
+        <dgm:cxn modelId="4" srcId="0" destId="1" srcOrd="0" destOrd="0"/>
+        <dgm:cxn modelId="13" srcId="1" destId="11" srcOrd="0" destOrd="0"/>
+        <dgm:cxn modelId="14" srcId="1" destId="12" srcOrd="1" destOrd="0"/>
+        <dgm:cxn modelId="5" srcId="0" destId="2" srcOrd="1" destOrd="0"/>
+        <dgm:cxn modelId="6" srcId="0" destId="3" srcOrd="2" destOrd="0"/>
+      </dgm:cxnLst>
+      <dgm:bg/>
+      <dgm:whole/>
+    </dgm:dataModel>
+  </dgm:styleData>
+  <dgm:clrData>
+    <dgm:dataModel>
+      <dgm:ptLst>
+        <dgm:pt modelId="0" type="doc"/>
+        <dgm:pt modelId="1"/>
+        <dgm:pt modelId="2"/>
+        <dgm:pt modelId="21"/>
+        <dgm:pt modelId="211"/>
+        <dgm:pt modelId="3"/>
+        <dgm:pt modelId="31"/>
+        <dgm:pt modelId="311"/>
+        <dgm:pt modelId="4"/>
+        <dgm:pt modelId="5"/>
+        <dgm:pt modelId="6"/>
+        <dgm:pt modelId="7"/>
+      </dgm:ptLst>
+      <dgm:cxnLst>
+        <dgm:cxn modelId="8" srcId="0" destId="1" srcOrd="0" destOrd="0"/>
+        <dgm:cxn modelId="9" srcId="1" destId="2" srcOrd="0" destOrd="0"/>
+        <dgm:cxn modelId="10" srcId="1" destId="3" srcOrd="1" destOrd="0"/>
+        <dgm:cxn modelId="23" srcId="2" destId="21" srcOrd="0" destOrd="0"/>
+        <dgm:cxn modelId="24" srcId="21" destId="211" srcOrd="0" destOrd="0"/>
+        <dgm:cxn modelId="33" srcId="3" destId="31" srcOrd="0" destOrd="0"/>
+        <dgm:cxn modelId="34" srcId="31" destId="311" srcOrd="0" destOrd="0"/>
+        <dgm:cxn modelId="11" srcId="0" destId="4" srcOrd="1" destOrd="0"/>
+        <dgm:cxn modelId="12" srcId="0" destId="5" srcOrd="2" destOrd="0"/>
+        <dgm:cxn modelId="13" srcId="0" destId="6" srcOrd="3" destOrd="0"/>
+        <dgm:cxn modelId="14" srcId="0" destId="7" srcOrd="4" destOrd="0"/>
+      </dgm:cxnLst>
+      <dgm:bg/>
+      <dgm:whole/>
+    </dgm:dataModel>
+  </dgm:clrData>
+  <dgm:layoutNode name="mainComposite">
+    <dgm:varLst>
+      <dgm:chPref val="1"/>
+      <dgm:dir/>
+      <dgm:animOne val="branch"/>
+      <dgm:animLvl val="lvl"/>
+      <dgm:resizeHandles val="exact"/>
+    </dgm:varLst>
+    <dgm:alg type="composite">
+      <dgm:param type="vertAlign" val="mid"/>
+      <dgm:param type="horzAlign" val="ctr"/>
+    </dgm:alg>
+    <dgm:shape xmlns:r="http://schemas.openxmlformats.org/officeDocument/2006/relationships" r:blip="">
+      <dgm:adjLst/>
+    </dgm:shape>
+    <dgm:presOf/>
+    <dgm:choose name="Name0">
+      <dgm:if name="Name1" axis="ch" ptType="node" func="cnt" op="gte" val="2">
+        <dgm:choose name="Name2">
+          <dgm:if name="Name3" func="var" arg="dir" op="equ" val="norm">
+            <dgm:constrLst>
+              <dgm:constr type="l" for="ch" forName="hierFlow" refType="w" fact="0.3"/>
+              <dgm:constr type="t" for="ch" forName="hierFlow"/>
+              <dgm:constr type="r" for="ch" forName="hierFlow" refType="w" fact="0.98"/>
+              <dgm:constr type="b" for="ch" forName="hierFlow" refType="h" fact="0.98"/>
+              <dgm:constr type="l" for="ch" forName="bgShapesFlow"/>
+              <dgm:constr type="t" for="ch" forName="bgShapesFlow"/>
+              <dgm:constr type="r" for="ch" forName="bgShapesFlow" refType="w"/>
+              <dgm:constr type="b" for="ch" forName="bgShapesFlow" refType="h"/>
+              <dgm:constr type="w" for="des" forName="level1Shape" refType="w"/>
+              <dgm:constr type="h" for="des" forName="level1Shape" refType="w" refFor="des" refForName="level1Shape" fact="0.66667"/>
+              <dgm:constr type="w" for="des" forName="level2Shape" refType="w" refFor="des" refForName="level1Shape" op="equ"/>
+              <dgm:constr type="h" for="des" forName="level2Shape" refType="h" refFor="des" refForName="level1Shape" op="equ"/>
+              <dgm:constr type="sp" for="des" refType="h" refFor="des" refForName="level1Shape" op="equ" fact="0.4"/>
+              <dgm:constr type="sibSp" for="des" forName="hierChild1" refType="w" refFor="des" refForName="level1Shape" op="equ" fact="0.3"/>
+              <dgm:constr type="sibSp" for="des" forName="hierChild2" refType="sibSp" refFor="des" refForName="hierChild1" op="equ"/>
+              <dgm:constr type="sibSp" for="des" forName="hierChild3" refType="sibSp" refFor="des" refForName="hierChild1" op="equ"/>
+              <dgm:constr type="userA" for="des" refType="h" refFor="des" refForName="level1Shape" op="equ"/>
+              <dgm:constr type="userB" for="des" refType="sp" refFor="des" op="equ"/>
+              <dgm:constr type="h" for="des" forName="firstBuf" refType="h" refFor="des" refForName="level1Shape" fact="0.1"/>
+            </dgm:constrLst>
+          </dgm:if>
+          <dgm:else name="Name4">
+            <dgm:constrLst>
+              <dgm:constr type="l" for="ch" forName="hierFlow" refType="w" fact="0.02"/>
+              <dgm:constr type="t" for="ch" forName="hierFlow"/>
+              <dgm:constr type="r" for="ch" forName="hierFlow" refType="w" fact="0.7"/>
+              <dgm:constr type="b" for="ch" forName="hierFlow" refType="h" fact="0.98"/>
+              <dgm:constr type="l" for="ch" forName="bgShapesFlow"/>
+              <dgm:constr type="t" for="ch" forName="bgShapesFlow"/>
+              <dgm:constr type="r" for="ch" forName="bgShapesFlow" refType="w"/>
+              <dgm:constr type="b" for="ch" forName="bgShapesFlow" refType="h"/>
+              <dgm:constr type="w" for="des" forName="level1Shape" refType="w"/>
+              <dgm:constr type="h" for="des" forName="level1Shape" refType="w" refFor="des" refForName="level1Shape" fact="0.66667"/>
+              <dgm:constr type="w" for="des" forName="level2Shape" refType="w" refFor="des" refForName="level1Shape" op="equ"/>
+              <dgm:constr type="h" for="des" forName="level2Shape" refType="h" refFor="des" refForName="level1Shape" op="equ"/>
+              <dgm:constr type="sp" for="des" refType="h" refFor="des" refForName="level1Shape" op="equ" fact="0.4"/>
+              <dgm:constr type="sibSp" for="des" forName="hierChild1" refType="w" refFor="des" refForName="level1Shape" op="equ" fact="0.3"/>
+              <dgm:constr type="sibSp" for="des" forName="hierChild2" refType="sibSp" refFor="des" refForName="hierChild1" op="equ"/>
+              <dgm:constr type="sibSp" for="des" forName="hierChild3" refType="sibSp" refFor="des" refForName="hierChild1" op="equ"/>
+              <dgm:constr type="userA" for="des" refType="h" refFor="des" refForName="level1Shape" op="equ"/>
+              <dgm:constr type="userB" for="des" refType="sp" refFor="des" op="equ"/>
+              <dgm:constr type="h" for="des" forName="firstBuf" refType="h" refFor="des" refForName="level1Shape" fact="0.1"/>
+            </dgm:constrLst>
+          </dgm:else>
+        </dgm:choose>
+      </dgm:if>
+      <dgm:else name="Name5">
+        <dgm:constrLst>
+          <dgm:constr type="l" for="ch" forName="hierFlow"/>
+          <dgm:constr type="t" for="ch" forName="hierFlow"/>
+          <dgm:constr type="r" for="ch" forName="hierFlow" refType="w"/>
+          <dgm:constr type="b" for="ch" forName="hierFlow" refType="h"/>
+          <dgm:constr type="l" for="ch" forName="bgShapesFlow"/>
+          <dgm:constr type="t" for="ch" forName="bgShapesFlow"/>
+          <dgm:constr type="r" for="ch" forName="bgShapesFlow" refType="w"/>
+          <dgm:constr type="b" for="ch" forName="bgShapesFlow" refType="h"/>
+          <dgm:constr type="w" for="des" forName="level1Shape" refType="w"/>
+          <dgm:constr type="h" for="des" forName="level1Shape" refType="w" refFor="des" refForName="level1Shape" fact="0.66667"/>
+          <dgm:constr type="w" for="des" forName="level2Shape" refType="w" refFor="des" refForName="level1Shape" op="equ"/>
+          <dgm:constr type="h" for="des" forName="level2Shape" refType="h" refFor="des" refForName="level1Shape" op="equ"/>
+          <dgm:constr type="sp" for="des" refType="h" refFor="des" refForName="level1Shape" op="equ" fact="0.4"/>
+          <dgm:constr type="sibSp" for="des" forName="hierChild1" refType="w" refFor="des" refForName="level1Shape" op="equ" fact="0.3"/>
+          <dgm:constr type="sibSp" for="des" forName="hierChild2" refType="sibSp" refFor="des" refForName="hierChild1" op="equ"/>
+          <dgm:constr type="sibSp" for="des" forName="hierChild3" refType="sibSp" refFor="des" refForName="hierChild1" op="equ"/>
+          <dgm:constr type="userA" for="des" refType="h" refFor="des" refForName="level1Shape" op="equ"/>
+          <dgm:constr type="userB" for="des" refType="sp" refFor="des" op="equ"/>
+          <dgm:constr type="h" for="des" forName="firstBuf" refType="h" refFor="des" refForName="level1Shape" fact="0.1"/>
+        </dgm:constrLst>
+      </dgm:else>
+    </dgm:choose>
+    <dgm:ruleLst/>
+    <dgm:layoutNode name="hierFlow">
+      <dgm:alg type="lin">
+        <dgm:param type="linDir" val="fromT"/>
+        <dgm:param type="nodeVertAlign" val="t"/>
+        <dgm:param type="vertAlign" val="t"/>
+        <dgm:param type="nodeHorzAlign" val="ctr"/>
+        <dgm:param type="fallback" val="2D"/>
+      </dgm:alg>
+      <dgm:shape xmlns:r="http://schemas.openxmlformats.org/officeDocument/2006/relationships" r:blip="">
+        <dgm:adjLst/>
+      </dgm:shape>
+      <dgm:presOf/>
+      <dgm:constrLst/>
+      <dgm:ruleLst/>
+      <dgm:choose name="Name6">
+        <dgm:if name="Name7" axis="ch" ptType="node" func="cnt" op="gte" val="2">
+          <dgm:layoutNode name="firstBuf">
+            <dgm:alg type="sp"/>
+            <dgm:shape xmlns:r="http://schemas.openxmlformats.org/officeDocument/2006/relationships" r:blip="">
+              <dgm:adjLst/>
+            </dgm:shape>
+            <dgm:presOf/>
+            <dgm:constrLst/>
+            <dgm:ruleLst/>
+          </dgm:layoutNode>
+        </dgm:if>
+        <dgm:else name="Name8"/>
+      </dgm:choose>
+      <dgm:layoutNode name="hierChild1">
+        <dgm:varLst>
+          <dgm:chPref val="1"/>
+          <dgm:animOne val="branch"/>
+          <dgm:animLvl val="lvl"/>
+        </dgm:varLst>
+        <dgm:choose name="Name9">
+          <dgm:if name="Name10" func="var" arg="dir" op="equ" val="norm">
+            <dgm:alg type="hierChild">
+              <dgm:param type="linDir" val="fromL"/>
+              <dgm:param type="vertAlign" val="t"/>
+            </dgm:alg>
+          </dgm:if>
+          <dgm:else name="Name11">
+            <dgm:alg type="hierChild">
+              <dgm:param type="linDir" val="fromR"/>
+              <dgm:param type="vertAlign" val="t"/>
+            </dgm:alg>
+          </dgm:else>
+        </dgm:choose>
+        <dgm:shape xmlns:r="http://schemas.openxmlformats.org/officeDocument/2006/relationships" r:blip="">
+          <dgm:adjLst/>
+        </dgm:shape>
+        <dgm:presOf/>
+        <dgm:constrLst>
+          <dgm:constr type="primFontSz" for="des" ptType="node" op="equ"/>
+        </dgm:constrLst>
+        <dgm:ruleLst/>
+        <dgm:forEach name="Name12" axis="ch" cnt="3">
+          <dgm:forEach name="Name13" axis="self" ptType="node">
+            <dgm:layoutNode name="Name14">
+              <dgm:alg type="hierRoot"/>
+              <dgm:shape xmlns:r="http://schemas.openxmlformats.org/officeDocument/2006/relationships" r:blip="">
+                <dgm:adjLst/>
+              </dgm:shape>
+              <dgm:presOf/>
+              <dgm:constrLst/>
+              <dgm:ruleLst/>
+              <dgm:layoutNode name="level1Shape" styleLbl="node0">
+                <dgm:varLst>
+                  <dgm:chPref val="3"/>
+                </dgm:varLst>
+                <dgm:alg type="tx"/>
+                <dgm:shape xmlns:r="http://schemas.openxmlformats.org/officeDocument/2006/relationships" type="roundRect" r:blip="">
+                  <dgm:adjLst>
+                    <dgm:adj idx="1" val="0.1"/>
+                  </dgm:adjLst>
+                </dgm:shape>
+                <dgm:presOf axis="self"/>
+                <dgm:constrLst>
+                  <dgm:constr type="primFontSz" val="65"/>
+                  <dgm:constr type="tMarg" refType="primFontSz" fact="0.3"/>
+                  <dgm:constr type="bMarg" refType="primFontSz" fact="0.3"/>
+                  <dgm:constr type="lMarg" refType="primFontSz" fact="0.3"/>
+                  <dgm:constr type="rMarg" refType="primFontSz" fact="0.3"/>
+                </dgm:constrLst>
+                <dgm:ruleLst>
+                  <dgm:rule type="primFontSz" val="5" fact="NaN" max="NaN"/>
+                </dgm:ruleLst>
+              </dgm:layoutNode>
+              <dgm:layoutNode name="hierChild2">
+                <dgm:choose name="Name15">
+                  <dgm:if name="Name16" func="var" arg="dir" op="equ" val="norm">
+                    <dgm:alg type="hierChild">
+                      <dgm:param type="linDir" val="fromL"/>
+                    </dgm:alg>
+                  </dgm:if>
+                  <dgm:else name="Name17">
+                    <dgm:alg type="hierChild">
+                      <dgm:param type="linDir" val="fromR"/>
+                    </dgm:alg>
+                  </dgm:else>
+                </dgm:choose>
+                <dgm:shape xmlns:r="http://schemas.openxmlformats.org/officeDocument/2006/relationships" r:blip="">
+                  <dgm:adjLst/>
+                </dgm:shape>
+                <dgm:presOf/>
+                <dgm:constrLst/>
+                <dgm:ruleLst/>
+                <dgm:forEach name="repeat" axis="ch">
+                  <dgm:forEach name="Name18" axis="self" ptType="parTrans" cnt="1">
+                    <dgm:layoutNode name="Name19">
+                      <dgm:alg type="conn">
+                        <dgm:param type="dim" val="1D"/>
+                        <dgm:param type="endSty" val="noArr"/>
+                        <dgm:param type="connRout" val="bend"/>
+                        <dgm:param type="begPts" val="bCtr"/>
+                        <dgm:param type="endPts" val="tCtr"/>
+                      </dgm:alg>
+                      <dgm:shape xmlns:r="http://schemas.openxmlformats.org/officeDocument/2006/relationships" type="conn" r:blip="">
+                        <dgm:adjLst/>
+                      </dgm:shape>
+                      <dgm:presOf axis="self"/>
+                      <dgm:constrLst>
+                        <dgm:constr type="w" val="1"/>
+                        <dgm:constr type="h" val="1"/>
+                        <dgm:constr type="begPad"/>
+                        <dgm:constr type="endPad"/>
+                      </dgm:constrLst>
+                      <dgm:ruleLst/>
+                    </dgm:layoutNode>
+                  </dgm:forEach>
+                  <dgm:forEach name="Name20" axis="self" ptType="node">
+                    <dgm:layoutNode name="Name21">
+                      <dgm:alg type="hierRoot"/>
+                      <dgm:shape xmlns:r="http://schemas.openxmlformats.org/officeDocument/2006/relationships" r:blip="">
+                        <dgm:adjLst/>
+                      </dgm:shape>
+                      <dgm:presOf/>
+                      <dgm:constrLst/>
+                      <dgm:ruleLst/>
+                      <dgm:layoutNode name="level2Shape">
+                        <dgm:alg type="tx"/>
+                        <dgm:shape xmlns:r="http://schemas.openxmlformats.org/officeDocument/2006/relationships" type="roundRect" r:blip="">
+                          <dgm:adjLst>
+                            <dgm:adj idx="1" val="0.1"/>
+                          </dgm:adjLst>
+                        </dgm:shape>
+                        <dgm:presOf axis="self"/>
+                        <dgm:constrLst>
+                          <dgm:constr type="primFontSz" val="65"/>
+                          <dgm:constr type="tMarg" refType="primFontSz" fact="0.3"/>
+                          <dgm:constr type="bMarg" refType="primFontSz" fact="0.3"/>
+                          <dgm:constr type="lMarg" refType="primFontSz" fact="0.3"/>
+                          <dgm:constr type="rMarg" refType="primFontSz" fact="0.3"/>
+                        </dgm:constrLst>
+                        <dgm:ruleLst>
+                          <dgm:rule type="primFontSz" val="5" fact="NaN" max="NaN"/>
+                        </dgm:ruleLst>
+                      </dgm:layoutNode>
+                      <dgm:layoutNode name="hierChild3">
+                        <dgm:choose name="Name22">
+                          <dgm:if name="Name23" func="var" arg="dir" op="equ" val="norm">
+                            <dgm:alg type="hierChild">
+                              <dgm:param type="linDir" val="fromL"/>
+                            </dgm:alg>
+                          </dgm:if>
+                          <dgm:else name="Name24">
+                            <dgm:alg type="hierChild">
+                              <dgm:param type="linDir" val="fromR"/>
+                            </dgm:alg>
+                          </dgm:else>
+                        </dgm:choose>
+                        <dgm:shape xmlns:r="http://schemas.openxmlformats.org/officeDocument/2006/relationships" r:blip="">
+                          <dgm:adjLst/>
+                        </dgm:shape>
+                        <dgm:presOf/>
+                        <dgm:constrLst/>
+                        <dgm:ruleLst/>
+                        <dgm:forEach name="Name25" ref="repeat"/>
+                      </dgm:layoutNode>
+                    </dgm:layoutNode>
+                  </dgm:forEach>
+                </dgm:forEach>
+              </dgm:layoutNode>
+            </dgm:layoutNode>
+          </dgm:forEach>
+        </dgm:forEach>
+      </dgm:layoutNode>
+    </dgm:layoutNode>
+    <dgm:layoutNode name="bgShapesFlow">
+      <dgm:alg type="lin">
+        <dgm:param type="linDir" val="fromT"/>
+        <dgm:param type="nodeVertAlign" val="t"/>
+        <dgm:param type="vertAlign" val="t"/>
+        <dgm:param type="nodeHorzAlign" val="ctr"/>
+      </dgm:alg>
+      <dgm:shape xmlns:r="http://schemas.openxmlformats.org/officeDocument/2006/relationships" r:blip="">
+        <dgm:adjLst/>
+      </dgm:shape>
+      <dgm:presOf/>
+      <dgm:constrLst>
+        <dgm:constr type="userB"/>
+        <dgm:constr type="w" for="ch" forName="rectComp" refType="w"/>
+        <dgm:constr type="h" for="ch" forName="rectComp" refType="h"/>
+        <dgm:constr type="w" for="des" forName="bgRect" refType="w"/>
+        <dgm:constr type="primFontSz" for="des" forName="bgRectTx" op="equ"/>
+      </dgm:constrLst>
+      <dgm:ruleLst/>
+      <dgm:forEach name="Name26" axis="ch" ptType="node" st="2">
+        <dgm:layoutNode name="rectComp">
+          <dgm:alg type="composite">
+            <dgm:param type="vertAlign" val="t"/>
+            <dgm:param type="horzAlign" val="ctr"/>
+          </dgm:alg>
+          <dgm:shape xmlns:r="http://schemas.openxmlformats.org/officeDocument/2006/relationships" r:blip="">
+            <dgm:adjLst/>
+          </dgm:shape>
+          <dgm:presOf/>
+          <dgm:choose name="Name27">
+            <dgm:if name="Name28" func="var" arg="dir" op="equ" val="norm">
+              <dgm:constrLst>
+                <dgm:constr type="userA"/>
+                <dgm:constr type="l" for="ch" forName="bgRect"/>
+                <dgm:constr type="t" for="ch" forName="bgRect"/>
+                <dgm:constr type="h" for="ch" forName="bgRect" refType="userA" fact="1.2"/>
+                <dgm:constr type="l" for="ch" forName="bgRectTx"/>
+                <dgm:constr type="t" for="ch" forName="bgRectTx"/>
+                <dgm:constr type="w" for="ch" forName="bgRectTx" refType="w" refFor="ch" refForName="bgRect" fact="0.3"/>
+                <dgm:constr type="h" for="ch" forName="bgRectTx" refType="h" refFor="ch" refForName="bgRect" op="equ"/>
+              </dgm:constrLst>
+            </dgm:if>
+            <dgm:else name="Name29">
+              <dgm:constrLst>
+                <dgm:constr type="userA"/>
+                <dgm:constr type="l" for="ch" forName="bgRect"/>
+                <dgm:constr type="t" for="ch" forName="bgRect"/>
+                <dgm:constr type="h" for="ch" forName="bgRect" refType="userA" fact="1.2"/>
+                <dgm:constr type="r" for="ch" forName="bgRectTx" refType="w"/>
+                <dgm:constr type="t" for="ch" forName="bgRectTx"/>
+                <dgm:constr type="w" for="ch" forName="bgRectTx" refType="w" refFor="ch" refForName="bgRect" fact="0.3"/>
+                <dgm:constr type="h" for="ch" forName="bgRectTx" refType="h" refFor="ch" refForName="bgRect" op="equ"/>
+              </dgm:constrLst>
+            </dgm:else>
+          </dgm:choose>
+          <dgm:ruleLst/>
+          <dgm:layoutNode name="bgRect" styleLbl="bgShp">
+            <dgm:alg type="sp"/>
+            <dgm:shape xmlns:r="http://schemas.openxmlformats.org/officeDocument/2006/relationships" type="roundRect" r:blip="" zOrderOff="-999">
+              <dgm:adjLst>
+                <dgm:adj idx="1" val="0.1"/>
+              </dgm:adjLst>
+            </dgm:shape>
+            <dgm:presOf axis="desOrSelf" ptType="node"/>
+            <dgm:constrLst/>
+            <dgm:ruleLst/>
+          </dgm:layoutNode>
+          <dgm:layoutNode name="bgRectTx" styleLbl="bgShp">
+            <dgm:varLst>
+              <dgm:bulletEnabled val="1"/>
+            </dgm:varLst>
+            <dgm:alg type="tx"/>
+            <dgm:presOf axis="desOrSelf" ptType="node"/>
+            <dgm:shape xmlns:r="http://schemas.openxmlformats.org/officeDocument/2006/relationships" type="rect" r:blip="" zOrderOff="-999" hideGeom="1">
+              <dgm:adjLst/>
+            </dgm:shape>
+            <dgm:constrLst>
+              <dgm:constr type="primFontSz" val="65"/>
+            </dgm:constrLst>
+            <dgm:ruleLst>
+              <dgm:rule type="primFontSz" val="5" fact="NaN" max="NaN"/>
+            </dgm:ruleLst>
+          </dgm:layoutNode>
+        </dgm:layoutNode>
+        <dgm:choose name="Name30">
+          <dgm:if name="Name31" axis="self" ptType="node" func="revPos" op="gte" val="2">
+            <dgm:layoutNode name="spComp">
+              <dgm:alg type="composite">
+                <dgm:param type="vertAlign" val="t"/>
+                <dgm:param type="horzAlign" val="ctr"/>
+              </dgm:alg>
+              <dgm:shape xmlns:r="http://schemas.openxmlformats.org/officeDocument/2006/relationships" r:blip="">
+                <dgm:adjLst/>
+              </dgm:shape>
+              <dgm:presOf/>
+              <dgm:constrLst>
+                <dgm:constr type="userA"/>
+                <dgm:constr type="userB"/>
+                <dgm:constr type="l" for="ch" forName="vSp"/>
+                <dgm:constr type="t" for="ch" forName="vSp"/>
+                <dgm:constr type="h" for="ch" forName="vSp" refType="userB"/>
+                <dgm:constr type="hOff" for="ch" forName="vSp" refType="userA" fact="-0.2"/>
+              </dgm:constrLst>
+              <dgm:ruleLst/>
+              <dgm:layoutNode name="vSp">
+                <dgm:alg type="sp"/>
+                <dgm:shape xmlns:r="http://schemas.openxmlformats.org/officeDocument/2006/relationships" r:blip="">
+                  <dgm:adjLst/>
+                </dgm:shape>
+                <dgm:presOf/>
+                <dgm:constrLst/>
+                <dgm:ruleLst/>
+              </dgm:layoutNode>
+            </dgm:layoutNode>
+          </dgm:if>
+          <dgm:else name="Name32"/>
+        </dgm:choose>
+      </dgm:forEach>
+    </dgm:layoutNode>
+  </dgm:layoutNode>
+</dgm:layoutDef>
+</file>
+
 <file path=ppt/diagrams/quickStyle1.xml><?xml version="1.0" encoding="utf-8"?>
 <dgm:styleDef xmlns:dgm="http://schemas.openxmlformats.org/drawingml/2006/diagram" xmlns:a="http://schemas.openxmlformats.org/drawingml/2006/main" uniqueId="urn:microsoft.com/office/officeart/2005/8/quickstyle/simple1">
   <dgm:title val=""/>
@@ -7470,6 +10914,1040 @@
 </file>
 
 <file path=ppt/diagrams/quickStyle2.xml><?xml version="1.0" encoding="utf-8"?>
+<dgm:styleDef xmlns:dgm="http://schemas.openxmlformats.org/drawingml/2006/diagram" xmlns:a="http://schemas.openxmlformats.org/drawingml/2006/main" uniqueId="urn:microsoft.com/office/officeart/2005/8/quickstyle/simple1">
+  <dgm:title val=""/>
+  <dgm:desc val=""/>
+  <dgm:catLst>
+    <dgm:cat type="simple" pri="10100"/>
+  </dgm:catLst>
+  <dgm:scene3d>
+    <a:camera prst="orthographicFront"/>
+    <a:lightRig rig="threePt" dir="t"/>
+  </dgm:scene3d>
+  <dgm:styleLbl name="node0">
+    <dgm:scene3d>
+      <a:camera prst="orthographicFront"/>
+      <a:lightRig rig="threePt" dir="t"/>
+    </dgm:scene3d>
+    <dgm:sp3d/>
+    <dgm:txPr/>
+    <dgm:style>
+      <a:lnRef idx="2">
+        <a:scrgbClr r="0" g="0" b="0"/>
+      </a:lnRef>
+      <a:fillRef idx="1">
+        <a:scrgbClr r="0" g="0" b="0"/>
+      </a:fillRef>
+      <a:effectRef idx="0">
+        <a:scrgbClr r="0" g="0" b="0"/>
+      </a:effectRef>
+      <a:fontRef idx="minor">
+        <a:schemeClr val="lt1"/>
+      </a:fontRef>
+    </dgm:style>
+  </dgm:styleLbl>
+  <dgm:styleLbl name="lnNode1">
+    <dgm:scene3d>
+      <a:camera prst="orthographicFront"/>
+      <a:lightRig rig="threePt" dir="t"/>
+    </dgm:scene3d>
+    <dgm:sp3d/>
+    <dgm:txPr/>
+    <dgm:style>
+      <a:lnRef idx="2">
+        <a:scrgbClr r="0" g="0" b="0"/>
+      </a:lnRef>
+      <a:fillRef idx="1">
+        <a:scrgbClr r="0" g="0" b="0"/>
+      </a:fillRef>
+      <a:effectRef idx="0">
+        <a:scrgbClr r="0" g="0" b="0"/>
+      </a:effectRef>
+      <a:fontRef idx="minor">
+        <a:schemeClr val="lt1"/>
+      </a:fontRef>
+    </dgm:style>
+  </dgm:styleLbl>
+  <dgm:styleLbl name="vennNode1">
+    <dgm:scene3d>
+      <a:camera prst="orthographicFront"/>
+      <a:lightRig rig="threePt" dir="t"/>
+    </dgm:scene3d>
+    <dgm:sp3d/>
+    <dgm:txPr/>
+    <dgm:style>
+      <a:lnRef idx="2">
+        <a:scrgbClr r="0" g="0" b="0"/>
+      </a:lnRef>
+      <a:fillRef idx="1">
+        <a:scrgbClr r="0" g="0" b="0"/>
+      </a:fillRef>
+      <a:effectRef idx="0">
+        <a:scrgbClr r="0" g="0" b="0"/>
+      </a:effectRef>
+      <a:fontRef idx="minor">
+        <a:schemeClr val="tx1"/>
+      </a:fontRef>
+    </dgm:style>
+  </dgm:styleLbl>
+  <dgm:styleLbl name="alignNode1">
+    <dgm:scene3d>
+      <a:camera prst="orthographicFront"/>
+      <a:lightRig rig="threePt" dir="t"/>
+    </dgm:scene3d>
+    <dgm:sp3d/>
+    <dgm:txPr/>
+    <dgm:style>
+      <a:lnRef idx="2">
+        <a:scrgbClr r="0" g="0" b="0"/>
+      </a:lnRef>
+      <a:fillRef idx="1">
+        <a:scrgbClr r="0" g="0" b="0"/>
+      </a:fillRef>
+      <a:effectRef idx="0">
+        <a:scrgbClr r="0" g="0" b="0"/>
+      </a:effectRef>
+      <a:fontRef idx="minor">
+        <a:schemeClr val="lt1"/>
+      </a:fontRef>
+    </dgm:style>
+  </dgm:styleLbl>
+  <dgm:styleLbl name="node1">
+    <dgm:scene3d>
+      <a:camera prst="orthographicFront"/>
+      <a:lightRig rig="threePt" dir="t"/>
+    </dgm:scene3d>
+    <dgm:sp3d/>
+    <dgm:txPr/>
+    <dgm:style>
+      <a:lnRef idx="2">
+        <a:scrgbClr r="0" g="0" b="0"/>
+      </a:lnRef>
+      <a:fillRef idx="1">
+        <a:scrgbClr r="0" g="0" b="0"/>
+      </a:fillRef>
+      <a:effectRef idx="0">
+        <a:scrgbClr r="0" g="0" b="0"/>
+      </a:effectRef>
+      <a:fontRef idx="minor">
+        <a:schemeClr val="lt1"/>
+      </a:fontRef>
+    </dgm:style>
+  </dgm:styleLbl>
+  <dgm:styleLbl name="node2">
+    <dgm:scene3d>
+      <a:camera prst="orthographicFront"/>
+      <a:lightRig rig="threePt" dir="t"/>
+    </dgm:scene3d>
+    <dgm:sp3d/>
+    <dgm:txPr/>
+    <dgm:style>
+      <a:lnRef idx="2">
+        <a:scrgbClr r="0" g="0" b="0"/>
+      </a:lnRef>
+      <a:fillRef idx="1">
+        <a:scrgbClr r="0" g="0" b="0"/>
+      </a:fillRef>
+      <a:effectRef idx="0">
+        <a:scrgbClr r="0" g="0" b="0"/>
+      </a:effectRef>
+      <a:fontRef idx="minor">
+        <a:schemeClr val="lt1"/>
+      </a:fontRef>
+    </dgm:style>
+  </dgm:styleLbl>
+  <dgm:styleLbl name="node3">
+    <dgm:scene3d>
+      <a:camera prst="orthographicFront"/>
+      <a:lightRig rig="threePt" dir="t"/>
+    </dgm:scene3d>
+    <dgm:sp3d/>
+    <dgm:txPr/>
+    <dgm:style>
+      <a:lnRef idx="2">
+        <a:scrgbClr r="0" g="0" b="0"/>
+      </a:lnRef>
+      <a:fillRef idx="1">
+        <a:scrgbClr r="0" g="0" b="0"/>
+      </a:fillRef>
+      <a:effectRef idx="0">
+        <a:scrgbClr r="0" g="0" b="0"/>
+      </a:effectRef>
+      <a:fontRef idx="minor">
+        <a:schemeClr val="lt1"/>
+      </a:fontRef>
+    </dgm:style>
+  </dgm:styleLbl>
+  <dgm:styleLbl name="node4">
+    <dgm:scene3d>
+      <a:camera prst="orthographicFront"/>
+      <a:lightRig rig="threePt" dir="t"/>
+    </dgm:scene3d>
+    <dgm:sp3d/>
+    <dgm:txPr/>
+    <dgm:style>
+      <a:lnRef idx="2">
+        <a:scrgbClr r="0" g="0" b="0"/>
+      </a:lnRef>
+      <a:fillRef idx="1">
+        <a:scrgbClr r="0" g="0" b="0"/>
+      </a:fillRef>
+      <a:effectRef idx="0">
+        <a:scrgbClr r="0" g="0" b="0"/>
+      </a:effectRef>
+      <a:fontRef idx="minor">
+        <a:schemeClr val="lt1"/>
+      </a:fontRef>
+    </dgm:style>
+  </dgm:styleLbl>
+  <dgm:styleLbl name="fgImgPlace1">
+    <dgm:scene3d>
+      <a:camera prst="orthographicFront"/>
+      <a:lightRig rig="threePt" dir="t"/>
+    </dgm:scene3d>
+    <dgm:sp3d/>
+    <dgm:txPr/>
+    <dgm:style>
+      <a:lnRef idx="2">
+        <a:scrgbClr r="0" g="0" b="0"/>
+      </a:lnRef>
+      <a:fillRef idx="1">
+        <a:scrgbClr r="0" g="0" b="0"/>
+      </a:fillRef>
+      <a:effectRef idx="0">
+        <a:scrgbClr r="0" g="0" b="0"/>
+      </a:effectRef>
+      <a:fontRef idx="minor"/>
+    </dgm:style>
+  </dgm:styleLbl>
+  <dgm:styleLbl name="alignImgPlace1">
+    <dgm:scene3d>
+      <a:camera prst="orthographicFront"/>
+      <a:lightRig rig="threePt" dir="t"/>
+    </dgm:scene3d>
+    <dgm:sp3d/>
+    <dgm:txPr/>
+    <dgm:style>
+      <a:lnRef idx="2">
+        <a:scrgbClr r="0" g="0" b="0"/>
+      </a:lnRef>
+      <a:fillRef idx="1">
+        <a:scrgbClr r="0" g="0" b="0"/>
+      </a:fillRef>
+      <a:effectRef idx="0">
+        <a:scrgbClr r="0" g="0" b="0"/>
+      </a:effectRef>
+      <a:fontRef idx="minor"/>
+    </dgm:style>
+  </dgm:styleLbl>
+  <dgm:styleLbl name="bgImgPlace1">
+    <dgm:scene3d>
+      <a:camera prst="orthographicFront"/>
+      <a:lightRig rig="threePt" dir="t"/>
+    </dgm:scene3d>
+    <dgm:sp3d/>
+    <dgm:txPr/>
+    <dgm:style>
+      <a:lnRef idx="2">
+        <a:scrgbClr r="0" g="0" b="0"/>
+      </a:lnRef>
+      <a:fillRef idx="1">
+        <a:scrgbClr r="0" g="0" b="0"/>
+      </a:fillRef>
+      <a:effectRef idx="0">
+        <a:scrgbClr r="0" g="0" b="0"/>
+      </a:effectRef>
+      <a:fontRef idx="minor"/>
+    </dgm:style>
+  </dgm:styleLbl>
+  <dgm:styleLbl name="sibTrans2D1">
+    <dgm:scene3d>
+      <a:camera prst="orthographicFront"/>
+      <a:lightRig rig="threePt" dir="t"/>
+    </dgm:scene3d>
+    <dgm:sp3d/>
+    <dgm:txPr/>
+    <dgm:style>
+      <a:lnRef idx="0">
+        <a:scrgbClr r="0" g="0" b="0"/>
+      </a:lnRef>
+      <a:fillRef idx="1">
+        <a:scrgbClr r="0" g="0" b="0"/>
+      </a:fillRef>
+      <a:effectRef idx="0">
+        <a:scrgbClr r="0" g="0" b="0"/>
+      </a:effectRef>
+      <a:fontRef idx="minor">
+        <a:schemeClr val="lt1"/>
+      </a:fontRef>
+    </dgm:style>
+  </dgm:styleLbl>
+  <dgm:styleLbl name="fgSibTrans2D1">
+    <dgm:scene3d>
+      <a:camera prst="orthographicFront"/>
+      <a:lightRig rig="threePt" dir="t"/>
+    </dgm:scene3d>
+    <dgm:sp3d/>
+    <dgm:txPr/>
+    <dgm:style>
+      <a:lnRef idx="0">
+        <a:scrgbClr r="0" g="0" b="0"/>
+      </a:lnRef>
+      <a:fillRef idx="1">
+        <a:scrgbClr r="0" g="0" b="0"/>
+      </a:fillRef>
+      <a:effectRef idx="0">
+        <a:scrgbClr r="0" g="0" b="0"/>
+      </a:effectRef>
+      <a:fontRef idx="minor">
+        <a:schemeClr val="lt1"/>
+      </a:fontRef>
+    </dgm:style>
+  </dgm:styleLbl>
+  <dgm:styleLbl name="bgSibTrans2D1">
+    <dgm:scene3d>
+      <a:camera prst="orthographicFront"/>
+      <a:lightRig rig="threePt" dir="t"/>
+    </dgm:scene3d>
+    <dgm:sp3d/>
+    <dgm:txPr/>
+    <dgm:style>
+      <a:lnRef idx="0">
+        <a:scrgbClr r="0" g="0" b="0"/>
+      </a:lnRef>
+      <a:fillRef idx="1">
+        <a:scrgbClr r="0" g="0" b="0"/>
+      </a:fillRef>
+      <a:effectRef idx="0">
+        <a:scrgbClr r="0" g="0" b="0"/>
+      </a:effectRef>
+      <a:fontRef idx="minor">
+        <a:schemeClr val="lt1"/>
+      </a:fontRef>
+    </dgm:style>
+  </dgm:styleLbl>
+  <dgm:styleLbl name="sibTrans1D1">
+    <dgm:scene3d>
+      <a:camera prst="orthographicFront"/>
+      <a:lightRig rig="threePt" dir="t"/>
+    </dgm:scene3d>
+    <dgm:sp3d/>
+    <dgm:txPr/>
+    <dgm:style>
+      <a:lnRef idx="1">
+        <a:scrgbClr r="0" g="0" b="0"/>
+      </a:lnRef>
+      <a:fillRef idx="0">
+        <a:scrgbClr r="0" g="0" b="0"/>
+      </a:fillRef>
+      <a:effectRef idx="0">
+        <a:scrgbClr r="0" g="0" b="0"/>
+      </a:effectRef>
+      <a:fontRef idx="minor"/>
+    </dgm:style>
+  </dgm:styleLbl>
+  <dgm:styleLbl name="callout">
+    <dgm:scene3d>
+      <a:camera prst="orthographicFront"/>
+      <a:lightRig rig="threePt" dir="t"/>
+    </dgm:scene3d>
+    <dgm:sp3d/>
+    <dgm:txPr/>
+    <dgm:style>
+      <a:lnRef idx="2">
+        <a:scrgbClr r="0" g="0" b="0"/>
+      </a:lnRef>
+      <a:fillRef idx="1">
+        <a:scrgbClr r="0" g="0" b="0"/>
+      </a:fillRef>
+      <a:effectRef idx="0">
+        <a:scrgbClr r="0" g="0" b="0"/>
+      </a:effectRef>
+      <a:fontRef idx="minor"/>
+    </dgm:style>
+  </dgm:styleLbl>
+  <dgm:styleLbl name="asst0">
+    <dgm:scene3d>
+      <a:camera prst="orthographicFront"/>
+      <a:lightRig rig="threePt" dir="t"/>
+    </dgm:scene3d>
+    <dgm:sp3d/>
+    <dgm:txPr/>
+    <dgm:style>
+      <a:lnRef idx="2">
+        <a:scrgbClr r="0" g="0" b="0"/>
+      </a:lnRef>
+      <a:fillRef idx="1">
+        <a:scrgbClr r="0" g="0" b="0"/>
+      </a:fillRef>
+      <a:effectRef idx="0">
+        <a:scrgbClr r="0" g="0" b="0"/>
+      </a:effectRef>
+      <a:fontRef idx="minor">
+        <a:schemeClr val="lt1"/>
+      </a:fontRef>
+    </dgm:style>
+  </dgm:styleLbl>
+  <dgm:styleLbl name="asst1">
+    <dgm:scene3d>
+      <a:camera prst="orthographicFront"/>
+      <a:lightRig rig="threePt" dir="t"/>
+    </dgm:scene3d>
+    <dgm:sp3d/>
+    <dgm:txPr/>
+    <dgm:style>
+      <a:lnRef idx="2">
+        <a:scrgbClr r="0" g="0" b="0"/>
+      </a:lnRef>
+      <a:fillRef idx="1">
+        <a:scrgbClr r="0" g="0" b="0"/>
+      </a:fillRef>
+      <a:effectRef idx="0">
+        <a:scrgbClr r="0" g="0" b="0"/>
+      </a:effectRef>
+      <a:fontRef idx="minor">
+        <a:schemeClr val="lt1"/>
+      </a:fontRef>
+    </dgm:style>
+  </dgm:styleLbl>
+  <dgm:styleLbl name="asst2">
+    <dgm:scene3d>
+      <a:camera prst="orthographicFront"/>
+      <a:lightRig rig="threePt" dir="t"/>
+    </dgm:scene3d>
+    <dgm:sp3d/>
+    <dgm:txPr/>
+    <dgm:style>
+      <a:lnRef idx="2">
+        <a:scrgbClr r="0" g="0" b="0"/>
+      </a:lnRef>
+      <a:fillRef idx="1">
+        <a:scrgbClr r="0" g="0" b="0"/>
+      </a:fillRef>
+      <a:effectRef idx="0">
+        <a:scrgbClr r="0" g="0" b="0"/>
+      </a:effectRef>
+      <a:fontRef idx="minor">
+        <a:schemeClr val="lt1"/>
+      </a:fontRef>
+    </dgm:style>
+  </dgm:styleLbl>
+  <dgm:styleLbl name="asst3">
+    <dgm:scene3d>
+      <a:camera prst="orthographicFront"/>
+      <a:lightRig rig="threePt" dir="t"/>
+    </dgm:scene3d>
+    <dgm:sp3d/>
+    <dgm:txPr/>
+    <dgm:style>
+      <a:lnRef idx="2">
+        <a:scrgbClr r="0" g="0" b="0"/>
+      </a:lnRef>
+      <a:fillRef idx="1">
+        <a:scrgbClr r="0" g="0" b="0"/>
+      </a:fillRef>
+      <a:effectRef idx="0">
+        <a:scrgbClr r="0" g="0" b="0"/>
+      </a:effectRef>
+      <a:fontRef idx="minor">
+        <a:schemeClr val="lt1"/>
+      </a:fontRef>
+    </dgm:style>
+  </dgm:styleLbl>
+  <dgm:styleLbl name="asst4">
+    <dgm:scene3d>
+      <a:camera prst="orthographicFront"/>
+      <a:lightRig rig="threePt" dir="t"/>
+    </dgm:scene3d>
+    <dgm:sp3d/>
+    <dgm:txPr/>
+    <dgm:style>
+      <a:lnRef idx="2">
+        <a:scrgbClr r="0" g="0" b="0"/>
+      </a:lnRef>
+      <a:fillRef idx="1">
+        <a:scrgbClr r="0" g="0" b="0"/>
+      </a:fillRef>
+      <a:effectRef idx="0">
+        <a:scrgbClr r="0" g="0" b="0"/>
+      </a:effectRef>
+      <a:fontRef idx="minor">
+        <a:schemeClr val="lt1"/>
+      </a:fontRef>
+    </dgm:style>
+  </dgm:styleLbl>
+  <dgm:styleLbl name="parChTrans2D1">
+    <dgm:scene3d>
+      <a:camera prst="orthographicFront"/>
+      <a:lightRig rig="threePt" dir="t"/>
+    </dgm:scene3d>
+    <dgm:sp3d/>
+    <dgm:txPr/>
+    <dgm:style>
+      <a:lnRef idx="2">
+        <a:scrgbClr r="0" g="0" b="0"/>
+      </a:lnRef>
+      <a:fillRef idx="1">
+        <a:scrgbClr r="0" g="0" b="0"/>
+      </a:fillRef>
+      <a:effectRef idx="0">
+        <a:scrgbClr r="0" g="0" b="0"/>
+      </a:effectRef>
+      <a:fontRef idx="minor">
+        <a:schemeClr val="lt1"/>
+      </a:fontRef>
+    </dgm:style>
+  </dgm:styleLbl>
+  <dgm:styleLbl name="parChTrans2D2">
+    <dgm:scene3d>
+      <a:camera prst="orthographicFront"/>
+      <a:lightRig rig="threePt" dir="t"/>
+    </dgm:scene3d>
+    <dgm:sp3d/>
+    <dgm:txPr/>
+    <dgm:style>
+      <a:lnRef idx="2">
+        <a:scrgbClr r="0" g="0" b="0"/>
+      </a:lnRef>
+      <a:fillRef idx="1">
+        <a:scrgbClr r="0" g="0" b="0"/>
+      </a:fillRef>
+      <a:effectRef idx="0">
+        <a:scrgbClr r="0" g="0" b="0"/>
+      </a:effectRef>
+      <a:fontRef idx="minor">
+        <a:schemeClr val="lt1"/>
+      </a:fontRef>
+    </dgm:style>
+  </dgm:styleLbl>
+  <dgm:styleLbl name="parChTrans2D3">
+    <dgm:scene3d>
+      <a:camera prst="orthographicFront"/>
+      <a:lightRig rig="threePt" dir="t"/>
+    </dgm:scene3d>
+    <dgm:sp3d/>
+    <dgm:txPr/>
+    <dgm:style>
+      <a:lnRef idx="2">
+        <a:scrgbClr r="0" g="0" b="0"/>
+      </a:lnRef>
+      <a:fillRef idx="1">
+        <a:scrgbClr r="0" g="0" b="0"/>
+      </a:fillRef>
+      <a:effectRef idx="0">
+        <a:scrgbClr r="0" g="0" b="0"/>
+      </a:effectRef>
+      <a:fontRef idx="minor">
+        <a:schemeClr val="lt1"/>
+      </a:fontRef>
+    </dgm:style>
+  </dgm:styleLbl>
+  <dgm:styleLbl name="parChTrans2D4">
+    <dgm:scene3d>
+      <a:camera prst="orthographicFront"/>
+      <a:lightRig rig="threePt" dir="t"/>
+    </dgm:scene3d>
+    <dgm:sp3d/>
+    <dgm:txPr/>
+    <dgm:style>
+      <a:lnRef idx="2">
+        <a:scrgbClr r="0" g="0" b="0"/>
+      </a:lnRef>
+      <a:fillRef idx="1">
+        <a:scrgbClr r="0" g="0" b="0"/>
+      </a:fillRef>
+      <a:effectRef idx="0">
+        <a:scrgbClr r="0" g="0" b="0"/>
+      </a:effectRef>
+      <a:fontRef idx="minor">
+        <a:schemeClr val="lt1"/>
+      </a:fontRef>
+    </dgm:style>
+  </dgm:styleLbl>
+  <dgm:styleLbl name="parChTrans1D1">
+    <dgm:scene3d>
+      <a:camera prst="orthographicFront"/>
+      <a:lightRig rig="threePt" dir="t"/>
+    </dgm:scene3d>
+    <dgm:sp3d/>
+    <dgm:txPr/>
+    <dgm:style>
+      <a:lnRef idx="2">
+        <a:scrgbClr r="0" g="0" b="0"/>
+      </a:lnRef>
+      <a:fillRef idx="0">
+        <a:scrgbClr r="0" g="0" b="0"/>
+      </a:fillRef>
+      <a:effectRef idx="0">
+        <a:scrgbClr r="0" g="0" b="0"/>
+      </a:effectRef>
+      <a:fontRef idx="minor"/>
+    </dgm:style>
+  </dgm:styleLbl>
+  <dgm:styleLbl name="parChTrans1D2">
+    <dgm:scene3d>
+      <a:camera prst="orthographicFront"/>
+      <a:lightRig rig="threePt" dir="t"/>
+    </dgm:scene3d>
+    <dgm:sp3d/>
+    <dgm:txPr/>
+    <dgm:style>
+      <a:lnRef idx="2">
+        <a:scrgbClr r="0" g="0" b="0"/>
+      </a:lnRef>
+      <a:fillRef idx="0">
+        <a:scrgbClr r="0" g="0" b="0"/>
+      </a:fillRef>
+      <a:effectRef idx="0">
+        <a:scrgbClr r="0" g="0" b="0"/>
+      </a:effectRef>
+      <a:fontRef idx="minor"/>
+    </dgm:style>
+  </dgm:styleLbl>
+  <dgm:styleLbl name="parChTrans1D3">
+    <dgm:scene3d>
+      <a:camera prst="orthographicFront"/>
+      <a:lightRig rig="threePt" dir="t"/>
+    </dgm:scene3d>
+    <dgm:sp3d/>
+    <dgm:txPr/>
+    <dgm:style>
+      <a:lnRef idx="2">
+        <a:scrgbClr r="0" g="0" b="0"/>
+      </a:lnRef>
+      <a:fillRef idx="0">
+        <a:scrgbClr r="0" g="0" b="0"/>
+      </a:fillRef>
+      <a:effectRef idx="0">
+        <a:scrgbClr r="0" g="0" b="0"/>
+      </a:effectRef>
+      <a:fontRef idx="minor"/>
+    </dgm:style>
+  </dgm:styleLbl>
+  <dgm:styleLbl name="parChTrans1D4">
+    <dgm:scene3d>
+      <a:camera prst="orthographicFront"/>
+      <a:lightRig rig="threePt" dir="t"/>
+    </dgm:scene3d>
+    <dgm:sp3d/>
+    <dgm:txPr/>
+    <dgm:style>
+      <a:lnRef idx="2">
+        <a:scrgbClr r="0" g="0" b="0"/>
+      </a:lnRef>
+      <a:fillRef idx="0">
+        <a:scrgbClr r="0" g="0" b="0"/>
+      </a:fillRef>
+      <a:effectRef idx="0">
+        <a:scrgbClr r="0" g="0" b="0"/>
+      </a:effectRef>
+      <a:fontRef idx="minor"/>
+    </dgm:style>
+  </dgm:styleLbl>
+  <dgm:styleLbl name="fgAcc1">
+    <dgm:scene3d>
+      <a:camera prst="orthographicFront"/>
+      <a:lightRig rig="threePt" dir="t"/>
+    </dgm:scene3d>
+    <dgm:sp3d/>
+    <dgm:txPr/>
+    <dgm:style>
+      <a:lnRef idx="2">
+        <a:scrgbClr r="0" g="0" b="0"/>
+      </a:lnRef>
+      <a:fillRef idx="1">
+        <a:scrgbClr r="0" g="0" b="0"/>
+      </a:fillRef>
+      <a:effectRef idx="0">
+        <a:scrgbClr r="0" g="0" b="0"/>
+      </a:effectRef>
+      <a:fontRef idx="minor"/>
+    </dgm:style>
+  </dgm:styleLbl>
+  <dgm:styleLbl name="conFgAcc1">
+    <dgm:scene3d>
+      <a:camera prst="orthographicFront"/>
+      <a:lightRig rig="threePt" dir="t"/>
+    </dgm:scene3d>
+    <dgm:sp3d/>
+    <dgm:txPr/>
+    <dgm:style>
+      <a:lnRef idx="2">
+        <a:scrgbClr r="0" g="0" b="0"/>
+      </a:lnRef>
+      <a:fillRef idx="1">
+        <a:scrgbClr r="0" g="0" b="0"/>
+      </a:fillRef>
+      <a:effectRef idx="0">
+        <a:scrgbClr r="0" g="0" b="0"/>
+      </a:effectRef>
+      <a:fontRef idx="minor"/>
+    </dgm:style>
+  </dgm:styleLbl>
+  <dgm:styleLbl name="alignAcc1">
+    <dgm:scene3d>
+      <a:camera prst="orthographicFront"/>
+      <a:lightRig rig="threePt" dir="t"/>
+    </dgm:scene3d>
+    <dgm:sp3d/>
+    <dgm:txPr/>
+    <dgm:style>
+      <a:lnRef idx="2">
+        <a:scrgbClr r="0" g="0" b="0"/>
+      </a:lnRef>
+      <a:fillRef idx="1">
+        <a:scrgbClr r="0" g="0" b="0"/>
+      </a:fillRef>
+      <a:effectRef idx="0">
+        <a:scrgbClr r="0" g="0" b="0"/>
+      </a:effectRef>
+      <a:fontRef idx="minor"/>
+    </dgm:style>
+  </dgm:styleLbl>
+  <dgm:styleLbl name="trAlignAcc1">
+    <dgm:scene3d>
+      <a:camera prst="orthographicFront"/>
+      <a:lightRig rig="threePt" dir="t"/>
+    </dgm:scene3d>
+    <dgm:sp3d/>
+    <dgm:txPr/>
+    <dgm:style>
+      <a:lnRef idx="1">
+        <a:scrgbClr r="0" g="0" b="0"/>
+      </a:lnRef>
+      <a:fillRef idx="1">
+        <a:scrgbClr r="0" g="0" b="0"/>
+      </a:fillRef>
+      <a:effectRef idx="0">
+        <a:scrgbClr r="0" g="0" b="0"/>
+      </a:effectRef>
+      <a:fontRef idx="minor"/>
+    </dgm:style>
+  </dgm:styleLbl>
+  <dgm:styleLbl name="bgAcc1">
+    <dgm:scene3d>
+      <a:camera prst="orthographicFront"/>
+      <a:lightRig rig="threePt" dir="t"/>
+    </dgm:scene3d>
+    <dgm:sp3d/>
+    <dgm:txPr/>
+    <dgm:style>
+      <a:lnRef idx="2">
+        <a:scrgbClr r="0" g="0" b="0"/>
+      </a:lnRef>
+      <a:fillRef idx="1">
+        <a:scrgbClr r="0" g="0" b="0"/>
+      </a:fillRef>
+      <a:effectRef idx="0">
+        <a:scrgbClr r="0" g="0" b="0"/>
+      </a:effectRef>
+      <a:fontRef idx="minor"/>
+    </dgm:style>
+  </dgm:styleLbl>
+  <dgm:styleLbl name="solidFgAcc1">
+    <dgm:scene3d>
+      <a:camera prst="orthographicFront"/>
+      <a:lightRig rig="threePt" dir="t"/>
+    </dgm:scene3d>
+    <dgm:sp3d/>
+    <dgm:txPr/>
+    <dgm:style>
+      <a:lnRef idx="2">
+        <a:scrgbClr r="0" g="0" b="0"/>
+      </a:lnRef>
+      <a:fillRef idx="1">
+        <a:scrgbClr r="0" g="0" b="0"/>
+      </a:fillRef>
+      <a:effectRef idx="0">
+        <a:scrgbClr r="0" g="0" b="0"/>
+      </a:effectRef>
+      <a:fontRef idx="minor"/>
+    </dgm:style>
+  </dgm:styleLbl>
+  <dgm:styleLbl name="solidAlignAcc1">
+    <dgm:scene3d>
+      <a:camera prst="orthographicFront"/>
+      <a:lightRig rig="threePt" dir="t"/>
+    </dgm:scene3d>
+    <dgm:sp3d/>
+    <dgm:txPr/>
+    <dgm:style>
+      <a:lnRef idx="2">
+        <a:scrgbClr r="0" g="0" b="0"/>
+      </a:lnRef>
+      <a:fillRef idx="1">
+        <a:scrgbClr r="0" g="0" b="0"/>
+      </a:fillRef>
+      <a:effectRef idx="0">
+        <a:scrgbClr r="0" g="0" b="0"/>
+      </a:effectRef>
+      <a:fontRef idx="minor"/>
+    </dgm:style>
+  </dgm:styleLbl>
+  <dgm:styleLbl name="solidBgAcc1">
+    <dgm:scene3d>
+      <a:camera prst="orthographicFront"/>
+      <a:lightRig rig="threePt" dir="t"/>
+    </dgm:scene3d>
+    <dgm:sp3d/>
+    <dgm:txPr/>
+    <dgm:style>
+      <a:lnRef idx="2">
+        <a:scrgbClr r="0" g="0" b="0"/>
+      </a:lnRef>
+      <a:fillRef idx="1">
+        <a:scrgbClr r="0" g="0" b="0"/>
+      </a:fillRef>
+      <a:effectRef idx="0">
+        <a:scrgbClr r="0" g="0" b="0"/>
+      </a:effectRef>
+      <a:fontRef idx="minor"/>
+    </dgm:style>
+  </dgm:styleLbl>
+  <dgm:styleLbl name="fgAccFollowNode1">
+    <dgm:scene3d>
+      <a:camera prst="orthographicFront"/>
+      <a:lightRig rig="threePt" dir="t"/>
+    </dgm:scene3d>
+    <dgm:sp3d/>
+    <dgm:txPr/>
+    <dgm:style>
+      <a:lnRef idx="2">
+        <a:scrgbClr r="0" g="0" b="0"/>
+      </a:lnRef>
+      <a:fillRef idx="1">
+        <a:scrgbClr r="0" g="0" b="0"/>
+      </a:fillRef>
+      <a:effectRef idx="0">
+        <a:scrgbClr r="0" g="0" b="0"/>
+      </a:effectRef>
+      <a:fontRef idx="minor"/>
+    </dgm:style>
+  </dgm:styleLbl>
+  <dgm:styleLbl name="alignAccFollowNode1">
+    <dgm:scene3d>
+      <a:camera prst="orthographicFront"/>
+      <a:lightRig rig="threePt" dir="t"/>
+    </dgm:scene3d>
+    <dgm:sp3d/>
+    <dgm:txPr/>
+    <dgm:style>
+      <a:lnRef idx="2">
+        <a:scrgbClr r="0" g="0" b="0"/>
+      </a:lnRef>
+      <a:fillRef idx="1">
+        <a:scrgbClr r="0" g="0" b="0"/>
+      </a:fillRef>
+      <a:effectRef idx="0">
+        <a:scrgbClr r="0" g="0" b="0"/>
+      </a:effectRef>
+      <a:fontRef idx="minor"/>
+    </dgm:style>
+  </dgm:styleLbl>
+  <dgm:styleLbl name="bgAccFollowNode1">
+    <dgm:scene3d>
+      <a:camera prst="orthographicFront"/>
+      <a:lightRig rig="threePt" dir="t"/>
+    </dgm:scene3d>
+    <dgm:sp3d/>
+    <dgm:txPr/>
+    <dgm:style>
+      <a:lnRef idx="2">
+        <a:scrgbClr r="0" g="0" b="0"/>
+      </a:lnRef>
+      <a:fillRef idx="1">
+        <a:scrgbClr r="0" g="0" b="0"/>
+      </a:fillRef>
+      <a:effectRef idx="0">
+        <a:scrgbClr r="0" g="0" b="0"/>
+      </a:effectRef>
+      <a:fontRef idx="minor"/>
+    </dgm:style>
+  </dgm:styleLbl>
+  <dgm:styleLbl name="fgAcc0">
+    <dgm:scene3d>
+      <a:camera prst="orthographicFront"/>
+      <a:lightRig rig="threePt" dir="t"/>
+    </dgm:scene3d>
+    <dgm:sp3d/>
+    <dgm:txPr/>
+    <dgm:style>
+      <a:lnRef idx="2">
+        <a:scrgbClr r="0" g="0" b="0"/>
+      </a:lnRef>
+      <a:fillRef idx="1">
+        <a:scrgbClr r="0" g="0" b="0"/>
+      </a:fillRef>
+      <a:effectRef idx="0">
+        <a:scrgbClr r="0" g="0" b="0"/>
+      </a:effectRef>
+      <a:fontRef idx="minor"/>
+    </dgm:style>
+  </dgm:styleLbl>
+  <dgm:styleLbl name="fgAcc2">
+    <dgm:scene3d>
+      <a:camera prst="orthographicFront"/>
+      <a:lightRig rig="threePt" dir="t"/>
+    </dgm:scene3d>
+    <dgm:sp3d/>
+    <dgm:txPr/>
+    <dgm:style>
+      <a:lnRef idx="2">
+        <a:scrgbClr r="0" g="0" b="0"/>
+      </a:lnRef>
+      <a:fillRef idx="1">
+        <a:scrgbClr r="0" g="0" b="0"/>
+      </a:fillRef>
+      <a:effectRef idx="0">
+        <a:scrgbClr r="0" g="0" b="0"/>
+      </a:effectRef>
+      <a:fontRef idx="minor"/>
+    </dgm:style>
+  </dgm:styleLbl>
+  <dgm:styleLbl name="fgAcc3">
+    <dgm:scene3d>
+      <a:camera prst="orthographicFront"/>
+      <a:lightRig rig="threePt" dir="t"/>
+    </dgm:scene3d>
+    <dgm:sp3d/>
+    <dgm:txPr/>
+    <dgm:style>
+      <a:lnRef idx="2">
+        <a:scrgbClr r="0" g="0" b="0"/>
+      </a:lnRef>
+      <a:fillRef idx="1">
+        <a:scrgbClr r="0" g="0" b="0"/>
+      </a:fillRef>
+      <a:effectRef idx="0">
+        <a:scrgbClr r="0" g="0" b="0"/>
+      </a:effectRef>
+      <a:fontRef idx="minor"/>
+    </dgm:style>
+  </dgm:styleLbl>
+  <dgm:styleLbl name="fgAcc4">
+    <dgm:scene3d>
+      <a:camera prst="orthographicFront"/>
+      <a:lightRig rig="threePt" dir="t"/>
+    </dgm:scene3d>
+    <dgm:sp3d/>
+    <dgm:txPr/>
+    <dgm:style>
+      <a:lnRef idx="2">
+        <a:scrgbClr r="0" g="0" b="0"/>
+      </a:lnRef>
+      <a:fillRef idx="1">
+        <a:scrgbClr r="0" g="0" b="0"/>
+      </a:fillRef>
+      <a:effectRef idx="0">
+        <a:scrgbClr r="0" g="0" b="0"/>
+      </a:effectRef>
+      <a:fontRef idx="minor"/>
+    </dgm:style>
+  </dgm:styleLbl>
+  <dgm:styleLbl name="bgShp">
+    <dgm:scene3d>
+      <a:camera prst="orthographicFront"/>
+      <a:lightRig rig="threePt" dir="t"/>
+    </dgm:scene3d>
+    <dgm:sp3d/>
+    <dgm:txPr/>
+    <dgm:style>
+      <a:lnRef idx="0">
+        <a:scrgbClr r="0" g="0" b="0"/>
+      </a:lnRef>
+      <a:fillRef idx="1">
+        <a:scrgbClr r="0" g="0" b="0"/>
+      </a:fillRef>
+      <a:effectRef idx="0">
+        <a:scrgbClr r="0" g="0" b="0"/>
+      </a:effectRef>
+      <a:fontRef idx="minor"/>
+    </dgm:style>
+  </dgm:styleLbl>
+  <dgm:styleLbl name="dkBgShp">
+    <dgm:scene3d>
+      <a:camera prst="orthographicFront"/>
+      <a:lightRig rig="threePt" dir="t"/>
+    </dgm:scene3d>
+    <dgm:sp3d/>
+    <dgm:txPr/>
+    <dgm:style>
+      <a:lnRef idx="0">
+        <a:scrgbClr r="0" g="0" b="0"/>
+      </a:lnRef>
+      <a:fillRef idx="1">
+        <a:scrgbClr r="0" g="0" b="0"/>
+      </a:fillRef>
+      <a:effectRef idx="0">
+        <a:scrgbClr r="0" g="0" b="0"/>
+      </a:effectRef>
+      <a:fontRef idx="minor"/>
+    </dgm:style>
+  </dgm:styleLbl>
+  <dgm:styleLbl name="trBgShp">
+    <dgm:scene3d>
+      <a:camera prst="orthographicFront"/>
+      <a:lightRig rig="threePt" dir="t"/>
+    </dgm:scene3d>
+    <dgm:sp3d/>
+    <dgm:txPr/>
+    <dgm:style>
+      <a:lnRef idx="0">
+        <a:scrgbClr r="0" g="0" b="0"/>
+      </a:lnRef>
+      <a:fillRef idx="1">
+        <a:scrgbClr r="0" g="0" b="0"/>
+      </a:fillRef>
+      <a:effectRef idx="0">
+        <a:scrgbClr r="0" g="0" b="0"/>
+      </a:effectRef>
+      <a:fontRef idx="minor"/>
+    </dgm:style>
+  </dgm:styleLbl>
+  <dgm:styleLbl name="fgShp">
+    <dgm:scene3d>
+      <a:camera prst="orthographicFront"/>
+      <a:lightRig rig="threePt" dir="t"/>
+    </dgm:scene3d>
+    <dgm:sp3d/>
+    <dgm:txPr/>
+    <dgm:style>
+      <a:lnRef idx="2">
+        <a:scrgbClr r="0" g="0" b="0"/>
+      </a:lnRef>
+      <a:fillRef idx="1">
+        <a:scrgbClr r="0" g="0" b="0"/>
+      </a:fillRef>
+      <a:effectRef idx="0">
+        <a:scrgbClr r="0" g="0" b="0"/>
+      </a:effectRef>
+      <a:fontRef idx="minor"/>
+    </dgm:style>
+  </dgm:styleLbl>
+  <dgm:styleLbl name="revTx">
+    <dgm:scene3d>
+      <a:camera prst="orthographicFront"/>
+      <a:lightRig rig="threePt" dir="t"/>
+    </dgm:scene3d>
+    <dgm:sp3d/>
+    <dgm:txPr/>
+    <dgm:style>
+      <a:lnRef idx="0">
+        <a:scrgbClr r="0" g="0" b="0"/>
+      </a:lnRef>
+      <a:fillRef idx="0">
+        <a:scrgbClr r="0" g="0" b="0"/>
+      </a:fillRef>
+      <a:effectRef idx="0">
+        <a:scrgbClr r="0" g="0" b="0"/>
+      </a:effectRef>
+      <a:fontRef idx="minor"/>
+    </dgm:style>
+  </dgm:styleLbl>
+</dgm:styleDef>
+</file>
+
+<file path=ppt/diagrams/quickStyle3.xml><?xml version="1.0" encoding="utf-8"?>
 <dgm:styleDef xmlns:dgm="http://schemas.openxmlformats.org/drawingml/2006/diagram" xmlns:a="http://schemas.openxmlformats.org/drawingml/2006/main" uniqueId="urn:microsoft.com/office/officeart/2005/8/quickstyle/simple1">
   <dgm:title val=""/>
   <dgm:desc val=""/>
@@ -8943,6 +13421,106 @@
     <p:extLst>
       <p:ext uri="{BB962C8B-B14F-4D97-AF65-F5344CB8AC3E}">
         <p14:creationId xmlns:p14="http://schemas.microsoft.com/office/powerpoint/2010/main" val="3953871017"/>
+      </p:ext>
+    </p:extLst>
+  </p:cSld>
+  <p:clrMapOvr>
+    <a:masterClrMapping/>
+  </p:clrMapOvr>
+</p:notes>
+</file>
+
+<file path=ppt/notesSlides/notesSlide2.xml><?xml version="1.0" encoding="utf-8"?>
+<p:notes xmlns:a="http://schemas.openxmlformats.org/drawingml/2006/main" xmlns:r="http://schemas.openxmlformats.org/officeDocument/2006/relationships" xmlns:p="http://schemas.openxmlformats.org/presentationml/2006/main">
+  <p:cSld>
+    <p:spTree>
+      <p:nvGrpSpPr>
+        <p:cNvPr id="1" name=""/>
+        <p:cNvGrpSpPr/>
+        <p:nvPr/>
+      </p:nvGrpSpPr>
+      <p:grpSpPr>
+        <a:xfrm>
+          <a:off x="0" y="0"/>
+          <a:ext cx="0" cy="0"/>
+          <a:chOff x="0" y="0"/>
+          <a:chExt cx="0" cy="0"/>
+        </a:xfrm>
+      </p:grpSpPr>
+      <p:sp>
+        <p:nvSpPr>
+          <p:cNvPr id="2" name="슬라이드 이미지 개체 틀 1"/>
+          <p:cNvSpPr>
+            <a:spLocks noGrp="1" noRot="1" noChangeAspect="1"/>
+          </p:cNvSpPr>
+          <p:nvPr>
+            <p:ph type="sldImg"/>
+          </p:nvPr>
+        </p:nvSpPr>
+        <p:spPr/>
+      </p:sp>
+      <p:sp>
+        <p:nvSpPr>
+          <p:cNvPr id="3" name="슬라이드 노트 개체 틀 2"/>
+          <p:cNvSpPr>
+            <a:spLocks noGrp="1"/>
+          </p:cNvSpPr>
+          <p:nvPr>
+            <p:ph type="body" idx="1"/>
+          </p:nvPr>
+        </p:nvSpPr>
+        <p:spPr/>
+        <p:txBody>
+          <a:bodyPr/>
+          <a:lstStyle/>
+          <a:p>
+            <a:r>
+              <a:rPr lang="en-US" altLang="ko-KR" dirty="0"/>
+              <a:t>1. </a:t>
+            </a:r>
+            <a:r>
+              <a:rPr lang="en-US" altLang="ko-KR" dirty="0" err="1"/>
+              <a:t>AppArmor</a:t>
+            </a:r>
+            <a:r>
+              <a:rPr lang="en-US" altLang="ko-KR" baseline="0" dirty="0"/>
+              <a:t> </a:t>
+            </a:r>
+            <a:r>
+              <a:rPr lang="ko-KR" altLang="en-US" baseline="0" dirty="0"/>
+              <a:t>변경 권한</a:t>
+            </a:r>
+            <a:endParaRPr lang="ko-KR" altLang="en-US" dirty="0"/>
+          </a:p>
+        </p:txBody>
+      </p:sp>
+      <p:sp>
+        <p:nvSpPr>
+          <p:cNvPr id="4" name="슬라이드 번호 개체 틀 3"/>
+          <p:cNvSpPr>
+            <a:spLocks noGrp="1"/>
+          </p:cNvSpPr>
+          <p:nvPr>
+            <p:ph type="sldNum" sz="quarter" idx="10"/>
+          </p:nvPr>
+        </p:nvSpPr>
+        <p:spPr/>
+        <p:txBody>
+          <a:bodyPr/>
+          <a:lstStyle/>
+          <a:p>
+            <a:fld id="{BA5DFA43-8D57-47FB-BC46-057616015C3B}" type="slidenum">
+              <a:rPr lang="ko-KR" altLang="en-US" smtClean="0"/>
+              <a:t>2</a:t>
+            </a:fld>
+            <a:endParaRPr lang="ko-KR" altLang="en-US"/>
+          </a:p>
+        </p:txBody>
+      </p:sp>
+    </p:spTree>
+    <p:extLst>
+      <p:ext uri="{BB962C8B-B14F-4D97-AF65-F5344CB8AC3E}">
+        <p14:creationId xmlns:p14="http://schemas.microsoft.com/office/powerpoint/2010/main" val="442438680"/>
       </p:ext>
     </p:extLst>
   </p:cSld>
@@ -12247,6 +16825,1205 @@
 </p:sld>
 </file>
 
+<file path=ppt/slides/slide2.xml><?xml version="1.0" encoding="utf-8"?>
+<p:sld xmlns:a="http://schemas.openxmlformats.org/drawingml/2006/main" xmlns:r="http://schemas.openxmlformats.org/officeDocument/2006/relationships" xmlns:p="http://schemas.openxmlformats.org/presentationml/2006/main">
+  <p:cSld>
+    <p:spTree>
+      <p:nvGrpSpPr>
+        <p:cNvPr id="1" name=""/>
+        <p:cNvGrpSpPr/>
+        <p:nvPr/>
+      </p:nvGrpSpPr>
+      <p:grpSpPr>
+        <a:xfrm>
+          <a:off x="0" y="0"/>
+          <a:ext cx="0" cy="0"/>
+          <a:chOff x="0" y="0"/>
+          <a:chExt cx="0" cy="0"/>
+        </a:xfrm>
+      </p:grpSpPr>
+      <p:sp>
+        <p:nvSpPr>
+          <p:cNvPr id="6" name="제목 1"/>
+          <p:cNvSpPr>
+            <a:spLocks noGrp="1"/>
+          </p:cNvSpPr>
+          <p:nvPr>
+            <p:ph type="title"/>
+          </p:nvPr>
+        </p:nvSpPr>
+        <p:spPr>
+          <a:xfrm>
+            <a:off x="457200" y="-20538"/>
+            <a:ext cx="8229600" cy="857250"/>
+          </a:xfrm>
+        </p:spPr>
+        <p:txBody>
+          <a:bodyPr>
+            <a:normAutofit/>
+          </a:bodyPr>
+          <a:lstStyle/>
+          <a:p>
+            <a:r>
+              <a:rPr lang="en-US" altLang="ko-KR"/>
+              <a:t>Orphan, Zombie</a:t>
+            </a:r>
+            <a:r>
+              <a:rPr lang="ko-KR" altLang="en-US"/>
+              <a:t> </a:t>
+            </a:r>
+            <a:r>
+              <a:rPr lang="en-US" altLang="ko-KR"/>
+              <a:t>Process</a:t>
+            </a:r>
+            <a:endParaRPr lang="ko-KR" altLang="en-US" dirty="0"/>
+          </a:p>
+        </p:txBody>
+      </p:sp>
+      <p:graphicFrame>
+        <p:nvGraphicFramePr>
+          <p:cNvPr id="13" name="다이어그램 12">
+            <a:extLst>
+              <a:ext uri="{FF2B5EF4-FFF2-40B4-BE49-F238E27FC236}">
+                <a16:creationId xmlns:a16="http://schemas.microsoft.com/office/drawing/2014/main" id="{AB8D47B9-7DE0-40E3-BC35-ADC2896EFC5B}"/>
+              </a:ext>
+            </a:extLst>
+          </p:cNvPr>
+          <p:cNvGraphicFramePr/>
+          <p:nvPr>
+            <p:extLst>
+              <p:ext uri="{D42A27DB-BD31-4B8C-83A1-F6EECF244321}">
+                <p14:modId xmlns:p14="http://schemas.microsoft.com/office/powerpoint/2010/main" val="267756713"/>
+              </p:ext>
+            </p:extLst>
+          </p:nvPr>
+        </p:nvGraphicFramePr>
+        <p:xfrm>
+          <a:off x="1687798" y="987574"/>
+          <a:ext cx="5704323" cy="3237325"/>
+        </p:xfrm>
+        <a:graphic>
+          <a:graphicData uri="http://schemas.openxmlformats.org/drawingml/2006/diagram">
+            <dgm:relIds xmlns:dgm="http://schemas.openxmlformats.org/drawingml/2006/diagram" xmlns:r="http://schemas.openxmlformats.org/officeDocument/2006/relationships" r:dm="rId3" r:lo="rId4" r:qs="rId5" r:cs="rId6"/>
+          </a:graphicData>
+        </a:graphic>
+      </p:graphicFrame>
+      <p:sp>
+        <p:nvSpPr>
+          <p:cNvPr id="14" name="사각형: 둥근 모서리 13">
+            <a:extLst>
+              <a:ext uri="{FF2B5EF4-FFF2-40B4-BE49-F238E27FC236}">
+                <a16:creationId xmlns:a16="http://schemas.microsoft.com/office/drawing/2014/main" id="{FB720931-A5C1-4D2B-9880-4FB97E349CEF}"/>
+              </a:ext>
+            </a:extLst>
+          </p:cNvPr>
+          <p:cNvSpPr/>
+          <p:nvPr/>
+        </p:nvSpPr>
+        <p:spPr>
+          <a:xfrm>
+            <a:off x="1615790" y="1059582"/>
+            <a:ext cx="5920866" cy="3388187"/>
+          </a:xfrm>
+          <a:prstGeom prst="roundRect">
+            <a:avLst>
+              <a:gd name="adj" fmla="val 2383"/>
+            </a:avLst>
+          </a:prstGeom>
+          <a:noFill/>
+          <a:ln>
+            <a:solidFill>
+              <a:schemeClr val="tx2"/>
+            </a:solidFill>
+            <a:prstDash val="dash"/>
+          </a:ln>
+        </p:spPr>
+        <p:style>
+          <a:lnRef idx="2">
+            <a:schemeClr val="dk1"/>
+          </a:lnRef>
+          <a:fillRef idx="1">
+            <a:schemeClr val="lt1"/>
+          </a:fillRef>
+          <a:effectRef idx="0">
+            <a:schemeClr val="dk1"/>
+          </a:effectRef>
+          <a:fontRef idx="minor">
+            <a:schemeClr val="dk1"/>
+          </a:fontRef>
+        </p:style>
+        <p:txBody>
+          <a:bodyPr rtlCol="0" anchor="b"/>
+          <a:lstStyle/>
+          <a:p>
+            <a:r>
+              <a:rPr lang="en-US" altLang="ko-KR" sz="1400">
+                <a:solidFill>
+                  <a:schemeClr val="tx2"/>
+                </a:solidFill>
+              </a:rPr>
+              <a:t>A Namespace</a:t>
+            </a:r>
+            <a:endParaRPr lang="ko-KR" altLang="en-US" sz="1400">
+              <a:solidFill>
+                <a:schemeClr val="tx2"/>
+              </a:solidFill>
+            </a:endParaRPr>
+          </a:p>
+        </p:txBody>
+      </p:sp>
+      <p:sp>
+        <p:nvSpPr>
+          <p:cNvPr id="15" name="사각형: 둥근 모서리 14">
+            <a:extLst>
+              <a:ext uri="{FF2B5EF4-FFF2-40B4-BE49-F238E27FC236}">
+                <a16:creationId xmlns:a16="http://schemas.microsoft.com/office/drawing/2014/main" id="{CF6C7B42-3638-408A-8F53-7F65C0BD2C2A}"/>
+              </a:ext>
+            </a:extLst>
+          </p:cNvPr>
+          <p:cNvSpPr/>
+          <p:nvPr/>
+        </p:nvSpPr>
+        <p:spPr>
+          <a:xfrm>
+            <a:off x="4640126" y="1851670"/>
+            <a:ext cx="2819028" cy="2520280"/>
+          </a:xfrm>
+          <a:prstGeom prst="roundRect">
+            <a:avLst>
+              <a:gd name="adj" fmla="val 2383"/>
+            </a:avLst>
+          </a:prstGeom>
+          <a:noFill/>
+          <a:ln>
+            <a:solidFill>
+              <a:schemeClr val="accent2"/>
+            </a:solidFill>
+            <a:prstDash val="dash"/>
+          </a:ln>
+        </p:spPr>
+        <p:style>
+          <a:lnRef idx="2">
+            <a:schemeClr val="dk1"/>
+          </a:lnRef>
+          <a:fillRef idx="1">
+            <a:schemeClr val="lt1"/>
+          </a:fillRef>
+          <a:effectRef idx="0">
+            <a:schemeClr val="dk1"/>
+          </a:effectRef>
+          <a:fontRef idx="minor">
+            <a:schemeClr val="dk1"/>
+          </a:fontRef>
+        </p:style>
+        <p:txBody>
+          <a:bodyPr rtlCol="0" anchor="b"/>
+          <a:lstStyle/>
+          <a:p>
+            <a:pPr algn="ctr"/>
+            <a:r>
+              <a:rPr lang="en-US" altLang="ko-KR" sz="1400">
+                <a:solidFill>
+                  <a:schemeClr val="accent2"/>
+                </a:solidFill>
+              </a:rPr>
+              <a:t>B Namespace</a:t>
+            </a:r>
+            <a:endParaRPr lang="ko-KR" altLang="en-US" sz="1400">
+              <a:solidFill>
+                <a:schemeClr val="accent2"/>
+              </a:solidFill>
+            </a:endParaRPr>
+          </a:p>
+        </p:txBody>
+      </p:sp>
+      <p:grpSp>
+        <p:nvGrpSpPr>
+          <p:cNvPr id="26" name="그룹 25">
+            <a:extLst>
+              <a:ext uri="{FF2B5EF4-FFF2-40B4-BE49-F238E27FC236}">
+                <a16:creationId xmlns:a16="http://schemas.microsoft.com/office/drawing/2014/main" id="{0BE81697-D119-4021-B6B8-B1CD076AF2BA}"/>
+              </a:ext>
+            </a:extLst>
+          </p:cNvPr>
+          <p:cNvGrpSpPr/>
+          <p:nvPr/>
+        </p:nvGrpSpPr>
+        <p:grpSpPr>
+          <a:xfrm>
+            <a:off x="2339752" y="1995686"/>
+            <a:ext cx="1368152" cy="432048"/>
+            <a:chOff x="2339752" y="1995686"/>
+            <a:chExt cx="1368152" cy="432048"/>
+          </a:xfrm>
+        </p:grpSpPr>
+        <p:cxnSp>
+          <p:nvCxnSpPr>
+            <p:cNvPr id="5" name="직선 연결선 4">
+              <a:extLst>
+                <a:ext uri="{FF2B5EF4-FFF2-40B4-BE49-F238E27FC236}">
+                  <a16:creationId xmlns:a16="http://schemas.microsoft.com/office/drawing/2014/main" id="{57D1866D-48F0-4F6E-BFBD-04FEF7CE05F1}"/>
+                </a:ext>
+              </a:extLst>
+            </p:cNvPr>
+            <p:cNvCxnSpPr>
+              <a:cxnSpLocks/>
+            </p:cNvCxnSpPr>
+            <p:nvPr/>
+          </p:nvCxnSpPr>
+          <p:spPr>
+            <a:xfrm>
+              <a:off x="2339752" y="1995686"/>
+              <a:ext cx="1368152" cy="432048"/>
+            </a:xfrm>
+            <a:prstGeom prst="line">
+              <a:avLst/>
+            </a:prstGeom>
+            <a:ln w="28575">
+              <a:solidFill>
+                <a:schemeClr val="tx2"/>
+              </a:solidFill>
+            </a:ln>
+          </p:spPr>
+          <p:style>
+            <a:lnRef idx="1">
+              <a:schemeClr val="accent1"/>
+            </a:lnRef>
+            <a:fillRef idx="0">
+              <a:schemeClr val="accent1"/>
+            </a:fillRef>
+            <a:effectRef idx="0">
+              <a:schemeClr val="accent1"/>
+            </a:effectRef>
+            <a:fontRef idx="minor">
+              <a:schemeClr val="tx1"/>
+            </a:fontRef>
+          </p:style>
+        </p:cxnSp>
+        <p:cxnSp>
+          <p:nvCxnSpPr>
+            <p:cNvPr id="21" name="직선 연결선 20">
+              <a:extLst>
+                <a:ext uri="{FF2B5EF4-FFF2-40B4-BE49-F238E27FC236}">
+                  <a16:creationId xmlns:a16="http://schemas.microsoft.com/office/drawing/2014/main" id="{74AD577A-FD49-49E5-8AA7-66CDD7A8AE0F}"/>
+                </a:ext>
+              </a:extLst>
+            </p:cNvPr>
+            <p:cNvCxnSpPr>
+              <a:cxnSpLocks/>
+            </p:cNvCxnSpPr>
+            <p:nvPr/>
+          </p:nvCxnSpPr>
+          <p:spPr>
+            <a:xfrm flipH="1">
+              <a:off x="2339752" y="1995686"/>
+              <a:ext cx="1368152" cy="432048"/>
+            </a:xfrm>
+            <a:prstGeom prst="line">
+              <a:avLst/>
+            </a:prstGeom>
+            <a:ln w="28575">
+              <a:solidFill>
+                <a:schemeClr val="tx2"/>
+              </a:solidFill>
+            </a:ln>
+          </p:spPr>
+          <p:style>
+            <a:lnRef idx="1">
+              <a:schemeClr val="accent1"/>
+            </a:lnRef>
+            <a:fillRef idx="0">
+              <a:schemeClr val="accent1"/>
+            </a:fillRef>
+            <a:effectRef idx="0">
+              <a:schemeClr val="accent1"/>
+            </a:effectRef>
+            <a:fontRef idx="minor">
+              <a:schemeClr val="tx1"/>
+            </a:fontRef>
+          </p:style>
+        </p:cxnSp>
+      </p:grpSp>
+      <p:grpSp>
+        <p:nvGrpSpPr>
+          <p:cNvPr id="27" name="그룹 26">
+            <a:extLst>
+              <a:ext uri="{FF2B5EF4-FFF2-40B4-BE49-F238E27FC236}">
+                <a16:creationId xmlns:a16="http://schemas.microsoft.com/office/drawing/2014/main" id="{ADAC1042-38CA-420C-ACB4-720119C7E4E1}"/>
+              </a:ext>
+            </a:extLst>
+          </p:cNvPr>
+          <p:cNvGrpSpPr/>
+          <p:nvPr/>
+        </p:nvGrpSpPr>
+        <p:grpSpPr>
+          <a:xfrm>
+            <a:off x="5373410" y="2787774"/>
+            <a:ext cx="1368152" cy="432048"/>
+            <a:chOff x="2339752" y="1995686"/>
+            <a:chExt cx="1368152" cy="432048"/>
+          </a:xfrm>
+        </p:grpSpPr>
+        <p:cxnSp>
+          <p:nvCxnSpPr>
+            <p:cNvPr id="28" name="직선 연결선 27">
+              <a:extLst>
+                <a:ext uri="{FF2B5EF4-FFF2-40B4-BE49-F238E27FC236}">
+                  <a16:creationId xmlns:a16="http://schemas.microsoft.com/office/drawing/2014/main" id="{28AD9249-4246-4FFF-9CA5-47949E5A6C93}"/>
+                </a:ext>
+              </a:extLst>
+            </p:cNvPr>
+            <p:cNvCxnSpPr>
+              <a:cxnSpLocks/>
+            </p:cNvCxnSpPr>
+            <p:nvPr/>
+          </p:nvCxnSpPr>
+          <p:spPr>
+            <a:xfrm>
+              <a:off x="2339752" y="1995686"/>
+              <a:ext cx="1368152" cy="432048"/>
+            </a:xfrm>
+            <a:prstGeom prst="line">
+              <a:avLst/>
+            </a:prstGeom>
+            <a:ln w="28575">
+              <a:solidFill>
+                <a:srgbClr val="C00000"/>
+              </a:solidFill>
+            </a:ln>
+          </p:spPr>
+          <p:style>
+            <a:lnRef idx="1">
+              <a:schemeClr val="accent1"/>
+            </a:lnRef>
+            <a:fillRef idx="0">
+              <a:schemeClr val="accent1"/>
+            </a:fillRef>
+            <a:effectRef idx="0">
+              <a:schemeClr val="accent1"/>
+            </a:effectRef>
+            <a:fontRef idx="minor">
+              <a:schemeClr val="tx1"/>
+            </a:fontRef>
+          </p:style>
+        </p:cxnSp>
+        <p:cxnSp>
+          <p:nvCxnSpPr>
+            <p:cNvPr id="29" name="직선 연결선 28">
+              <a:extLst>
+                <a:ext uri="{FF2B5EF4-FFF2-40B4-BE49-F238E27FC236}">
+                  <a16:creationId xmlns:a16="http://schemas.microsoft.com/office/drawing/2014/main" id="{7B722120-30CA-4BA1-A649-92FFC3671FAD}"/>
+                </a:ext>
+              </a:extLst>
+            </p:cNvPr>
+            <p:cNvCxnSpPr>
+              <a:cxnSpLocks/>
+            </p:cNvCxnSpPr>
+            <p:nvPr/>
+          </p:nvCxnSpPr>
+          <p:spPr>
+            <a:xfrm flipH="1">
+              <a:off x="2339752" y="1995686"/>
+              <a:ext cx="1368152" cy="432048"/>
+            </a:xfrm>
+            <a:prstGeom prst="line">
+              <a:avLst/>
+            </a:prstGeom>
+            <a:ln w="28575">
+              <a:solidFill>
+                <a:srgbClr val="C00000"/>
+              </a:solidFill>
+            </a:ln>
+          </p:spPr>
+          <p:style>
+            <a:lnRef idx="1">
+              <a:schemeClr val="accent1"/>
+            </a:lnRef>
+            <a:fillRef idx="0">
+              <a:schemeClr val="accent1"/>
+            </a:fillRef>
+            <a:effectRef idx="0">
+              <a:schemeClr val="accent1"/>
+            </a:effectRef>
+            <a:fontRef idx="minor">
+              <a:schemeClr val="tx1"/>
+            </a:fontRef>
+          </p:style>
+        </p:cxnSp>
+      </p:grpSp>
+      <p:cxnSp>
+        <p:nvCxnSpPr>
+          <p:cNvPr id="31" name="직선 화살표 연결선 30">
+            <a:extLst>
+              <a:ext uri="{FF2B5EF4-FFF2-40B4-BE49-F238E27FC236}">
+                <a16:creationId xmlns:a16="http://schemas.microsoft.com/office/drawing/2014/main" id="{1A626DEC-81F6-4371-B5C2-DCBD3450170F}"/>
+              </a:ext>
+            </a:extLst>
+          </p:cNvPr>
+          <p:cNvCxnSpPr>
+            <a:cxnSpLocks/>
+          </p:cNvCxnSpPr>
+          <p:nvPr/>
+        </p:nvCxnSpPr>
+        <p:spPr>
+          <a:xfrm flipV="1">
+            <a:off x="3779912" y="1635646"/>
+            <a:ext cx="791158" cy="1118029"/>
+          </a:xfrm>
+          <a:prstGeom prst="straightConnector1">
+            <a:avLst/>
+          </a:prstGeom>
+          <a:ln w="28575">
+            <a:solidFill>
+              <a:schemeClr val="tx2"/>
+            </a:solidFill>
+            <a:headEnd type="none" w="med" len="med"/>
+            <a:tailEnd type="arrow" w="med" len="med"/>
+          </a:ln>
+        </p:spPr>
+        <p:style>
+          <a:lnRef idx="1">
+            <a:schemeClr val="accent1"/>
+          </a:lnRef>
+          <a:fillRef idx="0">
+            <a:schemeClr val="accent1"/>
+          </a:fillRef>
+          <a:effectRef idx="0">
+            <a:schemeClr val="accent1"/>
+          </a:effectRef>
+          <a:fontRef idx="minor">
+            <a:schemeClr val="tx1"/>
+          </a:fontRef>
+        </p:style>
+      </p:cxnSp>
+      <p:cxnSp>
+        <p:nvCxnSpPr>
+          <p:cNvPr id="34" name="직선 화살표 연결선 33">
+            <a:extLst>
+              <a:ext uri="{FF2B5EF4-FFF2-40B4-BE49-F238E27FC236}">
+                <a16:creationId xmlns:a16="http://schemas.microsoft.com/office/drawing/2014/main" id="{D0965E4B-2B57-4AE0-84E6-E1A0F83E387F}"/>
+              </a:ext>
+            </a:extLst>
+          </p:cNvPr>
+          <p:cNvCxnSpPr>
+            <a:cxnSpLocks/>
+          </p:cNvCxnSpPr>
+          <p:nvPr/>
+        </p:nvCxnSpPr>
+        <p:spPr>
+          <a:xfrm flipV="1">
+            <a:off x="2267744" y="1635646"/>
+            <a:ext cx="2303326" cy="1118029"/>
+          </a:xfrm>
+          <a:prstGeom prst="straightConnector1">
+            <a:avLst/>
+          </a:prstGeom>
+          <a:ln w="28575">
+            <a:solidFill>
+              <a:schemeClr val="tx2"/>
+            </a:solidFill>
+            <a:headEnd type="none" w="med" len="med"/>
+            <a:tailEnd type="arrow" w="med" len="med"/>
+          </a:ln>
+        </p:spPr>
+        <p:style>
+          <a:lnRef idx="1">
+            <a:schemeClr val="accent1"/>
+          </a:lnRef>
+          <a:fillRef idx="0">
+            <a:schemeClr val="accent1"/>
+          </a:fillRef>
+          <a:effectRef idx="0">
+            <a:schemeClr val="accent1"/>
+          </a:effectRef>
+          <a:fontRef idx="minor">
+            <a:schemeClr val="tx1"/>
+          </a:fontRef>
+        </p:style>
+      </p:cxnSp>
+      <p:cxnSp>
+        <p:nvCxnSpPr>
+          <p:cNvPr id="37" name="직선 화살표 연결선 36">
+            <a:extLst>
+              <a:ext uri="{FF2B5EF4-FFF2-40B4-BE49-F238E27FC236}">
+                <a16:creationId xmlns:a16="http://schemas.microsoft.com/office/drawing/2014/main" id="{C49F1606-5E64-40B7-BFAC-0210D0907481}"/>
+              </a:ext>
+            </a:extLst>
+          </p:cNvPr>
+          <p:cNvCxnSpPr>
+            <a:cxnSpLocks/>
+          </p:cNvCxnSpPr>
+          <p:nvPr/>
+        </p:nvCxnSpPr>
+        <p:spPr>
+          <a:xfrm flipH="1" flipV="1">
+            <a:off x="6049640" y="2427734"/>
+            <a:ext cx="754608" cy="1131655"/>
+          </a:xfrm>
+          <a:prstGeom prst="straightConnector1">
+            <a:avLst/>
+          </a:prstGeom>
+          <a:ln w="28575">
+            <a:solidFill>
+              <a:srgbClr val="C00000"/>
+            </a:solidFill>
+            <a:headEnd type="none" w="med" len="med"/>
+            <a:tailEnd type="arrow" w="med" len="med"/>
+          </a:ln>
+        </p:spPr>
+        <p:style>
+          <a:lnRef idx="1">
+            <a:schemeClr val="accent1"/>
+          </a:lnRef>
+          <a:fillRef idx="0">
+            <a:schemeClr val="accent1"/>
+          </a:fillRef>
+          <a:effectRef idx="0">
+            <a:schemeClr val="accent1"/>
+          </a:effectRef>
+          <a:fontRef idx="minor">
+            <a:schemeClr val="tx1"/>
+          </a:fontRef>
+        </p:style>
+      </p:cxnSp>
+      <p:cxnSp>
+        <p:nvCxnSpPr>
+          <p:cNvPr id="40" name="직선 화살표 연결선 39">
+            <a:extLst>
+              <a:ext uri="{FF2B5EF4-FFF2-40B4-BE49-F238E27FC236}">
+                <a16:creationId xmlns:a16="http://schemas.microsoft.com/office/drawing/2014/main" id="{AE26034F-3D9C-4A57-8FE3-EF0723CD9E27}"/>
+              </a:ext>
+            </a:extLst>
+          </p:cNvPr>
+          <p:cNvCxnSpPr>
+            <a:cxnSpLocks/>
+          </p:cNvCxnSpPr>
+          <p:nvPr/>
+        </p:nvCxnSpPr>
+        <p:spPr>
+          <a:xfrm flipV="1">
+            <a:off x="5304354" y="2427734"/>
+            <a:ext cx="728953" cy="1131655"/>
+          </a:xfrm>
+          <a:prstGeom prst="straightConnector1">
+            <a:avLst/>
+          </a:prstGeom>
+          <a:ln w="28575">
+            <a:solidFill>
+              <a:srgbClr val="C00000"/>
+            </a:solidFill>
+            <a:headEnd type="none" w="med" len="med"/>
+            <a:tailEnd type="arrow" w="med" len="med"/>
+          </a:ln>
+        </p:spPr>
+        <p:style>
+          <a:lnRef idx="1">
+            <a:schemeClr val="accent1"/>
+          </a:lnRef>
+          <a:fillRef idx="0">
+            <a:schemeClr val="accent1"/>
+          </a:fillRef>
+          <a:effectRef idx="0">
+            <a:schemeClr val="accent1"/>
+          </a:effectRef>
+          <a:fontRef idx="minor">
+            <a:schemeClr val="tx1"/>
+          </a:fontRef>
+        </p:style>
+      </p:cxnSp>
+      <p:grpSp>
+        <p:nvGrpSpPr>
+          <p:cNvPr id="43" name="그룹 42">
+            <a:extLst>
+              <a:ext uri="{FF2B5EF4-FFF2-40B4-BE49-F238E27FC236}">
+                <a16:creationId xmlns:a16="http://schemas.microsoft.com/office/drawing/2014/main" id="{35CE5BEB-FB1B-4752-9D26-1753885536B9}"/>
+              </a:ext>
+            </a:extLst>
+          </p:cNvPr>
+          <p:cNvGrpSpPr/>
+          <p:nvPr/>
+        </p:nvGrpSpPr>
+        <p:grpSpPr>
+          <a:xfrm>
+            <a:off x="1585778" y="2787774"/>
+            <a:ext cx="1368152" cy="432048"/>
+            <a:chOff x="2339752" y="1995686"/>
+            <a:chExt cx="1368152" cy="432048"/>
+          </a:xfrm>
+        </p:grpSpPr>
+        <p:cxnSp>
+          <p:nvCxnSpPr>
+            <p:cNvPr id="44" name="직선 연결선 43">
+              <a:extLst>
+                <a:ext uri="{FF2B5EF4-FFF2-40B4-BE49-F238E27FC236}">
+                  <a16:creationId xmlns:a16="http://schemas.microsoft.com/office/drawing/2014/main" id="{D606927C-B3BA-447C-9990-E2C0F84A2890}"/>
+                </a:ext>
+              </a:extLst>
+            </p:cNvPr>
+            <p:cNvCxnSpPr>
+              <a:cxnSpLocks/>
+            </p:cNvCxnSpPr>
+            <p:nvPr/>
+          </p:nvCxnSpPr>
+          <p:spPr>
+            <a:xfrm>
+              <a:off x="2339752" y="1995686"/>
+              <a:ext cx="1368152" cy="432048"/>
+            </a:xfrm>
+            <a:prstGeom prst="line">
+              <a:avLst/>
+            </a:prstGeom>
+            <a:ln w="28575">
+              <a:solidFill>
+                <a:schemeClr val="tx2"/>
+              </a:solidFill>
+            </a:ln>
+          </p:spPr>
+          <p:style>
+            <a:lnRef idx="1">
+              <a:schemeClr val="accent1"/>
+            </a:lnRef>
+            <a:fillRef idx="0">
+              <a:schemeClr val="accent1"/>
+            </a:fillRef>
+            <a:effectRef idx="0">
+              <a:schemeClr val="accent1"/>
+            </a:effectRef>
+            <a:fontRef idx="minor">
+              <a:schemeClr val="tx1"/>
+            </a:fontRef>
+          </p:style>
+        </p:cxnSp>
+        <p:cxnSp>
+          <p:nvCxnSpPr>
+            <p:cNvPr id="45" name="직선 연결선 44">
+              <a:extLst>
+                <a:ext uri="{FF2B5EF4-FFF2-40B4-BE49-F238E27FC236}">
+                  <a16:creationId xmlns:a16="http://schemas.microsoft.com/office/drawing/2014/main" id="{643486CE-1E6D-4635-A475-421CCF0737B6}"/>
+                </a:ext>
+              </a:extLst>
+            </p:cNvPr>
+            <p:cNvCxnSpPr>
+              <a:cxnSpLocks/>
+            </p:cNvCxnSpPr>
+            <p:nvPr/>
+          </p:nvCxnSpPr>
+          <p:spPr>
+            <a:xfrm flipH="1">
+              <a:off x="2339752" y="1995686"/>
+              <a:ext cx="1368152" cy="432048"/>
+            </a:xfrm>
+            <a:prstGeom prst="line">
+              <a:avLst/>
+            </a:prstGeom>
+            <a:ln w="28575">
+              <a:solidFill>
+                <a:schemeClr val="tx2"/>
+              </a:solidFill>
+            </a:ln>
+          </p:spPr>
+          <p:style>
+            <a:lnRef idx="1">
+              <a:schemeClr val="accent1"/>
+            </a:lnRef>
+            <a:fillRef idx="0">
+              <a:schemeClr val="accent1"/>
+            </a:fillRef>
+            <a:effectRef idx="0">
+              <a:schemeClr val="accent1"/>
+            </a:effectRef>
+            <a:fontRef idx="minor">
+              <a:schemeClr val="tx1"/>
+            </a:fontRef>
+          </p:style>
+        </p:cxnSp>
+      </p:grpSp>
+      <p:grpSp>
+        <p:nvGrpSpPr>
+          <p:cNvPr id="46" name="그룹 45">
+            <a:extLst>
+              <a:ext uri="{FF2B5EF4-FFF2-40B4-BE49-F238E27FC236}">
+                <a16:creationId xmlns:a16="http://schemas.microsoft.com/office/drawing/2014/main" id="{C31D93B9-7AFB-44C1-A266-1C1FC8B93A17}"/>
+              </a:ext>
+            </a:extLst>
+          </p:cNvPr>
+          <p:cNvGrpSpPr/>
+          <p:nvPr/>
+        </p:nvGrpSpPr>
+        <p:grpSpPr>
+          <a:xfrm>
+            <a:off x="4611811" y="3622197"/>
+            <a:ext cx="1368152" cy="432048"/>
+            <a:chOff x="2339752" y="1995686"/>
+            <a:chExt cx="1368152" cy="432048"/>
+          </a:xfrm>
+        </p:grpSpPr>
+        <p:cxnSp>
+          <p:nvCxnSpPr>
+            <p:cNvPr id="47" name="직선 연결선 46">
+              <a:extLst>
+                <a:ext uri="{FF2B5EF4-FFF2-40B4-BE49-F238E27FC236}">
+                  <a16:creationId xmlns:a16="http://schemas.microsoft.com/office/drawing/2014/main" id="{A3E7B0F9-10B1-4567-B54C-62EFA1195788}"/>
+                </a:ext>
+              </a:extLst>
+            </p:cNvPr>
+            <p:cNvCxnSpPr>
+              <a:cxnSpLocks/>
+            </p:cNvCxnSpPr>
+            <p:nvPr/>
+          </p:nvCxnSpPr>
+          <p:spPr>
+            <a:xfrm>
+              <a:off x="2339752" y="1995686"/>
+              <a:ext cx="1368152" cy="432048"/>
+            </a:xfrm>
+            <a:prstGeom prst="line">
+              <a:avLst/>
+            </a:prstGeom>
+            <a:ln w="28575">
+              <a:solidFill>
+                <a:srgbClr val="C00000"/>
+              </a:solidFill>
+            </a:ln>
+          </p:spPr>
+          <p:style>
+            <a:lnRef idx="1">
+              <a:schemeClr val="accent1"/>
+            </a:lnRef>
+            <a:fillRef idx="0">
+              <a:schemeClr val="accent1"/>
+            </a:fillRef>
+            <a:effectRef idx="0">
+              <a:schemeClr val="accent1"/>
+            </a:effectRef>
+            <a:fontRef idx="minor">
+              <a:schemeClr val="tx1"/>
+            </a:fontRef>
+          </p:style>
+        </p:cxnSp>
+        <p:cxnSp>
+          <p:nvCxnSpPr>
+            <p:cNvPr id="48" name="직선 연결선 47">
+              <a:extLst>
+                <a:ext uri="{FF2B5EF4-FFF2-40B4-BE49-F238E27FC236}">
+                  <a16:creationId xmlns:a16="http://schemas.microsoft.com/office/drawing/2014/main" id="{DCBFC34E-51C6-48CD-BC8B-35F5EED068B1}"/>
+                </a:ext>
+              </a:extLst>
+            </p:cNvPr>
+            <p:cNvCxnSpPr>
+              <a:cxnSpLocks/>
+            </p:cNvCxnSpPr>
+            <p:nvPr/>
+          </p:nvCxnSpPr>
+          <p:spPr>
+            <a:xfrm flipH="1">
+              <a:off x="2339752" y="1995686"/>
+              <a:ext cx="1368152" cy="432048"/>
+            </a:xfrm>
+            <a:prstGeom prst="line">
+              <a:avLst/>
+            </a:prstGeom>
+            <a:ln w="28575">
+              <a:solidFill>
+                <a:srgbClr val="C00000"/>
+              </a:solidFill>
+            </a:ln>
+          </p:spPr>
+          <p:style>
+            <a:lnRef idx="1">
+              <a:schemeClr val="accent1"/>
+            </a:lnRef>
+            <a:fillRef idx="0">
+              <a:schemeClr val="accent1"/>
+            </a:fillRef>
+            <a:effectRef idx="0">
+              <a:schemeClr val="accent1"/>
+            </a:effectRef>
+            <a:fontRef idx="minor">
+              <a:schemeClr val="tx1"/>
+            </a:fontRef>
+          </p:style>
+        </p:cxnSp>
+      </p:grpSp>
+      <p:sp>
+        <p:nvSpPr>
+          <p:cNvPr id="49" name="타원 48">
+            <a:extLst>
+              <a:ext uri="{FF2B5EF4-FFF2-40B4-BE49-F238E27FC236}">
+                <a16:creationId xmlns:a16="http://schemas.microsoft.com/office/drawing/2014/main" id="{2FD3B908-D2F9-40F9-A4E2-6B7CDA749F81}"/>
+              </a:ext>
+            </a:extLst>
+          </p:cNvPr>
+          <p:cNvSpPr/>
+          <p:nvPr/>
+        </p:nvSpPr>
+        <p:spPr>
+          <a:xfrm>
+            <a:off x="2339752" y="2054580"/>
+            <a:ext cx="311960" cy="301146"/>
+          </a:xfrm>
+          <a:prstGeom prst="ellipse">
+            <a:avLst/>
+          </a:prstGeom>
+          <a:ln>
+            <a:solidFill>
+              <a:schemeClr val="tx2"/>
+            </a:solidFill>
+          </a:ln>
+        </p:spPr>
+        <p:style>
+          <a:lnRef idx="2">
+            <a:schemeClr val="dk1"/>
+          </a:lnRef>
+          <a:fillRef idx="1">
+            <a:schemeClr val="lt1"/>
+          </a:fillRef>
+          <a:effectRef idx="0">
+            <a:schemeClr val="dk1"/>
+          </a:effectRef>
+          <a:fontRef idx="minor">
+            <a:schemeClr val="dk1"/>
+          </a:fontRef>
+        </p:style>
+        <p:txBody>
+          <a:bodyPr rtlCol="0" anchor="ctr"/>
+          <a:lstStyle/>
+          <a:p>
+            <a:pPr algn="ctr"/>
+            <a:r>
+              <a:rPr lang="en-US" altLang="ko-KR" sz="1400" b="1">
+                <a:solidFill>
+                  <a:schemeClr val="tx2"/>
+                </a:solidFill>
+              </a:rPr>
+              <a:t>1</a:t>
+            </a:r>
+            <a:endParaRPr lang="ko-KR" altLang="en-US" sz="1400" b="1">
+              <a:solidFill>
+                <a:schemeClr val="tx2"/>
+              </a:solidFill>
+            </a:endParaRPr>
+          </a:p>
+        </p:txBody>
+      </p:sp>
+      <p:sp>
+        <p:nvSpPr>
+          <p:cNvPr id="50" name="타원 49">
+            <a:extLst>
+              <a:ext uri="{FF2B5EF4-FFF2-40B4-BE49-F238E27FC236}">
+                <a16:creationId xmlns:a16="http://schemas.microsoft.com/office/drawing/2014/main" id="{B9A81B5E-2E80-4E4D-B1DC-CC2F77098921}"/>
+              </a:ext>
+            </a:extLst>
+          </p:cNvPr>
+          <p:cNvSpPr/>
+          <p:nvPr/>
+        </p:nvSpPr>
+        <p:spPr>
+          <a:xfrm>
+            <a:off x="3900000" y="1923678"/>
+            <a:ext cx="311960" cy="301146"/>
+          </a:xfrm>
+          <a:prstGeom prst="ellipse">
+            <a:avLst/>
+          </a:prstGeom>
+          <a:ln>
+            <a:solidFill>
+              <a:schemeClr val="tx2"/>
+            </a:solidFill>
+          </a:ln>
+        </p:spPr>
+        <p:style>
+          <a:lnRef idx="2">
+            <a:schemeClr val="dk1"/>
+          </a:lnRef>
+          <a:fillRef idx="1">
+            <a:schemeClr val="lt1"/>
+          </a:fillRef>
+          <a:effectRef idx="0">
+            <a:schemeClr val="dk1"/>
+          </a:effectRef>
+          <a:fontRef idx="minor">
+            <a:schemeClr val="dk1"/>
+          </a:fontRef>
+        </p:style>
+        <p:txBody>
+          <a:bodyPr rtlCol="0" anchor="ctr"/>
+          <a:lstStyle/>
+          <a:p>
+            <a:pPr algn="ctr"/>
+            <a:r>
+              <a:rPr lang="en-US" altLang="ko-KR" sz="1400" b="1">
+                <a:solidFill>
+                  <a:schemeClr val="tx2"/>
+                </a:solidFill>
+              </a:rPr>
+              <a:t>2</a:t>
+            </a:r>
+            <a:endParaRPr lang="ko-KR" altLang="en-US" sz="1400" b="1">
+              <a:solidFill>
+                <a:schemeClr val="tx2"/>
+              </a:solidFill>
+            </a:endParaRPr>
+          </a:p>
+        </p:txBody>
+      </p:sp>
+      <p:sp>
+        <p:nvSpPr>
+          <p:cNvPr id="51" name="타원 50">
+            <a:extLst>
+              <a:ext uri="{FF2B5EF4-FFF2-40B4-BE49-F238E27FC236}">
+                <a16:creationId xmlns:a16="http://schemas.microsoft.com/office/drawing/2014/main" id="{427E4EEF-DD56-44ED-A4DF-376794CD546D}"/>
+              </a:ext>
+            </a:extLst>
+          </p:cNvPr>
+          <p:cNvSpPr/>
+          <p:nvPr/>
+        </p:nvSpPr>
+        <p:spPr>
+          <a:xfrm>
+            <a:off x="1619155" y="2853225"/>
+            <a:ext cx="311960" cy="301146"/>
+          </a:xfrm>
+          <a:prstGeom prst="ellipse">
+            <a:avLst/>
+          </a:prstGeom>
+          <a:ln>
+            <a:solidFill>
+              <a:schemeClr val="tx2"/>
+            </a:solidFill>
+          </a:ln>
+        </p:spPr>
+        <p:style>
+          <a:lnRef idx="2">
+            <a:schemeClr val="dk1"/>
+          </a:lnRef>
+          <a:fillRef idx="1">
+            <a:schemeClr val="lt1"/>
+          </a:fillRef>
+          <a:effectRef idx="0">
+            <a:schemeClr val="dk1"/>
+          </a:effectRef>
+          <a:fontRef idx="minor">
+            <a:schemeClr val="dk1"/>
+          </a:fontRef>
+        </p:style>
+        <p:txBody>
+          <a:bodyPr rtlCol="0" anchor="ctr"/>
+          <a:lstStyle/>
+          <a:p>
+            <a:pPr algn="ctr"/>
+            <a:r>
+              <a:rPr lang="en-US" altLang="ko-KR" sz="1400" b="1">
+                <a:solidFill>
+                  <a:schemeClr val="tx2"/>
+                </a:solidFill>
+              </a:rPr>
+              <a:t>3</a:t>
+            </a:r>
+            <a:endParaRPr lang="ko-KR" altLang="en-US" sz="1400" b="1">
+              <a:solidFill>
+                <a:schemeClr val="tx2"/>
+              </a:solidFill>
+            </a:endParaRPr>
+          </a:p>
+        </p:txBody>
+      </p:sp>
+      <p:sp>
+        <p:nvSpPr>
+          <p:cNvPr id="52" name="타원 51">
+            <a:extLst>
+              <a:ext uri="{FF2B5EF4-FFF2-40B4-BE49-F238E27FC236}">
+                <a16:creationId xmlns:a16="http://schemas.microsoft.com/office/drawing/2014/main" id="{8E87BE57-E93C-454A-834D-935F7A0FD331}"/>
+              </a:ext>
+            </a:extLst>
+          </p:cNvPr>
+          <p:cNvSpPr/>
+          <p:nvPr/>
+        </p:nvSpPr>
+        <p:spPr>
+          <a:xfrm>
+            <a:off x="5435874" y="2844758"/>
+            <a:ext cx="311960" cy="301146"/>
+          </a:xfrm>
+          <a:prstGeom prst="ellipse">
+            <a:avLst/>
+          </a:prstGeom>
+          <a:ln>
+            <a:solidFill>
+              <a:srgbClr val="C00000"/>
+            </a:solidFill>
+          </a:ln>
+        </p:spPr>
+        <p:style>
+          <a:lnRef idx="2">
+            <a:schemeClr val="dk1"/>
+          </a:lnRef>
+          <a:fillRef idx="1">
+            <a:schemeClr val="lt1"/>
+          </a:fillRef>
+          <a:effectRef idx="0">
+            <a:schemeClr val="dk1"/>
+          </a:effectRef>
+          <a:fontRef idx="minor">
+            <a:schemeClr val="dk1"/>
+          </a:fontRef>
+        </p:style>
+        <p:txBody>
+          <a:bodyPr rtlCol="0" anchor="ctr"/>
+          <a:lstStyle/>
+          <a:p>
+            <a:pPr algn="ctr"/>
+            <a:r>
+              <a:rPr lang="en-US" altLang="ko-KR" sz="1400" b="1">
+                <a:solidFill>
+                  <a:srgbClr val="C00000"/>
+                </a:solidFill>
+              </a:rPr>
+              <a:t>1</a:t>
+            </a:r>
+            <a:endParaRPr lang="ko-KR" altLang="en-US" sz="1400" b="1">
+              <a:solidFill>
+                <a:srgbClr val="C00000"/>
+              </a:solidFill>
+            </a:endParaRPr>
+          </a:p>
+        </p:txBody>
+      </p:sp>
+      <p:sp>
+        <p:nvSpPr>
+          <p:cNvPr id="53" name="타원 52">
+            <a:extLst>
+              <a:ext uri="{FF2B5EF4-FFF2-40B4-BE49-F238E27FC236}">
+                <a16:creationId xmlns:a16="http://schemas.microsoft.com/office/drawing/2014/main" id="{3A2C05A6-42EA-4A45-9C2E-B400F85BFC0F}"/>
+              </a:ext>
+            </a:extLst>
+          </p:cNvPr>
+          <p:cNvSpPr/>
+          <p:nvPr/>
+        </p:nvSpPr>
+        <p:spPr>
+          <a:xfrm>
+            <a:off x="5887121" y="2534233"/>
+            <a:ext cx="311960" cy="301146"/>
+          </a:xfrm>
+          <a:prstGeom prst="ellipse">
+            <a:avLst/>
+          </a:prstGeom>
+          <a:ln>
+            <a:solidFill>
+              <a:srgbClr val="C00000"/>
+            </a:solidFill>
+          </a:ln>
+        </p:spPr>
+        <p:style>
+          <a:lnRef idx="2">
+            <a:schemeClr val="dk1"/>
+          </a:lnRef>
+          <a:fillRef idx="1">
+            <a:schemeClr val="lt1"/>
+          </a:fillRef>
+          <a:effectRef idx="0">
+            <a:schemeClr val="dk1"/>
+          </a:effectRef>
+          <a:fontRef idx="minor">
+            <a:schemeClr val="dk1"/>
+          </a:fontRef>
+        </p:style>
+        <p:txBody>
+          <a:bodyPr rtlCol="0" anchor="ctr"/>
+          <a:lstStyle/>
+          <a:p>
+            <a:pPr algn="ctr"/>
+            <a:r>
+              <a:rPr lang="en-US" altLang="ko-KR" sz="1400" b="1">
+                <a:solidFill>
+                  <a:srgbClr val="C00000"/>
+                </a:solidFill>
+              </a:rPr>
+              <a:t>2</a:t>
+            </a:r>
+            <a:endParaRPr lang="ko-KR" altLang="en-US" sz="1400" b="1">
+              <a:solidFill>
+                <a:srgbClr val="C00000"/>
+              </a:solidFill>
+            </a:endParaRPr>
+          </a:p>
+        </p:txBody>
+      </p:sp>
+      <p:sp>
+        <p:nvSpPr>
+          <p:cNvPr id="54" name="타원 53">
+            <a:extLst>
+              <a:ext uri="{FF2B5EF4-FFF2-40B4-BE49-F238E27FC236}">
+                <a16:creationId xmlns:a16="http://schemas.microsoft.com/office/drawing/2014/main" id="{AB3ACC93-655D-4922-8352-9DD71EEEF761}"/>
+              </a:ext>
+            </a:extLst>
+          </p:cNvPr>
+          <p:cNvSpPr/>
+          <p:nvPr/>
+        </p:nvSpPr>
+        <p:spPr>
+          <a:xfrm>
+            <a:off x="4645745" y="3687853"/>
+            <a:ext cx="311960" cy="301146"/>
+          </a:xfrm>
+          <a:prstGeom prst="ellipse">
+            <a:avLst/>
+          </a:prstGeom>
+          <a:ln>
+            <a:solidFill>
+              <a:srgbClr val="C00000"/>
+            </a:solidFill>
+          </a:ln>
+        </p:spPr>
+        <p:style>
+          <a:lnRef idx="2">
+            <a:schemeClr val="dk1"/>
+          </a:lnRef>
+          <a:fillRef idx="1">
+            <a:schemeClr val="lt1"/>
+          </a:fillRef>
+          <a:effectRef idx="0">
+            <a:schemeClr val="dk1"/>
+          </a:effectRef>
+          <a:fontRef idx="minor">
+            <a:schemeClr val="dk1"/>
+          </a:fontRef>
+        </p:style>
+        <p:txBody>
+          <a:bodyPr rtlCol="0" anchor="ctr"/>
+          <a:lstStyle/>
+          <a:p>
+            <a:pPr algn="ctr"/>
+            <a:r>
+              <a:rPr lang="en-US" altLang="ko-KR" sz="1400" b="1">
+                <a:solidFill>
+                  <a:srgbClr val="C00000"/>
+                </a:solidFill>
+              </a:rPr>
+              <a:t>3</a:t>
+            </a:r>
+            <a:endParaRPr lang="ko-KR" altLang="en-US" sz="1400" b="1">
+              <a:solidFill>
+                <a:srgbClr val="C00000"/>
+              </a:solidFill>
+            </a:endParaRPr>
+          </a:p>
+        </p:txBody>
+      </p:sp>
+    </p:spTree>
+    <p:extLst>
+      <p:ext uri="{BB962C8B-B14F-4D97-AF65-F5344CB8AC3E}">
+        <p14:creationId xmlns:p14="http://schemas.microsoft.com/office/powerpoint/2010/main" val="3006780361"/>
+      </p:ext>
+    </p:extLst>
+  </p:cSld>
+  <p:clrMapOvr>
+    <a:masterClrMapping/>
+  </p:clrMapOvr>
+</p:sld>
+</file>
+
 <file path=ppt/theme/theme1.xml><?xml version="1.0" encoding="utf-8"?>
 <a:theme xmlns:a="http://schemas.openxmlformats.org/drawingml/2006/main" name="Office 테마">
   <a:themeElements>

--- a/images/onebyone_container/PID_Namespace/PID_Namespace.pptx
+++ b/images/onebyone_container/PID_Namespace/PID_Namespace.pptx
@@ -13063,7 +13063,7 @@
           <a:p>
             <a:fld id="{6CD5550B-26C4-49A9-A5BA-636EF7BE6CE9}" type="datetimeFigureOut">
               <a:rPr lang="ko-KR" altLang="en-US" smtClean="0"/>
-              <a:t>2020-04-13</a:t>
+              <a:t>2020-04-14</a:t>
             </a:fld>
             <a:endParaRPr lang="ko-KR" altLang="en-US"/>
           </a:p>
@@ -13709,7 +13709,7 @@
           <a:p>
             <a:fld id="{FB30EDBD-1C2D-4C1E-B459-B60219FAB484}" type="datetimeFigureOut">
               <a:rPr lang="ko-KR" altLang="en-US" smtClean="0"/>
-              <a:t>2020-04-13</a:t>
+              <a:t>2020-04-14</a:t>
             </a:fld>
             <a:endParaRPr lang="ko-KR" altLang="en-US"/>
           </a:p>
@@ -13872,7 +13872,7 @@
           <a:p>
             <a:fld id="{FB30EDBD-1C2D-4C1E-B459-B60219FAB484}" type="datetimeFigureOut">
               <a:rPr lang="ko-KR" altLang="en-US" smtClean="0"/>
-              <a:t>2020-04-13</a:t>
+              <a:t>2020-04-14</a:t>
             </a:fld>
             <a:endParaRPr lang="ko-KR" altLang="en-US"/>
           </a:p>
@@ -14045,7 +14045,7 @@
           <a:p>
             <a:fld id="{FB30EDBD-1C2D-4C1E-B459-B60219FAB484}" type="datetimeFigureOut">
               <a:rPr lang="ko-KR" altLang="en-US" smtClean="0"/>
-              <a:t>2020-04-13</a:t>
+              <a:t>2020-04-14</a:t>
             </a:fld>
             <a:endParaRPr lang="ko-KR" altLang="en-US"/>
           </a:p>
@@ -14208,7 +14208,7 @@
           <a:p>
             <a:fld id="{FB30EDBD-1C2D-4C1E-B459-B60219FAB484}" type="datetimeFigureOut">
               <a:rPr lang="ko-KR" altLang="en-US" smtClean="0"/>
-              <a:t>2020-04-13</a:t>
+              <a:t>2020-04-14</a:t>
             </a:fld>
             <a:endParaRPr lang="ko-KR" altLang="en-US"/>
           </a:p>
@@ -14448,7 +14448,7 @@
           <a:p>
             <a:fld id="{FB30EDBD-1C2D-4C1E-B459-B60219FAB484}" type="datetimeFigureOut">
               <a:rPr lang="ko-KR" altLang="en-US" smtClean="0"/>
-              <a:t>2020-04-13</a:t>
+              <a:t>2020-04-14</a:t>
             </a:fld>
             <a:endParaRPr lang="ko-KR" altLang="en-US"/>
           </a:p>
@@ -14728,7 +14728,7 @@
           <a:p>
             <a:fld id="{FB30EDBD-1C2D-4C1E-B459-B60219FAB484}" type="datetimeFigureOut">
               <a:rPr lang="ko-KR" altLang="en-US" smtClean="0"/>
-              <a:t>2020-04-13</a:t>
+              <a:t>2020-04-14</a:t>
             </a:fld>
             <a:endParaRPr lang="ko-KR" altLang="en-US"/>
           </a:p>
@@ -15142,7 +15142,7 @@
           <a:p>
             <a:fld id="{FB30EDBD-1C2D-4C1E-B459-B60219FAB484}" type="datetimeFigureOut">
               <a:rPr lang="ko-KR" altLang="en-US" smtClean="0"/>
-              <a:t>2020-04-13</a:t>
+              <a:t>2020-04-14</a:t>
             </a:fld>
             <a:endParaRPr lang="ko-KR" altLang="en-US"/>
           </a:p>
@@ -15254,7 +15254,7 @@
           <a:p>
             <a:fld id="{FB30EDBD-1C2D-4C1E-B459-B60219FAB484}" type="datetimeFigureOut">
               <a:rPr lang="ko-KR" altLang="en-US" smtClean="0"/>
-              <a:t>2020-04-13</a:t>
+              <a:t>2020-04-14</a:t>
             </a:fld>
             <a:endParaRPr lang="ko-KR" altLang="en-US"/>
           </a:p>
@@ -15344,7 +15344,7 @@
           <a:p>
             <a:fld id="{FB30EDBD-1C2D-4C1E-B459-B60219FAB484}" type="datetimeFigureOut">
               <a:rPr lang="ko-KR" altLang="en-US" smtClean="0"/>
-              <a:t>2020-04-13</a:t>
+              <a:t>2020-04-14</a:t>
             </a:fld>
             <a:endParaRPr lang="ko-KR" altLang="en-US"/>
           </a:p>
@@ -15614,7 +15614,7 @@
           <a:p>
             <a:fld id="{FB30EDBD-1C2D-4C1E-B459-B60219FAB484}" type="datetimeFigureOut">
               <a:rPr lang="ko-KR" altLang="en-US" smtClean="0"/>
-              <a:t>2020-04-13</a:t>
+              <a:t>2020-04-14</a:t>
             </a:fld>
             <a:endParaRPr lang="ko-KR" altLang="en-US"/>
           </a:p>
@@ -15861,7 +15861,7 @@
           <a:p>
             <a:fld id="{FB30EDBD-1C2D-4C1E-B459-B60219FAB484}" type="datetimeFigureOut">
               <a:rPr lang="ko-KR" altLang="en-US" smtClean="0"/>
-              <a:t>2020-04-13</a:t>
+              <a:t>2020-04-14</a:t>
             </a:fld>
             <a:endParaRPr lang="ko-KR" altLang="en-US"/>
           </a:p>
@@ -16067,7 +16067,7 @@
           <a:p>
             <a:fld id="{FB30EDBD-1C2D-4C1E-B459-B60219FAB484}" type="datetimeFigureOut">
               <a:rPr lang="ko-KR" altLang="en-US" smtClean="0"/>
-              <a:t>2020-04-13</a:t>
+              <a:t>2020-04-14</a:t>
             </a:fld>
             <a:endParaRPr lang="ko-KR" altLang="en-US"/>
           </a:p>
@@ -17659,8 +17659,8 @@
         </p:nvSpPr>
         <p:spPr>
           <a:xfrm>
-            <a:off x="2339752" y="2054580"/>
-            <a:ext cx="311960" cy="301146"/>
+            <a:off x="2399695" y="2055386"/>
+            <a:ext cx="288549" cy="278547"/>
           </a:xfrm>
           <a:prstGeom prst="ellipse">
             <a:avLst/>
@@ -17691,14 +17691,14 @@
           <a:p>
             <a:pPr algn="ctr"/>
             <a:r>
-              <a:rPr lang="en-US" altLang="ko-KR" sz="1400" b="1">
+              <a:rPr lang="en-US" altLang="ko-KR" sz="1200" b="1">
                 <a:solidFill>
                   <a:schemeClr val="tx2"/>
                 </a:solidFill>
               </a:rPr>
               <a:t>1</a:t>
             </a:r>
-            <a:endParaRPr lang="ko-KR" altLang="en-US" sz="1400" b="1">
+            <a:endParaRPr lang="ko-KR" altLang="en-US" sz="1200" b="1">
               <a:solidFill>
                 <a:schemeClr val="tx2"/>
               </a:solidFill>
@@ -17720,8 +17720,8 @@
         </p:nvSpPr>
         <p:spPr>
           <a:xfrm>
-            <a:off x="3900000" y="1923678"/>
-            <a:ext cx="311960" cy="301146"/>
+            <a:off x="3999301" y="1851670"/>
+            <a:ext cx="288549" cy="278547"/>
           </a:xfrm>
           <a:prstGeom prst="ellipse">
             <a:avLst/>
@@ -17752,14 +17752,14 @@
           <a:p>
             <a:pPr algn="ctr"/>
             <a:r>
-              <a:rPr lang="en-US" altLang="ko-KR" sz="1400" b="1">
+              <a:rPr lang="en-US" altLang="ko-KR" sz="1200" b="1">
                 <a:solidFill>
                   <a:schemeClr val="tx2"/>
                 </a:solidFill>
               </a:rPr>
               <a:t>2</a:t>
             </a:r>
-            <a:endParaRPr lang="ko-KR" altLang="en-US" sz="1400" b="1">
+            <a:endParaRPr lang="ko-KR" altLang="en-US" sz="1200" b="1">
               <a:solidFill>
                 <a:schemeClr val="tx2"/>
               </a:solidFill>
@@ -17781,8 +17781,8 @@
         </p:nvSpPr>
         <p:spPr>
           <a:xfrm>
-            <a:off x="1619155" y="2853225"/>
-            <a:ext cx="311960" cy="301146"/>
+            <a:off x="1684846" y="2854287"/>
+            <a:ext cx="288549" cy="278547"/>
           </a:xfrm>
           <a:prstGeom prst="ellipse">
             <a:avLst/>
@@ -17813,14 +17813,14 @@
           <a:p>
             <a:pPr algn="ctr"/>
             <a:r>
-              <a:rPr lang="en-US" altLang="ko-KR" sz="1400" b="1">
+              <a:rPr lang="en-US" altLang="ko-KR" sz="1200" b="1">
                 <a:solidFill>
                   <a:schemeClr val="tx2"/>
                 </a:solidFill>
               </a:rPr>
               <a:t>3</a:t>
             </a:r>
-            <a:endParaRPr lang="ko-KR" altLang="en-US" sz="1400" b="1">
+            <a:endParaRPr lang="ko-KR" altLang="en-US" sz="1200" b="1">
               <a:solidFill>
                 <a:schemeClr val="tx2"/>
               </a:solidFill>
@@ -17842,8 +17842,8 @@
         </p:nvSpPr>
         <p:spPr>
           <a:xfrm>
-            <a:off x="5435874" y="2844758"/>
-            <a:ext cx="311960" cy="301146"/>
+            <a:off x="5461767" y="2864524"/>
+            <a:ext cx="288549" cy="278547"/>
           </a:xfrm>
           <a:prstGeom prst="ellipse">
             <a:avLst/>
@@ -17874,14 +17874,14 @@
           <a:p>
             <a:pPr algn="ctr"/>
             <a:r>
-              <a:rPr lang="en-US" altLang="ko-KR" sz="1400" b="1">
+              <a:rPr lang="en-US" altLang="ko-KR" sz="1200" b="1">
                 <a:solidFill>
                   <a:srgbClr val="C00000"/>
                 </a:solidFill>
               </a:rPr>
               <a:t>1</a:t>
             </a:r>
-            <a:endParaRPr lang="ko-KR" altLang="en-US" sz="1400" b="1">
+            <a:endParaRPr lang="ko-KR" altLang="en-US" sz="1200" b="1">
               <a:solidFill>
                 <a:srgbClr val="C00000"/>
               </a:solidFill>
@@ -17903,8 +17903,8 @@
         </p:nvSpPr>
         <p:spPr>
           <a:xfrm>
-            <a:off x="5887121" y="2534233"/>
-            <a:ext cx="311960" cy="301146"/>
+            <a:off x="5894420" y="2537066"/>
+            <a:ext cx="288549" cy="278547"/>
           </a:xfrm>
           <a:prstGeom prst="ellipse">
             <a:avLst/>
@@ -17935,14 +17935,14 @@
           <a:p>
             <a:pPr algn="ctr"/>
             <a:r>
-              <a:rPr lang="en-US" altLang="ko-KR" sz="1400" b="1">
+              <a:rPr lang="en-US" altLang="ko-KR" sz="1200" b="1">
                 <a:solidFill>
                   <a:srgbClr val="C00000"/>
                 </a:solidFill>
               </a:rPr>
               <a:t>2</a:t>
             </a:r>
-            <a:endParaRPr lang="ko-KR" altLang="en-US" sz="1400" b="1">
+            <a:endParaRPr lang="ko-KR" altLang="en-US" sz="1200" b="1">
               <a:solidFill>
                 <a:srgbClr val="C00000"/>
               </a:solidFill>
@@ -17964,8 +17964,8 @@
         </p:nvSpPr>
         <p:spPr>
           <a:xfrm>
-            <a:off x="4645745" y="3687853"/>
-            <a:ext cx="311960" cy="301146"/>
+            <a:off x="4716016" y="3697792"/>
+            <a:ext cx="288549" cy="278547"/>
           </a:xfrm>
           <a:prstGeom prst="ellipse">
             <a:avLst/>
@@ -17996,14 +17996,14 @@
           <a:p>
             <a:pPr algn="ctr"/>
             <a:r>
-              <a:rPr lang="en-US" altLang="ko-KR" sz="1400" b="1">
+              <a:rPr lang="en-US" altLang="ko-KR" sz="1200" b="1">
                 <a:solidFill>
                   <a:srgbClr val="C00000"/>
                 </a:solidFill>
               </a:rPr>
               <a:t>3</a:t>
             </a:r>
-            <a:endParaRPr lang="ko-KR" altLang="en-US" sz="1400" b="1">
+            <a:endParaRPr lang="ko-KR" altLang="en-US" sz="1200" b="1">
               <a:solidFill>
                 <a:srgbClr val="C00000"/>
               </a:solidFill>

--- a/images/onebyone_container/PID_Namespace/PID_Namespace.pptx
+++ b/images/onebyone_container/PID_Namespace/PID_Namespace.pptx
@@ -13063,7 +13063,7 @@
           <a:p>
             <a:fld id="{6CD5550B-26C4-49A9-A5BA-636EF7BE6CE9}" type="datetimeFigureOut">
               <a:rPr lang="ko-KR" altLang="en-US" smtClean="0"/>
-              <a:t>2020-04-14</a:t>
+              <a:t>2020-04-26</a:t>
             </a:fld>
             <a:endParaRPr lang="ko-KR" altLang="en-US"/>
           </a:p>
@@ -13709,7 +13709,7 @@
           <a:p>
             <a:fld id="{FB30EDBD-1C2D-4C1E-B459-B60219FAB484}" type="datetimeFigureOut">
               <a:rPr lang="ko-KR" altLang="en-US" smtClean="0"/>
-              <a:t>2020-04-14</a:t>
+              <a:t>2020-04-26</a:t>
             </a:fld>
             <a:endParaRPr lang="ko-KR" altLang="en-US"/>
           </a:p>
@@ -13872,7 +13872,7 @@
           <a:p>
             <a:fld id="{FB30EDBD-1C2D-4C1E-B459-B60219FAB484}" type="datetimeFigureOut">
               <a:rPr lang="ko-KR" altLang="en-US" smtClean="0"/>
-              <a:t>2020-04-14</a:t>
+              <a:t>2020-04-26</a:t>
             </a:fld>
             <a:endParaRPr lang="ko-KR" altLang="en-US"/>
           </a:p>
@@ -14045,7 +14045,7 @@
           <a:p>
             <a:fld id="{FB30EDBD-1C2D-4C1E-B459-B60219FAB484}" type="datetimeFigureOut">
               <a:rPr lang="ko-KR" altLang="en-US" smtClean="0"/>
-              <a:t>2020-04-14</a:t>
+              <a:t>2020-04-26</a:t>
             </a:fld>
             <a:endParaRPr lang="ko-KR" altLang="en-US"/>
           </a:p>
@@ -14208,7 +14208,7 @@
           <a:p>
             <a:fld id="{FB30EDBD-1C2D-4C1E-B459-B60219FAB484}" type="datetimeFigureOut">
               <a:rPr lang="ko-KR" altLang="en-US" smtClean="0"/>
-              <a:t>2020-04-14</a:t>
+              <a:t>2020-04-26</a:t>
             </a:fld>
             <a:endParaRPr lang="ko-KR" altLang="en-US"/>
           </a:p>
@@ -14448,7 +14448,7 @@
           <a:p>
             <a:fld id="{FB30EDBD-1C2D-4C1E-B459-B60219FAB484}" type="datetimeFigureOut">
               <a:rPr lang="ko-KR" altLang="en-US" smtClean="0"/>
-              <a:t>2020-04-14</a:t>
+              <a:t>2020-04-26</a:t>
             </a:fld>
             <a:endParaRPr lang="ko-KR" altLang="en-US"/>
           </a:p>
@@ -14728,7 +14728,7 @@
           <a:p>
             <a:fld id="{FB30EDBD-1C2D-4C1E-B459-B60219FAB484}" type="datetimeFigureOut">
               <a:rPr lang="ko-KR" altLang="en-US" smtClean="0"/>
-              <a:t>2020-04-14</a:t>
+              <a:t>2020-04-26</a:t>
             </a:fld>
             <a:endParaRPr lang="ko-KR" altLang="en-US"/>
           </a:p>
@@ -15142,7 +15142,7 @@
           <a:p>
             <a:fld id="{FB30EDBD-1C2D-4C1E-B459-B60219FAB484}" type="datetimeFigureOut">
               <a:rPr lang="ko-KR" altLang="en-US" smtClean="0"/>
-              <a:t>2020-04-14</a:t>
+              <a:t>2020-04-26</a:t>
             </a:fld>
             <a:endParaRPr lang="ko-KR" altLang="en-US"/>
           </a:p>
@@ -15254,7 +15254,7 @@
           <a:p>
             <a:fld id="{FB30EDBD-1C2D-4C1E-B459-B60219FAB484}" type="datetimeFigureOut">
               <a:rPr lang="ko-KR" altLang="en-US" smtClean="0"/>
-              <a:t>2020-04-14</a:t>
+              <a:t>2020-04-26</a:t>
             </a:fld>
             <a:endParaRPr lang="ko-KR" altLang="en-US"/>
           </a:p>
@@ -15344,7 +15344,7 @@
           <a:p>
             <a:fld id="{FB30EDBD-1C2D-4C1E-B459-B60219FAB484}" type="datetimeFigureOut">
               <a:rPr lang="ko-KR" altLang="en-US" smtClean="0"/>
-              <a:t>2020-04-14</a:t>
+              <a:t>2020-04-26</a:t>
             </a:fld>
             <a:endParaRPr lang="ko-KR" altLang="en-US"/>
           </a:p>
@@ -15614,7 +15614,7 @@
           <a:p>
             <a:fld id="{FB30EDBD-1C2D-4C1E-B459-B60219FAB484}" type="datetimeFigureOut">
               <a:rPr lang="ko-KR" altLang="en-US" smtClean="0"/>
-              <a:t>2020-04-14</a:t>
+              <a:t>2020-04-26</a:t>
             </a:fld>
             <a:endParaRPr lang="ko-KR" altLang="en-US"/>
           </a:p>
@@ -15861,7 +15861,7 @@
           <a:p>
             <a:fld id="{FB30EDBD-1C2D-4C1E-B459-B60219FAB484}" type="datetimeFigureOut">
               <a:rPr lang="ko-KR" altLang="en-US" smtClean="0"/>
-              <a:t>2020-04-14</a:t>
+              <a:t>2020-04-26</a:t>
             </a:fld>
             <a:endParaRPr lang="ko-KR" altLang="en-US"/>
           </a:p>
@@ -16067,7 +16067,7 @@
           <a:p>
             <a:fld id="{FB30EDBD-1C2D-4C1E-B459-B60219FAB484}" type="datetimeFigureOut">
               <a:rPr lang="ko-KR" altLang="en-US" smtClean="0"/>
-              <a:t>2020-04-14</a:t>
+              <a:t>2020-04-26</a:t>
             </a:fld>
             <a:endParaRPr lang="ko-KR" altLang="en-US"/>
           </a:p>
@@ -17051,8 +17051,8 @@
         </p:nvGrpSpPr>
         <p:grpSpPr>
           <a:xfrm>
-            <a:off x="2339752" y="1995686"/>
-            <a:ext cx="1368152" cy="432048"/>
+            <a:off x="2647170" y="1851670"/>
+            <a:ext cx="196638" cy="179920"/>
             <a:chOff x="2339752" y="1995686"/>
             <a:chExt cx="1368152" cy="432048"/>
           </a:xfrm>
@@ -17083,6 +17083,7 @@
               <a:solidFill>
                 <a:schemeClr val="tx2"/>
               </a:solidFill>
+              <a:prstDash val="solid"/>
             </a:ln>
           </p:spPr>
           <p:style>
@@ -17126,113 +17127,7 @@
               <a:solidFill>
                 <a:schemeClr val="tx2"/>
               </a:solidFill>
-            </a:ln>
-          </p:spPr>
-          <p:style>
-            <a:lnRef idx="1">
-              <a:schemeClr val="accent1"/>
-            </a:lnRef>
-            <a:fillRef idx="0">
-              <a:schemeClr val="accent1"/>
-            </a:fillRef>
-            <a:effectRef idx="0">
-              <a:schemeClr val="accent1"/>
-            </a:effectRef>
-            <a:fontRef idx="minor">
-              <a:schemeClr val="tx1"/>
-            </a:fontRef>
-          </p:style>
-        </p:cxnSp>
-      </p:grpSp>
-      <p:grpSp>
-        <p:nvGrpSpPr>
-          <p:cNvPr id="27" name="그룹 26">
-            <a:extLst>
-              <a:ext uri="{FF2B5EF4-FFF2-40B4-BE49-F238E27FC236}">
-                <a16:creationId xmlns:a16="http://schemas.microsoft.com/office/drawing/2014/main" id="{ADAC1042-38CA-420C-ACB4-720119C7E4E1}"/>
-              </a:ext>
-            </a:extLst>
-          </p:cNvPr>
-          <p:cNvGrpSpPr/>
-          <p:nvPr/>
-        </p:nvGrpSpPr>
-        <p:grpSpPr>
-          <a:xfrm>
-            <a:off x="5373410" y="2787774"/>
-            <a:ext cx="1368152" cy="432048"/>
-            <a:chOff x="2339752" y="1995686"/>
-            <a:chExt cx="1368152" cy="432048"/>
-          </a:xfrm>
-        </p:grpSpPr>
-        <p:cxnSp>
-          <p:nvCxnSpPr>
-            <p:cNvPr id="28" name="직선 연결선 27">
-              <a:extLst>
-                <a:ext uri="{FF2B5EF4-FFF2-40B4-BE49-F238E27FC236}">
-                  <a16:creationId xmlns:a16="http://schemas.microsoft.com/office/drawing/2014/main" id="{28AD9249-4246-4FFF-9CA5-47949E5A6C93}"/>
-                </a:ext>
-              </a:extLst>
-            </p:cNvPr>
-            <p:cNvCxnSpPr>
-              <a:cxnSpLocks/>
-            </p:cNvCxnSpPr>
-            <p:nvPr/>
-          </p:nvCxnSpPr>
-          <p:spPr>
-            <a:xfrm>
-              <a:off x="2339752" y="1995686"/>
-              <a:ext cx="1368152" cy="432048"/>
-            </a:xfrm>
-            <a:prstGeom prst="line">
-              <a:avLst/>
-            </a:prstGeom>
-            <a:ln w="28575">
-              <a:solidFill>
-                <a:srgbClr val="C00000"/>
-              </a:solidFill>
-            </a:ln>
-          </p:spPr>
-          <p:style>
-            <a:lnRef idx="1">
-              <a:schemeClr val="accent1"/>
-            </a:lnRef>
-            <a:fillRef idx="0">
-              <a:schemeClr val="accent1"/>
-            </a:fillRef>
-            <a:effectRef idx="0">
-              <a:schemeClr val="accent1"/>
-            </a:effectRef>
-            <a:fontRef idx="minor">
-              <a:schemeClr val="tx1"/>
-            </a:fontRef>
-          </p:style>
-        </p:cxnSp>
-        <p:cxnSp>
-          <p:nvCxnSpPr>
-            <p:cNvPr id="29" name="직선 연결선 28">
-              <a:extLst>
-                <a:ext uri="{FF2B5EF4-FFF2-40B4-BE49-F238E27FC236}">
-                  <a16:creationId xmlns:a16="http://schemas.microsoft.com/office/drawing/2014/main" id="{7B722120-30CA-4BA1-A649-92FFC3671FAD}"/>
-                </a:ext>
-              </a:extLst>
-            </p:cNvPr>
-            <p:cNvCxnSpPr>
-              <a:cxnSpLocks/>
-            </p:cNvCxnSpPr>
-            <p:nvPr/>
-          </p:nvCxnSpPr>
-          <p:spPr>
-            <a:xfrm flipH="1">
-              <a:off x="2339752" y="1995686"/>
-              <a:ext cx="1368152" cy="432048"/>
-            </a:xfrm>
-            <a:prstGeom prst="line">
-              <a:avLst/>
-            </a:prstGeom>
-            <a:ln w="28575">
-              <a:solidFill>
-                <a:srgbClr val="C00000"/>
-              </a:solidFill>
+              <a:prstDash val="solid"/>
             </a:ln>
           </p:spPr>
           <p:style>
@@ -17431,220 +17326,6 @@
           </a:fontRef>
         </p:style>
       </p:cxnSp>
-      <p:grpSp>
-        <p:nvGrpSpPr>
-          <p:cNvPr id="43" name="그룹 42">
-            <a:extLst>
-              <a:ext uri="{FF2B5EF4-FFF2-40B4-BE49-F238E27FC236}">
-                <a16:creationId xmlns:a16="http://schemas.microsoft.com/office/drawing/2014/main" id="{35CE5BEB-FB1B-4752-9D26-1753885536B9}"/>
-              </a:ext>
-            </a:extLst>
-          </p:cNvPr>
-          <p:cNvGrpSpPr/>
-          <p:nvPr/>
-        </p:nvGrpSpPr>
-        <p:grpSpPr>
-          <a:xfrm>
-            <a:off x="1585778" y="2787774"/>
-            <a:ext cx="1368152" cy="432048"/>
-            <a:chOff x="2339752" y="1995686"/>
-            <a:chExt cx="1368152" cy="432048"/>
-          </a:xfrm>
-        </p:grpSpPr>
-        <p:cxnSp>
-          <p:nvCxnSpPr>
-            <p:cNvPr id="44" name="직선 연결선 43">
-              <a:extLst>
-                <a:ext uri="{FF2B5EF4-FFF2-40B4-BE49-F238E27FC236}">
-                  <a16:creationId xmlns:a16="http://schemas.microsoft.com/office/drawing/2014/main" id="{D606927C-B3BA-447C-9990-E2C0F84A2890}"/>
-                </a:ext>
-              </a:extLst>
-            </p:cNvPr>
-            <p:cNvCxnSpPr>
-              <a:cxnSpLocks/>
-            </p:cNvCxnSpPr>
-            <p:nvPr/>
-          </p:nvCxnSpPr>
-          <p:spPr>
-            <a:xfrm>
-              <a:off x="2339752" y="1995686"/>
-              <a:ext cx="1368152" cy="432048"/>
-            </a:xfrm>
-            <a:prstGeom prst="line">
-              <a:avLst/>
-            </a:prstGeom>
-            <a:ln w="28575">
-              <a:solidFill>
-                <a:schemeClr val="tx2"/>
-              </a:solidFill>
-            </a:ln>
-          </p:spPr>
-          <p:style>
-            <a:lnRef idx="1">
-              <a:schemeClr val="accent1"/>
-            </a:lnRef>
-            <a:fillRef idx="0">
-              <a:schemeClr val="accent1"/>
-            </a:fillRef>
-            <a:effectRef idx="0">
-              <a:schemeClr val="accent1"/>
-            </a:effectRef>
-            <a:fontRef idx="minor">
-              <a:schemeClr val="tx1"/>
-            </a:fontRef>
-          </p:style>
-        </p:cxnSp>
-        <p:cxnSp>
-          <p:nvCxnSpPr>
-            <p:cNvPr id="45" name="직선 연결선 44">
-              <a:extLst>
-                <a:ext uri="{FF2B5EF4-FFF2-40B4-BE49-F238E27FC236}">
-                  <a16:creationId xmlns:a16="http://schemas.microsoft.com/office/drawing/2014/main" id="{643486CE-1E6D-4635-A475-421CCF0737B6}"/>
-                </a:ext>
-              </a:extLst>
-            </p:cNvPr>
-            <p:cNvCxnSpPr>
-              <a:cxnSpLocks/>
-            </p:cNvCxnSpPr>
-            <p:nvPr/>
-          </p:nvCxnSpPr>
-          <p:spPr>
-            <a:xfrm flipH="1">
-              <a:off x="2339752" y="1995686"/>
-              <a:ext cx="1368152" cy="432048"/>
-            </a:xfrm>
-            <a:prstGeom prst="line">
-              <a:avLst/>
-            </a:prstGeom>
-            <a:ln w="28575">
-              <a:solidFill>
-                <a:schemeClr val="tx2"/>
-              </a:solidFill>
-            </a:ln>
-          </p:spPr>
-          <p:style>
-            <a:lnRef idx="1">
-              <a:schemeClr val="accent1"/>
-            </a:lnRef>
-            <a:fillRef idx="0">
-              <a:schemeClr val="accent1"/>
-            </a:fillRef>
-            <a:effectRef idx="0">
-              <a:schemeClr val="accent1"/>
-            </a:effectRef>
-            <a:fontRef idx="minor">
-              <a:schemeClr val="tx1"/>
-            </a:fontRef>
-          </p:style>
-        </p:cxnSp>
-      </p:grpSp>
-      <p:grpSp>
-        <p:nvGrpSpPr>
-          <p:cNvPr id="46" name="그룹 45">
-            <a:extLst>
-              <a:ext uri="{FF2B5EF4-FFF2-40B4-BE49-F238E27FC236}">
-                <a16:creationId xmlns:a16="http://schemas.microsoft.com/office/drawing/2014/main" id="{C31D93B9-7AFB-44C1-A266-1C1FC8B93A17}"/>
-              </a:ext>
-            </a:extLst>
-          </p:cNvPr>
-          <p:cNvGrpSpPr/>
-          <p:nvPr/>
-        </p:nvGrpSpPr>
-        <p:grpSpPr>
-          <a:xfrm>
-            <a:off x="4611811" y="3622197"/>
-            <a:ext cx="1368152" cy="432048"/>
-            <a:chOff x="2339752" y="1995686"/>
-            <a:chExt cx="1368152" cy="432048"/>
-          </a:xfrm>
-        </p:grpSpPr>
-        <p:cxnSp>
-          <p:nvCxnSpPr>
-            <p:cNvPr id="47" name="직선 연결선 46">
-              <a:extLst>
-                <a:ext uri="{FF2B5EF4-FFF2-40B4-BE49-F238E27FC236}">
-                  <a16:creationId xmlns:a16="http://schemas.microsoft.com/office/drawing/2014/main" id="{A3E7B0F9-10B1-4567-B54C-62EFA1195788}"/>
-                </a:ext>
-              </a:extLst>
-            </p:cNvPr>
-            <p:cNvCxnSpPr>
-              <a:cxnSpLocks/>
-            </p:cNvCxnSpPr>
-            <p:nvPr/>
-          </p:nvCxnSpPr>
-          <p:spPr>
-            <a:xfrm>
-              <a:off x="2339752" y="1995686"/>
-              <a:ext cx="1368152" cy="432048"/>
-            </a:xfrm>
-            <a:prstGeom prst="line">
-              <a:avLst/>
-            </a:prstGeom>
-            <a:ln w="28575">
-              <a:solidFill>
-                <a:srgbClr val="C00000"/>
-              </a:solidFill>
-            </a:ln>
-          </p:spPr>
-          <p:style>
-            <a:lnRef idx="1">
-              <a:schemeClr val="accent1"/>
-            </a:lnRef>
-            <a:fillRef idx="0">
-              <a:schemeClr val="accent1"/>
-            </a:fillRef>
-            <a:effectRef idx="0">
-              <a:schemeClr val="accent1"/>
-            </a:effectRef>
-            <a:fontRef idx="minor">
-              <a:schemeClr val="tx1"/>
-            </a:fontRef>
-          </p:style>
-        </p:cxnSp>
-        <p:cxnSp>
-          <p:nvCxnSpPr>
-            <p:cNvPr id="48" name="직선 연결선 47">
-              <a:extLst>
-                <a:ext uri="{FF2B5EF4-FFF2-40B4-BE49-F238E27FC236}">
-                  <a16:creationId xmlns:a16="http://schemas.microsoft.com/office/drawing/2014/main" id="{DCBFC34E-51C6-48CD-BC8B-35F5EED068B1}"/>
-                </a:ext>
-              </a:extLst>
-            </p:cNvPr>
-            <p:cNvCxnSpPr>
-              <a:cxnSpLocks/>
-            </p:cNvCxnSpPr>
-            <p:nvPr/>
-          </p:nvCxnSpPr>
-          <p:spPr>
-            <a:xfrm flipH="1">
-              <a:off x="2339752" y="1995686"/>
-              <a:ext cx="1368152" cy="432048"/>
-            </a:xfrm>
-            <a:prstGeom prst="line">
-              <a:avLst/>
-            </a:prstGeom>
-            <a:ln w="28575">
-              <a:solidFill>
-                <a:srgbClr val="C00000"/>
-              </a:solidFill>
-            </a:ln>
-          </p:spPr>
-          <p:style>
-            <a:lnRef idx="1">
-              <a:schemeClr val="accent1"/>
-            </a:lnRef>
-            <a:fillRef idx="0">
-              <a:schemeClr val="accent1"/>
-            </a:fillRef>
-            <a:effectRef idx="0">
-              <a:schemeClr val="accent1"/>
-            </a:effectRef>
-            <a:fontRef idx="minor">
-              <a:schemeClr val="tx1"/>
-            </a:fontRef>
-          </p:style>
-        </p:cxnSp>
-      </p:grpSp>
       <p:sp>
         <p:nvSpPr>
           <p:cNvPr id="49" name="타원 48">
@@ -17659,7 +17340,7 @@
         </p:nvSpPr>
         <p:spPr>
           <a:xfrm>
-            <a:off x="2399695" y="2055386"/>
+            <a:off x="2433839" y="1627592"/>
             <a:ext cx="288549" cy="278547"/>
           </a:xfrm>
           <a:prstGeom prst="ellipse">
@@ -17781,7 +17462,7 @@
         </p:nvSpPr>
         <p:spPr>
           <a:xfrm>
-            <a:off x="1684846" y="2854287"/>
+            <a:off x="1667972" y="2448284"/>
             <a:ext cx="288549" cy="278547"/>
           </a:xfrm>
           <a:prstGeom prst="ellipse">
@@ -17842,7 +17523,7 @@
         </p:nvSpPr>
         <p:spPr>
           <a:xfrm>
-            <a:off x="5461767" y="2864524"/>
+            <a:off x="6488823" y="2448284"/>
             <a:ext cx="288549" cy="278547"/>
           </a:xfrm>
           <a:prstGeom prst="ellipse">
@@ -17964,7 +17645,7 @@
         </p:nvSpPr>
         <p:spPr>
           <a:xfrm>
-            <a:off x="4716016" y="3697792"/>
+            <a:off x="4592014" y="3263044"/>
             <a:ext cx="288549" cy="278547"/>
           </a:xfrm>
           <a:prstGeom prst="ellipse">
@@ -18011,6 +17692,654 @@
           </a:p>
         </p:txBody>
       </p:sp>
+      <p:cxnSp>
+        <p:nvCxnSpPr>
+          <p:cNvPr id="36" name="직선 화살표 연결선 35">
+            <a:extLst>
+              <a:ext uri="{FF2B5EF4-FFF2-40B4-BE49-F238E27FC236}">
+                <a16:creationId xmlns:a16="http://schemas.microsoft.com/office/drawing/2014/main" id="{A8093F5B-3B97-4E64-AEEA-433745C7E569}"/>
+              </a:ext>
+            </a:extLst>
+          </p:cNvPr>
+          <p:cNvCxnSpPr>
+            <a:cxnSpLocks/>
+          </p:cNvCxnSpPr>
+          <p:nvPr/>
+        </p:nvCxnSpPr>
+        <p:spPr>
+          <a:xfrm flipH="1" flipV="1">
+            <a:off x="4539959" y="1628800"/>
+            <a:ext cx="2270659" cy="1939001"/>
+          </a:xfrm>
+          <a:prstGeom prst="straightConnector1">
+            <a:avLst/>
+          </a:prstGeom>
+          <a:ln w="28575">
+            <a:solidFill>
+              <a:srgbClr val="C00000"/>
+            </a:solidFill>
+            <a:headEnd type="none" w="med" len="med"/>
+            <a:tailEnd type="arrow" w="med" len="med"/>
+          </a:ln>
+        </p:spPr>
+        <p:style>
+          <a:lnRef idx="1">
+            <a:schemeClr val="accent1"/>
+          </a:lnRef>
+          <a:fillRef idx="0">
+            <a:schemeClr val="accent1"/>
+          </a:fillRef>
+          <a:effectRef idx="0">
+            <a:schemeClr val="accent1"/>
+          </a:effectRef>
+          <a:fontRef idx="minor">
+            <a:schemeClr val="tx1"/>
+          </a:fontRef>
+        </p:style>
+      </p:cxnSp>
+      <p:cxnSp>
+        <p:nvCxnSpPr>
+          <p:cNvPr id="38" name="직선 화살표 연결선 37">
+            <a:extLst>
+              <a:ext uri="{FF2B5EF4-FFF2-40B4-BE49-F238E27FC236}">
+                <a16:creationId xmlns:a16="http://schemas.microsoft.com/office/drawing/2014/main" id="{59FC2100-882B-4C93-88BB-80152069959C}"/>
+              </a:ext>
+            </a:extLst>
+          </p:cNvPr>
+          <p:cNvCxnSpPr>
+            <a:cxnSpLocks/>
+          </p:cNvCxnSpPr>
+          <p:nvPr/>
+        </p:nvCxnSpPr>
+        <p:spPr>
+          <a:xfrm flipH="1" flipV="1">
+            <a:off x="4539959" y="1628800"/>
+            <a:ext cx="770765" cy="1955147"/>
+          </a:xfrm>
+          <a:prstGeom prst="straightConnector1">
+            <a:avLst/>
+          </a:prstGeom>
+          <a:ln w="28575">
+            <a:solidFill>
+              <a:srgbClr val="C00000"/>
+            </a:solidFill>
+            <a:headEnd type="none" w="med" len="med"/>
+            <a:tailEnd type="arrow" w="med" len="med"/>
+          </a:ln>
+        </p:spPr>
+        <p:style>
+          <a:lnRef idx="1">
+            <a:schemeClr val="accent1"/>
+          </a:lnRef>
+          <a:fillRef idx="0">
+            <a:schemeClr val="accent1"/>
+          </a:fillRef>
+          <a:effectRef idx="0">
+            <a:schemeClr val="accent1"/>
+          </a:effectRef>
+          <a:fontRef idx="minor">
+            <a:schemeClr val="tx1"/>
+          </a:fontRef>
+        </p:style>
+      </p:cxnSp>
+      <p:sp>
+        <p:nvSpPr>
+          <p:cNvPr id="55" name="타원 54">
+            <a:extLst>
+              <a:ext uri="{FF2B5EF4-FFF2-40B4-BE49-F238E27FC236}">
+                <a16:creationId xmlns:a16="http://schemas.microsoft.com/office/drawing/2014/main" id="{17ACF818-3F0B-479A-98B5-641ABEF9D3DA}"/>
+              </a:ext>
+            </a:extLst>
+          </p:cNvPr>
+          <p:cNvSpPr/>
+          <p:nvPr/>
+        </p:nvSpPr>
+        <p:spPr>
+          <a:xfrm>
+            <a:off x="6488823" y="1648522"/>
+            <a:ext cx="288549" cy="278547"/>
+          </a:xfrm>
+          <a:prstGeom prst="ellipse">
+            <a:avLst/>
+          </a:prstGeom>
+          <a:ln>
+            <a:solidFill>
+              <a:srgbClr val="C00000"/>
+            </a:solidFill>
+          </a:ln>
+        </p:spPr>
+        <p:style>
+          <a:lnRef idx="2">
+            <a:schemeClr val="dk1"/>
+          </a:lnRef>
+          <a:fillRef idx="1">
+            <a:schemeClr val="lt1"/>
+          </a:fillRef>
+          <a:effectRef idx="0">
+            <a:schemeClr val="dk1"/>
+          </a:effectRef>
+          <a:fontRef idx="minor">
+            <a:schemeClr val="dk1"/>
+          </a:fontRef>
+        </p:style>
+        <p:txBody>
+          <a:bodyPr rtlCol="0" anchor="ctr"/>
+          <a:lstStyle/>
+          <a:p>
+            <a:pPr algn="ctr"/>
+            <a:r>
+              <a:rPr lang="en-US" altLang="ko-KR" sz="1200" b="1">
+                <a:solidFill>
+                  <a:srgbClr val="C00000"/>
+                </a:solidFill>
+              </a:rPr>
+              <a:t>4</a:t>
+            </a:r>
+            <a:endParaRPr lang="ko-KR" altLang="en-US" sz="1200" b="1">
+              <a:solidFill>
+                <a:srgbClr val="C00000"/>
+              </a:solidFill>
+            </a:endParaRPr>
+          </a:p>
+        </p:txBody>
+      </p:sp>
+      <p:sp>
+        <p:nvSpPr>
+          <p:cNvPr id="35" name="타원 34">
+            <a:extLst>
+              <a:ext uri="{FF2B5EF4-FFF2-40B4-BE49-F238E27FC236}">
+                <a16:creationId xmlns:a16="http://schemas.microsoft.com/office/drawing/2014/main" id="{9A00ABDE-F748-4428-AC86-47089E1937BC}"/>
+              </a:ext>
+            </a:extLst>
+          </p:cNvPr>
+          <p:cNvSpPr/>
+          <p:nvPr/>
+        </p:nvSpPr>
+        <p:spPr>
+          <a:xfrm>
+            <a:off x="4704304" y="1906139"/>
+            <a:ext cx="288549" cy="278547"/>
+          </a:xfrm>
+          <a:prstGeom prst="ellipse">
+            <a:avLst/>
+          </a:prstGeom>
+          <a:ln>
+            <a:solidFill>
+              <a:srgbClr val="C00000"/>
+            </a:solidFill>
+          </a:ln>
+        </p:spPr>
+        <p:style>
+          <a:lnRef idx="2">
+            <a:schemeClr val="dk1"/>
+          </a:lnRef>
+          <a:fillRef idx="1">
+            <a:schemeClr val="lt1"/>
+          </a:fillRef>
+          <a:effectRef idx="0">
+            <a:schemeClr val="dk1"/>
+          </a:effectRef>
+          <a:fontRef idx="minor">
+            <a:schemeClr val="dk1"/>
+          </a:fontRef>
+        </p:style>
+        <p:txBody>
+          <a:bodyPr rtlCol="0" anchor="ctr"/>
+          <a:lstStyle/>
+          <a:p>
+            <a:pPr algn="ctr"/>
+            <a:r>
+              <a:rPr lang="en-US" altLang="ko-KR" sz="1200" b="1">
+                <a:solidFill>
+                  <a:srgbClr val="C00000"/>
+                </a:solidFill>
+              </a:rPr>
+              <a:t>5</a:t>
+            </a:r>
+            <a:endParaRPr lang="ko-KR" altLang="en-US" sz="1200" b="1">
+              <a:solidFill>
+                <a:srgbClr val="C00000"/>
+              </a:solidFill>
+            </a:endParaRPr>
+          </a:p>
+        </p:txBody>
+      </p:sp>
+      <p:grpSp>
+        <p:nvGrpSpPr>
+          <p:cNvPr id="56" name="그룹 55">
+            <a:extLst>
+              <a:ext uri="{FF2B5EF4-FFF2-40B4-BE49-F238E27FC236}">
+                <a16:creationId xmlns:a16="http://schemas.microsoft.com/office/drawing/2014/main" id="{CFDC55A3-55C9-4AA1-A6D3-5346CE61C223}"/>
+              </a:ext>
+            </a:extLst>
+          </p:cNvPr>
+          <p:cNvGrpSpPr/>
+          <p:nvPr/>
+        </p:nvGrpSpPr>
+        <p:grpSpPr>
+          <a:xfrm>
+            <a:off x="1900972" y="2671154"/>
+            <a:ext cx="196638" cy="179920"/>
+            <a:chOff x="2339752" y="1995686"/>
+            <a:chExt cx="1368152" cy="432048"/>
+          </a:xfrm>
+        </p:grpSpPr>
+        <p:cxnSp>
+          <p:nvCxnSpPr>
+            <p:cNvPr id="57" name="직선 연결선 56">
+              <a:extLst>
+                <a:ext uri="{FF2B5EF4-FFF2-40B4-BE49-F238E27FC236}">
+                  <a16:creationId xmlns:a16="http://schemas.microsoft.com/office/drawing/2014/main" id="{7F89792C-42AD-49EC-9185-AA8586754CAA}"/>
+                </a:ext>
+              </a:extLst>
+            </p:cNvPr>
+            <p:cNvCxnSpPr>
+              <a:cxnSpLocks/>
+            </p:cNvCxnSpPr>
+            <p:nvPr/>
+          </p:nvCxnSpPr>
+          <p:spPr>
+            <a:xfrm>
+              <a:off x="2339752" y="1995686"/>
+              <a:ext cx="1368152" cy="432048"/>
+            </a:xfrm>
+            <a:prstGeom prst="line">
+              <a:avLst/>
+            </a:prstGeom>
+            <a:ln w="28575">
+              <a:solidFill>
+                <a:schemeClr val="tx2"/>
+              </a:solidFill>
+              <a:prstDash val="solid"/>
+            </a:ln>
+          </p:spPr>
+          <p:style>
+            <a:lnRef idx="1">
+              <a:schemeClr val="accent1"/>
+            </a:lnRef>
+            <a:fillRef idx="0">
+              <a:schemeClr val="accent1"/>
+            </a:fillRef>
+            <a:effectRef idx="0">
+              <a:schemeClr val="accent1"/>
+            </a:effectRef>
+            <a:fontRef idx="minor">
+              <a:schemeClr val="tx1"/>
+            </a:fontRef>
+          </p:style>
+        </p:cxnSp>
+        <p:cxnSp>
+          <p:nvCxnSpPr>
+            <p:cNvPr id="58" name="직선 연결선 57">
+              <a:extLst>
+                <a:ext uri="{FF2B5EF4-FFF2-40B4-BE49-F238E27FC236}">
+                  <a16:creationId xmlns:a16="http://schemas.microsoft.com/office/drawing/2014/main" id="{07CBA802-FB9E-43C6-8987-B205CF6CF384}"/>
+                </a:ext>
+              </a:extLst>
+            </p:cNvPr>
+            <p:cNvCxnSpPr>
+              <a:cxnSpLocks/>
+            </p:cNvCxnSpPr>
+            <p:nvPr/>
+          </p:nvCxnSpPr>
+          <p:spPr>
+            <a:xfrm flipH="1">
+              <a:off x="2339752" y="1995686"/>
+              <a:ext cx="1368152" cy="432048"/>
+            </a:xfrm>
+            <a:prstGeom prst="line">
+              <a:avLst/>
+            </a:prstGeom>
+            <a:ln w="28575">
+              <a:solidFill>
+                <a:schemeClr val="tx2"/>
+              </a:solidFill>
+              <a:prstDash val="solid"/>
+            </a:ln>
+          </p:spPr>
+          <p:style>
+            <a:lnRef idx="1">
+              <a:schemeClr val="accent1"/>
+            </a:lnRef>
+            <a:fillRef idx="0">
+              <a:schemeClr val="accent1"/>
+            </a:fillRef>
+            <a:effectRef idx="0">
+              <a:schemeClr val="accent1"/>
+            </a:effectRef>
+            <a:fontRef idx="minor">
+              <a:schemeClr val="tx1"/>
+            </a:fontRef>
+          </p:style>
+        </p:cxnSp>
+      </p:grpSp>
+      <p:grpSp>
+        <p:nvGrpSpPr>
+          <p:cNvPr id="59" name="그룹 58">
+            <a:extLst>
+              <a:ext uri="{FF2B5EF4-FFF2-40B4-BE49-F238E27FC236}">
+                <a16:creationId xmlns:a16="http://schemas.microsoft.com/office/drawing/2014/main" id="{FA146498-AAE5-4F4A-936C-1D1CF3020D2B}"/>
+              </a:ext>
+            </a:extLst>
+          </p:cNvPr>
+          <p:cNvGrpSpPr/>
+          <p:nvPr/>
+        </p:nvGrpSpPr>
+        <p:grpSpPr>
+          <a:xfrm>
+            <a:off x="6328625" y="2663715"/>
+            <a:ext cx="196638" cy="179920"/>
+            <a:chOff x="2339752" y="1995686"/>
+            <a:chExt cx="1368152" cy="432048"/>
+          </a:xfrm>
+        </p:grpSpPr>
+        <p:cxnSp>
+          <p:nvCxnSpPr>
+            <p:cNvPr id="60" name="직선 연결선 59">
+              <a:extLst>
+                <a:ext uri="{FF2B5EF4-FFF2-40B4-BE49-F238E27FC236}">
+                  <a16:creationId xmlns:a16="http://schemas.microsoft.com/office/drawing/2014/main" id="{9A958711-1E8F-4A06-91EF-2A247F43CED5}"/>
+                </a:ext>
+              </a:extLst>
+            </p:cNvPr>
+            <p:cNvCxnSpPr>
+              <a:cxnSpLocks/>
+            </p:cNvCxnSpPr>
+            <p:nvPr/>
+          </p:nvCxnSpPr>
+          <p:spPr>
+            <a:xfrm>
+              <a:off x="2339752" y="1995686"/>
+              <a:ext cx="1368152" cy="432048"/>
+            </a:xfrm>
+            <a:prstGeom prst="line">
+              <a:avLst/>
+            </a:prstGeom>
+            <a:ln w="28575">
+              <a:solidFill>
+                <a:srgbClr val="C00000"/>
+              </a:solidFill>
+              <a:prstDash val="solid"/>
+            </a:ln>
+          </p:spPr>
+          <p:style>
+            <a:lnRef idx="1">
+              <a:schemeClr val="accent1"/>
+            </a:lnRef>
+            <a:fillRef idx="0">
+              <a:schemeClr val="accent1"/>
+            </a:fillRef>
+            <a:effectRef idx="0">
+              <a:schemeClr val="accent1"/>
+            </a:effectRef>
+            <a:fontRef idx="minor">
+              <a:schemeClr val="tx1"/>
+            </a:fontRef>
+          </p:style>
+        </p:cxnSp>
+        <p:cxnSp>
+          <p:nvCxnSpPr>
+            <p:cNvPr id="61" name="직선 연결선 60">
+              <a:extLst>
+                <a:ext uri="{FF2B5EF4-FFF2-40B4-BE49-F238E27FC236}">
+                  <a16:creationId xmlns:a16="http://schemas.microsoft.com/office/drawing/2014/main" id="{23332AA1-EE19-49E1-B5AF-D45BE708F1F2}"/>
+                </a:ext>
+              </a:extLst>
+            </p:cNvPr>
+            <p:cNvCxnSpPr>
+              <a:cxnSpLocks/>
+            </p:cNvCxnSpPr>
+            <p:nvPr/>
+          </p:nvCxnSpPr>
+          <p:spPr>
+            <a:xfrm flipH="1">
+              <a:off x="2339752" y="1995686"/>
+              <a:ext cx="1368152" cy="432048"/>
+            </a:xfrm>
+            <a:prstGeom prst="line">
+              <a:avLst/>
+            </a:prstGeom>
+            <a:ln w="28575">
+              <a:solidFill>
+                <a:srgbClr val="C00000"/>
+              </a:solidFill>
+              <a:prstDash val="solid"/>
+            </a:ln>
+          </p:spPr>
+          <p:style>
+            <a:lnRef idx="1">
+              <a:schemeClr val="accent1"/>
+            </a:lnRef>
+            <a:fillRef idx="0">
+              <a:schemeClr val="accent1"/>
+            </a:fillRef>
+            <a:effectRef idx="0">
+              <a:schemeClr val="accent1"/>
+            </a:effectRef>
+            <a:fontRef idx="minor">
+              <a:schemeClr val="tx1"/>
+            </a:fontRef>
+          </p:style>
+        </p:cxnSp>
+      </p:grpSp>
+      <p:grpSp>
+        <p:nvGrpSpPr>
+          <p:cNvPr id="62" name="그룹 61">
+            <a:extLst>
+              <a:ext uri="{FF2B5EF4-FFF2-40B4-BE49-F238E27FC236}">
+                <a16:creationId xmlns:a16="http://schemas.microsoft.com/office/drawing/2014/main" id="{61ACBC25-39B4-42E9-B61B-97BE7A72AA82}"/>
+              </a:ext>
+            </a:extLst>
+          </p:cNvPr>
+          <p:cNvGrpSpPr/>
+          <p:nvPr/>
+        </p:nvGrpSpPr>
+        <p:grpSpPr>
+          <a:xfrm>
+            <a:off x="4832450" y="3485914"/>
+            <a:ext cx="196638" cy="179920"/>
+            <a:chOff x="2339752" y="1995686"/>
+            <a:chExt cx="1368152" cy="432048"/>
+          </a:xfrm>
+        </p:grpSpPr>
+        <p:cxnSp>
+          <p:nvCxnSpPr>
+            <p:cNvPr id="63" name="직선 연결선 62">
+              <a:extLst>
+                <a:ext uri="{FF2B5EF4-FFF2-40B4-BE49-F238E27FC236}">
+                  <a16:creationId xmlns:a16="http://schemas.microsoft.com/office/drawing/2014/main" id="{C6797466-39C4-4CCD-8562-360204AB7B87}"/>
+                </a:ext>
+              </a:extLst>
+            </p:cNvPr>
+            <p:cNvCxnSpPr>
+              <a:cxnSpLocks/>
+            </p:cNvCxnSpPr>
+            <p:nvPr/>
+          </p:nvCxnSpPr>
+          <p:spPr>
+            <a:xfrm>
+              <a:off x="2339752" y="1995686"/>
+              <a:ext cx="1368152" cy="432048"/>
+            </a:xfrm>
+            <a:prstGeom prst="line">
+              <a:avLst/>
+            </a:prstGeom>
+            <a:ln w="28575">
+              <a:solidFill>
+                <a:srgbClr val="C00000"/>
+              </a:solidFill>
+              <a:prstDash val="solid"/>
+            </a:ln>
+          </p:spPr>
+          <p:style>
+            <a:lnRef idx="1">
+              <a:schemeClr val="accent1"/>
+            </a:lnRef>
+            <a:fillRef idx="0">
+              <a:schemeClr val="accent1"/>
+            </a:fillRef>
+            <a:effectRef idx="0">
+              <a:schemeClr val="accent1"/>
+            </a:effectRef>
+            <a:fontRef idx="minor">
+              <a:schemeClr val="tx1"/>
+            </a:fontRef>
+          </p:style>
+        </p:cxnSp>
+        <p:cxnSp>
+          <p:nvCxnSpPr>
+            <p:cNvPr id="64" name="직선 연결선 63">
+              <a:extLst>
+                <a:ext uri="{FF2B5EF4-FFF2-40B4-BE49-F238E27FC236}">
+                  <a16:creationId xmlns:a16="http://schemas.microsoft.com/office/drawing/2014/main" id="{E51BD485-0B4E-41D9-8456-16DDCF8749DC}"/>
+                </a:ext>
+              </a:extLst>
+            </p:cNvPr>
+            <p:cNvCxnSpPr>
+              <a:cxnSpLocks/>
+            </p:cNvCxnSpPr>
+            <p:nvPr/>
+          </p:nvCxnSpPr>
+          <p:spPr>
+            <a:xfrm flipH="1">
+              <a:off x="2339752" y="1995686"/>
+              <a:ext cx="1368152" cy="432048"/>
+            </a:xfrm>
+            <a:prstGeom prst="line">
+              <a:avLst/>
+            </a:prstGeom>
+            <a:ln w="28575">
+              <a:solidFill>
+                <a:srgbClr val="C00000"/>
+              </a:solidFill>
+              <a:prstDash val="solid"/>
+            </a:ln>
+          </p:spPr>
+          <p:style>
+            <a:lnRef idx="1">
+              <a:schemeClr val="accent1"/>
+            </a:lnRef>
+            <a:fillRef idx="0">
+              <a:schemeClr val="accent1"/>
+            </a:fillRef>
+            <a:effectRef idx="0">
+              <a:schemeClr val="accent1"/>
+            </a:effectRef>
+            <a:fontRef idx="minor">
+              <a:schemeClr val="tx1"/>
+            </a:fontRef>
+          </p:style>
+        </p:cxnSp>
+      </p:grpSp>
+      <p:grpSp>
+        <p:nvGrpSpPr>
+          <p:cNvPr id="65" name="그룹 64">
+            <a:extLst>
+              <a:ext uri="{FF2B5EF4-FFF2-40B4-BE49-F238E27FC236}">
+                <a16:creationId xmlns:a16="http://schemas.microsoft.com/office/drawing/2014/main" id="{BD0AC3C5-A144-41CF-B9FD-876D1122271E}"/>
+              </a:ext>
+            </a:extLst>
+          </p:cNvPr>
+          <p:cNvGrpSpPr/>
+          <p:nvPr/>
+        </p:nvGrpSpPr>
+        <p:grpSpPr>
+          <a:xfrm>
+            <a:off x="6328625" y="1863226"/>
+            <a:ext cx="196638" cy="179920"/>
+            <a:chOff x="2339752" y="1995686"/>
+            <a:chExt cx="1368152" cy="432048"/>
+          </a:xfrm>
+        </p:grpSpPr>
+        <p:cxnSp>
+          <p:nvCxnSpPr>
+            <p:cNvPr id="66" name="직선 연결선 65">
+              <a:extLst>
+                <a:ext uri="{FF2B5EF4-FFF2-40B4-BE49-F238E27FC236}">
+                  <a16:creationId xmlns:a16="http://schemas.microsoft.com/office/drawing/2014/main" id="{CC2DE21C-CF5C-40BB-91B0-65715433F354}"/>
+                </a:ext>
+              </a:extLst>
+            </p:cNvPr>
+            <p:cNvCxnSpPr>
+              <a:cxnSpLocks/>
+            </p:cNvCxnSpPr>
+            <p:nvPr/>
+          </p:nvCxnSpPr>
+          <p:spPr>
+            <a:xfrm>
+              <a:off x="2339752" y="1995686"/>
+              <a:ext cx="1368152" cy="432048"/>
+            </a:xfrm>
+            <a:prstGeom prst="line">
+              <a:avLst/>
+            </a:prstGeom>
+            <a:ln w="28575">
+              <a:solidFill>
+                <a:srgbClr val="C00000"/>
+              </a:solidFill>
+              <a:prstDash val="solid"/>
+            </a:ln>
+          </p:spPr>
+          <p:style>
+            <a:lnRef idx="1">
+              <a:schemeClr val="accent1"/>
+            </a:lnRef>
+            <a:fillRef idx="0">
+              <a:schemeClr val="accent1"/>
+            </a:fillRef>
+            <a:effectRef idx="0">
+              <a:schemeClr val="accent1"/>
+            </a:effectRef>
+            <a:fontRef idx="minor">
+              <a:schemeClr val="tx1"/>
+            </a:fontRef>
+          </p:style>
+        </p:cxnSp>
+        <p:cxnSp>
+          <p:nvCxnSpPr>
+            <p:cNvPr id="67" name="직선 연결선 66">
+              <a:extLst>
+                <a:ext uri="{FF2B5EF4-FFF2-40B4-BE49-F238E27FC236}">
+                  <a16:creationId xmlns:a16="http://schemas.microsoft.com/office/drawing/2014/main" id="{6FC26F30-EA1B-4A0B-BA45-E66C982BAA6D}"/>
+                </a:ext>
+              </a:extLst>
+            </p:cNvPr>
+            <p:cNvCxnSpPr>
+              <a:cxnSpLocks/>
+            </p:cNvCxnSpPr>
+            <p:nvPr/>
+          </p:nvCxnSpPr>
+          <p:spPr>
+            <a:xfrm flipH="1">
+              <a:off x="2339752" y="1995686"/>
+              <a:ext cx="1368152" cy="432048"/>
+            </a:xfrm>
+            <a:prstGeom prst="line">
+              <a:avLst/>
+            </a:prstGeom>
+            <a:ln w="28575">
+              <a:solidFill>
+                <a:srgbClr val="C00000"/>
+              </a:solidFill>
+              <a:prstDash val="solid"/>
+            </a:ln>
+          </p:spPr>
+          <p:style>
+            <a:lnRef idx="1">
+              <a:schemeClr val="accent1"/>
+            </a:lnRef>
+            <a:fillRef idx="0">
+              <a:schemeClr val="accent1"/>
+            </a:fillRef>
+            <a:effectRef idx="0">
+              <a:schemeClr val="accent1"/>
+            </a:effectRef>
+            <a:fontRef idx="minor">
+              <a:schemeClr val="tx1"/>
+            </a:fontRef>
+          </p:style>
+        </p:cxnSp>
+      </p:grpSp>
     </p:spTree>
     <p:extLst>
       <p:ext uri="{BB962C8B-B14F-4D97-AF65-F5344CB8AC3E}">

--- a/images/onebyone_container/PID_Namespace/PID_Namespace.pptx
+++ b/images/onebyone_container/PID_Namespace/PID_Namespace.pptx
@@ -5,11 +5,13 @@
     <p:sldMasterId id="2147483648" r:id="rId1"/>
   </p:sldMasterIdLst>
   <p:notesMasterIdLst>
-    <p:notesMasterId r:id="rId4"/>
+    <p:notesMasterId r:id="rId6"/>
   </p:notesMasterIdLst>
   <p:sldIdLst>
     <p:sldId id="424" r:id="rId2"/>
     <p:sldId id="425" r:id="rId3"/>
+    <p:sldId id="427" r:id="rId4"/>
+    <p:sldId id="426" r:id="rId5"/>
   </p:sldIdLst>
   <p:sldSz cx="9144000" cy="5143500" type="screen16x9"/>
   <p:notesSz cx="6858000" cy="9144000"/>
@@ -1747,6 +1749,813 @@
 </file>
 
 <file path=ppt/diagrams/colors3.xml><?xml version="1.0" encoding="utf-8"?>
+<dgm:colorsDef xmlns:dgm="http://schemas.openxmlformats.org/drawingml/2006/diagram" xmlns:a="http://schemas.openxmlformats.org/drawingml/2006/main" uniqueId="urn:microsoft.com/office/officeart/2005/8/colors/accent0_1">
+  <dgm:title val=""/>
+  <dgm:desc val=""/>
+  <dgm:catLst>
+    <dgm:cat type="mainScheme" pri="10100"/>
+  </dgm:catLst>
+  <dgm:styleLbl name="node0">
+    <dgm:fillClrLst meth="repeat">
+      <a:schemeClr val="lt1"/>
+    </dgm:fillClrLst>
+    <dgm:linClrLst meth="repeat">
+      <a:schemeClr val="dk1">
+        <a:shade val="80000"/>
+      </a:schemeClr>
+    </dgm:linClrLst>
+    <dgm:effectClrLst/>
+    <dgm:txLinClrLst/>
+    <dgm:txFillClrLst meth="repeat">
+      <a:schemeClr val="dk1"/>
+    </dgm:txFillClrLst>
+    <dgm:txEffectClrLst/>
+  </dgm:styleLbl>
+  <dgm:styleLbl name="node1">
+    <dgm:fillClrLst meth="repeat">
+      <a:schemeClr val="lt1"/>
+    </dgm:fillClrLst>
+    <dgm:linClrLst meth="repeat">
+      <a:schemeClr val="dk1">
+        <a:shade val="80000"/>
+      </a:schemeClr>
+    </dgm:linClrLst>
+    <dgm:effectClrLst/>
+    <dgm:txLinClrLst/>
+    <dgm:txFillClrLst meth="repeat">
+      <a:schemeClr val="dk1"/>
+    </dgm:txFillClrLst>
+    <dgm:txEffectClrLst/>
+  </dgm:styleLbl>
+  <dgm:styleLbl name="alignNode1">
+    <dgm:fillClrLst meth="repeat">
+      <a:schemeClr val="lt1"/>
+    </dgm:fillClrLst>
+    <dgm:linClrLst meth="repeat">
+      <a:schemeClr val="dk1">
+        <a:shade val="80000"/>
+      </a:schemeClr>
+    </dgm:linClrLst>
+    <dgm:effectClrLst/>
+    <dgm:txLinClrLst/>
+    <dgm:txFillClrLst meth="repeat">
+      <a:schemeClr val="dk1"/>
+    </dgm:txFillClrLst>
+    <dgm:txEffectClrLst/>
+  </dgm:styleLbl>
+  <dgm:styleLbl name="lnNode1">
+    <dgm:fillClrLst meth="repeat">
+      <a:schemeClr val="lt1"/>
+    </dgm:fillClrLst>
+    <dgm:linClrLst meth="repeat">
+      <a:schemeClr val="dk1">
+        <a:shade val="80000"/>
+      </a:schemeClr>
+    </dgm:linClrLst>
+    <dgm:effectClrLst/>
+    <dgm:txLinClrLst/>
+    <dgm:txFillClrLst meth="repeat">
+      <a:schemeClr val="dk1"/>
+    </dgm:txFillClrLst>
+    <dgm:txEffectClrLst/>
+  </dgm:styleLbl>
+  <dgm:styleLbl name="vennNode1">
+    <dgm:fillClrLst meth="repeat">
+      <a:schemeClr val="lt1">
+        <a:alpha val="50000"/>
+      </a:schemeClr>
+    </dgm:fillClrLst>
+    <dgm:linClrLst meth="repeat">
+      <a:schemeClr val="dk1">
+        <a:shade val="80000"/>
+      </a:schemeClr>
+    </dgm:linClrLst>
+    <dgm:effectClrLst/>
+    <dgm:txLinClrLst/>
+    <dgm:txFillClrLst/>
+    <dgm:txEffectClrLst/>
+  </dgm:styleLbl>
+  <dgm:styleLbl name="node2">
+    <dgm:fillClrLst meth="repeat">
+      <a:schemeClr val="lt1"/>
+    </dgm:fillClrLst>
+    <dgm:linClrLst meth="repeat">
+      <a:schemeClr val="dk1">
+        <a:shade val="80000"/>
+      </a:schemeClr>
+    </dgm:linClrLst>
+    <dgm:effectClrLst/>
+    <dgm:txLinClrLst/>
+    <dgm:txFillClrLst meth="repeat">
+      <a:schemeClr val="dk1"/>
+    </dgm:txFillClrLst>
+    <dgm:txEffectClrLst/>
+  </dgm:styleLbl>
+  <dgm:styleLbl name="node3">
+    <dgm:fillClrLst meth="repeat">
+      <a:schemeClr val="lt1"/>
+    </dgm:fillClrLst>
+    <dgm:linClrLst meth="repeat">
+      <a:schemeClr val="dk1">
+        <a:shade val="80000"/>
+      </a:schemeClr>
+    </dgm:linClrLst>
+    <dgm:effectClrLst/>
+    <dgm:txLinClrLst/>
+    <dgm:txFillClrLst meth="repeat">
+      <a:schemeClr val="dk1"/>
+    </dgm:txFillClrLst>
+    <dgm:txEffectClrLst/>
+  </dgm:styleLbl>
+  <dgm:styleLbl name="node4">
+    <dgm:fillClrLst meth="repeat">
+      <a:schemeClr val="lt1"/>
+    </dgm:fillClrLst>
+    <dgm:linClrLst meth="repeat">
+      <a:schemeClr val="dk1">
+        <a:shade val="80000"/>
+      </a:schemeClr>
+    </dgm:linClrLst>
+    <dgm:effectClrLst/>
+    <dgm:txLinClrLst/>
+    <dgm:txFillClrLst meth="repeat">
+      <a:schemeClr val="dk1"/>
+    </dgm:txFillClrLst>
+    <dgm:txEffectClrLst/>
+  </dgm:styleLbl>
+  <dgm:styleLbl name="fgImgPlace1">
+    <dgm:fillClrLst meth="repeat">
+      <a:schemeClr val="dk1">
+        <a:tint val="40000"/>
+      </a:schemeClr>
+    </dgm:fillClrLst>
+    <dgm:linClrLst meth="repeat">
+      <a:schemeClr val="dk1">
+        <a:shade val="80000"/>
+      </a:schemeClr>
+    </dgm:linClrLst>
+    <dgm:effectClrLst/>
+    <dgm:txLinClrLst/>
+    <dgm:txFillClrLst meth="repeat">
+      <a:schemeClr val="lt1"/>
+    </dgm:txFillClrLst>
+    <dgm:txEffectClrLst/>
+  </dgm:styleLbl>
+  <dgm:styleLbl name="alignImgPlace1">
+    <dgm:fillClrLst meth="repeat">
+      <a:schemeClr val="dk1">
+        <a:tint val="40000"/>
+      </a:schemeClr>
+    </dgm:fillClrLst>
+    <dgm:linClrLst meth="repeat">
+      <a:schemeClr val="dk1">
+        <a:shade val="80000"/>
+      </a:schemeClr>
+    </dgm:linClrLst>
+    <dgm:effectClrLst/>
+    <dgm:txLinClrLst/>
+    <dgm:txFillClrLst meth="repeat">
+      <a:schemeClr val="lt1"/>
+    </dgm:txFillClrLst>
+    <dgm:txEffectClrLst/>
+  </dgm:styleLbl>
+  <dgm:styleLbl name="bgImgPlace1">
+    <dgm:fillClrLst meth="repeat">
+      <a:schemeClr val="dk1">
+        <a:tint val="40000"/>
+      </a:schemeClr>
+    </dgm:fillClrLst>
+    <dgm:linClrLst meth="repeat">
+      <a:schemeClr val="dk1">
+        <a:shade val="80000"/>
+      </a:schemeClr>
+    </dgm:linClrLst>
+    <dgm:effectClrLst/>
+    <dgm:txLinClrLst/>
+    <dgm:txFillClrLst meth="repeat">
+      <a:schemeClr val="lt1"/>
+    </dgm:txFillClrLst>
+    <dgm:txEffectClrLst/>
+  </dgm:styleLbl>
+  <dgm:styleLbl name="sibTrans2D1">
+    <dgm:fillClrLst meth="repeat">
+      <a:schemeClr val="dk1">
+        <a:tint val="60000"/>
+      </a:schemeClr>
+    </dgm:fillClrLst>
+    <dgm:linClrLst meth="repeat">
+      <a:schemeClr val="dk1">
+        <a:tint val="60000"/>
+      </a:schemeClr>
+    </dgm:linClrLst>
+    <dgm:effectClrLst/>
+    <dgm:txLinClrLst/>
+    <dgm:txFillClrLst meth="repeat">
+      <a:schemeClr val="dk1"/>
+    </dgm:txFillClrLst>
+    <dgm:txEffectClrLst/>
+  </dgm:styleLbl>
+  <dgm:styleLbl name="fgSibTrans2D1">
+    <dgm:fillClrLst meth="repeat">
+      <a:schemeClr val="dk1">
+        <a:tint val="60000"/>
+      </a:schemeClr>
+    </dgm:fillClrLst>
+    <dgm:linClrLst meth="repeat">
+      <a:schemeClr val="dk1">
+        <a:tint val="60000"/>
+      </a:schemeClr>
+    </dgm:linClrLst>
+    <dgm:effectClrLst/>
+    <dgm:txLinClrLst/>
+    <dgm:txFillClrLst meth="repeat">
+      <a:schemeClr val="dk1"/>
+    </dgm:txFillClrLst>
+    <dgm:txEffectClrLst/>
+  </dgm:styleLbl>
+  <dgm:styleLbl name="bgSibTrans2D1">
+    <dgm:fillClrLst meth="repeat">
+      <a:schemeClr val="dk1">
+        <a:tint val="60000"/>
+      </a:schemeClr>
+    </dgm:fillClrLst>
+    <dgm:linClrLst meth="repeat">
+      <a:schemeClr val="dk1">
+        <a:tint val="60000"/>
+      </a:schemeClr>
+    </dgm:linClrLst>
+    <dgm:effectClrLst/>
+    <dgm:txLinClrLst/>
+    <dgm:txFillClrLst meth="repeat">
+      <a:schemeClr val="dk1"/>
+    </dgm:txFillClrLst>
+    <dgm:txEffectClrLst/>
+  </dgm:styleLbl>
+  <dgm:styleLbl name="sibTrans1D1">
+    <dgm:fillClrLst meth="repeat">
+      <a:schemeClr val="dk1"/>
+    </dgm:fillClrLst>
+    <dgm:linClrLst meth="repeat">
+      <a:schemeClr val="dk1"/>
+    </dgm:linClrLst>
+    <dgm:effectClrLst/>
+    <dgm:txLinClrLst/>
+    <dgm:txFillClrLst meth="repeat">
+      <a:schemeClr val="tx1"/>
+    </dgm:txFillClrLst>
+    <dgm:txEffectClrLst/>
+  </dgm:styleLbl>
+  <dgm:styleLbl name="callout">
+    <dgm:fillClrLst meth="repeat">
+      <a:schemeClr val="dk1"/>
+    </dgm:fillClrLst>
+    <dgm:linClrLst meth="repeat">
+      <a:schemeClr val="dk1"/>
+    </dgm:linClrLst>
+    <dgm:effectClrLst/>
+    <dgm:txLinClrLst/>
+    <dgm:txFillClrLst meth="repeat">
+      <a:schemeClr val="tx1"/>
+    </dgm:txFillClrLst>
+    <dgm:txEffectClrLst/>
+  </dgm:styleLbl>
+  <dgm:styleLbl name="asst0">
+    <dgm:fillClrLst meth="repeat">
+      <a:schemeClr val="lt1"/>
+    </dgm:fillClrLst>
+    <dgm:linClrLst meth="repeat">
+      <a:schemeClr val="dk1">
+        <a:shade val="80000"/>
+      </a:schemeClr>
+    </dgm:linClrLst>
+    <dgm:effectClrLst/>
+    <dgm:txLinClrLst/>
+    <dgm:txFillClrLst meth="repeat">
+      <a:schemeClr val="dk1"/>
+    </dgm:txFillClrLst>
+    <dgm:txEffectClrLst/>
+  </dgm:styleLbl>
+  <dgm:styleLbl name="asst1">
+    <dgm:fillClrLst meth="repeat">
+      <a:schemeClr val="lt1"/>
+    </dgm:fillClrLst>
+    <dgm:linClrLst meth="repeat">
+      <a:schemeClr val="dk1">
+        <a:shade val="80000"/>
+      </a:schemeClr>
+    </dgm:linClrLst>
+    <dgm:effectClrLst/>
+    <dgm:txLinClrLst/>
+    <dgm:txFillClrLst meth="repeat">
+      <a:schemeClr val="dk1"/>
+    </dgm:txFillClrLst>
+    <dgm:txEffectClrLst/>
+  </dgm:styleLbl>
+  <dgm:styleLbl name="asst2">
+    <dgm:fillClrLst meth="repeat">
+      <a:schemeClr val="lt1"/>
+    </dgm:fillClrLst>
+    <dgm:linClrLst meth="repeat">
+      <a:schemeClr val="dk1">
+        <a:shade val="80000"/>
+      </a:schemeClr>
+    </dgm:linClrLst>
+    <dgm:effectClrLst/>
+    <dgm:txLinClrLst/>
+    <dgm:txFillClrLst meth="repeat">
+      <a:schemeClr val="dk1"/>
+    </dgm:txFillClrLst>
+    <dgm:txEffectClrLst/>
+  </dgm:styleLbl>
+  <dgm:styleLbl name="asst3">
+    <dgm:fillClrLst meth="repeat">
+      <a:schemeClr val="lt1"/>
+    </dgm:fillClrLst>
+    <dgm:linClrLst meth="repeat">
+      <a:schemeClr val="dk1">
+        <a:shade val="80000"/>
+      </a:schemeClr>
+    </dgm:linClrLst>
+    <dgm:effectClrLst/>
+    <dgm:txLinClrLst/>
+    <dgm:txFillClrLst meth="repeat">
+      <a:schemeClr val="dk1"/>
+    </dgm:txFillClrLst>
+    <dgm:txEffectClrLst/>
+  </dgm:styleLbl>
+  <dgm:styleLbl name="asst4">
+    <dgm:fillClrLst meth="repeat">
+      <a:schemeClr val="lt1"/>
+    </dgm:fillClrLst>
+    <dgm:linClrLst meth="repeat">
+      <a:schemeClr val="dk1">
+        <a:shade val="80000"/>
+      </a:schemeClr>
+    </dgm:linClrLst>
+    <dgm:effectClrLst/>
+    <dgm:txLinClrLst/>
+    <dgm:txFillClrLst meth="repeat">
+      <a:schemeClr val="dk1"/>
+    </dgm:txFillClrLst>
+    <dgm:txEffectClrLst/>
+  </dgm:styleLbl>
+  <dgm:styleLbl name="parChTrans2D1">
+    <dgm:fillClrLst meth="repeat">
+      <a:schemeClr val="dk1">
+        <a:tint val="60000"/>
+      </a:schemeClr>
+    </dgm:fillClrLst>
+    <dgm:linClrLst meth="repeat">
+      <a:schemeClr val="dk1">
+        <a:tint val="60000"/>
+      </a:schemeClr>
+    </dgm:linClrLst>
+    <dgm:effectClrLst/>
+    <dgm:txLinClrLst/>
+    <dgm:txFillClrLst/>
+    <dgm:txEffectClrLst/>
+  </dgm:styleLbl>
+  <dgm:styleLbl name="parChTrans2D2">
+    <dgm:fillClrLst meth="repeat">
+      <a:schemeClr val="dk1"/>
+    </dgm:fillClrLst>
+    <dgm:linClrLst meth="repeat">
+      <a:schemeClr val="dk1"/>
+    </dgm:linClrLst>
+    <dgm:effectClrLst/>
+    <dgm:txLinClrLst/>
+    <dgm:txFillClrLst/>
+    <dgm:txEffectClrLst/>
+  </dgm:styleLbl>
+  <dgm:styleLbl name="parChTrans2D3">
+    <dgm:fillClrLst meth="repeat">
+      <a:schemeClr val="dk1"/>
+    </dgm:fillClrLst>
+    <dgm:linClrLst meth="repeat">
+      <a:schemeClr val="dk1"/>
+    </dgm:linClrLst>
+    <dgm:effectClrLst/>
+    <dgm:txLinClrLst/>
+    <dgm:txFillClrLst/>
+    <dgm:txEffectClrLst/>
+  </dgm:styleLbl>
+  <dgm:styleLbl name="parChTrans2D4">
+    <dgm:fillClrLst meth="repeat">
+      <a:schemeClr val="dk1"/>
+    </dgm:fillClrLst>
+    <dgm:linClrLst meth="repeat">
+      <a:schemeClr val="dk1"/>
+    </dgm:linClrLst>
+    <dgm:effectClrLst/>
+    <dgm:txLinClrLst/>
+    <dgm:txFillClrLst meth="repeat">
+      <a:schemeClr val="lt1"/>
+    </dgm:txFillClrLst>
+    <dgm:txEffectClrLst/>
+  </dgm:styleLbl>
+  <dgm:styleLbl name="parChTrans1D1">
+    <dgm:fillClrLst meth="repeat">
+      <a:schemeClr val="dk1"/>
+    </dgm:fillClrLst>
+    <dgm:linClrLst meth="repeat">
+      <a:schemeClr val="dk1">
+        <a:shade val="60000"/>
+      </a:schemeClr>
+    </dgm:linClrLst>
+    <dgm:effectClrLst/>
+    <dgm:txLinClrLst/>
+    <dgm:txFillClrLst meth="repeat">
+      <a:schemeClr val="tx1"/>
+    </dgm:txFillClrLst>
+    <dgm:txEffectClrLst/>
+  </dgm:styleLbl>
+  <dgm:styleLbl name="parChTrans1D2">
+    <dgm:fillClrLst meth="repeat">
+      <a:schemeClr val="dk1"/>
+    </dgm:fillClrLst>
+    <dgm:linClrLst meth="repeat">
+      <a:schemeClr val="dk1">
+        <a:shade val="60000"/>
+      </a:schemeClr>
+    </dgm:linClrLst>
+    <dgm:effectClrLst/>
+    <dgm:txLinClrLst/>
+    <dgm:txFillClrLst meth="repeat">
+      <a:schemeClr val="tx1"/>
+    </dgm:txFillClrLst>
+    <dgm:txEffectClrLst/>
+  </dgm:styleLbl>
+  <dgm:styleLbl name="parChTrans1D3">
+    <dgm:fillClrLst meth="repeat">
+      <a:schemeClr val="dk1"/>
+    </dgm:fillClrLst>
+    <dgm:linClrLst meth="repeat">
+      <a:schemeClr val="dk1">
+        <a:shade val="80000"/>
+      </a:schemeClr>
+    </dgm:linClrLst>
+    <dgm:effectClrLst/>
+    <dgm:txLinClrLst/>
+    <dgm:txFillClrLst meth="repeat">
+      <a:schemeClr val="tx1"/>
+    </dgm:txFillClrLst>
+    <dgm:txEffectClrLst/>
+  </dgm:styleLbl>
+  <dgm:styleLbl name="parChTrans1D4">
+    <dgm:fillClrLst meth="repeat">
+      <a:schemeClr val="dk1"/>
+    </dgm:fillClrLst>
+    <dgm:linClrLst meth="repeat">
+      <a:schemeClr val="dk1">
+        <a:shade val="80000"/>
+      </a:schemeClr>
+    </dgm:linClrLst>
+    <dgm:effectClrLst/>
+    <dgm:txLinClrLst/>
+    <dgm:txFillClrLst meth="repeat">
+      <a:schemeClr val="tx1"/>
+    </dgm:txFillClrLst>
+    <dgm:txEffectClrLst/>
+  </dgm:styleLbl>
+  <dgm:styleLbl name="fgAcc1">
+    <dgm:fillClrLst meth="repeat">
+      <a:schemeClr val="dk1">
+        <a:alpha val="90000"/>
+        <a:tint val="40000"/>
+      </a:schemeClr>
+    </dgm:fillClrLst>
+    <dgm:linClrLst meth="repeat">
+      <a:schemeClr val="dk1"/>
+    </dgm:linClrLst>
+    <dgm:effectClrLst/>
+    <dgm:txLinClrLst/>
+    <dgm:txFillClrLst meth="repeat">
+      <a:schemeClr val="dk1"/>
+    </dgm:txFillClrLst>
+    <dgm:txEffectClrLst/>
+  </dgm:styleLbl>
+  <dgm:styleLbl name="conFgAcc1">
+    <dgm:fillClrLst meth="repeat">
+      <a:schemeClr val="dk1">
+        <a:alpha val="90000"/>
+        <a:tint val="40000"/>
+      </a:schemeClr>
+    </dgm:fillClrLst>
+    <dgm:linClrLst meth="repeat">
+      <a:schemeClr val="dk1"/>
+    </dgm:linClrLst>
+    <dgm:effectClrLst/>
+    <dgm:txLinClrLst/>
+    <dgm:txFillClrLst meth="repeat">
+      <a:schemeClr val="dk1"/>
+    </dgm:txFillClrLst>
+    <dgm:txEffectClrLst/>
+  </dgm:styleLbl>
+  <dgm:styleLbl name="alignAcc1">
+    <dgm:fillClrLst meth="repeat">
+      <a:schemeClr val="dk1">
+        <a:alpha val="90000"/>
+        <a:tint val="40000"/>
+      </a:schemeClr>
+    </dgm:fillClrLst>
+    <dgm:linClrLst meth="repeat">
+      <a:schemeClr val="dk1"/>
+    </dgm:linClrLst>
+    <dgm:effectClrLst/>
+    <dgm:txLinClrLst/>
+    <dgm:txFillClrLst meth="repeat">
+      <a:schemeClr val="dk1"/>
+    </dgm:txFillClrLst>
+    <dgm:txEffectClrLst/>
+  </dgm:styleLbl>
+  <dgm:styleLbl name="trAlignAcc1">
+    <dgm:fillClrLst meth="repeat">
+      <a:schemeClr val="dk1">
+        <a:alpha val="40000"/>
+        <a:tint val="40000"/>
+      </a:schemeClr>
+    </dgm:fillClrLst>
+    <dgm:linClrLst meth="repeat">
+      <a:schemeClr val="dk1"/>
+    </dgm:linClrLst>
+    <dgm:effectClrLst/>
+    <dgm:txLinClrLst/>
+    <dgm:txFillClrLst meth="repeat">
+      <a:schemeClr val="dk1"/>
+    </dgm:txFillClrLst>
+    <dgm:txEffectClrLst/>
+  </dgm:styleLbl>
+  <dgm:styleLbl name="bgAcc1">
+    <dgm:fillClrLst meth="repeat">
+      <a:schemeClr val="dk1">
+        <a:alpha val="90000"/>
+        <a:tint val="40000"/>
+      </a:schemeClr>
+    </dgm:fillClrLst>
+    <dgm:linClrLst meth="repeat">
+      <a:schemeClr val="dk1"/>
+    </dgm:linClrLst>
+    <dgm:effectClrLst/>
+    <dgm:txLinClrLst/>
+    <dgm:txFillClrLst meth="repeat">
+      <a:schemeClr val="dk1"/>
+    </dgm:txFillClrLst>
+    <dgm:txEffectClrLst/>
+  </dgm:styleLbl>
+  <dgm:styleLbl name="solidFgAcc1">
+    <dgm:fillClrLst meth="repeat">
+      <a:schemeClr val="lt1"/>
+    </dgm:fillClrLst>
+    <dgm:linClrLst meth="repeat">
+      <a:schemeClr val="dk1"/>
+    </dgm:linClrLst>
+    <dgm:effectClrLst/>
+    <dgm:txLinClrLst/>
+    <dgm:txFillClrLst meth="repeat">
+      <a:schemeClr val="dk1"/>
+    </dgm:txFillClrLst>
+    <dgm:txEffectClrLst/>
+  </dgm:styleLbl>
+  <dgm:styleLbl name="solidAlignAcc1">
+    <dgm:fillClrLst meth="repeat">
+      <a:schemeClr val="lt1"/>
+    </dgm:fillClrLst>
+    <dgm:linClrLst meth="repeat">
+      <a:schemeClr val="dk1"/>
+    </dgm:linClrLst>
+    <dgm:effectClrLst/>
+    <dgm:txLinClrLst/>
+    <dgm:txFillClrLst meth="repeat">
+      <a:schemeClr val="dk1"/>
+    </dgm:txFillClrLst>
+    <dgm:txEffectClrLst/>
+  </dgm:styleLbl>
+  <dgm:styleLbl name="solidBgAcc1">
+    <dgm:fillClrLst meth="repeat">
+      <a:schemeClr val="lt1"/>
+    </dgm:fillClrLst>
+    <dgm:linClrLst meth="repeat">
+      <a:schemeClr val="dk1"/>
+    </dgm:linClrLst>
+    <dgm:effectClrLst/>
+    <dgm:txLinClrLst/>
+    <dgm:txFillClrLst meth="repeat">
+      <a:schemeClr val="dk1"/>
+    </dgm:txFillClrLst>
+    <dgm:txEffectClrLst/>
+  </dgm:styleLbl>
+  <dgm:styleLbl name="fgAccFollowNode1">
+    <dgm:fillClrLst meth="repeat">
+      <a:schemeClr val="lt1">
+        <a:alpha val="90000"/>
+        <a:tint val="40000"/>
+      </a:schemeClr>
+    </dgm:fillClrLst>
+    <dgm:linClrLst meth="repeat">
+      <a:schemeClr val="dk1">
+        <a:alpha val="90000"/>
+      </a:schemeClr>
+    </dgm:linClrLst>
+    <dgm:effectClrLst/>
+    <dgm:txLinClrLst/>
+    <dgm:txFillClrLst meth="repeat">
+      <a:schemeClr val="dk1"/>
+    </dgm:txFillClrLst>
+    <dgm:txEffectClrLst/>
+  </dgm:styleLbl>
+  <dgm:styleLbl name="alignAccFollowNode1">
+    <dgm:fillClrLst meth="repeat">
+      <a:schemeClr val="lt1">
+        <a:alpha val="90000"/>
+        <a:tint val="40000"/>
+      </a:schemeClr>
+    </dgm:fillClrLst>
+    <dgm:linClrLst meth="repeat">
+      <a:schemeClr val="dk1">
+        <a:alpha val="90000"/>
+      </a:schemeClr>
+    </dgm:linClrLst>
+    <dgm:effectClrLst/>
+    <dgm:txLinClrLst/>
+    <dgm:txFillClrLst meth="repeat">
+      <a:schemeClr val="dk1"/>
+    </dgm:txFillClrLst>
+    <dgm:txEffectClrLst/>
+  </dgm:styleLbl>
+  <dgm:styleLbl name="bgAccFollowNode1">
+    <dgm:fillClrLst meth="repeat">
+      <a:schemeClr val="lt1">
+        <a:alpha val="90000"/>
+        <a:tint val="40000"/>
+      </a:schemeClr>
+    </dgm:fillClrLst>
+    <dgm:linClrLst meth="repeat">
+      <a:schemeClr val="dk1">
+        <a:alpha val="90000"/>
+      </a:schemeClr>
+    </dgm:linClrLst>
+    <dgm:effectClrLst/>
+    <dgm:txLinClrLst/>
+    <dgm:txFillClrLst meth="repeat">
+      <a:schemeClr val="dk1"/>
+    </dgm:txFillClrLst>
+    <dgm:txEffectClrLst/>
+  </dgm:styleLbl>
+  <dgm:styleLbl name="fgAcc0">
+    <dgm:fillClrLst meth="repeat">
+      <a:schemeClr val="dk1">
+        <a:alpha val="90000"/>
+        <a:tint val="40000"/>
+      </a:schemeClr>
+    </dgm:fillClrLst>
+    <dgm:linClrLst meth="repeat">
+      <a:schemeClr val="dk1"/>
+    </dgm:linClrLst>
+    <dgm:effectClrLst/>
+    <dgm:txLinClrLst/>
+    <dgm:txFillClrLst meth="repeat">
+      <a:schemeClr val="dk1"/>
+    </dgm:txFillClrLst>
+    <dgm:txEffectClrLst/>
+  </dgm:styleLbl>
+  <dgm:styleLbl name="fgAcc2">
+    <dgm:fillClrLst meth="repeat">
+      <a:schemeClr val="dk1">
+        <a:alpha val="90000"/>
+        <a:tint val="40000"/>
+      </a:schemeClr>
+    </dgm:fillClrLst>
+    <dgm:linClrLst meth="repeat">
+      <a:schemeClr val="dk1"/>
+    </dgm:linClrLst>
+    <dgm:effectClrLst/>
+    <dgm:txLinClrLst/>
+    <dgm:txFillClrLst meth="repeat">
+      <a:schemeClr val="dk1"/>
+    </dgm:txFillClrLst>
+    <dgm:txEffectClrLst/>
+  </dgm:styleLbl>
+  <dgm:styleLbl name="fgAcc3">
+    <dgm:fillClrLst meth="repeat">
+      <a:schemeClr val="dk1">
+        <a:alpha val="90000"/>
+        <a:tint val="40000"/>
+      </a:schemeClr>
+    </dgm:fillClrLst>
+    <dgm:linClrLst meth="repeat">
+      <a:schemeClr val="dk1"/>
+    </dgm:linClrLst>
+    <dgm:effectClrLst/>
+    <dgm:txLinClrLst/>
+    <dgm:txFillClrLst meth="repeat">
+      <a:schemeClr val="dk1"/>
+    </dgm:txFillClrLst>
+    <dgm:txEffectClrLst/>
+  </dgm:styleLbl>
+  <dgm:styleLbl name="fgAcc4">
+    <dgm:fillClrLst meth="repeat">
+      <a:schemeClr val="dk1">
+        <a:alpha val="90000"/>
+        <a:tint val="40000"/>
+      </a:schemeClr>
+    </dgm:fillClrLst>
+    <dgm:linClrLst meth="repeat">
+      <a:schemeClr val="dk1"/>
+    </dgm:linClrLst>
+    <dgm:effectClrLst/>
+    <dgm:txLinClrLst/>
+    <dgm:txFillClrLst meth="repeat">
+      <a:schemeClr val="dk1"/>
+    </dgm:txFillClrLst>
+    <dgm:txEffectClrLst/>
+  </dgm:styleLbl>
+  <dgm:styleLbl name="bgShp">
+    <dgm:fillClrLst meth="repeat">
+      <a:schemeClr val="dk1">
+        <a:tint val="40000"/>
+      </a:schemeClr>
+    </dgm:fillClrLst>
+    <dgm:linClrLst meth="repeat">
+      <a:schemeClr val="dk1"/>
+    </dgm:linClrLst>
+    <dgm:effectClrLst/>
+    <dgm:txLinClrLst/>
+    <dgm:txFillClrLst meth="repeat">
+      <a:schemeClr val="dk1"/>
+    </dgm:txFillClrLst>
+    <dgm:txEffectClrLst/>
+  </dgm:styleLbl>
+  <dgm:styleLbl name="dkBgShp">
+    <dgm:fillClrLst meth="repeat">
+      <a:schemeClr val="dk1">
+        <a:shade val="80000"/>
+      </a:schemeClr>
+    </dgm:fillClrLst>
+    <dgm:linClrLst meth="repeat">
+      <a:schemeClr val="dk1"/>
+    </dgm:linClrLst>
+    <dgm:effectClrLst/>
+    <dgm:txLinClrLst/>
+    <dgm:txFillClrLst meth="repeat">
+      <a:schemeClr val="lt1"/>
+    </dgm:txFillClrLst>
+    <dgm:txEffectClrLst/>
+  </dgm:styleLbl>
+  <dgm:styleLbl name="trBgShp">
+    <dgm:fillClrLst meth="repeat">
+      <a:schemeClr val="dk1">
+        <a:tint val="50000"/>
+        <a:alpha val="40000"/>
+      </a:schemeClr>
+    </dgm:fillClrLst>
+    <dgm:linClrLst meth="repeat">
+      <a:schemeClr val="dk1"/>
+    </dgm:linClrLst>
+    <dgm:effectClrLst/>
+    <dgm:txLinClrLst/>
+    <dgm:txFillClrLst meth="repeat">
+      <a:schemeClr val="lt1"/>
+    </dgm:txFillClrLst>
+    <dgm:txEffectClrLst/>
+  </dgm:styleLbl>
+  <dgm:styleLbl name="fgShp">
+    <dgm:fillClrLst meth="repeat">
+      <a:schemeClr val="dk1">
+        <a:tint val="60000"/>
+      </a:schemeClr>
+    </dgm:fillClrLst>
+    <dgm:linClrLst meth="repeat">
+      <a:schemeClr val="lt1"/>
+    </dgm:linClrLst>
+    <dgm:effectClrLst/>
+    <dgm:txLinClrLst/>
+    <dgm:txFillClrLst meth="repeat">
+      <a:schemeClr val="dk1"/>
+    </dgm:txFillClrLst>
+    <dgm:txEffectClrLst/>
+  </dgm:styleLbl>
+  <dgm:styleLbl name="revTx">
+    <dgm:fillClrLst meth="repeat">
+      <a:schemeClr val="lt1">
+        <a:alpha val="0"/>
+      </a:schemeClr>
+    </dgm:fillClrLst>
+    <dgm:linClrLst meth="repeat">
+      <a:schemeClr val="dk1">
+        <a:alpha val="0"/>
+      </a:schemeClr>
+    </dgm:linClrLst>
+    <dgm:effectClrLst/>
+    <dgm:txLinClrLst/>
+    <dgm:txFillClrLst meth="repeat">
+      <a:schemeClr val="tx1"/>
+    </dgm:txFillClrLst>
+    <dgm:txEffectClrLst/>
+  </dgm:styleLbl>
+</dgm:colorsDef>
+</file>
+
+<file path=ppt/diagrams/colors4.xml><?xml version="1.0" encoding="utf-8"?>
 <dgm:colorsDef xmlns:dgm="http://schemas.openxmlformats.org/drawingml/2006/diagram" xmlns:a="http://schemas.openxmlformats.org/drawingml/2006/main" uniqueId="urn:microsoft.com/office/officeart/2005/8/colors/accent0_1">
   <dgm:title val=""/>
   <dgm:desc val=""/>
@@ -4765,6 +5574,410 @@
     <dgm:cxn modelId="{C815D8E3-76E7-4B6E-9C09-4580A04A96BA}" type="presParOf" srcId="{1F5F66E4-5DBF-42F2-94B6-10300BBA0E26}" destId="{E287ABC9-54DD-41FD-849D-24CD6E680638}" srcOrd="3" destOrd="0" presId="urn:microsoft.com/office/officeart/2005/8/layout/hierarchy6"/>
     <dgm:cxn modelId="{63140D3F-5A49-4E52-9249-BEACF59C7D0D}" type="presParOf" srcId="{E287ABC9-54DD-41FD-849D-24CD6E680638}" destId="{09321B55-5C54-4395-A776-7C56F08B0444}" srcOrd="0" destOrd="0" presId="urn:microsoft.com/office/officeart/2005/8/layout/hierarchy6"/>
     <dgm:cxn modelId="{C3064AB5-577F-4DC6-BC3F-1F3F66D8894C}" type="presParOf" srcId="{E287ABC9-54DD-41FD-849D-24CD6E680638}" destId="{6819307C-79EF-4903-A2BD-69C8803F0AB3}" srcOrd="1" destOrd="0" presId="urn:microsoft.com/office/officeart/2005/8/layout/hierarchy6"/>
+    <dgm:cxn modelId="{6CB33ECB-BB5E-4104-A935-0C14C361DF1C}" type="presParOf" srcId="{8D7B0A8E-724F-4ED4-B60B-CB018C6C9AA4}" destId="{C4048EAC-8713-423B-9A8A-BD2BB8CE73B8}" srcOrd="1" destOrd="0" presId="urn:microsoft.com/office/officeart/2005/8/layout/hierarchy6"/>
+  </dgm:cxnLst>
+  <dgm:bg/>
+  <dgm:whole/>
+  <dgm:extLst>
+    <a:ext uri="http://schemas.microsoft.com/office/drawing/2008/diagram">
+      <dsp:dataModelExt xmlns:dsp="http://schemas.microsoft.com/office/drawing/2008/diagram" relId="rId7" minVer="http://schemas.openxmlformats.org/drawingml/2006/diagram"/>
+    </a:ext>
+  </dgm:extLst>
+</dgm:dataModel>
+</file>
+
+<file path=ppt/diagrams/data4.xml><?xml version="1.0" encoding="utf-8"?>
+<dgm:dataModel xmlns:dgm="http://schemas.openxmlformats.org/drawingml/2006/diagram" xmlns:a="http://schemas.openxmlformats.org/drawingml/2006/main">
+  <dgm:ptLst>
+    <dgm:pt modelId="{DFD0CAB2-157B-4176-BCFC-2FBBA3D762B1}" type="doc">
+      <dgm:prSet loTypeId="urn:microsoft.com/office/officeart/2005/8/layout/hierarchy6" loCatId="hierarchy" qsTypeId="urn:microsoft.com/office/officeart/2005/8/quickstyle/simple1" qsCatId="simple" csTypeId="urn:microsoft.com/office/officeart/2005/8/colors/accent0_1" csCatId="mainScheme" phldr="1"/>
+      <dgm:spPr/>
+      <dgm:t>
+        <a:bodyPr/>
+        <a:lstStyle/>
+        <a:p>
+          <a:pPr latinLnBrk="1"/>
+          <a:endParaRPr lang="ko-KR" altLang="en-US"/>
+        </a:p>
+      </dgm:t>
+    </dgm:pt>
+    <dgm:pt modelId="{816DDED8-0159-4FBD-80E5-7DEE6513FC4E}">
+      <dgm:prSet phldrT="[텍스트]" custT="1"/>
+      <dgm:spPr/>
+      <dgm:t>
+        <a:bodyPr/>
+        <a:lstStyle/>
+        <a:p>
+          <a:pPr latinLnBrk="1"/>
+          <a:r>
+            <a:rPr lang="en-US" altLang="ko-KR" sz="1400">
+              <a:solidFill>
+                <a:schemeClr val="tx2"/>
+              </a:solidFill>
+            </a:rPr>
+            <a:t>1 </a:t>
+          </a:r>
+          <a:br>
+            <a:rPr lang="en-US" altLang="ko-KR" sz="1400">
+              <a:solidFill>
+                <a:schemeClr val="tx2"/>
+              </a:solidFill>
+            </a:rPr>
+          </a:br>
+          <a:r>
+            <a:rPr lang="en-US" altLang="ko-KR" sz="1100">
+              <a:solidFill>
+                <a:schemeClr val="tx1"/>
+              </a:solidFill>
+            </a:rPr>
+            <a:t>A Process</a:t>
+          </a:r>
+          <a:endParaRPr lang="en-US" altLang="ko-KR" sz="1400">
+            <a:solidFill>
+              <a:schemeClr val="tx1"/>
+            </a:solidFill>
+          </a:endParaRPr>
+        </a:p>
+      </dgm:t>
+    </dgm:pt>
+    <dgm:pt modelId="{716595D3-0C92-48BD-B94F-60E59D2070CA}" type="parTrans" cxnId="{CCE62A7D-E4C5-439D-B3A2-BBB918F45E26}">
+      <dgm:prSet/>
+      <dgm:spPr/>
+      <dgm:t>
+        <a:bodyPr/>
+        <a:lstStyle/>
+        <a:p>
+          <a:pPr latinLnBrk="1"/>
+          <a:endParaRPr lang="ko-KR" altLang="en-US" sz="1100"/>
+        </a:p>
+      </dgm:t>
+    </dgm:pt>
+    <dgm:pt modelId="{BE71272E-DF10-41D5-B1A8-D50AE65ECE9E}" type="sibTrans" cxnId="{CCE62A7D-E4C5-439D-B3A2-BBB918F45E26}">
+      <dgm:prSet/>
+      <dgm:spPr/>
+      <dgm:t>
+        <a:bodyPr/>
+        <a:lstStyle/>
+        <a:p>
+          <a:pPr latinLnBrk="1"/>
+          <a:endParaRPr lang="ko-KR" altLang="en-US" sz="1100"/>
+        </a:p>
+      </dgm:t>
+    </dgm:pt>
+    <dgm:pt modelId="{9113DB8F-061E-4657-9025-80682929C5A4}">
+      <dgm:prSet phldrT="[텍스트]" custT="1"/>
+      <dgm:spPr/>
+      <dgm:t>
+        <a:bodyPr/>
+        <a:lstStyle/>
+        <a:p>
+          <a:pPr latinLnBrk="1"/>
+          <a:r>
+            <a:rPr lang="en-US" altLang="ko-KR" sz="1400">
+              <a:solidFill>
+                <a:schemeClr val="tx2"/>
+              </a:solidFill>
+            </a:rPr>
+            <a:t>2</a:t>
+          </a:r>
+          <a:br>
+            <a:rPr lang="en-US" altLang="ko-KR" sz="1400">
+              <a:solidFill>
+                <a:schemeClr val="accent2"/>
+              </a:solidFill>
+            </a:rPr>
+          </a:br>
+          <a:r>
+            <a:rPr lang="en-US" altLang="ko-KR" sz="1100">
+              <a:solidFill>
+                <a:schemeClr val="tx1"/>
+              </a:solidFill>
+            </a:rPr>
+            <a:t>B Process</a:t>
+          </a:r>
+          <a:endParaRPr lang="ko-KR" altLang="en-US" sz="1400">
+            <a:solidFill>
+              <a:schemeClr val="tx1"/>
+            </a:solidFill>
+          </a:endParaRPr>
+        </a:p>
+      </dgm:t>
+    </dgm:pt>
+    <dgm:pt modelId="{E27D4E76-D04B-44EA-B806-FC0C1850B0A6}" type="parTrans" cxnId="{A3F9C307-DD43-4EDB-B12D-2ED62EEEB15C}">
+      <dgm:prSet/>
+      <dgm:spPr/>
+      <dgm:t>
+        <a:bodyPr/>
+        <a:lstStyle/>
+        <a:p>
+          <a:pPr latinLnBrk="1"/>
+          <a:endParaRPr lang="ko-KR" altLang="en-US" sz="1100"/>
+        </a:p>
+      </dgm:t>
+    </dgm:pt>
+    <dgm:pt modelId="{47B81702-40BF-472F-AB96-8A6AC4E4B747}" type="sibTrans" cxnId="{A3F9C307-DD43-4EDB-B12D-2ED62EEEB15C}">
+      <dgm:prSet/>
+      <dgm:spPr/>
+      <dgm:t>
+        <a:bodyPr/>
+        <a:lstStyle/>
+        <a:p>
+          <a:pPr latinLnBrk="1"/>
+          <a:endParaRPr lang="ko-KR" altLang="en-US" sz="1100"/>
+        </a:p>
+      </dgm:t>
+    </dgm:pt>
+    <dgm:pt modelId="{01CD5A6D-5886-4D1A-BD8D-DAF97A694EAF}">
+      <dgm:prSet phldrT="[텍스트]" custT="1"/>
+      <dgm:spPr/>
+      <dgm:t>
+        <a:bodyPr/>
+        <a:lstStyle/>
+        <a:p>
+          <a:pPr latinLnBrk="1"/>
+          <a:r>
+            <a:rPr lang="en-US" altLang="ko-KR" sz="1400">
+              <a:solidFill>
+                <a:schemeClr val="tx2"/>
+              </a:solidFill>
+            </a:rPr>
+            <a:t>3</a:t>
+          </a:r>
+          <a:br>
+            <a:rPr lang="en-US" altLang="ko-KR" sz="1400">
+              <a:solidFill>
+                <a:schemeClr val="accent2"/>
+              </a:solidFill>
+            </a:rPr>
+          </a:br>
+          <a:r>
+            <a:rPr lang="en-US" altLang="ko-KR" sz="1100">
+              <a:solidFill>
+                <a:schemeClr val="tx1"/>
+              </a:solidFill>
+            </a:rPr>
+            <a:t>D Process</a:t>
+          </a:r>
+          <a:endParaRPr lang="en-US" altLang="ko-KR" sz="1400">
+            <a:solidFill>
+              <a:schemeClr val="tx1"/>
+            </a:solidFill>
+          </a:endParaRPr>
+        </a:p>
+      </dgm:t>
+    </dgm:pt>
+    <dgm:pt modelId="{142E2EE6-8AD2-4AB9-841B-B1826D46351A}" type="parTrans" cxnId="{5EB54192-8024-4357-BFAF-569016BDFF4B}">
+      <dgm:prSet/>
+      <dgm:spPr/>
+      <dgm:t>
+        <a:bodyPr/>
+        <a:lstStyle/>
+        <a:p>
+          <a:pPr latinLnBrk="1"/>
+          <a:endParaRPr lang="ko-KR" altLang="en-US" sz="1100"/>
+        </a:p>
+      </dgm:t>
+    </dgm:pt>
+    <dgm:pt modelId="{8BACB6AC-502C-45BD-B6F0-2E4BAC022EC3}" type="sibTrans" cxnId="{5EB54192-8024-4357-BFAF-569016BDFF4B}">
+      <dgm:prSet/>
+      <dgm:spPr/>
+      <dgm:t>
+        <a:bodyPr/>
+        <a:lstStyle/>
+        <a:p>
+          <a:pPr latinLnBrk="1"/>
+          <a:endParaRPr lang="ko-KR" altLang="en-US" sz="1100"/>
+        </a:p>
+      </dgm:t>
+    </dgm:pt>
+    <dgm:pt modelId="{13278C24-D517-46E3-A80C-544A47DF8FD5}">
+      <dgm:prSet phldrT="[텍스트]" custT="1"/>
+      <dgm:spPr/>
+      <dgm:t>
+        <a:bodyPr/>
+        <a:lstStyle/>
+        <a:p>
+          <a:pPr latinLnBrk="1"/>
+          <a:r>
+            <a:rPr lang="en-US" altLang="ko-KR" sz="1400">
+              <a:solidFill>
+                <a:schemeClr val="tx2"/>
+              </a:solidFill>
+            </a:rPr>
+            <a:t>4</a:t>
+          </a:r>
+          <a:br>
+            <a:rPr lang="en-US" altLang="ko-KR" sz="1400">
+              <a:solidFill>
+                <a:schemeClr val="accent2"/>
+              </a:solidFill>
+            </a:rPr>
+          </a:br>
+          <a:r>
+            <a:rPr lang="en-US" altLang="ko-KR" sz="1100">
+              <a:solidFill>
+                <a:schemeClr val="tx1"/>
+              </a:solidFill>
+            </a:rPr>
+            <a:t>E Process</a:t>
+          </a:r>
+          <a:endParaRPr lang="ko-KR" altLang="en-US" sz="1100">
+            <a:solidFill>
+              <a:schemeClr val="tx1"/>
+            </a:solidFill>
+          </a:endParaRPr>
+        </a:p>
+      </dgm:t>
+    </dgm:pt>
+    <dgm:pt modelId="{318C091E-3AB0-49F5-8924-ABD0C6BDDD14}" type="sibTrans" cxnId="{E3E0D9D9-9307-43ED-9F32-A1DC8CBF6E65}">
+      <dgm:prSet/>
+      <dgm:spPr/>
+      <dgm:t>
+        <a:bodyPr/>
+        <a:lstStyle/>
+        <a:p>
+          <a:pPr latinLnBrk="1"/>
+          <a:endParaRPr lang="ko-KR" altLang="en-US" sz="1100"/>
+        </a:p>
+      </dgm:t>
+    </dgm:pt>
+    <dgm:pt modelId="{6B322DE4-CF72-4CE0-853B-1907FE8E4E91}" type="parTrans" cxnId="{E3E0D9D9-9307-43ED-9F32-A1DC8CBF6E65}">
+      <dgm:prSet/>
+      <dgm:spPr/>
+      <dgm:t>
+        <a:bodyPr/>
+        <a:lstStyle/>
+        <a:p>
+          <a:pPr latinLnBrk="1"/>
+          <a:endParaRPr lang="ko-KR" altLang="en-US" sz="1100"/>
+        </a:p>
+      </dgm:t>
+    </dgm:pt>
+    <dgm:pt modelId="{8D7B0A8E-724F-4ED4-B60B-CB018C6C9AA4}" type="pres">
+      <dgm:prSet presAssocID="{DFD0CAB2-157B-4176-BCFC-2FBBA3D762B1}" presName="mainComposite" presStyleCnt="0">
+        <dgm:presLayoutVars>
+          <dgm:chPref val="1"/>
+          <dgm:dir/>
+          <dgm:animOne val="branch"/>
+          <dgm:animLvl val="lvl"/>
+          <dgm:resizeHandles val="exact"/>
+        </dgm:presLayoutVars>
+      </dgm:prSet>
+      <dgm:spPr/>
+    </dgm:pt>
+    <dgm:pt modelId="{D4D04B3C-2ECF-49A4-B976-DAFC86CA8BCA}" type="pres">
+      <dgm:prSet presAssocID="{DFD0CAB2-157B-4176-BCFC-2FBBA3D762B1}" presName="hierFlow" presStyleCnt="0"/>
+      <dgm:spPr/>
+    </dgm:pt>
+    <dgm:pt modelId="{9D998A7C-161A-433A-B921-D3F99022E01E}" type="pres">
+      <dgm:prSet presAssocID="{DFD0CAB2-157B-4176-BCFC-2FBBA3D762B1}" presName="hierChild1" presStyleCnt="0">
+        <dgm:presLayoutVars>
+          <dgm:chPref val="1"/>
+          <dgm:animOne val="branch"/>
+          <dgm:animLvl val="lvl"/>
+        </dgm:presLayoutVars>
+      </dgm:prSet>
+      <dgm:spPr/>
+    </dgm:pt>
+    <dgm:pt modelId="{2DEBBCC0-2EB4-4542-8123-0257C27CDA7D}" type="pres">
+      <dgm:prSet presAssocID="{816DDED8-0159-4FBD-80E5-7DEE6513FC4E}" presName="Name14" presStyleCnt="0"/>
+      <dgm:spPr/>
+    </dgm:pt>
+    <dgm:pt modelId="{2013A1B7-FA65-48E2-AD42-8E40B1FA7D33}" type="pres">
+      <dgm:prSet presAssocID="{816DDED8-0159-4FBD-80E5-7DEE6513FC4E}" presName="level1Shape" presStyleLbl="node0" presStyleIdx="0" presStyleCnt="1" custScaleY="65741">
+        <dgm:presLayoutVars>
+          <dgm:chPref val="3"/>
+        </dgm:presLayoutVars>
+      </dgm:prSet>
+      <dgm:spPr/>
+    </dgm:pt>
+    <dgm:pt modelId="{FCB945E5-5DBC-4D20-ADFA-2D11232B10BA}" type="pres">
+      <dgm:prSet presAssocID="{816DDED8-0159-4FBD-80E5-7DEE6513FC4E}" presName="hierChild2" presStyleCnt="0"/>
+      <dgm:spPr/>
+    </dgm:pt>
+    <dgm:pt modelId="{5FD6F33C-560E-4CAD-B5A1-2A4FD41C4CB4}" type="pres">
+      <dgm:prSet presAssocID="{E27D4E76-D04B-44EA-B806-FC0C1850B0A6}" presName="Name19" presStyleLbl="parChTrans1D2" presStyleIdx="0" presStyleCnt="1"/>
+      <dgm:spPr/>
+    </dgm:pt>
+    <dgm:pt modelId="{A9D4378B-78B1-4848-A8BE-B42B83B42055}" type="pres">
+      <dgm:prSet presAssocID="{9113DB8F-061E-4657-9025-80682929C5A4}" presName="Name21" presStyleCnt="0"/>
+      <dgm:spPr/>
+    </dgm:pt>
+    <dgm:pt modelId="{54009E27-826B-4F8C-8850-62614D56D803}" type="pres">
+      <dgm:prSet presAssocID="{9113DB8F-061E-4657-9025-80682929C5A4}" presName="level2Shape" presStyleLbl="node2" presStyleIdx="0" presStyleCnt="1" custScaleY="65741"/>
+      <dgm:spPr/>
+    </dgm:pt>
+    <dgm:pt modelId="{16B6CD83-1620-470C-B84E-F0DF09B9B077}" type="pres">
+      <dgm:prSet presAssocID="{9113DB8F-061E-4657-9025-80682929C5A4}" presName="hierChild3" presStyleCnt="0"/>
+      <dgm:spPr/>
+    </dgm:pt>
+    <dgm:pt modelId="{5B4B4C1C-DDB0-45F3-862A-173218B11B86}" type="pres">
+      <dgm:prSet presAssocID="{142E2EE6-8AD2-4AB9-841B-B1826D46351A}" presName="Name19" presStyleLbl="parChTrans1D3" presStyleIdx="0" presStyleCnt="2"/>
+      <dgm:spPr/>
+    </dgm:pt>
+    <dgm:pt modelId="{997E2772-7F52-4E9F-9668-49C2DB8BF758}" type="pres">
+      <dgm:prSet presAssocID="{01CD5A6D-5886-4D1A-BD8D-DAF97A694EAF}" presName="Name21" presStyleCnt="0"/>
+      <dgm:spPr/>
+    </dgm:pt>
+    <dgm:pt modelId="{CCC33332-F693-40CB-8E4C-5613E0CF1F2E}" type="pres">
+      <dgm:prSet presAssocID="{01CD5A6D-5886-4D1A-BD8D-DAF97A694EAF}" presName="level2Shape" presStyleLbl="node3" presStyleIdx="0" presStyleCnt="2" custScaleY="65741"/>
+      <dgm:spPr/>
+    </dgm:pt>
+    <dgm:pt modelId="{0F2FF98E-7CF8-42D7-AB64-1354286C3D16}" type="pres">
+      <dgm:prSet presAssocID="{01CD5A6D-5886-4D1A-BD8D-DAF97A694EAF}" presName="hierChild3" presStyleCnt="0"/>
+      <dgm:spPr/>
+    </dgm:pt>
+    <dgm:pt modelId="{C3867941-32AC-48B9-908F-0E9F055C7B76}" type="pres">
+      <dgm:prSet presAssocID="{6B322DE4-CF72-4CE0-853B-1907FE8E4E91}" presName="Name19" presStyleLbl="parChTrans1D3" presStyleIdx="1" presStyleCnt="2"/>
+      <dgm:spPr/>
+    </dgm:pt>
+    <dgm:pt modelId="{039A052F-9BDD-45D9-A08F-BE580F47A16C}" type="pres">
+      <dgm:prSet presAssocID="{13278C24-D517-46E3-A80C-544A47DF8FD5}" presName="Name21" presStyleCnt="0"/>
+      <dgm:spPr/>
+    </dgm:pt>
+    <dgm:pt modelId="{A1436DF5-CB73-42FE-A6F5-6C546887899F}" type="pres">
+      <dgm:prSet presAssocID="{13278C24-D517-46E3-A80C-544A47DF8FD5}" presName="level2Shape" presStyleLbl="node3" presStyleIdx="1" presStyleCnt="2" custScaleY="65741"/>
+      <dgm:spPr/>
+    </dgm:pt>
+    <dgm:pt modelId="{64DD61A7-0A19-44BB-8AD9-C59FC7FFD205}" type="pres">
+      <dgm:prSet presAssocID="{13278C24-D517-46E3-A80C-544A47DF8FD5}" presName="hierChild3" presStyleCnt="0"/>
+      <dgm:spPr/>
+    </dgm:pt>
+    <dgm:pt modelId="{C4048EAC-8713-423B-9A8A-BD2BB8CE73B8}" type="pres">
+      <dgm:prSet presAssocID="{DFD0CAB2-157B-4176-BCFC-2FBBA3D762B1}" presName="bgShapesFlow" presStyleCnt="0"/>
+      <dgm:spPr/>
+    </dgm:pt>
+  </dgm:ptLst>
+  <dgm:cxnLst>
+    <dgm:cxn modelId="{A3F9C307-DD43-4EDB-B12D-2ED62EEEB15C}" srcId="{816DDED8-0159-4FBD-80E5-7DEE6513FC4E}" destId="{9113DB8F-061E-4657-9025-80682929C5A4}" srcOrd="0" destOrd="0" parTransId="{E27D4E76-D04B-44EA-B806-FC0C1850B0A6}" sibTransId="{47B81702-40BF-472F-AB96-8A6AC4E4B747}"/>
+    <dgm:cxn modelId="{804AEB11-FDB4-406B-91ED-0CBCE09E8517}" type="presOf" srcId="{6B322DE4-CF72-4CE0-853B-1907FE8E4E91}" destId="{C3867941-32AC-48B9-908F-0E9F055C7B76}" srcOrd="0" destOrd="0" presId="urn:microsoft.com/office/officeart/2005/8/layout/hierarchy6"/>
+    <dgm:cxn modelId="{FE7BDE24-FB49-402E-91DC-246D34221F88}" type="presOf" srcId="{DFD0CAB2-157B-4176-BCFC-2FBBA3D762B1}" destId="{8D7B0A8E-724F-4ED4-B60B-CB018C6C9AA4}" srcOrd="0" destOrd="0" presId="urn:microsoft.com/office/officeart/2005/8/layout/hierarchy6"/>
+    <dgm:cxn modelId="{AA6F7765-8B70-4A2A-BABA-C6634DCBF41D}" type="presOf" srcId="{E27D4E76-D04B-44EA-B806-FC0C1850B0A6}" destId="{5FD6F33C-560E-4CAD-B5A1-2A4FD41C4CB4}" srcOrd="0" destOrd="0" presId="urn:microsoft.com/office/officeart/2005/8/layout/hierarchy6"/>
+    <dgm:cxn modelId="{05847066-2C4A-4E01-9D96-C11EC40C8149}" type="presOf" srcId="{142E2EE6-8AD2-4AB9-841B-B1826D46351A}" destId="{5B4B4C1C-DDB0-45F3-862A-173218B11B86}" srcOrd="0" destOrd="0" presId="urn:microsoft.com/office/officeart/2005/8/layout/hierarchy6"/>
+    <dgm:cxn modelId="{86C67367-E885-429F-AD6F-91C0F2196B9E}" type="presOf" srcId="{9113DB8F-061E-4657-9025-80682929C5A4}" destId="{54009E27-826B-4F8C-8850-62614D56D803}" srcOrd="0" destOrd="0" presId="urn:microsoft.com/office/officeart/2005/8/layout/hierarchy6"/>
+    <dgm:cxn modelId="{741C8258-6E0D-4528-8463-504C464C6D5F}" type="presOf" srcId="{13278C24-D517-46E3-A80C-544A47DF8FD5}" destId="{A1436DF5-CB73-42FE-A6F5-6C546887899F}" srcOrd="0" destOrd="0" presId="urn:microsoft.com/office/officeart/2005/8/layout/hierarchy6"/>
+    <dgm:cxn modelId="{CD07E77B-F953-4693-A766-B2D388371B64}" type="presOf" srcId="{816DDED8-0159-4FBD-80E5-7DEE6513FC4E}" destId="{2013A1B7-FA65-48E2-AD42-8E40B1FA7D33}" srcOrd="0" destOrd="0" presId="urn:microsoft.com/office/officeart/2005/8/layout/hierarchy6"/>
+    <dgm:cxn modelId="{CCE62A7D-E4C5-439D-B3A2-BBB918F45E26}" srcId="{DFD0CAB2-157B-4176-BCFC-2FBBA3D762B1}" destId="{816DDED8-0159-4FBD-80E5-7DEE6513FC4E}" srcOrd="0" destOrd="0" parTransId="{716595D3-0C92-48BD-B94F-60E59D2070CA}" sibTransId="{BE71272E-DF10-41D5-B1A8-D50AE65ECE9E}"/>
+    <dgm:cxn modelId="{5EB54192-8024-4357-BFAF-569016BDFF4B}" srcId="{9113DB8F-061E-4657-9025-80682929C5A4}" destId="{01CD5A6D-5886-4D1A-BD8D-DAF97A694EAF}" srcOrd="0" destOrd="0" parTransId="{142E2EE6-8AD2-4AB9-841B-B1826D46351A}" sibTransId="{8BACB6AC-502C-45BD-B6F0-2E4BAC022EC3}"/>
+    <dgm:cxn modelId="{E3E0D9D9-9307-43ED-9F32-A1DC8CBF6E65}" srcId="{9113DB8F-061E-4657-9025-80682929C5A4}" destId="{13278C24-D517-46E3-A80C-544A47DF8FD5}" srcOrd="1" destOrd="0" parTransId="{6B322DE4-CF72-4CE0-853B-1907FE8E4E91}" sibTransId="{318C091E-3AB0-49F5-8924-ABD0C6BDDD14}"/>
+    <dgm:cxn modelId="{CBE16FE9-2873-4770-AF0F-852447A3A7E5}" type="presOf" srcId="{01CD5A6D-5886-4D1A-BD8D-DAF97A694EAF}" destId="{CCC33332-F693-40CB-8E4C-5613E0CF1F2E}" srcOrd="0" destOrd="0" presId="urn:microsoft.com/office/officeart/2005/8/layout/hierarchy6"/>
+    <dgm:cxn modelId="{57043C33-10FA-4E63-88BD-D41701F6D0F7}" type="presParOf" srcId="{8D7B0A8E-724F-4ED4-B60B-CB018C6C9AA4}" destId="{D4D04B3C-2ECF-49A4-B976-DAFC86CA8BCA}" srcOrd="0" destOrd="0" presId="urn:microsoft.com/office/officeart/2005/8/layout/hierarchy6"/>
+    <dgm:cxn modelId="{6C5DC164-9F90-4224-AEC7-7262B0EA4004}" type="presParOf" srcId="{D4D04B3C-2ECF-49A4-B976-DAFC86CA8BCA}" destId="{9D998A7C-161A-433A-B921-D3F99022E01E}" srcOrd="0" destOrd="0" presId="urn:microsoft.com/office/officeart/2005/8/layout/hierarchy6"/>
+    <dgm:cxn modelId="{A8BC7D90-94D4-4A06-9560-2856DC7B30BA}" type="presParOf" srcId="{9D998A7C-161A-433A-B921-D3F99022E01E}" destId="{2DEBBCC0-2EB4-4542-8123-0257C27CDA7D}" srcOrd="0" destOrd="0" presId="urn:microsoft.com/office/officeart/2005/8/layout/hierarchy6"/>
+    <dgm:cxn modelId="{DAD80A2B-FF62-4D93-B09B-57E1EAA25CB6}" type="presParOf" srcId="{2DEBBCC0-2EB4-4542-8123-0257C27CDA7D}" destId="{2013A1B7-FA65-48E2-AD42-8E40B1FA7D33}" srcOrd="0" destOrd="0" presId="urn:microsoft.com/office/officeart/2005/8/layout/hierarchy6"/>
+    <dgm:cxn modelId="{66C9E1A5-9E38-45D7-9F86-DF9259A680DD}" type="presParOf" srcId="{2DEBBCC0-2EB4-4542-8123-0257C27CDA7D}" destId="{FCB945E5-5DBC-4D20-ADFA-2D11232B10BA}" srcOrd="1" destOrd="0" presId="urn:microsoft.com/office/officeart/2005/8/layout/hierarchy6"/>
+    <dgm:cxn modelId="{558BE4CA-320D-4B08-A16A-65844C8A3012}" type="presParOf" srcId="{FCB945E5-5DBC-4D20-ADFA-2D11232B10BA}" destId="{5FD6F33C-560E-4CAD-B5A1-2A4FD41C4CB4}" srcOrd="0" destOrd="0" presId="urn:microsoft.com/office/officeart/2005/8/layout/hierarchy6"/>
+    <dgm:cxn modelId="{B2FBA260-B3B3-4B75-8285-0359F383C4BC}" type="presParOf" srcId="{FCB945E5-5DBC-4D20-ADFA-2D11232B10BA}" destId="{A9D4378B-78B1-4848-A8BE-B42B83B42055}" srcOrd="1" destOrd="0" presId="urn:microsoft.com/office/officeart/2005/8/layout/hierarchy6"/>
+    <dgm:cxn modelId="{EE258684-3219-43F2-A1AC-25808BB5B3DB}" type="presParOf" srcId="{A9D4378B-78B1-4848-A8BE-B42B83B42055}" destId="{54009E27-826B-4F8C-8850-62614D56D803}" srcOrd="0" destOrd="0" presId="urn:microsoft.com/office/officeart/2005/8/layout/hierarchy6"/>
+    <dgm:cxn modelId="{E0B059FC-08A2-4EDC-AC19-64AFCCA1CAC9}" type="presParOf" srcId="{A9D4378B-78B1-4848-A8BE-B42B83B42055}" destId="{16B6CD83-1620-470C-B84E-F0DF09B9B077}" srcOrd="1" destOrd="0" presId="urn:microsoft.com/office/officeart/2005/8/layout/hierarchy6"/>
+    <dgm:cxn modelId="{EEF7E36F-570A-47D2-8C59-C8153FABA303}" type="presParOf" srcId="{16B6CD83-1620-470C-B84E-F0DF09B9B077}" destId="{5B4B4C1C-DDB0-45F3-862A-173218B11B86}" srcOrd="0" destOrd="0" presId="urn:microsoft.com/office/officeart/2005/8/layout/hierarchy6"/>
+    <dgm:cxn modelId="{1A9BF544-7E64-46E1-914A-F535BD142809}" type="presParOf" srcId="{16B6CD83-1620-470C-B84E-F0DF09B9B077}" destId="{997E2772-7F52-4E9F-9668-49C2DB8BF758}" srcOrd="1" destOrd="0" presId="urn:microsoft.com/office/officeart/2005/8/layout/hierarchy6"/>
+    <dgm:cxn modelId="{7294AA38-B959-4A8B-8A5E-295B9CA746A1}" type="presParOf" srcId="{997E2772-7F52-4E9F-9668-49C2DB8BF758}" destId="{CCC33332-F693-40CB-8E4C-5613E0CF1F2E}" srcOrd="0" destOrd="0" presId="urn:microsoft.com/office/officeart/2005/8/layout/hierarchy6"/>
+    <dgm:cxn modelId="{56B6D4D3-345B-469A-9907-CE0222FB5598}" type="presParOf" srcId="{997E2772-7F52-4E9F-9668-49C2DB8BF758}" destId="{0F2FF98E-7CF8-42D7-AB64-1354286C3D16}" srcOrd="1" destOrd="0" presId="urn:microsoft.com/office/officeart/2005/8/layout/hierarchy6"/>
+    <dgm:cxn modelId="{EECD5807-82EA-424C-A114-A36B6F666CFA}" type="presParOf" srcId="{16B6CD83-1620-470C-B84E-F0DF09B9B077}" destId="{C3867941-32AC-48B9-908F-0E9F055C7B76}" srcOrd="2" destOrd="0" presId="urn:microsoft.com/office/officeart/2005/8/layout/hierarchy6"/>
+    <dgm:cxn modelId="{1C7502A5-4591-4F3A-B6CC-562FDD4706A1}" type="presParOf" srcId="{16B6CD83-1620-470C-B84E-F0DF09B9B077}" destId="{039A052F-9BDD-45D9-A08F-BE580F47A16C}" srcOrd="3" destOrd="0" presId="urn:microsoft.com/office/officeart/2005/8/layout/hierarchy6"/>
+    <dgm:cxn modelId="{3631257B-BE3C-47C2-898D-FE537ECE16FD}" type="presParOf" srcId="{039A052F-9BDD-45D9-A08F-BE580F47A16C}" destId="{A1436DF5-CB73-42FE-A6F5-6C546887899F}" srcOrd="0" destOrd="0" presId="urn:microsoft.com/office/officeart/2005/8/layout/hierarchy6"/>
+    <dgm:cxn modelId="{A17033DC-CD4C-4DFD-9AB5-EC62DEFAEDA3}" type="presParOf" srcId="{039A052F-9BDD-45D9-A08F-BE580F47A16C}" destId="{64DD61A7-0A19-44BB-8AD9-C59FC7FFD205}" srcOrd="1" destOrd="0" presId="urn:microsoft.com/office/officeart/2005/8/layout/hierarchy6"/>
     <dgm:cxn modelId="{6CB33ECB-BB5E-4104-A935-0C14C361DF1C}" type="presParOf" srcId="{8D7B0A8E-724F-4ED4-B60B-CB018C6C9AA4}" destId="{C4048EAC-8713-423B-9A8A-BD2BB8CE73B8}" srcOrd="1" destOrd="0" presId="urn:microsoft.com/office/officeart/2005/8/layout/hierarchy6"/>
   </dgm:cxnLst>
   <dgm:bg/>
@@ -8346,6 +9559,611 @@
 </dsp:drawing>
 </file>
 
+<file path=ppt/diagrams/drawing4.xml><?xml version="1.0" encoding="utf-8"?>
+<dsp:drawing xmlns:dgm="http://schemas.openxmlformats.org/drawingml/2006/diagram" xmlns:dsp="http://schemas.microsoft.com/office/drawing/2008/diagram" xmlns:a="http://schemas.openxmlformats.org/drawingml/2006/main">
+  <dsp:spTree>
+    <dsp:nvGrpSpPr>
+      <dsp:cNvPr id="0" name=""/>
+      <dsp:cNvGrpSpPr/>
+    </dsp:nvGrpSpPr>
+    <dsp:grpSpPr/>
+    <dsp:sp modelId="{2013A1B7-FA65-48E2-AD42-8E40B1FA7D33}">
+      <dsp:nvSpPr>
+        <dsp:cNvPr id="0" name=""/>
+        <dsp:cNvSpPr/>
+      </dsp:nvSpPr>
+      <dsp:spPr>
+        <a:xfrm>
+          <a:off x="2203474" y="138721"/>
+          <a:ext cx="1213555" cy="531868"/>
+        </a:xfrm>
+        <a:prstGeom prst="roundRect">
+          <a:avLst>
+            <a:gd name="adj" fmla="val 10000"/>
+          </a:avLst>
+        </a:prstGeom>
+        <a:solidFill>
+          <a:schemeClr val="lt1">
+            <a:hueOff val="0"/>
+            <a:satOff val="0"/>
+            <a:lumOff val="0"/>
+            <a:alphaOff val="0"/>
+          </a:schemeClr>
+        </a:solidFill>
+        <a:ln w="25400" cap="flat" cmpd="sng" algn="ctr">
+          <a:solidFill>
+            <a:schemeClr val="dk1">
+              <a:shade val="80000"/>
+              <a:hueOff val="0"/>
+              <a:satOff val="0"/>
+              <a:lumOff val="0"/>
+              <a:alphaOff val="0"/>
+            </a:schemeClr>
+          </a:solidFill>
+          <a:prstDash val="solid"/>
+        </a:ln>
+        <a:effectLst/>
+      </dsp:spPr>
+      <dsp:style>
+        <a:lnRef idx="2">
+          <a:scrgbClr r="0" g="0" b="0"/>
+        </a:lnRef>
+        <a:fillRef idx="1">
+          <a:scrgbClr r="0" g="0" b="0"/>
+        </a:fillRef>
+        <a:effectRef idx="0">
+          <a:scrgbClr r="0" g="0" b="0"/>
+        </a:effectRef>
+        <a:fontRef idx="minor">
+          <a:schemeClr val="lt1"/>
+        </a:fontRef>
+      </dsp:style>
+      <dsp:txBody>
+        <a:bodyPr spcFirstLastPara="0" vert="horz" wrap="square" lIns="53340" tIns="53340" rIns="53340" bIns="53340" numCol="1" spcCol="1270" anchor="ctr" anchorCtr="0">
+          <a:noAutofit/>
+        </a:bodyPr>
+        <a:lstStyle/>
+        <a:p>
+          <a:pPr marL="0" lvl="0" indent="0" algn="ctr" defTabSz="622300" latinLnBrk="1">
+            <a:lnSpc>
+              <a:spcPct val="90000"/>
+            </a:lnSpc>
+            <a:spcBef>
+              <a:spcPct val="0"/>
+            </a:spcBef>
+            <a:spcAft>
+              <a:spcPct val="35000"/>
+            </a:spcAft>
+            <a:buNone/>
+          </a:pPr>
+          <a:r>
+            <a:rPr lang="en-US" altLang="ko-KR" sz="1400" kern="1200">
+              <a:solidFill>
+                <a:schemeClr val="tx2"/>
+              </a:solidFill>
+            </a:rPr>
+            <a:t>1 </a:t>
+          </a:r>
+          <a:br>
+            <a:rPr lang="en-US" altLang="ko-KR" sz="1400" kern="1200">
+              <a:solidFill>
+                <a:schemeClr val="tx2"/>
+              </a:solidFill>
+            </a:rPr>
+          </a:br>
+          <a:r>
+            <a:rPr lang="en-US" altLang="ko-KR" sz="1100" kern="1200">
+              <a:solidFill>
+                <a:schemeClr val="tx1"/>
+              </a:solidFill>
+            </a:rPr>
+            <a:t>A Process</a:t>
+          </a:r>
+          <a:endParaRPr lang="en-US" altLang="ko-KR" sz="1400" kern="1200">
+            <a:solidFill>
+              <a:schemeClr val="tx1"/>
+            </a:solidFill>
+          </a:endParaRPr>
+        </a:p>
+      </dsp:txBody>
+      <dsp:txXfrm>
+        <a:off x="2219052" y="154299"/>
+        <a:ext cx="1182399" cy="500712"/>
+      </dsp:txXfrm>
+    </dsp:sp>
+    <dsp:sp modelId="{5FD6F33C-560E-4CAD-B5A1-2A4FD41C4CB4}">
+      <dsp:nvSpPr>
+        <dsp:cNvPr id="0" name=""/>
+        <dsp:cNvSpPr/>
+      </dsp:nvSpPr>
+      <dsp:spPr>
+        <a:xfrm>
+          <a:off x="2764532" y="670590"/>
+          <a:ext cx="91440" cy="323614"/>
+        </a:xfrm>
+        <a:custGeom>
+          <a:avLst/>
+          <a:gdLst/>
+          <a:ahLst/>
+          <a:cxnLst/>
+          <a:rect l="0" t="0" r="0" b="0"/>
+          <a:pathLst>
+            <a:path>
+              <a:moveTo>
+                <a:pt x="45720" y="0"/>
+              </a:moveTo>
+              <a:lnTo>
+                <a:pt x="45720" y="323614"/>
+              </a:lnTo>
+            </a:path>
+          </a:pathLst>
+        </a:custGeom>
+        <a:noFill/>
+        <a:ln w="25400" cap="flat" cmpd="sng" algn="ctr">
+          <a:solidFill>
+            <a:schemeClr val="dk1">
+              <a:shade val="60000"/>
+              <a:hueOff val="0"/>
+              <a:satOff val="0"/>
+              <a:lumOff val="0"/>
+              <a:alphaOff val="0"/>
+            </a:schemeClr>
+          </a:solidFill>
+          <a:prstDash val="solid"/>
+        </a:ln>
+        <a:effectLst/>
+      </dsp:spPr>
+      <dsp:style>
+        <a:lnRef idx="2">
+          <a:scrgbClr r="0" g="0" b="0"/>
+        </a:lnRef>
+        <a:fillRef idx="0">
+          <a:scrgbClr r="0" g="0" b="0"/>
+        </a:fillRef>
+        <a:effectRef idx="0">
+          <a:scrgbClr r="0" g="0" b="0"/>
+        </a:effectRef>
+        <a:fontRef idx="minor"/>
+      </dsp:style>
+    </dsp:sp>
+    <dsp:sp modelId="{54009E27-826B-4F8C-8850-62614D56D803}">
+      <dsp:nvSpPr>
+        <dsp:cNvPr id="0" name=""/>
+        <dsp:cNvSpPr/>
+      </dsp:nvSpPr>
+      <dsp:spPr>
+        <a:xfrm>
+          <a:off x="2203474" y="994205"/>
+          <a:ext cx="1213555" cy="531868"/>
+        </a:xfrm>
+        <a:prstGeom prst="roundRect">
+          <a:avLst>
+            <a:gd name="adj" fmla="val 10000"/>
+          </a:avLst>
+        </a:prstGeom>
+        <a:solidFill>
+          <a:schemeClr val="lt1">
+            <a:hueOff val="0"/>
+            <a:satOff val="0"/>
+            <a:lumOff val="0"/>
+            <a:alphaOff val="0"/>
+          </a:schemeClr>
+        </a:solidFill>
+        <a:ln w="25400" cap="flat" cmpd="sng" algn="ctr">
+          <a:solidFill>
+            <a:schemeClr val="dk1">
+              <a:shade val="80000"/>
+              <a:hueOff val="0"/>
+              <a:satOff val="0"/>
+              <a:lumOff val="0"/>
+              <a:alphaOff val="0"/>
+            </a:schemeClr>
+          </a:solidFill>
+          <a:prstDash val="solid"/>
+        </a:ln>
+        <a:effectLst/>
+      </dsp:spPr>
+      <dsp:style>
+        <a:lnRef idx="2">
+          <a:scrgbClr r="0" g="0" b="0"/>
+        </a:lnRef>
+        <a:fillRef idx="1">
+          <a:scrgbClr r="0" g="0" b="0"/>
+        </a:fillRef>
+        <a:effectRef idx="0">
+          <a:scrgbClr r="0" g="0" b="0"/>
+        </a:effectRef>
+        <a:fontRef idx="minor">
+          <a:schemeClr val="lt1"/>
+        </a:fontRef>
+      </dsp:style>
+      <dsp:txBody>
+        <a:bodyPr spcFirstLastPara="0" vert="horz" wrap="square" lIns="53340" tIns="53340" rIns="53340" bIns="53340" numCol="1" spcCol="1270" anchor="ctr" anchorCtr="0">
+          <a:noAutofit/>
+        </a:bodyPr>
+        <a:lstStyle/>
+        <a:p>
+          <a:pPr marL="0" lvl="0" indent="0" algn="ctr" defTabSz="622300" latinLnBrk="1">
+            <a:lnSpc>
+              <a:spcPct val="90000"/>
+            </a:lnSpc>
+            <a:spcBef>
+              <a:spcPct val="0"/>
+            </a:spcBef>
+            <a:spcAft>
+              <a:spcPct val="35000"/>
+            </a:spcAft>
+            <a:buNone/>
+          </a:pPr>
+          <a:r>
+            <a:rPr lang="en-US" altLang="ko-KR" sz="1400" kern="1200">
+              <a:solidFill>
+                <a:schemeClr val="tx2"/>
+              </a:solidFill>
+            </a:rPr>
+            <a:t>2</a:t>
+          </a:r>
+          <a:br>
+            <a:rPr lang="en-US" altLang="ko-KR" sz="1400" kern="1200">
+              <a:solidFill>
+                <a:schemeClr val="accent2"/>
+              </a:solidFill>
+            </a:rPr>
+          </a:br>
+          <a:r>
+            <a:rPr lang="en-US" altLang="ko-KR" sz="1100" kern="1200">
+              <a:solidFill>
+                <a:schemeClr val="tx1"/>
+              </a:solidFill>
+            </a:rPr>
+            <a:t>B Process</a:t>
+          </a:r>
+          <a:endParaRPr lang="ko-KR" altLang="en-US" sz="1400" kern="1200">
+            <a:solidFill>
+              <a:schemeClr val="tx1"/>
+            </a:solidFill>
+          </a:endParaRPr>
+        </a:p>
+      </dsp:txBody>
+      <dsp:txXfrm>
+        <a:off x="2219052" y="1009783"/>
+        <a:ext cx="1182399" cy="500712"/>
+      </dsp:txXfrm>
+    </dsp:sp>
+    <dsp:sp modelId="{5B4B4C1C-DDB0-45F3-862A-173218B11B86}">
+      <dsp:nvSpPr>
+        <dsp:cNvPr id="0" name=""/>
+        <dsp:cNvSpPr/>
+      </dsp:nvSpPr>
+      <dsp:spPr>
+        <a:xfrm>
+          <a:off x="2021441" y="1526073"/>
+          <a:ext cx="788810" cy="323614"/>
+        </a:xfrm>
+        <a:custGeom>
+          <a:avLst/>
+          <a:gdLst/>
+          <a:ahLst/>
+          <a:cxnLst/>
+          <a:rect l="0" t="0" r="0" b="0"/>
+          <a:pathLst>
+            <a:path>
+              <a:moveTo>
+                <a:pt x="788810" y="0"/>
+              </a:moveTo>
+              <a:lnTo>
+                <a:pt x="788810" y="161807"/>
+              </a:lnTo>
+              <a:lnTo>
+                <a:pt x="0" y="161807"/>
+              </a:lnTo>
+              <a:lnTo>
+                <a:pt x="0" y="323614"/>
+              </a:lnTo>
+            </a:path>
+          </a:pathLst>
+        </a:custGeom>
+        <a:noFill/>
+        <a:ln w="25400" cap="flat" cmpd="sng" algn="ctr">
+          <a:solidFill>
+            <a:schemeClr val="dk1">
+              <a:shade val="80000"/>
+              <a:hueOff val="0"/>
+              <a:satOff val="0"/>
+              <a:lumOff val="0"/>
+              <a:alphaOff val="0"/>
+            </a:schemeClr>
+          </a:solidFill>
+          <a:prstDash val="solid"/>
+        </a:ln>
+        <a:effectLst/>
+      </dsp:spPr>
+      <dsp:style>
+        <a:lnRef idx="2">
+          <a:scrgbClr r="0" g="0" b="0"/>
+        </a:lnRef>
+        <a:fillRef idx="0">
+          <a:scrgbClr r="0" g="0" b="0"/>
+        </a:fillRef>
+        <a:effectRef idx="0">
+          <a:scrgbClr r="0" g="0" b="0"/>
+        </a:effectRef>
+        <a:fontRef idx="minor"/>
+      </dsp:style>
+    </dsp:sp>
+    <dsp:sp modelId="{CCC33332-F693-40CB-8E4C-5613E0CF1F2E}">
+      <dsp:nvSpPr>
+        <dsp:cNvPr id="0" name=""/>
+        <dsp:cNvSpPr/>
+      </dsp:nvSpPr>
+      <dsp:spPr>
+        <a:xfrm>
+          <a:off x="1414664" y="1849688"/>
+          <a:ext cx="1213555" cy="531868"/>
+        </a:xfrm>
+        <a:prstGeom prst="roundRect">
+          <a:avLst>
+            <a:gd name="adj" fmla="val 10000"/>
+          </a:avLst>
+        </a:prstGeom>
+        <a:solidFill>
+          <a:schemeClr val="lt1">
+            <a:hueOff val="0"/>
+            <a:satOff val="0"/>
+            <a:lumOff val="0"/>
+            <a:alphaOff val="0"/>
+          </a:schemeClr>
+        </a:solidFill>
+        <a:ln w="25400" cap="flat" cmpd="sng" algn="ctr">
+          <a:solidFill>
+            <a:schemeClr val="dk1">
+              <a:shade val="80000"/>
+              <a:hueOff val="0"/>
+              <a:satOff val="0"/>
+              <a:lumOff val="0"/>
+              <a:alphaOff val="0"/>
+            </a:schemeClr>
+          </a:solidFill>
+          <a:prstDash val="solid"/>
+        </a:ln>
+        <a:effectLst/>
+      </dsp:spPr>
+      <dsp:style>
+        <a:lnRef idx="2">
+          <a:scrgbClr r="0" g="0" b="0"/>
+        </a:lnRef>
+        <a:fillRef idx="1">
+          <a:scrgbClr r="0" g="0" b="0"/>
+        </a:fillRef>
+        <a:effectRef idx="0">
+          <a:scrgbClr r="0" g="0" b="0"/>
+        </a:effectRef>
+        <a:fontRef idx="minor">
+          <a:schemeClr val="lt1"/>
+        </a:fontRef>
+      </dsp:style>
+      <dsp:txBody>
+        <a:bodyPr spcFirstLastPara="0" vert="horz" wrap="square" lIns="53340" tIns="53340" rIns="53340" bIns="53340" numCol="1" spcCol="1270" anchor="ctr" anchorCtr="0">
+          <a:noAutofit/>
+        </a:bodyPr>
+        <a:lstStyle/>
+        <a:p>
+          <a:pPr marL="0" lvl="0" indent="0" algn="ctr" defTabSz="622300" latinLnBrk="1">
+            <a:lnSpc>
+              <a:spcPct val="90000"/>
+            </a:lnSpc>
+            <a:spcBef>
+              <a:spcPct val="0"/>
+            </a:spcBef>
+            <a:spcAft>
+              <a:spcPct val="35000"/>
+            </a:spcAft>
+            <a:buNone/>
+          </a:pPr>
+          <a:r>
+            <a:rPr lang="en-US" altLang="ko-KR" sz="1400" kern="1200">
+              <a:solidFill>
+                <a:schemeClr val="tx2"/>
+              </a:solidFill>
+            </a:rPr>
+            <a:t>3</a:t>
+          </a:r>
+          <a:br>
+            <a:rPr lang="en-US" altLang="ko-KR" sz="1400" kern="1200">
+              <a:solidFill>
+                <a:schemeClr val="accent2"/>
+              </a:solidFill>
+            </a:rPr>
+          </a:br>
+          <a:r>
+            <a:rPr lang="en-US" altLang="ko-KR" sz="1100" kern="1200">
+              <a:solidFill>
+                <a:schemeClr val="tx1"/>
+              </a:solidFill>
+            </a:rPr>
+            <a:t>D Process</a:t>
+          </a:r>
+          <a:endParaRPr lang="en-US" altLang="ko-KR" sz="1400" kern="1200">
+            <a:solidFill>
+              <a:schemeClr val="tx1"/>
+            </a:solidFill>
+          </a:endParaRPr>
+        </a:p>
+      </dsp:txBody>
+      <dsp:txXfrm>
+        <a:off x="1430242" y="1865266"/>
+        <a:ext cx="1182399" cy="500712"/>
+      </dsp:txXfrm>
+    </dsp:sp>
+    <dsp:sp modelId="{C3867941-32AC-48B9-908F-0E9F055C7B76}">
+      <dsp:nvSpPr>
+        <dsp:cNvPr id="0" name=""/>
+        <dsp:cNvSpPr/>
+      </dsp:nvSpPr>
+      <dsp:spPr>
+        <a:xfrm>
+          <a:off x="2810252" y="1526073"/>
+          <a:ext cx="788810" cy="323614"/>
+        </a:xfrm>
+        <a:custGeom>
+          <a:avLst/>
+          <a:gdLst/>
+          <a:ahLst/>
+          <a:cxnLst/>
+          <a:rect l="0" t="0" r="0" b="0"/>
+          <a:pathLst>
+            <a:path>
+              <a:moveTo>
+                <a:pt x="0" y="0"/>
+              </a:moveTo>
+              <a:lnTo>
+                <a:pt x="0" y="161807"/>
+              </a:lnTo>
+              <a:lnTo>
+                <a:pt x="788810" y="161807"/>
+              </a:lnTo>
+              <a:lnTo>
+                <a:pt x="788810" y="323614"/>
+              </a:lnTo>
+            </a:path>
+          </a:pathLst>
+        </a:custGeom>
+        <a:noFill/>
+        <a:ln w="25400" cap="flat" cmpd="sng" algn="ctr">
+          <a:solidFill>
+            <a:schemeClr val="dk1">
+              <a:shade val="80000"/>
+              <a:hueOff val="0"/>
+              <a:satOff val="0"/>
+              <a:lumOff val="0"/>
+              <a:alphaOff val="0"/>
+            </a:schemeClr>
+          </a:solidFill>
+          <a:prstDash val="solid"/>
+        </a:ln>
+        <a:effectLst/>
+      </dsp:spPr>
+      <dsp:style>
+        <a:lnRef idx="2">
+          <a:scrgbClr r="0" g="0" b="0"/>
+        </a:lnRef>
+        <a:fillRef idx="0">
+          <a:scrgbClr r="0" g="0" b="0"/>
+        </a:fillRef>
+        <a:effectRef idx="0">
+          <a:scrgbClr r="0" g="0" b="0"/>
+        </a:effectRef>
+        <a:fontRef idx="minor"/>
+      </dsp:style>
+    </dsp:sp>
+    <dsp:sp modelId="{A1436DF5-CB73-42FE-A6F5-6C546887899F}">
+      <dsp:nvSpPr>
+        <dsp:cNvPr id="0" name=""/>
+        <dsp:cNvSpPr/>
+      </dsp:nvSpPr>
+      <dsp:spPr>
+        <a:xfrm>
+          <a:off x="2992285" y="1849688"/>
+          <a:ext cx="1213555" cy="531868"/>
+        </a:xfrm>
+        <a:prstGeom prst="roundRect">
+          <a:avLst>
+            <a:gd name="adj" fmla="val 10000"/>
+          </a:avLst>
+        </a:prstGeom>
+        <a:solidFill>
+          <a:schemeClr val="lt1">
+            <a:hueOff val="0"/>
+            <a:satOff val="0"/>
+            <a:lumOff val="0"/>
+            <a:alphaOff val="0"/>
+          </a:schemeClr>
+        </a:solidFill>
+        <a:ln w="25400" cap="flat" cmpd="sng" algn="ctr">
+          <a:solidFill>
+            <a:schemeClr val="dk1">
+              <a:shade val="80000"/>
+              <a:hueOff val="0"/>
+              <a:satOff val="0"/>
+              <a:lumOff val="0"/>
+              <a:alphaOff val="0"/>
+            </a:schemeClr>
+          </a:solidFill>
+          <a:prstDash val="solid"/>
+        </a:ln>
+        <a:effectLst/>
+      </dsp:spPr>
+      <dsp:style>
+        <a:lnRef idx="2">
+          <a:scrgbClr r="0" g="0" b="0"/>
+        </a:lnRef>
+        <a:fillRef idx="1">
+          <a:scrgbClr r="0" g="0" b="0"/>
+        </a:fillRef>
+        <a:effectRef idx="0">
+          <a:scrgbClr r="0" g="0" b="0"/>
+        </a:effectRef>
+        <a:fontRef idx="minor">
+          <a:schemeClr val="lt1"/>
+        </a:fontRef>
+      </dsp:style>
+      <dsp:txBody>
+        <a:bodyPr spcFirstLastPara="0" vert="horz" wrap="square" lIns="53340" tIns="53340" rIns="53340" bIns="53340" numCol="1" spcCol="1270" anchor="ctr" anchorCtr="0">
+          <a:noAutofit/>
+        </a:bodyPr>
+        <a:lstStyle/>
+        <a:p>
+          <a:pPr marL="0" lvl="0" indent="0" algn="ctr" defTabSz="622300" latinLnBrk="1">
+            <a:lnSpc>
+              <a:spcPct val="90000"/>
+            </a:lnSpc>
+            <a:spcBef>
+              <a:spcPct val="0"/>
+            </a:spcBef>
+            <a:spcAft>
+              <a:spcPct val="35000"/>
+            </a:spcAft>
+            <a:buNone/>
+          </a:pPr>
+          <a:r>
+            <a:rPr lang="en-US" altLang="ko-KR" sz="1400" kern="1200">
+              <a:solidFill>
+                <a:schemeClr val="tx2"/>
+              </a:solidFill>
+            </a:rPr>
+            <a:t>4</a:t>
+          </a:r>
+          <a:br>
+            <a:rPr lang="en-US" altLang="ko-KR" sz="1400" kern="1200">
+              <a:solidFill>
+                <a:schemeClr val="accent2"/>
+              </a:solidFill>
+            </a:rPr>
+          </a:br>
+          <a:r>
+            <a:rPr lang="en-US" altLang="ko-KR" sz="1100" kern="1200">
+              <a:solidFill>
+                <a:schemeClr val="tx1"/>
+              </a:solidFill>
+            </a:rPr>
+            <a:t>E Process</a:t>
+          </a:r>
+          <a:endParaRPr lang="ko-KR" altLang="en-US" sz="1100" kern="1200">
+            <a:solidFill>
+              <a:schemeClr val="tx1"/>
+            </a:solidFill>
+          </a:endParaRPr>
+        </a:p>
+      </dsp:txBody>
+      <dsp:txXfrm>
+        <a:off x="3007863" y="1865266"/>
+        <a:ext cx="1182399" cy="500712"/>
+      </dsp:txXfrm>
+    </dsp:sp>
+  </dsp:spTree>
+</dsp:drawing>
+</file>
+
 <file path=ppt/diagrams/layout1.xml><?xml version="1.0" encoding="utf-8"?>
 <dgm:layoutDef xmlns:dgm="http://schemas.openxmlformats.org/drawingml/2006/diagram" xmlns:a="http://schemas.openxmlformats.org/drawingml/2006/main" uniqueId="urn:microsoft.com/office/officeart/2005/8/layout/hierarchy6">
   <dgm:title val=""/>
@@ -9879,6 +11697,517 @@
 </dgm:layoutDef>
 </file>
 
+<file path=ppt/diagrams/layout4.xml><?xml version="1.0" encoding="utf-8"?>
+<dgm:layoutDef xmlns:dgm="http://schemas.openxmlformats.org/drawingml/2006/diagram" xmlns:a="http://schemas.openxmlformats.org/drawingml/2006/main" uniqueId="urn:microsoft.com/office/officeart/2005/8/layout/hierarchy6">
+  <dgm:title val=""/>
+  <dgm:desc val=""/>
+  <dgm:catLst>
+    <dgm:cat type="hierarchy" pri="3000"/>
+  </dgm:catLst>
+  <dgm:sampData>
+    <dgm:dataModel>
+      <dgm:ptLst>
+        <dgm:pt modelId="0" type="doc"/>
+        <dgm:pt modelId="1">
+          <dgm:prSet phldr="1"/>
+        </dgm:pt>
+        <dgm:pt modelId="2">
+          <dgm:prSet phldr="1"/>
+        </dgm:pt>
+        <dgm:pt modelId="21">
+          <dgm:prSet phldr="1"/>
+        </dgm:pt>
+        <dgm:pt modelId="22">
+          <dgm:prSet phldr="1"/>
+        </dgm:pt>
+        <dgm:pt modelId="3">
+          <dgm:prSet phldr="1"/>
+        </dgm:pt>
+        <dgm:pt modelId="31">
+          <dgm:prSet phldr="1"/>
+        </dgm:pt>
+        <dgm:pt modelId="4">
+          <dgm:prSet phldr="1"/>
+        </dgm:pt>
+        <dgm:pt modelId="5">
+          <dgm:prSet phldr="1"/>
+        </dgm:pt>
+        <dgm:pt modelId="6">
+          <dgm:prSet phldr="1"/>
+        </dgm:pt>
+      </dgm:ptLst>
+      <dgm:cxnLst>
+        <dgm:cxn modelId="7" srcId="0" destId="1" srcOrd="0" destOrd="0"/>
+        <dgm:cxn modelId="8" srcId="1" destId="2" srcOrd="0" destOrd="0"/>
+        <dgm:cxn modelId="9" srcId="1" destId="3" srcOrd="1" destOrd="0"/>
+        <dgm:cxn modelId="23" srcId="2" destId="21" srcOrd="0" destOrd="0"/>
+        <dgm:cxn modelId="24" srcId="2" destId="22" srcOrd="1" destOrd="0"/>
+        <dgm:cxn modelId="33" srcId="3" destId="31" srcOrd="0" destOrd="0"/>
+        <dgm:cxn modelId="10" srcId="0" destId="4" srcOrd="1" destOrd="0"/>
+        <dgm:cxn modelId="11" srcId="0" destId="5" srcOrd="2" destOrd="0"/>
+        <dgm:cxn modelId="12" srcId="0" destId="6" srcOrd="3" destOrd="0"/>
+      </dgm:cxnLst>
+      <dgm:bg/>
+      <dgm:whole/>
+    </dgm:dataModel>
+  </dgm:sampData>
+  <dgm:styleData>
+    <dgm:dataModel>
+      <dgm:ptLst>
+        <dgm:pt modelId="0" type="doc"/>
+        <dgm:pt modelId="1"/>
+        <dgm:pt modelId="11"/>
+        <dgm:pt modelId="12"/>
+        <dgm:pt modelId="2"/>
+        <dgm:pt modelId="3"/>
+      </dgm:ptLst>
+      <dgm:cxnLst>
+        <dgm:cxn modelId="4" srcId="0" destId="1" srcOrd="0" destOrd="0"/>
+        <dgm:cxn modelId="13" srcId="1" destId="11" srcOrd="0" destOrd="0"/>
+        <dgm:cxn modelId="14" srcId="1" destId="12" srcOrd="1" destOrd="0"/>
+        <dgm:cxn modelId="5" srcId="0" destId="2" srcOrd="1" destOrd="0"/>
+        <dgm:cxn modelId="6" srcId="0" destId="3" srcOrd="2" destOrd="0"/>
+      </dgm:cxnLst>
+      <dgm:bg/>
+      <dgm:whole/>
+    </dgm:dataModel>
+  </dgm:styleData>
+  <dgm:clrData>
+    <dgm:dataModel>
+      <dgm:ptLst>
+        <dgm:pt modelId="0" type="doc"/>
+        <dgm:pt modelId="1"/>
+        <dgm:pt modelId="2"/>
+        <dgm:pt modelId="21"/>
+        <dgm:pt modelId="211"/>
+        <dgm:pt modelId="3"/>
+        <dgm:pt modelId="31"/>
+        <dgm:pt modelId="311"/>
+        <dgm:pt modelId="4"/>
+        <dgm:pt modelId="5"/>
+        <dgm:pt modelId="6"/>
+        <dgm:pt modelId="7"/>
+      </dgm:ptLst>
+      <dgm:cxnLst>
+        <dgm:cxn modelId="8" srcId="0" destId="1" srcOrd="0" destOrd="0"/>
+        <dgm:cxn modelId="9" srcId="1" destId="2" srcOrd="0" destOrd="0"/>
+        <dgm:cxn modelId="10" srcId="1" destId="3" srcOrd="1" destOrd="0"/>
+        <dgm:cxn modelId="23" srcId="2" destId="21" srcOrd="0" destOrd="0"/>
+        <dgm:cxn modelId="24" srcId="21" destId="211" srcOrd="0" destOrd="0"/>
+        <dgm:cxn modelId="33" srcId="3" destId="31" srcOrd="0" destOrd="0"/>
+        <dgm:cxn modelId="34" srcId="31" destId="311" srcOrd="0" destOrd="0"/>
+        <dgm:cxn modelId="11" srcId="0" destId="4" srcOrd="1" destOrd="0"/>
+        <dgm:cxn modelId="12" srcId="0" destId="5" srcOrd="2" destOrd="0"/>
+        <dgm:cxn modelId="13" srcId="0" destId="6" srcOrd="3" destOrd="0"/>
+        <dgm:cxn modelId="14" srcId="0" destId="7" srcOrd="4" destOrd="0"/>
+      </dgm:cxnLst>
+      <dgm:bg/>
+      <dgm:whole/>
+    </dgm:dataModel>
+  </dgm:clrData>
+  <dgm:layoutNode name="mainComposite">
+    <dgm:varLst>
+      <dgm:chPref val="1"/>
+      <dgm:dir/>
+      <dgm:animOne val="branch"/>
+      <dgm:animLvl val="lvl"/>
+      <dgm:resizeHandles val="exact"/>
+    </dgm:varLst>
+    <dgm:alg type="composite">
+      <dgm:param type="vertAlign" val="mid"/>
+      <dgm:param type="horzAlign" val="ctr"/>
+    </dgm:alg>
+    <dgm:shape xmlns:r="http://schemas.openxmlformats.org/officeDocument/2006/relationships" r:blip="">
+      <dgm:adjLst/>
+    </dgm:shape>
+    <dgm:presOf/>
+    <dgm:choose name="Name0">
+      <dgm:if name="Name1" axis="ch" ptType="node" func="cnt" op="gte" val="2">
+        <dgm:choose name="Name2">
+          <dgm:if name="Name3" func="var" arg="dir" op="equ" val="norm">
+            <dgm:constrLst>
+              <dgm:constr type="l" for="ch" forName="hierFlow" refType="w" fact="0.3"/>
+              <dgm:constr type="t" for="ch" forName="hierFlow"/>
+              <dgm:constr type="r" for="ch" forName="hierFlow" refType="w" fact="0.98"/>
+              <dgm:constr type="b" for="ch" forName="hierFlow" refType="h" fact="0.98"/>
+              <dgm:constr type="l" for="ch" forName="bgShapesFlow"/>
+              <dgm:constr type="t" for="ch" forName="bgShapesFlow"/>
+              <dgm:constr type="r" for="ch" forName="bgShapesFlow" refType="w"/>
+              <dgm:constr type="b" for="ch" forName="bgShapesFlow" refType="h"/>
+              <dgm:constr type="w" for="des" forName="level1Shape" refType="w"/>
+              <dgm:constr type="h" for="des" forName="level1Shape" refType="w" refFor="des" refForName="level1Shape" fact="0.66667"/>
+              <dgm:constr type="w" for="des" forName="level2Shape" refType="w" refFor="des" refForName="level1Shape" op="equ"/>
+              <dgm:constr type="h" for="des" forName="level2Shape" refType="h" refFor="des" refForName="level1Shape" op="equ"/>
+              <dgm:constr type="sp" for="des" refType="h" refFor="des" refForName="level1Shape" op="equ" fact="0.4"/>
+              <dgm:constr type="sibSp" for="des" forName="hierChild1" refType="w" refFor="des" refForName="level1Shape" op="equ" fact="0.3"/>
+              <dgm:constr type="sibSp" for="des" forName="hierChild2" refType="sibSp" refFor="des" refForName="hierChild1" op="equ"/>
+              <dgm:constr type="sibSp" for="des" forName="hierChild3" refType="sibSp" refFor="des" refForName="hierChild1" op="equ"/>
+              <dgm:constr type="userA" for="des" refType="h" refFor="des" refForName="level1Shape" op="equ"/>
+              <dgm:constr type="userB" for="des" refType="sp" refFor="des" op="equ"/>
+              <dgm:constr type="h" for="des" forName="firstBuf" refType="h" refFor="des" refForName="level1Shape" fact="0.1"/>
+            </dgm:constrLst>
+          </dgm:if>
+          <dgm:else name="Name4">
+            <dgm:constrLst>
+              <dgm:constr type="l" for="ch" forName="hierFlow" refType="w" fact="0.02"/>
+              <dgm:constr type="t" for="ch" forName="hierFlow"/>
+              <dgm:constr type="r" for="ch" forName="hierFlow" refType="w" fact="0.7"/>
+              <dgm:constr type="b" for="ch" forName="hierFlow" refType="h" fact="0.98"/>
+              <dgm:constr type="l" for="ch" forName="bgShapesFlow"/>
+              <dgm:constr type="t" for="ch" forName="bgShapesFlow"/>
+              <dgm:constr type="r" for="ch" forName="bgShapesFlow" refType="w"/>
+              <dgm:constr type="b" for="ch" forName="bgShapesFlow" refType="h"/>
+              <dgm:constr type="w" for="des" forName="level1Shape" refType="w"/>
+              <dgm:constr type="h" for="des" forName="level1Shape" refType="w" refFor="des" refForName="level1Shape" fact="0.66667"/>
+              <dgm:constr type="w" for="des" forName="level2Shape" refType="w" refFor="des" refForName="level1Shape" op="equ"/>
+              <dgm:constr type="h" for="des" forName="level2Shape" refType="h" refFor="des" refForName="level1Shape" op="equ"/>
+              <dgm:constr type="sp" for="des" refType="h" refFor="des" refForName="level1Shape" op="equ" fact="0.4"/>
+              <dgm:constr type="sibSp" for="des" forName="hierChild1" refType="w" refFor="des" refForName="level1Shape" op="equ" fact="0.3"/>
+              <dgm:constr type="sibSp" for="des" forName="hierChild2" refType="sibSp" refFor="des" refForName="hierChild1" op="equ"/>
+              <dgm:constr type="sibSp" for="des" forName="hierChild3" refType="sibSp" refFor="des" refForName="hierChild1" op="equ"/>
+              <dgm:constr type="userA" for="des" refType="h" refFor="des" refForName="level1Shape" op="equ"/>
+              <dgm:constr type="userB" for="des" refType="sp" refFor="des" op="equ"/>
+              <dgm:constr type="h" for="des" forName="firstBuf" refType="h" refFor="des" refForName="level1Shape" fact="0.1"/>
+            </dgm:constrLst>
+          </dgm:else>
+        </dgm:choose>
+      </dgm:if>
+      <dgm:else name="Name5">
+        <dgm:constrLst>
+          <dgm:constr type="l" for="ch" forName="hierFlow"/>
+          <dgm:constr type="t" for="ch" forName="hierFlow"/>
+          <dgm:constr type="r" for="ch" forName="hierFlow" refType="w"/>
+          <dgm:constr type="b" for="ch" forName="hierFlow" refType="h"/>
+          <dgm:constr type="l" for="ch" forName="bgShapesFlow"/>
+          <dgm:constr type="t" for="ch" forName="bgShapesFlow"/>
+          <dgm:constr type="r" for="ch" forName="bgShapesFlow" refType="w"/>
+          <dgm:constr type="b" for="ch" forName="bgShapesFlow" refType="h"/>
+          <dgm:constr type="w" for="des" forName="level1Shape" refType="w"/>
+          <dgm:constr type="h" for="des" forName="level1Shape" refType="w" refFor="des" refForName="level1Shape" fact="0.66667"/>
+          <dgm:constr type="w" for="des" forName="level2Shape" refType="w" refFor="des" refForName="level1Shape" op="equ"/>
+          <dgm:constr type="h" for="des" forName="level2Shape" refType="h" refFor="des" refForName="level1Shape" op="equ"/>
+          <dgm:constr type="sp" for="des" refType="h" refFor="des" refForName="level1Shape" op="equ" fact="0.4"/>
+          <dgm:constr type="sibSp" for="des" forName="hierChild1" refType="w" refFor="des" refForName="level1Shape" op="equ" fact="0.3"/>
+          <dgm:constr type="sibSp" for="des" forName="hierChild2" refType="sibSp" refFor="des" refForName="hierChild1" op="equ"/>
+          <dgm:constr type="sibSp" for="des" forName="hierChild3" refType="sibSp" refFor="des" refForName="hierChild1" op="equ"/>
+          <dgm:constr type="userA" for="des" refType="h" refFor="des" refForName="level1Shape" op="equ"/>
+          <dgm:constr type="userB" for="des" refType="sp" refFor="des" op="equ"/>
+          <dgm:constr type="h" for="des" forName="firstBuf" refType="h" refFor="des" refForName="level1Shape" fact="0.1"/>
+        </dgm:constrLst>
+      </dgm:else>
+    </dgm:choose>
+    <dgm:ruleLst/>
+    <dgm:layoutNode name="hierFlow">
+      <dgm:alg type="lin">
+        <dgm:param type="linDir" val="fromT"/>
+        <dgm:param type="nodeVertAlign" val="t"/>
+        <dgm:param type="vertAlign" val="t"/>
+        <dgm:param type="nodeHorzAlign" val="ctr"/>
+        <dgm:param type="fallback" val="2D"/>
+      </dgm:alg>
+      <dgm:shape xmlns:r="http://schemas.openxmlformats.org/officeDocument/2006/relationships" r:blip="">
+        <dgm:adjLst/>
+      </dgm:shape>
+      <dgm:presOf/>
+      <dgm:constrLst/>
+      <dgm:ruleLst/>
+      <dgm:choose name="Name6">
+        <dgm:if name="Name7" axis="ch" ptType="node" func="cnt" op="gte" val="2">
+          <dgm:layoutNode name="firstBuf">
+            <dgm:alg type="sp"/>
+            <dgm:shape xmlns:r="http://schemas.openxmlformats.org/officeDocument/2006/relationships" r:blip="">
+              <dgm:adjLst/>
+            </dgm:shape>
+            <dgm:presOf/>
+            <dgm:constrLst/>
+            <dgm:ruleLst/>
+          </dgm:layoutNode>
+        </dgm:if>
+        <dgm:else name="Name8"/>
+      </dgm:choose>
+      <dgm:layoutNode name="hierChild1">
+        <dgm:varLst>
+          <dgm:chPref val="1"/>
+          <dgm:animOne val="branch"/>
+          <dgm:animLvl val="lvl"/>
+        </dgm:varLst>
+        <dgm:choose name="Name9">
+          <dgm:if name="Name10" func="var" arg="dir" op="equ" val="norm">
+            <dgm:alg type="hierChild">
+              <dgm:param type="linDir" val="fromL"/>
+              <dgm:param type="vertAlign" val="t"/>
+            </dgm:alg>
+          </dgm:if>
+          <dgm:else name="Name11">
+            <dgm:alg type="hierChild">
+              <dgm:param type="linDir" val="fromR"/>
+              <dgm:param type="vertAlign" val="t"/>
+            </dgm:alg>
+          </dgm:else>
+        </dgm:choose>
+        <dgm:shape xmlns:r="http://schemas.openxmlformats.org/officeDocument/2006/relationships" r:blip="">
+          <dgm:adjLst/>
+        </dgm:shape>
+        <dgm:presOf/>
+        <dgm:constrLst>
+          <dgm:constr type="primFontSz" for="des" ptType="node" op="equ"/>
+        </dgm:constrLst>
+        <dgm:ruleLst/>
+        <dgm:forEach name="Name12" axis="ch" cnt="3">
+          <dgm:forEach name="Name13" axis="self" ptType="node">
+            <dgm:layoutNode name="Name14">
+              <dgm:alg type="hierRoot"/>
+              <dgm:shape xmlns:r="http://schemas.openxmlformats.org/officeDocument/2006/relationships" r:blip="">
+                <dgm:adjLst/>
+              </dgm:shape>
+              <dgm:presOf/>
+              <dgm:constrLst/>
+              <dgm:ruleLst/>
+              <dgm:layoutNode name="level1Shape" styleLbl="node0">
+                <dgm:varLst>
+                  <dgm:chPref val="3"/>
+                </dgm:varLst>
+                <dgm:alg type="tx"/>
+                <dgm:shape xmlns:r="http://schemas.openxmlformats.org/officeDocument/2006/relationships" type="roundRect" r:blip="">
+                  <dgm:adjLst>
+                    <dgm:adj idx="1" val="0.1"/>
+                  </dgm:adjLst>
+                </dgm:shape>
+                <dgm:presOf axis="self"/>
+                <dgm:constrLst>
+                  <dgm:constr type="primFontSz" val="65"/>
+                  <dgm:constr type="tMarg" refType="primFontSz" fact="0.3"/>
+                  <dgm:constr type="bMarg" refType="primFontSz" fact="0.3"/>
+                  <dgm:constr type="lMarg" refType="primFontSz" fact="0.3"/>
+                  <dgm:constr type="rMarg" refType="primFontSz" fact="0.3"/>
+                </dgm:constrLst>
+                <dgm:ruleLst>
+                  <dgm:rule type="primFontSz" val="5" fact="NaN" max="NaN"/>
+                </dgm:ruleLst>
+              </dgm:layoutNode>
+              <dgm:layoutNode name="hierChild2">
+                <dgm:choose name="Name15">
+                  <dgm:if name="Name16" func="var" arg="dir" op="equ" val="norm">
+                    <dgm:alg type="hierChild">
+                      <dgm:param type="linDir" val="fromL"/>
+                    </dgm:alg>
+                  </dgm:if>
+                  <dgm:else name="Name17">
+                    <dgm:alg type="hierChild">
+                      <dgm:param type="linDir" val="fromR"/>
+                    </dgm:alg>
+                  </dgm:else>
+                </dgm:choose>
+                <dgm:shape xmlns:r="http://schemas.openxmlformats.org/officeDocument/2006/relationships" r:blip="">
+                  <dgm:adjLst/>
+                </dgm:shape>
+                <dgm:presOf/>
+                <dgm:constrLst/>
+                <dgm:ruleLst/>
+                <dgm:forEach name="repeat" axis="ch">
+                  <dgm:forEach name="Name18" axis="self" ptType="parTrans" cnt="1">
+                    <dgm:layoutNode name="Name19">
+                      <dgm:alg type="conn">
+                        <dgm:param type="dim" val="1D"/>
+                        <dgm:param type="endSty" val="noArr"/>
+                        <dgm:param type="connRout" val="bend"/>
+                        <dgm:param type="begPts" val="bCtr"/>
+                        <dgm:param type="endPts" val="tCtr"/>
+                      </dgm:alg>
+                      <dgm:shape xmlns:r="http://schemas.openxmlformats.org/officeDocument/2006/relationships" type="conn" r:blip="">
+                        <dgm:adjLst/>
+                      </dgm:shape>
+                      <dgm:presOf axis="self"/>
+                      <dgm:constrLst>
+                        <dgm:constr type="w" val="1"/>
+                        <dgm:constr type="h" val="1"/>
+                        <dgm:constr type="begPad"/>
+                        <dgm:constr type="endPad"/>
+                      </dgm:constrLst>
+                      <dgm:ruleLst/>
+                    </dgm:layoutNode>
+                  </dgm:forEach>
+                  <dgm:forEach name="Name20" axis="self" ptType="node">
+                    <dgm:layoutNode name="Name21">
+                      <dgm:alg type="hierRoot"/>
+                      <dgm:shape xmlns:r="http://schemas.openxmlformats.org/officeDocument/2006/relationships" r:blip="">
+                        <dgm:adjLst/>
+                      </dgm:shape>
+                      <dgm:presOf/>
+                      <dgm:constrLst/>
+                      <dgm:ruleLst/>
+                      <dgm:layoutNode name="level2Shape">
+                        <dgm:alg type="tx"/>
+                        <dgm:shape xmlns:r="http://schemas.openxmlformats.org/officeDocument/2006/relationships" type="roundRect" r:blip="">
+                          <dgm:adjLst>
+                            <dgm:adj idx="1" val="0.1"/>
+                          </dgm:adjLst>
+                        </dgm:shape>
+                        <dgm:presOf axis="self"/>
+                        <dgm:constrLst>
+                          <dgm:constr type="primFontSz" val="65"/>
+                          <dgm:constr type="tMarg" refType="primFontSz" fact="0.3"/>
+                          <dgm:constr type="bMarg" refType="primFontSz" fact="0.3"/>
+                          <dgm:constr type="lMarg" refType="primFontSz" fact="0.3"/>
+                          <dgm:constr type="rMarg" refType="primFontSz" fact="0.3"/>
+                        </dgm:constrLst>
+                        <dgm:ruleLst>
+                          <dgm:rule type="primFontSz" val="5" fact="NaN" max="NaN"/>
+                        </dgm:ruleLst>
+                      </dgm:layoutNode>
+                      <dgm:layoutNode name="hierChild3">
+                        <dgm:choose name="Name22">
+                          <dgm:if name="Name23" func="var" arg="dir" op="equ" val="norm">
+                            <dgm:alg type="hierChild">
+                              <dgm:param type="linDir" val="fromL"/>
+                            </dgm:alg>
+                          </dgm:if>
+                          <dgm:else name="Name24">
+                            <dgm:alg type="hierChild">
+                              <dgm:param type="linDir" val="fromR"/>
+                            </dgm:alg>
+                          </dgm:else>
+                        </dgm:choose>
+                        <dgm:shape xmlns:r="http://schemas.openxmlformats.org/officeDocument/2006/relationships" r:blip="">
+                          <dgm:adjLst/>
+                        </dgm:shape>
+                        <dgm:presOf/>
+                        <dgm:constrLst/>
+                        <dgm:ruleLst/>
+                        <dgm:forEach name="Name25" ref="repeat"/>
+                      </dgm:layoutNode>
+                    </dgm:layoutNode>
+                  </dgm:forEach>
+                </dgm:forEach>
+              </dgm:layoutNode>
+            </dgm:layoutNode>
+          </dgm:forEach>
+        </dgm:forEach>
+      </dgm:layoutNode>
+    </dgm:layoutNode>
+    <dgm:layoutNode name="bgShapesFlow">
+      <dgm:alg type="lin">
+        <dgm:param type="linDir" val="fromT"/>
+        <dgm:param type="nodeVertAlign" val="t"/>
+        <dgm:param type="vertAlign" val="t"/>
+        <dgm:param type="nodeHorzAlign" val="ctr"/>
+      </dgm:alg>
+      <dgm:shape xmlns:r="http://schemas.openxmlformats.org/officeDocument/2006/relationships" r:blip="">
+        <dgm:adjLst/>
+      </dgm:shape>
+      <dgm:presOf/>
+      <dgm:constrLst>
+        <dgm:constr type="userB"/>
+        <dgm:constr type="w" for="ch" forName="rectComp" refType="w"/>
+        <dgm:constr type="h" for="ch" forName="rectComp" refType="h"/>
+        <dgm:constr type="w" for="des" forName="bgRect" refType="w"/>
+        <dgm:constr type="primFontSz" for="des" forName="bgRectTx" op="equ"/>
+      </dgm:constrLst>
+      <dgm:ruleLst/>
+      <dgm:forEach name="Name26" axis="ch" ptType="node" st="2">
+        <dgm:layoutNode name="rectComp">
+          <dgm:alg type="composite">
+            <dgm:param type="vertAlign" val="t"/>
+            <dgm:param type="horzAlign" val="ctr"/>
+          </dgm:alg>
+          <dgm:shape xmlns:r="http://schemas.openxmlformats.org/officeDocument/2006/relationships" r:blip="">
+            <dgm:adjLst/>
+          </dgm:shape>
+          <dgm:presOf/>
+          <dgm:choose name="Name27">
+            <dgm:if name="Name28" func="var" arg="dir" op="equ" val="norm">
+              <dgm:constrLst>
+                <dgm:constr type="userA"/>
+                <dgm:constr type="l" for="ch" forName="bgRect"/>
+                <dgm:constr type="t" for="ch" forName="bgRect"/>
+                <dgm:constr type="h" for="ch" forName="bgRect" refType="userA" fact="1.2"/>
+                <dgm:constr type="l" for="ch" forName="bgRectTx"/>
+                <dgm:constr type="t" for="ch" forName="bgRectTx"/>
+                <dgm:constr type="w" for="ch" forName="bgRectTx" refType="w" refFor="ch" refForName="bgRect" fact="0.3"/>
+                <dgm:constr type="h" for="ch" forName="bgRectTx" refType="h" refFor="ch" refForName="bgRect" op="equ"/>
+              </dgm:constrLst>
+            </dgm:if>
+            <dgm:else name="Name29">
+              <dgm:constrLst>
+                <dgm:constr type="userA"/>
+                <dgm:constr type="l" for="ch" forName="bgRect"/>
+                <dgm:constr type="t" for="ch" forName="bgRect"/>
+                <dgm:constr type="h" for="ch" forName="bgRect" refType="userA" fact="1.2"/>
+                <dgm:constr type="r" for="ch" forName="bgRectTx" refType="w"/>
+                <dgm:constr type="t" for="ch" forName="bgRectTx"/>
+                <dgm:constr type="w" for="ch" forName="bgRectTx" refType="w" refFor="ch" refForName="bgRect" fact="0.3"/>
+                <dgm:constr type="h" for="ch" forName="bgRectTx" refType="h" refFor="ch" refForName="bgRect" op="equ"/>
+              </dgm:constrLst>
+            </dgm:else>
+          </dgm:choose>
+          <dgm:ruleLst/>
+          <dgm:layoutNode name="bgRect" styleLbl="bgShp">
+            <dgm:alg type="sp"/>
+            <dgm:shape xmlns:r="http://schemas.openxmlformats.org/officeDocument/2006/relationships" type="roundRect" r:blip="" zOrderOff="-999">
+              <dgm:adjLst>
+                <dgm:adj idx="1" val="0.1"/>
+              </dgm:adjLst>
+            </dgm:shape>
+            <dgm:presOf axis="desOrSelf" ptType="node"/>
+            <dgm:constrLst/>
+            <dgm:ruleLst/>
+          </dgm:layoutNode>
+          <dgm:layoutNode name="bgRectTx" styleLbl="bgShp">
+            <dgm:varLst>
+              <dgm:bulletEnabled val="1"/>
+            </dgm:varLst>
+            <dgm:alg type="tx"/>
+            <dgm:presOf axis="desOrSelf" ptType="node"/>
+            <dgm:shape xmlns:r="http://schemas.openxmlformats.org/officeDocument/2006/relationships" type="rect" r:blip="" zOrderOff="-999" hideGeom="1">
+              <dgm:adjLst/>
+            </dgm:shape>
+            <dgm:constrLst>
+              <dgm:constr type="primFontSz" val="65"/>
+            </dgm:constrLst>
+            <dgm:ruleLst>
+              <dgm:rule type="primFontSz" val="5" fact="NaN" max="NaN"/>
+            </dgm:ruleLst>
+          </dgm:layoutNode>
+        </dgm:layoutNode>
+        <dgm:choose name="Name30">
+          <dgm:if name="Name31" axis="self" ptType="node" func="revPos" op="gte" val="2">
+            <dgm:layoutNode name="spComp">
+              <dgm:alg type="composite">
+                <dgm:param type="vertAlign" val="t"/>
+                <dgm:param type="horzAlign" val="ctr"/>
+              </dgm:alg>
+              <dgm:shape xmlns:r="http://schemas.openxmlformats.org/officeDocument/2006/relationships" r:blip="">
+                <dgm:adjLst/>
+              </dgm:shape>
+              <dgm:presOf/>
+              <dgm:constrLst>
+                <dgm:constr type="userA"/>
+                <dgm:constr type="userB"/>
+                <dgm:constr type="l" for="ch" forName="vSp"/>
+                <dgm:constr type="t" for="ch" forName="vSp"/>
+                <dgm:constr type="h" for="ch" forName="vSp" refType="userB"/>
+                <dgm:constr type="hOff" for="ch" forName="vSp" refType="userA" fact="-0.2"/>
+              </dgm:constrLst>
+              <dgm:ruleLst/>
+              <dgm:layoutNode name="vSp">
+                <dgm:alg type="sp"/>
+                <dgm:shape xmlns:r="http://schemas.openxmlformats.org/officeDocument/2006/relationships" r:blip="">
+                  <dgm:adjLst/>
+                </dgm:shape>
+                <dgm:presOf/>
+                <dgm:constrLst/>
+                <dgm:ruleLst/>
+              </dgm:layoutNode>
+            </dgm:layoutNode>
+          </dgm:if>
+          <dgm:else name="Name32"/>
+        </dgm:choose>
+      </dgm:forEach>
+    </dgm:layoutNode>
+  </dgm:layoutNode>
+</dgm:layoutDef>
+</file>
+
 <file path=ppt/diagrams/quickStyle1.xml><?xml version="1.0" encoding="utf-8"?>
 <dgm:styleDef xmlns:dgm="http://schemas.openxmlformats.org/drawingml/2006/diagram" xmlns:a="http://schemas.openxmlformats.org/drawingml/2006/main" uniqueId="urn:microsoft.com/office/officeart/2005/8/quickstyle/simple1">
   <dgm:title val=""/>
@@ -11948,6 +14277,1040 @@
 </file>
 
 <file path=ppt/diagrams/quickStyle3.xml><?xml version="1.0" encoding="utf-8"?>
+<dgm:styleDef xmlns:dgm="http://schemas.openxmlformats.org/drawingml/2006/diagram" xmlns:a="http://schemas.openxmlformats.org/drawingml/2006/main" uniqueId="urn:microsoft.com/office/officeart/2005/8/quickstyle/simple1">
+  <dgm:title val=""/>
+  <dgm:desc val=""/>
+  <dgm:catLst>
+    <dgm:cat type="simple" pri="10100"/>
+  </dgm:catLst>
+  <dgm:scene3d>
+    <a:camera prst="orthographicFront"/>
+    <a:lightRig rig="threePt" dir="t"/>
+  </dgm:scene3d>
+  <dgm:styleLbl name="node0">
+    <dgm:scene3d>
+      <a:camera prst="orthographicFront"/>
+      <a:lightRig rig="threePt" dir="t"/>
+    </dgm:scene3d>
+    <dgm:sp3d/>
+    <dgm:txPr/>
+    <dgm:style>
+      <a:lnRef idx="2">
+        <a:scrgbClr r="0" g="0" b="0"/>
+      </a:lnRef>
+      <a:fillRef idx="1">
+        <a:scrgbClr r="0" g="0" b="0"/>
+      </a:fillRef>
+      <a:effectRef idx="0">
+        <a:scrgbClr r="0" g="0" b="0"/>
+      </a:effectRef>
+      <a:fontRef idx="minor">
+        <a:schemeClr val="lt1"/>
+      </a:fontRef>
+    </dgm:style>
+  </dgm:styleLbl>
+  <dgm:styleLbl name="lnNode1">
+    <dgm:scene3d>
+      <a:camera prst="orthographicFront"/>
+      <a:lightRig rig="threePt" dir="t"/>
+    </dgm:scene3d>
+    <dgm:sp3d/>
+    <dgm:txPr/>
+    <dgm:style>
+      <a:lnRef idx="2">
+        <a:scrgbClr r="0" g="0" b="0"/>
+      </a:lnRef>
+      <a:fillRef idx="1">
+        <a:scrgbClr r="0" g="0" b="0"/>
+      </a:fillRef>
+      <a:effectRef idx="0">
+        <a:scrgbClr r="0" g="0" b="0"/>
+      </a:effectRef>
+      <a:fontRef idx="minor">
+        <a:schemeClr val="lt1"/>
+      </a:fontRef>
+    </dgm:style>
+  </dgm:styleLbl>
+  <dgm:styleLbl name="vennNode1">
+    <dgm:scene3d>
+      <a:camera prst="orthographicFront"/>
+      <a:lightRig rig="threePt" dir="t"/>
+    </dgm:scene3d>
+    <dgm:sp3d/>
+    <dgm:txPr/>
+    <dgm:style>
+      <a:lnRef idx="2">
+        <a:scrgbClr r="0" g="0" b="0"/>
+      </a:lnRef>
+      <a:fillRef idx="1">
+        <a:scrgbClr r="0" g="0" b="0"/>
+      </a:fillRef>
+      <a:effectRef idx="0">
+        <a:scrgbClr r="0" g="0" b="0"/>
+      </a:effectRef>
+      <a:fontRef idx="minor">
+        <a:schemeClr val="tx1"/>
+      </a:fontRef>
+    </dgm:style>
+  </dgm:styleLbl>
+  <dgm:styleLbl name="alignNode1">
+    <dgm:scene3d>
+      <a:camera prst="orthographicFront"/>
+      <a:lightRig rig="threePt" dir="t"/>
+    </dgm:scene3d>
+    <dgm:sp3d/>
+    <dgm:txPr/>
+    <dgm:style>
+      <a:lnRef idx="2">
+        <a:scrgbClr r="0" g="0" b="0"/>
+      </a:lnRef>
+      <a:fillRef idx="1">
+        <a:scrgbClr r="0" g="0" b="0"/>
+      </a:fillRef>
+      <a:effectRef idx="0">
+        <a:scrgbClr r="0" g="0" b="0"/>
+      </a:effectRef>
+      <a:fontRef idx="minor">
+        <a:schemeClr val="lt1"/>
+      </a:fontRef>
+    </dgm:style>
+  </dgm:styleLbl>
+  <dgm:styleLbl name="node1">
+    <dgm:scene3d>
+      <a:camera prst="orthographicFront"/>
+      <a:lightRig rig="threePt" dir="t"/>
+    </dgm:scene3d>
+    <dgm:sp3d/>
+    <dgm:txPr/>
+    <dgm:style>
+      <a:lnRef idx="2">
+        <a:scrgbClr r="0" g="0" b="0"/>
+      </a:lnRef>
+      <a:fillRef idx="1">
+        <a:scrgbClr r="0" g="0" b="0"/>
+      </a:fillRef>
+      <a:effectRef idx="0">
+        <a:scrgbClr r="0" g="0" b="0"/>
+      </a:effectRef>
+      <a:fontRef idx="minor">
+        <a:schemeClr val="lt1"/>
+      </a:fontRef>
+    </dgm:style>
+  </dgm:styleLbl>
+  <dgm:styleLbl name="node2">
+    <dgm:scene3d>
+      <a:camera prst="orthographicFront"/>
+      <a:lightRig rig="threePt" dir="t"/>
+    </dgm:scene3d>
+    <dgm:sp3d/>
+    <dgm:txPr/>
+    <dgm:style>
+      <a:lnRef idx="2">
+        <a:scrgbClr r="0" g="0" b="0"/>
+      </a:lnRef>
+      <a:fillRef idx="1">
+        <a:scrgbClr r="0" g="0" b="0"/>
+      </a:fillRef>
+      <a:effectRef idx="0">
+        <a:scrgbClr r="0" g="0" b="0"/>
+      </a:effectRef>
+      <a:fontRef idx="minor">
+        <a:schemeClr val="lt1"/>
+      </a:fontRef>
+    </dgm:style>
+  </dgm:styleLbl>
+  <dgm:styleLbl name="node3">
+    <dgm:scene3d>
+      <a:camera prst="orthographicFront"/>
+      <a:lightRig rig="threePt" dir="t"/>
+    </dgm:scene3d>
+    <dgm:sp3d/>
+    <dgm:txPr/>
+    <dgm:style>
+      <a:lnRef idx="2">
+        <a:scrgbClr r="0" g="0" b="0"/>
+      </a:lnRef>
+      <a:fillRef idx="1">
+        <a:scrgbClr r="0" g="0" b="0"/>
+      </a:fillRef>
+      <a:effectRef idx="0">
+        <a:scrgbClr r="0" g="0" b="0"/>
+      </a:effectRef>
+      <a:fontRef idx="minor">
+        <a:schemeClr val="lt1"/>
+      </a:fontRef>
+    </dgm:style>
+  </dgm:styleLbl>
+  <dgm:styleLbl name="node4">
+    <dgm:scene3d>
+      <a:camera prst="orthographicFront"/>
+      <a:lightRig rig="threePt" dir="t"/>
+    </dgm:scene3d>
+    <dgm:sp3d/>
+    <dgm:txPr/>
+    <dgm:style>
+      <a:lnRef idx="2">
+        <a:scrgbClr r="0" g="0" b="0"/>
+      </a:lnRef>
+      <a:fillRef idx="1">
+        <a:scrgbClr r="0" g="0" b="0"/>
+      </a:fillRef>
+      <a:effectRef idx="0">
+        <a:scrgbClr r="0" g="0" b="0"/>
+      </a:effectRef>
+      <a:fontRef idx="minor">
+        <a:schemeClr val="lt1"/>
+      </a:fontRef>
+    </dgm:style>
+  </dgm:styleLbl>
+  <dgm:styleLbl name="fgImgPlace1">
+    <dgm:scene3d>
+      <a:camera prst="orthographicFront"/>
+      <a:lightRig rig="threePt" dir="t"/>
+    </dgm:scene3d>
+    <dgm:sp3d/>
+    <dgm:txPr/>
+    <dgm:style>
+      <a:lnRef idx="2">
+        <a:scrgbClr r="0" g="0" b="0"/>
+      </a:lnRef>
+      <a:fillRef idx="1">
+        <a:scrgbClr r="0" g="0" b="0"/>
+      </a:fillRef>
+      <a:effectRef idx="0">
+        <a:scrgbClr r="0" g="0" b="0"/>
+      </a:effectRef>
+      <a:fontRef idx="minor"/>
+    </dgm:style>
+  </dgm:styleLbl>
+  <dgm:styleLbl name="alignImgPlace1">
+    <dgm:scene3d>
+      <a:camera prst="orthographicFront"/>
+      <a:lightRig rig="threePt" dir="t"/>
+    </dgm:scene3d>
+    <dgm:sp3d/>
+    <dgm:txPr/>
+    <dgm:style>
+      <a:lnRef idx="2">
+        <a:scrgbClr r="0" g="0" b="0"/>
+      </a:lnRef>
+      <a:fillRef idx="1">
+        <a:scrgbClr r="0" g="0" b="0"/>
+      </a:fillRef>
+      <a:effectRef idx="0">
+        <a:scrgbClr r="0" g="0" b="0"/>
+      </a:effectRef>
+      <a:fontRef idx="minor"/>
+    </dgm:style>
+  </dgm:styleLbl>
+  <dgm:styleLbl name="bgImgPlace1">
+    <dgm:scene3d>
+      <a:camera prst="orthographicFront"/>
+      <a:lightRig rig="threePt" dir="t"/>
+    </dgm:scene3d>
+    <dgm:sp3d/>
+    <dgm:txPr/>
+    <dgm:style>
+      <a:lnRef idx="2">
+        <a:scrgbClr r="0" g="0" b="0"/>
+      </a:lnRef>
+      <a:fillRef idx="1">
+        <a:scrgbClr r="0" g="0" b="0"/>
+      </a:fillRef>
+      <a:effectRef idx="0">
+        <a:scrgbClr r="0" g="0" b="0"/>
+      </a:effectRef>
+      <a:fontRef idx="minor"/>
+    </dgm:style>
+  </dgm:styleLbl>
+  <dgm:styleLbl name="sibTrans2D1">
+    <dgm:scene3d>
+      <a:camera prst="orthographicFront"/>
+      <a:lightRig rig="threePt" dir="t"/>
+    </dgm:scene3d>
+    <dgm:sp3d/>
+    <dgm:txPr/>
+    <dgm:style>
+      <a:lnRef idx="0">
+        <a:scrgbClr r="0" g="0" b="0"/>
+      </a:lnRef>
+      <a:fillRef idx="1">
+        <a:scrgbClr r="0" g="0" b="0"/>
+      </a:fillRef>
+      <a:effectRef idx="0">
+        <a:scrgbClr r="0" g="0" b="0"/>
+      </a:effectRef>
+      <a:fontRef idx="minor">
+        <a:schemeClr val="lt1"/>
+      </a:fontRef>
+    </dgm:style>
+  </dgm:styleLbl>
+  <dgm:styleLbl name="fgSibTrans2D1">
+    <dgm:scene3d>
+      <a:camera prst="orthographicFront"/>
+      <a:lightRig rig="threePt" dir="t"/>
+    </dgm:scene3d>
+    <dgm:sp3d/>
+    <dgm:txPr/>
+    <dgm:style>
+      <a:lnRef idx="0">
+        <a:scrgbClr r="0" g="0" b="0"/>
+      </a:lnRef>
+      <a:fillRef idx="1">
+        <a:scrgbClr r="0" g="0" b="0"/>
+      </a:fillRef>
+      <a:effectRef idx="0">
+        <a:scrgbClr r="0" g="0" b="0"/>
+      </a:effectRef>
+      <a:fontRef idx="minor">
+        <a:schemeClr val="lt1"/>
+      </a:fontRef>
+    </dgm:style>
+  </dgm:styleLbl>
+  <dgm:styleLbl name="bgSibTrans2D1">
+    <dgm:scene3d>
+      <a:camera prst="orthographicFront"/>
+      <a:lightRig rig="threePt" dir="t"/>
+    </dgm:scene3d>
+    <dgm:sp3d/>
+    <dgm:txPr/>
+    <dgm:style>
+      <a:lnRef idx="0">
+        <a:scrgbClr r="0" g="0" b="0"/>
+      </a:lnRef>
+      <a:fillRef idx="1">
+        <a:scrgbClr r="0" g="0" b="0"/>
+      </a:fillRef>
+      <a:effectRef idx="0">
+        <a:scrgbClr r="0" g="0" b="0"/>
+      </a:effectRef>
+      <a:fontRef idx="minor">
+        <a:schemeClr val="lt1"/>
+      </a:fontRef>
+    </dgm:style>
+  </dgm:styleLbl>
+  <dgm:styleLbl name="sibTrans1D1">
+    <dgm:scene3d>
+      <a:camera prst="orthographicFront"/>
+      <a:lightRig rig="threePt" dir="t"/>
+    </dgm:scene3d>
+    <dgm:sp3d/>
+    <dgm:txPr/>
+    <dgm:style>
+      <a:lnRef idx="1">
+        <a:scrgbClr r="0" g="0" b="0"/>
+      </a:lnRef>
+      <a:fillRef idx="0">
+        <a:scrgbClr r="0" g="0" b="0"/>
+      </a:fillRef>
+      <a:effectRef idx="0">
+        <a:scrgbClr r="0" g="0" b="0"/>
+      </a:effectRef>
+      <a:fontRef idx="minor"/>
+    </dgm:style>
+  </dgm:styleLbl>
+  <dgm:styleLbl name="callout">
+    <dgm:scene3d>
+      <a:camera prst="orthographicFront"/>
+      <a:lightRig rig="threePt" dir="t"/>
+    </dgm:scene3d>
+    <dgm:sp3d/>
+    <dgm:txPr/>
+    <dgm:style>
+      <a:lnRef idx="2">
+        <a:scrgbClr r="0" g="0" b="0"/>
+      </a:lnRef>
+      <a:fillRef idx="1">
+        <a:scrgbClr r="0" g="0" b="0"/>
+      </a:fillRef>
+      <a:effectRef idx="0">
+        <a:scrgbClr r="0" g="0" b="0"/>
+      </a:effectRef>
+      <a:fontRef idx="minor"/>
+    </dgm:style>
+  </dgm:styleLbl>
+  <dgm:styleLbl name="asst0">
+    <dgm:scene3d>
+      <a:camera prst="orthographicFront"/>
+      <a:lightRig rig="threePt" dir="t"/>
+    </dgm:scene3d>
+    <dgm:sp3d/>
+    <dgm:txPr/>
+    <dgm:style>
+      <a:lnRef idx="2">
+        <a:scrgbClr r="0" g="0" b="0"/>
+      </a:lnRef>
+      <a:fillRef idx="1">
+        <a:scrgbClr r="0" g="0" b="0"/>
+      </a:fillRef>
+      <a:effectRef idx="0">
+        <a:scrgbClr r="0" g="0" b="0"/>
+      </a:effectRef>
+      <a:fontRef idx="minor">
+        <a:schemeClr val="lt1"/>
+      </a:fontRef>
+    </dgm:style>
+  </dgm:styleLbl>
+  <dgm:styleLbl name="asst1">
+    <dgm:scene3d>
+      <a:camera prst="orthographicFront"/>
+      <a:lightRig rig="threePt" dir="t"/>
+    </dgm:scene3d>
+    <dgm:sp3d/>
+    <dgm:txPr/>
+    <dgm:style>
+      <a:lnRef idx="2">
+        <a:scrgbClr r="0" g="0" b="0"/>
+      </a:lnRef>
+      <a:fillRef idx="1">
+        <a:scrgbClr r="0" g="0" b="0"/>
+      </a:fillRef>
+      <a:effectRef idx="0">
+        <a:scrgbClr r="0" g="0" b="0"/>
+      </a:effectRef>
+      <a:fontRef idx="minor">
+        <a:schemeClr val="lt1"/>
+      </a:fontRef>
+    </dgm:style>
+  </dgm:styleLbl>
+  <dgm:styleLbl name="asst2">
+    <dgm:scene3d>
+      <a:camera prst="orthographicFront"/>
+      <a:lightRig rig="threePt" dir="t"/>
+    </dgm:scene3d>
+    <dgm:sp3d/>
+    <dgm:txPr/>
+    <dgm:style>
+      <a:lnRef idx="2">
+        <a:scrgbClr r="0" g="0" b="0"/>
+      </a:lnRef>
+      <a:fillRef idx="1">
+        <a:scrgbClr r="0" g="0" b="0"/>
+      </a:fillRef>
+      <a:effectRef idx="0">
+        <a:scrgbClr r="0" g="0" b="0"/>
+      </a:effectRef>
+      <a:fontRef idx="minor">
+        <a:schemeClr val="lt1"/>
+      </a:fontRef>
+    </dgm:style>
+  </dgm:styleLbl>
+  <dgm:styleLbl name="asst3">
+    <dgm:scene3d>
+      <a:camera prst="orthographicFront"/>
+      <a:lightRig rig="threePt" dir="t"/>
+    </dgm:scene3d>
+    <dgm:sp3d/>
+    <dgm:txPr/>
+    <dgm:style>
+      <a:lnRef idx="2">
+        <a:scrgbClr r="0" g="0" b="0"/>
+      </a:lnRef>
+      <a:fillRef idx="1">
+        <a:scrgbClr r="0" g="0" b="0"/>
+      </a:fillRef>
+      <a:effectRef idx="0">
+        <a:scrgbClr r="0" g="0" b="0"/>
+      </a:effectRef>
+      <a:fontRef idx="minor">
+        <a:schemeClr val="lt1"/>
+      </a:fontRef>
+    </dgm:style>
+  </dgm:styleLbl>
+  <dgm:styleLbl name="asst4">
+    <dgm:scene3d>
+      <a:camera prst="orthographicFront"/>
+      <a:lightRig rig="threePt" dir="t"/>
+    </dgm:scene3d>
+    <dgm:sp3d/>
+    <dgm:txPr/>
+    <dgm:style>
+      <a:lnRef idx="2">
+        <a:scrgbClr r="0" g="0" b="0"/>
+      </a:lnRef>
+      <a:fillRef idx="1">
+        <a:scrgbClr r="0" g="0" b="0"/>
+      </a:fillRef>
+      <a:effectRef idx="0">
+        <a:scrgbClr r="0" g="0" b="0"/>
+      </a:effectRef>
+      <a:fontRef idx="minor">
+        <a:schemeClr val="lt1"/>
+      </a:fontRef>
+    </dgm:style>
+  </dgm:styleLbl>
+  <dgm:styleLbl name="parChTrans2D1">
+    <dgm:scene3d>
+      <a:camera prst="orthographicFront"/>
+      <a:lightRig rig="threePt" dir="t"/>
+    </dgm:scene3d>
+    <dgm:sp3d/>
+    <dgm:txPr/>
+    <dgm:style>
+      <a:lnRef idx="2">
+        <a:scrgbClr r="0" g="0" b="0"/>
+      </a:lnRef>
+      <a:fillRef idx="1">
+        <a:scrgbClr r="0" g="0" b="0"/>
+      </a:fillRef>
+      <a:effectRef idx="0">
+        <a:scrgbClr r="0" g="0" b="0"/>
+      </a:effectRef>
+      <a:fontRef idx="minor">
+        <a:schemeClr val="lt1"/>
+      </a:fontRef>
+    </dgm:style>
+  </dgm:styleLbl>
+  <dgm:styleLbl name="parChTrans2D2">
+    <dgm:scene3d>
+      <a:camera prst="orthographicFront"/>
+      <a:lightRig rig="threePt" dir="t"/>
+    </dgm:scene3d>
+    <dgm:sp3d/>
+    <dgm:txPr/>
+    <dgm:style>
+      <a:lnRef idx="2">
+        <a:scrgbClr r="0" g="0" b="0"/>
+      </a:lnRef>
+      <a:fillRef idx="1">
+        <a:scrgbClr r="0" g="0" b="0"/>
+      </a:fillRef>
+      <a:effectRef idx="0">
+        <a:scrgbClr r="0" g="0" b="0"/>
+      </a:effectRef>
+      <a:fontRef idx="minor">
+        <a:schemeClr val="lt1"/>
+      </a:fontRef>
+    </dgm:style>
+  </dgm:styleLbl>
+  <dgm:styleLbl name="parChTrans2D3">
+    <dgm:scene3d>
+      <a:camera prst="orthographicFront"/>
+      <a:lightRig rig="threePt" dir="t"/>
+    </dgm:scene3d>
+    <dgm:sp3d/>
+    <dgm:txPr/>
+    <dgm:style>
+      <a:lnRef idx="2">
+        <a:scrgbClr r="0" g="0" b="0"/>
+      </a:lnRef>
+      <a:fillRef idx="1">
+        <a:scrgbClr r="0" g="0" b="0"/>
+      </a:fillRef>
+      <a:effectRef idx="0">
+        <a:scrgbClr r="0" g="0" b="0"/>
+      </a:effectRef>
+      <a:fontRef idx="minor">
+        <a:schemeClr val="lt1"/>
+      </a:fontRef>
+    </dgm:style>
+  </dgm:styleLbl>
+  <dgm:styleLbl name="parChTrans2D4">
+    <dgm:scene3d>
+      <a:camera prst="orthographicFront"/>
+      <a:lightRig rig="threePt" dir="t"/>
+    </dgm:scene3d>
+    <dgm:sp3d/>
+    <dgm:txPr/>
+    <dgm:style>
+      <a:lnRef idx="2">
+        <a:scrgbClr r="0" g="0" b="0"/>
+      </a:lnRef>
+      <a:fillRef idx="1">
+        <a:scrgbClr r="0" g="0" b="0"/>
+      </a:fillRef>
+      <a:effectRef idx="0">
+        <a:scrgbClr r="0" g="0" b="0"/>
+      </a:effectRef>
+      <a:fontRef idx="minor">
+        <a:schemeClr val="lt1"/>
+      </a:fontRef>
+    </dgm:style>
+  </dgm:styleLbl>
+  <dgm:styleLbl name="parChTrans1D1">
+    <dgm:scene3d>
+      <a:camera prst="orthographicFront"/>
+      <a:lightRig rig="threePt" dir="t"/>
+    </dgm:scene3d>
+    <dgm:sp3d/>
+    <dgm:txPr/>
+    <dgm:style>
+      <a:lnRef idx="2">
+        <a:scrgbClr r="0" g="0" b="0"/>
+      </a:lnRef>
+      <a:fillRef idx="0">
+        <a:scrgbClr r="0" g="0" b="0"/>
+      </a:fillRef>
+      <a:effectRef idx="0">
+        <a:scrgbClr r="0" g="0" b="0"/>
+      </a:effectRef>
+      <a:fontRef idx="minor"/>
+    </dgm:style>
+  </dgm:styleLbl>
+  <dgm:styleLbl name="parChTrans1D2">
+    <dgm:scene3d>
+      <a:camera prst="orthographicFront"/>
+      <a:lightRig rig="threePt" dir="t"/>
+    </dgm:scene3d>
+    <dgm:sp3d/>
+    <dgm:txPr/>
+    <dgm:style>
+      <a:lnRef idx="2">
+        <a:scrgbClr r="0" g="0" b="0"/>
+      </a:lnRef>
+      <a:fillRef idx="0">
+        <a:scrgbClr r="0" g="0" b="0"/>
+      </a:fillRef>
+      <a:effectRef idx="0">
+        <a:scrgbClr r="0" g="0" b="0"/>
+      </a:effectRef>
+      <a:fontRef idx="minor"/>
+    </dgm:style>
+  </dgm:styleLbl>
+  <dgm:styleLbl name="parChTrans1D3">
+    <dgm:scene3d>
+      <a:camera prst="orthographicFront"/>
+      <a:lightRig rig="threePt" dir="t"/>
+    </dgm:scene3d>
+    <dgm:sp3d/>
+    <dgm:txPr/>
+    <dgm:style>
+      <a:lnRef idx="2">
+        <a:scrgbClr r="0" g="0" b="0"/>
+      </a:lnRef>
+      <a:fillRef idx="0">
+        <a:scrgbClr r="0" g="0" b="0"/>
+      </a:fillRef>
+      <a:effectRef idx="0">
+        <a:scrgbClr r="0" g="0" b="0"/>
+      </a:effectRef>
+      <a:fontRef idx="minor"/>
+    </dgm:style>
+  </dgm:styleLbl>
+  <dgm:styleLbl name="parChTrans1D4">
+    <dgm:scene3d>
+      <a:camera prst="orthographicFront"/>
+      <a:lightRig rig="threePt" dir="t"/>
+    </dgm:scene3d>
+    <dgm:sp3d/>
+    <dgm:txPr/>
+    <dgm:style>
+      <a:lnRef idx="2">
+        <a:scrgbClr r="0" g="0" b="0"/>
+      </a:lnRef>
+      <a:fillRef idx="0">
+        <a:scrgbClr r="0" g="0" b="0"/>
+      </a:fillRef>
+      <a:effectRef idx="0">
+        <a:scrgbClr r="0" g="0" b="0"/>
+      </a:effectRef>
+      <a:fontRef idx="minor"/>
+    </dgm:style>
+  </dgm:styleLbl>
+  <dgm:styleLbl name="fgAcc1">
+    <dgm:scene3d>
+      <a:camera prst="orthographicFront"/>
+      <a:lightRig rig="threePt" dir="t"/>
+    </dgm:scene3d>
+    <dgm:sp3d/>
+    <dgm:txPr/>
+    <dgm:style>
+      <a:lnRef idx="2">
+        <a:scrgbClr r="0" g="0" b="0"/>
+      </a:lnRef>
+      <a:fillRef idx="1">
+        <a:scrgbClr r="0" g="0" b="0"/>
+      </a:fillRef>
+      <a:effectRef idx="0">
+        <a:scrgbClr r="0" g="0" b="0"/>
+      </a:effectRef>
+      <a:fontRef idx="minor"/>
+    </dgm:style>
+  </dgm:styleLbl>
+  <dgm:styleLbl name="conFgAcc1">
+    <dgm:scene3d>
+      <a:camera prst="orthographicFront"/>
+      <a:lightRig rig="threePt" dir="t"/>
+    </dgm:scene3d>
+    <dgm:sp3d/>
+    <dgm:txPr/>
+    <dgm:style>
+      <a:lnRef idx="2">
+        <a:scrgbClr r="0" g="0" b="0"/>
+      </a:lnRef>
+      <a:fillRef idx="1">
+        <a:scrgbClr r="0" g="0" b="0"/>
+      </a:fillRef>
+      <a:effectRef idx="0">
+        <a:scrgbClr r="0" g="0" b="0"/>
+      </a:effectRef>
+      <a:fontRef idx="minor"/>
+    </dgm:style>
+  </dgm:styleLbl>
+  <dgm:styleLbl name="alignAcc1">
+    <dgm:scene3d>
+      <a:camera prst="orthographicFront"/>
+      <a:lightRig rig="threePt" dir="t"/>
+    </dgm:scene3d>
+    <dgm:sp3d/>
+    <dgm:txPr/>
+    <dgm:style>
+      <a:lnRef idx="2">
+        <a:scrgbClr r="0" g="0" b="0"/>
+      </a:lnRef>
+      <a:fillRef idx="1">
+        <a:scrgbClr r="0" g="0" b="0"/>
+      </a:fillRef>
+      <a:effectRef idx="0">
+        <a:scrgbClr r="0" g="0" b="0"/>
+      </a:effectRef>
+      <a:fontRef idx="minor"/>
+    </dgm:style>
+  </dgm:styleLbl>
+  <dgm:styleLbl name="trAlignAcc1">
+    <dgm:scene3d>
+      <a:camera prst="orthographicFront"/>
+      <a:lightRig rig="threePt" dir="t"/>
+    </dgm:scene3d>
+    <dgm:sp3d/>
+    <dgm:txPr/>
+    <dgm:style>
+      <a:lnRef idx="1">
+        <a:scrgbClr r="0" g="0" b="0"/>
+      </a:lnRef>
+      <a:fillRef idx="1">
+        <a:scrgbClr r="0" g="0" b="0"/>
+      </a:fillRef>
+      <a:effectRef idx="0">
+        <a:scrgbClr r="0" g="0" b="0"/>
+      </a:effectRef>
+      <a:fontRef idx="minor"/>
+    </dgm:style>
+  </dgm:styleLbl>
+  <dgm:styleLbl name="bgAcc1">
+    <dgm:scene3d>
+      <a:camera prst="orthographicFront"/>
+      <a:lightRig rig="threePt" dir="t"/>
+    </dgm:scene3d>
+    <dgm:sp3d/>
+    <dgm:txPr/>
+    <dgm:style>
+      <a:lnRef idx="2">
+        <a:scrgbClr r="0" g="0" b="0"/>
+      </a:lnRef>
+      <a:fillRef idx="1">
+        <a:scrgbClr r="0" g="0" b="0"/>
+      </a:fillRef>
+      <a:effectRef idx="0">
+        <a:scrgbClr r="0" g="0" b="0"/>
+      </a:effectRef>
+      <a:fontRef idx="minor"/>
+    </dgm:style>
+  </dgm:styleLbl>
+  <dgm:styleLbl name="solidFgAcc1">
+    <dgm:scene3d>
+      <a:camera prst="orthographicFront"/>
+      <a:lightRig rig="threePt" dir="t"/>
+    </dgm:scene3d>
+    <dgm:sp3d/>
+    <dgm:txPr/>
+    <dgm:style>
+      <a:lnRef idx="2">
+        <a:scrgbClr r="0" g="0" b="0"/>
+      </a:lnRef>
+      <a:fillRef idx="1">
+        <a:scrgbClr r="0" g="0" b="0"/>
+      </a:fillRef>
+      <a:effectRef idx="0">
+        <a:scrgbClr r="0" g="0" b="0"/>
+      </a:effectRef>
+      <a:fontRef idx="minor"/>
+    </dgm:style>
+  </dgm:styleLbl>
+  <dgm:styleLbl name="solidAlignAcc1">
+    <dgm:scene3d>
+      <a:camera prst="orthographicFront"/>
+      <a:lightRig rig="threePt" dir="t"/>
+    </dgm:scene3d>
+    <dgm:sp3d/>
+    <dgm:txPr/>
+    <dgm:style>
+      <a:lnRef idx="2">
+        <a:scrgbClr r="0" g="0" b="0"/>
+      </a:lnRef>
+      <a:fillRef idx="1">
+        <a:scrgbClr r="0" g="0" b="0"/>
+      </a:fillRef>
+      <a:effectRef idx="0">
+        <a:scrgbClr r="0" g="0" b="0"/>
+      </a:effectRef>
+      <a:fontRef idx="minor"/>
+    </dgm:style>
+  </dgm:styleLbl>
+  <dgm:styleLbl name="solidBgAcc1">
+    <dgm:scene3d>
+      <a:camera prst="orthographicFront"/>
+      <a:lightRig rig="threePt" dir="t"/>
+    </dgm:scene3d>
+    <dgm:sp3d/>
+    <dgm:txPr/>
+    <dgm:style>
+      <a:lnRef idx="2">
+        <a:scrgbClr r="0" g="0" b="0"/>
+      </a:lnRef>
+      <a:fillRef idx="1">
+        <a:scrgbClr r="0" g="0" b="0"/>
+      </a:fillRef>
+      <a:effectRef idx="0">
+        <a:scrgbClr r="0" g="0" b="0"/>
+      </a:effectRef>
+      <a:fontRef idx="minor"/>
+    </dgm:style>
+  </dgm:styleLbl>
+  <dgm:styleLbl name="fgAccFollowNode1">
+    <dgm:scene3d>
+      <a:camera prst="orthographicFront"/>
+      <a:lightRig rig="threePt" dir="t"/>
+    </dgm:scene3d>
+    <dgm:sp3d/>
+    <dgm:txPr/>
+    <dgm:style>
+      <a:lnRef idx="2">
+        <a:scrgbClr r="0" g="0" b="0"/>
+      </a:lnRef>
+      <a:fillRef idx="1">
+        <a:scrgbClr r="0" g="0" b="0"/>
+      </a:fillRef>
+      <a:effectRef idx="0">
+        <a:scrgbClr r="0" g="0" b="0"/>
+      </a:effectRef>
+      <a:fontRef idx="minor"/>
+    </dgm:style>
+  </dgm:styleLbl>
+  <dgm:styleLbl name="alignAccFollowNode1">
+    <dgm:scene3d>
+      <a:camera prst="orthographicFront"/>
+      <a:lightRig rig="threePt" dir="t"/>
+    </dgm:scene3d>
+    <dgm:sp3d/>
+    <dgm:txPr/>
+    <dgm:style>
+      <a:lnRef idx="2">
+        <a:scrgbClr r="0" g="0" b="0"/>
+      </a:lnRef>
+      <a:fillRef idx="1">
+        <a:scrgbClr r="0" g="0" b="0"/>
+      </a:fillRef>
+      <a:effectRef idx="0">
+        <a:scrgbClr r="0" g="0" b="0"/>
+      </a:effectRef>
+      <a:fontRef idx="minor"/>
+    </dgm:style>
+  </dgm:styleLbl>
+  <dgm:styleLbl name="bgAccFollowNode1">
+    <dgm:scene3d>
+      <a:camera prst="orthographicFront"/>
+      <a:lightRig rig="threePt" dir="t"/>
+    </dgm:scene3d>
+    <dgm:sp3d/>
+    <dgm:txPr/>
+    <dgm:style>
+      <a:lnRef idx="2">
+        <a:scrgbClr r="0" g="0" b="0"/>
+      </a:lnRef>
+      <a:fillRef idx="1">
+        <a:scrgbClr r="0" g="0" b="0"/>
+      </a:fillRef>
+      <a:effectRef idx="0">
+        <a:scrgbClr r="0" g="0" b="0"/>
+      </a:effectRef>
+      <a:fontRef idx="minor"/>
+    </dgm:style>
+  </dgm:styleLbl>
+  <dgm:styleLbl name="fgAcc0">
+    <dgm:scene3d>
+      <a:camera prst="orthographicFront"/>
+      <a:lightRig rig="threePt" dir="t"/>
+    </dgm:scene3d>
+    <dgm:sp3d/>
+    <dgm:txPr/>
+    <dgm:style>
+      <a:lnRef idx="2">
+        <a:scrgbClr r="0" g="0" b="0"/>
+      </a:lnRef>
+      <a:fillRef idx="1">
+        <a:scrgbClr r="0" g="0" b="0"/>
+      </a:fillRef>
+      <a:effectRef idx="0">
+        <a:scrgbClr r="0" g="0" b="0"/>
+      </a:effectRef>
+      <a:fontRef idx="minor"/>
+    </dgm:style>
+  </dgm:styleLbl>
+  <dgm:styleLbl name="fgAcc2">
+    <dgm:scene3d>
+      <a:camera prst="orthographicFront"/>
+      <a:lightRig rig="threePt" dir="t"/>
+    </dgm:scene3d>
+    <dgm:sp3d/>
+    <dgm:txPr/>
+    <dgm:style>
+      <a:lnRef idx="2">
+        <a:scrgbClr r="0" g="0" b="0"/>
+      </a:lnRef>
+      <a:fillRef idx="1">
+        <a:scrgbClr r="0" g="0" b="0"/>
+      </a:fillRef>
+      <a:effectRef idx="0">
+        <a:scrgbClr r="0" g="0" b="0"/>
+      </a:effectRef>
+      <a:fontRef idx="minor"/>
+    </dgm:style>
+  </dgm:styleLbl>
+  <dgm:styleLbl name="fgAcc3">
+    <dgm:scene3d>
+      <a:camera prst="orthographicFront"/>
+      <a:lightRig rig="threePt" dir="t"/>
+    </dgm:scene3d>
+    <dgm:sp3d/>
+    <dgm:txPr/>
+    <dgm:style>
+      <a:lnRef idx="2">
+        <a:scrgbClr r="0" g="0" b="0"/>
+      </a:lnRef>
+      <a:fillRef idx="1">
+        <a:scrgbClr r="0" g="0" b="0"/>
+      </a:fillRef>
+      <a:effectRef idx="0">
+        <a:scrgbClr r="0" g="0" b="0"/>
+      </a:effectRef>
+      <a:fontRef idx="minor"/>
+    </dgm:style>
+  </dgm:styleLbl>
+  <dgm:styleLbl name="fgAcc4">
+    <dgm:scene3d>
+      <a:camera prst="orthographicFront"/>
+      <a:lightRig rig="threePt" dir="t"/>
+    </dgm:scene3d>
+    <dgm:sp3d/>
+    <dgm:txPr/>
+    <dgm:style>
+      <a:lnRef idx="2">
+        <a:scrgbClr r="0" g="0" b="0"/>
+      </a:lnRef>
+      <a:fillRef idx="1">
+        <a:scrgbClr r="0" g="0" b="0"/>
+      </a:fillRef>
+      <a:effectRef idx="0">
+        <a:scrgbClr r="0" g="0" b="0"/>
+      </a:effectRef>
+      <a:fontRef idx="minor"/>
+    </dgm:style>
+  </dgm:styleLbl>
+  <dgm:styleLbl name="bgShp">
+    <dgm:scene3d>
+      <a:camera prst="orthographicFront"/>
+      <a:lightRig rig="threePt" dir="t"/>
+    </dgm:scene3d>
+    <dgm:sp3d/>
+    <dgm:txPr/>
+    <dgm:style>
+      <a:lnRef idx="0">
+        <a:scrgbClr r="0" g="0" b="0"/>
+      </a:lnRef>
+      <a:fillRef idx="1">
+        <a:scrgbClr r="0" g="0" b="0"/>
+      </a:fillRef>
+      <a:effectRef idx="0">
+        <a:scrgbClr r="0" g="0" b="0"/>
+      </a:effectRef>
+      <a:fontRef idx="minor"/>
+    </dgm:style>
+  </dgm:styleLbl>
+  <dgm:styleLbl name="dkBgShp">
+    <dgm:scene3d>
+      <a:camera prst="orthographicFront"/>
+      <a:lightRig rig="threePt" dir="t"/>
+    </dgm:scene3d>
+    <dgm:sp3d/>
+    <dgm:txPr/>
+    <dgm:style>
+      <a:lnRef idx="0">
+        <a:scrgbClr r="0" g="0" b="0"/>
+      </a:lnRef>
+      <a:fillRef idx="1">
+        <a:scrgbClr r="0" g="0" b="0"/>
+      </a:fillRef>
+      <a:effectRef idx="0">
+        <a:scrgbClr r="0" g="0" b="0"/>
+      </a:effectRef>
+      <a:fontRef idx="minor"/>
+    </dgm:style>
+  </dgm:styleLbl>
+  <dgm:styleLbl name="trBgShp">
+    <dgm:scene3d>
+      <a:camera prst="orthographicFront"/>
+      <a:lightRig rig="threePt" dir="t"/>
+    </dgm:scene3d>
+    <dgm:sp3d/>
+    <dgm:txPr/>
+    <dgm:style>
+      <a:lnRef idx="0">
+        <a:scrgbClr r="0" g="0" b="0"/>
+      </a:lnRef>
+      <a:fillRef idx="1">
+        <a:scrgbClr r="0" g="0" b="0"/>
+      </a:fillRef>
+      <a:effectRef idx="0">
+        <a:scrgbClr r="0" g="0" b="0"/>
+      </a:effectRef>
+      <a:fontRef idx="minor"/>
+    </dgm:style>
+  </dgm:styleLbl>
+  <dgm:styleLbl name="fgShp">
+    <dgm:scene3d>
+      <a:camera prst="orthographicFront"/>
+      <a:lightRig rig="threePt" dir="t"/>
+    </dgm:scene3d>
+    <dgm:sp3d/>
+    <dgm:txPr/>
+    <dgm:style>
+      <a:lnRef idx="2">
+        <a:scrgbClr r="0" g="0" b="0"/>
+      </a:lnRef>
+      <a:fillRef idx="1">
+        <a:scrgbClr r="0" g="0" b="0"/>
+      </a:fillRef>
+      <a:effectRef idx="0">
+        <a:scrgbClr r="0" g="0" b="0"/>
+      </a:effectRef>
+      <a:fontRef idx="minor"/>
+    </dgm:style>
+  </dgm:styleLbl>
+  <dgm:styleLbl name="revTx">
+    <dgm:scene3d>
+      <a:camera prst="orthographicFront"/>
+      <a:lightRig rig="threePt" dir="t"/>
+    </dgm:scene3d>
+    <dgm:sp3d/>
+    <dgm:txPr/>
+    <dgm:style>
+      <a:lnRef idx="0">
+        <a:scrgbClr r="0" g="0" b="0"/>
+      </a:lnRef>
+      <a:fillRef idx="0">
+        <a:scrgbClr r="0" g="0" b="0"/>
+      </a:fillRef>
+      <a:effectRef idx="0">
+        <a:scrgbClr r="0" g="0" b="0"/>
+      </a:effectRef>
+      <a:fontRef idx="minor"/>
+    </dgm:style>
+  </dgm:styleLbl>
+</dgm:styleDef>
+</file>
+
+<file path=ppt/diagrams/quickStyle4.xml><?xml version="1.0" encoding="utf-8"?>
 <dgm:styleDef xmlns:dgm="http://schemas.openxmlformats.org/drawingml/2006/diagram" xmlns:a="http://schemas.openxmlformats.org/drawingml/2006/main" uniqueId="urn:microsoft.com/office/officeart/2005/8/quickstyle/simple1">
   <dgm:title val=""/>
   <dgm:desc val=""/>
@@ -13063,7 +16426,7 @@
           <a:p>
             <a:fld id="{6CD5550B-26C4-49A9-A5BA-636EF7BE6CE9}" type="datetimeFigureOut">
               <a:rPr lang="ko-KR" altLang="en-US" smtClean="0"/>
-              <a:t>2020-04-26</a:t>
+              <a:t>2020-07-11</a:t>
             </a:fld>
             <a:endParaRPr lang="ko-KR" altLang="en-US"/>
           </a:p>
@@ -13530,6 +16893,106 @@
 </p:notes>
 </file>
 
+<file path=ppt/notesSlides/notesSlide3.xml><?xml version="1.0" encoding="utf-8"?>
+<p:notes xmlns:a="http://schemas.openxmlformats.org/drawingml/2006/main" xmlns:r="http://schemas.openxmlformats.org/officeDocument/2006/relationships" xmlns:p="http://schemas.openxmlformats.org/presentationml/2006/main">
+  <p:cSld>
+    <p:spTree>
+      <p:nvGrpSpPr>
+        <p:cNvPr id="1" name=""/>
+        <p:cNvGrpSpPr/>
+        <p:nvPr/>
+      </p:nvGrpSpPr>
+      <p:grpSpPr>
+        <a:xfrm>
+          <a:off x="0" y="0"/>
+          <a:ext cx="0" cy="0"/>
+          <a:chOff x="0" y="0"/>
+          <a:chExt cx="0" cy="0"/>
+        </a:xfrm>
+      </p:grpSpPr>
+      <p:sp>
+        <p:nvSpPr>
+          <p:cNvPr id="2" name="슬라이드 이미지 개체 틀 1"/>
+          <p:cNvSpPr>
+            <a:spLocks noGrp="1" noRot="1" noChangeAspect="1"/>
+          </p:cNvSpPr>
+          <p:nvPr>
+            <p:ph type="sldImg"/>
+          </p:nvPr>
+        </p:nvSpPr>
+        <p:spPr/>
+      </p:sp>
+      <p:sp>
+        <p:nvSpPr>
+          <p:cNvPr id="3" name="슬라이드 노트 개체 틀 2"/>
+          <p:cNvSpPr>
+            <a:spLocks noGrp="1"/>
+          </p:cNvSpPr>
+          <p:nvPr>
+            <p:ph type="body" idx="1"/>
+          </p:nvPr>
+        </p:nvSpPr>
+        <p:spPr/>
+        <p:txBody>
+          <a:bodyPr/>
+          <a:lstStyle/>
+          <a:p>
+            <a:r>
+              <a:rPr lang="en-US" altLang="ko-KR" dirty="0"/>
+              <a:t>1. </a:t>
+            </a:r>
+            <a:r>
+              <a:rPr lang="en-US" altLang="ko-KR" dirty="0" err="1"/>
+              <a:t>AppArmor</a:t>
+            </a:r>
+            <a:r>
+              <a:rPr lang="en-US" altLang="ko-KR" baseline="0" dirty="0"/>
+              <a:t> </a:t>
+            </a:r>
+            <a:r>
+              <a:rPr lang="ko-KR" altLang="en-US" baseline="0" dirty="0"/>
+              <a:t>변경 권한</a:t>
+            </a:r>
+            <a:endParaRPr lang="ko-KR" altLang="en-US" dirty="0"/>
+          </a:p>
+        </p:txBody>
+      </p:sp>
+      <p:sp>
+        <p:nvSpPr>
+          <p:cNvPr id="4" name="슬라이드 번호 개체 틀 3"/>
+          <p:cNvSpPr>
+            <a:spLocks noGrp="1"/>
+          </p:cNvSpPr>
+          <p:nvPr>
+            <p:ph type="sldNum" sz="quarter" idx="10"/>
+          </p:nvPr>
+        </p:nvSpPr>
+        <p:spPr/>
+        <p:txBody>
+          <a:bodyPr/>
+          <a:lstStyle/>
+          <a:p>
+            <a:fld id="{BA5DFA43-8D57-47FB-BC46-057616015C3B}" type="slidenum">
+              <a:rPr lang="ko-KR" altLang="en-US" smtClean="0"/>
+              <a:t>4</a:t>
+            </a:fld>
+            <a:endParaRPr lang="ko-KR" altLang="en-US"/>
+          </a:p>
+        </p:txBody>
+      </p:sp>
+    </p:spTree>
+    <p:extLst>
+      <p:ext uri="{BB962C8B-B14F-4D97-AF65-F5344CB8AC3E}">
+        <p14:creationId xmlns:p14="http://schemas.microsoft.com/office/powerpoint/2010/main" val="1767295148"/>
+      </p:ext>
+    </p:extLst>
+  </p:cSld>
+  <p:clrMapOvr>
+    <a:masterClrMapping/>
+  </p:clrMapOvr>
+</p:notes>
+</file>
+
 <file path=ppt/slideLayouts/slideLayout1.xml><?xml version="1.0" encoding="utf-8"?>
 <p:sldLayout xmlns:a="http://schemas.openxmlformats.org/drawingml/2006/main" xmlns:r="http://schemas.openxmlformats.org/officeDocument/2006/relationships" xmlns:p="http://schemas.openxmlformats.org/presentationml/2006/main" type="title" preserve="1">
   <p:cSld name="제목 슬라이드">
@@ -13709,7 +17172,7 @@
           <a:p>
             <a:fld id="{FB30EDBD-1C2D-4C1E-B459-B60219FAB484}" type="datetimeFigureOut">
               <a:rPr lang="ko-KR" altLang="en-US" smtClean="0"/>
-              <a:t>2020-04-26</a:t>
+              <a:t>2020-07-11</a:t>
             </a:fld>
             <a:endParaRPr lang="ko-KR" altLang="en-US"/>
           </a:p>
@@ -13872,7 +17335,7 @@
           <a:p>
             <a:fld id="{FB30EDBD-1C2D-4C1E-B459-B60219FAB484}" type="datetimeFigureOut">
               <a:rPr lang="ko-KR" altLang="en-US" smtClean="0"/>
-              <a:t>2020-04-26</a:t>
+              <a:t>2020-07-11</a:t>
             </a:fld>
             <a:endParaRPr lang="ko-KR" altLang="en-US"/>
           </a:p>
@@ -14045,7 +17508,7 @@
           <a:p>
             <a:fld id="{FB30EDBD-1C2D-4C1E-B459-B60219FAB484}" type="datetimeFigureOut">
               <a:rPr lang="ko-KR" altLang="en-US" smtClean="0"/>
-              <a:t>2020-04-26</a:t>
+              <a:t>2020-07-11</a:t>
             </a:fld>
             <a:endParaRPr lang="ko-KR" altLang="en-US"/>
           </a:p>
@@ -14208,7 +17671,7 @@
           <a:p>
             <a:fld id="{FB30EDBD-1C2D-4C1E-B459-B60219FAB484}" type="datetimeFigureOut">
               <a:rPr lang="ko-KR" altLang="en-US" smtClean="0"/>
-              <a:t>2020-04-26</a:t>
+              <a:t>2020-07-11</a:t>
             </a:fld>
             <a:endParaRPr lang="ko-KR" altLang="en-US"/>
           </a:p>
@@ -14448,7 +17911,7 @@
           <a:p>
             <a:fld id="{FB30EDBD-1C2D-4C1E-B459-B60219FAB484}" type="datetimeFigureOut">
               <a:rPr lang="ko-KR" altLang="en-US" smtClean="0"/>
-              <a:t>2020-04-26</a:t>
+              <a:t>2020-07-11</a:t>
             </a:fld>
             <a:endParaRPr lang="ko-KR" altLang="en-US"/>
           </a:p>
@@ -14728,7 +18191,7 @@
           <a:p>
             <a:fld id="{FB30EDBD-1C2D-4C1E-B459-B60219FAB484}" type="datetimeFigureOut">
               <a:rPr lang="ko-KR" altLang="en-US" smtClean="0"/>
-              <a:t>2020-04-26</a:t>
+              <a:t>2020-07-11</a:t>
             </a:fld>
             <a:endParaRPr lang="ko-KR" altLang="en-US"/>
           </a:p>
@@ -15142,7 +18605,7 @@
           <a:p>
             <a:fld id="{FB30EDBD-1C2D-4C1E-B459-B60219FAB484}" type="datetimeFigureOut">
               <a:rPr lang="ko-KR" altLang="en-US" smtClean="0"/>
-              <a:t>2020-04-26</a:t>
+              <a:t>2020-07-11</a:t>
             </a:fld>
             <a:endParaRPr lang="ko-KR" altLang="en-US"/>
           </a:p>
@@ -15254,7 +18717,7 @@
           <a:p>
             <a:fld id="{FB30EDBD-1C2D-4C1E-B459-B60219FAB484}" type="datetimeFigureOut">
               <a:rPr lang="ko-KR" altLang="en-US" smtClean="0"/>
-              <a:t>2020-04-26</a:t>
+              <a:t>2020-07-11</a:t>
             </a:fld>
             <a:endParaRPr lang="ko-KR" altLang="en-US"/>
           </a:p>
@@ -15344,7 +18807,7 @@
           <a:p>
             <a:fld id="{FB30EDBD-1C2D-4C1E-B459-B60219FAB484}" type="datetimeFigureOut">
               <a:rPr lang="ko-KR" altLang="en-US" smtClean="0"/>
-              <a:t>2020-04-26</a:t>
+              <a:t>2020-07-11</a:t>
             </a:fld>
             <a:endParaRPr lang="ko-KR" altLang="en-US"/>
           </a:p>
@@ -15614,7 +19077,7 @@
           <a:p>
             <a:fld id="{FB30EDBD-1C2D-4C1E-B459-B60219FAB484}" type="datetimeFigureOut">
               <a:rPr lang="ko-KR" altLang="en-US" smtClean="0"/>
-              <a:t>2020-04-26</a:t>
+              <a:t>2020-07-11</a:t>
             </a:fld>
             <a:endParaRPr lang="ko-KR" altLang="en-US"/>
           </a:p>
@@ -15861,7 +19324,7 @@
           <a:p>
             <a:fld id="{FB30EDBD-1C2D-4C1E-B459-B60219FAB484}" type="datetimeFigureOut">
               <a:rPr lang="ko-KR" altLang="en-US" smtClean="0"/>
-              <a:t>2020-04-26</a:t>
+              <a:t>2020-07-11</a:t>
             </a:fld>
             <a:endParaRPr lang="ko-KR" altLang="en-US"/>
           </a:p>
@@ -16067,7 +19530,7 @@
           <a:p>
             <a:fld id="{FB30EDBD-1C2D-4C1E-B459-B60219FAB484}" type="datetimeFigureOut">
               <a:rPr lang="ko-KR" altLang="en-US" smtClean="0"/>
-              <a:t>2020-04-26</a:t>
+              <a:t>2020-07-11</a:t>
             </a:fld>
             <a:endParaRPr lang="ko-KR" altLang="en-US"/>
           </a:p>
@@ -16860,7 +20323,7 @@
         </p:spPr>
         <p:txBody>
           <a:bodyPr>
-            <a:normAutofit/>
+            <a:normAutofit fontScale="90000"/>
           </a:bodyPr>
           <a:lstStyle/>
           <a:p>
@@ -16874,7 +20337,7 @@
             </a:r>
             <a:r>
               <a:rPr lang="en-US" altLang="ko-KR"/>
-              <a:t>Process</a:t>
+              <a:t>Process with PID Namespace</a:t>
             </a:r>
             <a:endParaRPr lang="ko-KR" altLang="en-US" dirty="0"/>
           </a:p>
@@ -18353,6 +21816,644 @@
 </p:sld>
 </file>
 
+<file path=ppt/slides/slide3.xml><?xml version="1.0" encoding="utf-8"?>
+<p:sld xmlns:a="http://schemas.openxmlformats.org/drawingml/2006/main" xmlns:r="http://schemas.openxmlformats.org/officeDocument/2006/relationships" xmlns:p="http://schemas.openxmlformats.org/presentationml/2006/main">
+  <p:cSld>
+    <p:spTree>
+      <p:nvGrpSpPr>
+        <p:cNvPr id="1" name=""/>
+        <p:cNvGrpSpPr/>
+        <p:nvPr/>
+      </p:nvGrpSpPr>
+      <p:grpSpPr>
+        <a:xfrm>
+          <a:off x="0" y="0"/>
+          <a:ext cx="0" cy="0"/>
+          <a:chOff x="0" y="0"/>
+          <a:chExt cx="0" cy="0"/>
+        </a:xfrm>
+      </p:grpSpPr>
+    </p:spTree>
+    <p:extLst>
+      <p:ext uri="{BB962C8B-B14F-4D97-AF65-F5344CB8AC3E}">
+        <p14:creationId xmlns:p14="http://schemas.microsoft.com/office/powerpoint/2010/main" val="176225283"/>
+      </p:ext>
+    </p:extLst>
+  </p:cSld>
+  <p:clrMapOvr>
+    <a:masterClrMapping/>
+  </p:clrMapOvr>
+</p:sld>
+</file>
+
+<file path=ppt/slides/slide4.xml><?xml version="1.0" encoding="utf-8"?>
+<p:sld xmlns:a="http://schemas.openxmlformats.org/drawingml/2006/main" xmlns:r="http://schemas.openxmlformats.org/officeDocument/2006/relationships" xmlns:p="http://schemas.openxmlformats.org/presentationml/2006/main">
+  <p:cSld>
+    <p:spTree>
+      <p:nvGrpSpPr>
+        <p:cNvPr id="1" name=""/>
+        <p:cNvGrpSpPr/>
+        <p:nvPr/>
+      </p:nvGrpSpPr>
+      <p:grpSpPr>
+        <a:xfrm>
+          <a:off x="0" y="0"/>
+          <a:ext cx="0" cy="0"/>
+          <a:chOff x="0" y="0"/>
+          <a:chExt cx="0" cy="0"/>
+        </a:xfrm>
+      </p:grpSpPr>
+      <p:sp>
+        <p:nvSpPr>
+          <p:cNvPr id="6" name="제목 1"/>
+          <p:cNvSpPr>
+            <a:spLocks noGrp="1"/>
+          </p:cNvSpPr>
+          <p:nvPr>
+            <p:ph type="title"/>
+          </p:nvPr>
+        </p:nvSpPr>
+        <p:spPr>
+          <a:xfrm>
+            <a:off x="457200" y="-20538"/>
+            <a:ext cx="8229600" cy="857250"/>
+          </a:xfrm>
+        </p:spPr>
+        <p:txBody>
+          <a:bodyPr>
+            <a:normAutofit/>
+          </a:bodyPr>
+          <a:lstStyle/>
+          <a:p>
+            <a:r>
+              <a:rPr lang="en-US" altLang="ko-KR"/>
+              <a:t>Orphan, Zombie</a:t>
+            </a:r>
+            <a:r>
+              <a:rPr lang="ko-KR" altLang="en-US"/>
+              <a:t> </a:t>
+            </a:r>
+            <a:r>
+              <a:rPr lang="en-US" altLang="ko-KR"/>
+              <a:t>Process</a:t>
+            </a:r>
+            <a:endParaRPr lang="ko-KR" altLang="en-US" dirty="0"/>
+          </a:p>
+        </p:txBody>
+      </p:sp>
+      <p:grpSp>
+        <p:nvGrpSpPr>
+          <p:cNvPr id="19" name="그룹 18">
+            <a:extLst>
+              <a:ext uri="{FF2B5EF4-FFF2-40B4-BE49-F238E27FC236}">
+                <a16:creationId xmlns:a16="http://schemas.microsoft.com/office/drawing/2014/main" id="{3845BC61-B64B-408F-AF14-D12B40767D1B}"/>
+              </a:ext>
+            </a:extLst>
+          </p:cNvPr>
+          <p:cNvGrpSpPr/>
+          <p:nvPr/>
+        </p:nvGrpSpPr>
+        <p:grpSpPr>
+          <a:xfrm>
+            <a:off x="1687799" y="987575"/>
+            <a:ext cx="5620505" cy="2520279"/>
+            <a:chOff x="1687799" y="987575"/>
+            <a:chExt cx="5620505" cy="2520279"/>
+          </a:xfrm>
+        </p:grpSpPr>
+        <p:graphicFrame>
+          <p:nvGraphicFramePr>
+            <p:cNvPr id="13" name="다이어그램 12">
+              <a:extLst>
+                <a:ext uri="{FF2B5EF4-FFF2-40B4-BE49-F238E27FC236}">
+                  <a16:creationId xmlns:a16="http://schemas.microsoft.com/office/drawing/2014/main" id="{AB8D47B9-7DE0-40E3-BC35-ADC2896EFC5B}"/>
+                </a:ext>
+              </a:extLst>
+            </p:cNvPr>
+            <p:cNvGraphicFramePr/>
+            <p:nvPr>
+              <p:extLst>
+                <p:ext uri="{D42A27DB-BD31-4B8C-83A1-F6EECF244321}">
+                  <p14:modId xmlns:p14="http://schemas.microsoft.com/office/powerpoint/2010/main" val="1867733420"/>
+                </p:ext>
+              </p:extLst>
+            </p:nvPr>
+          </p:nvGraphicFramePr>
+          <p:xfrm>
+            <a:off x="1687799" y="987575"/>
+            <a:ext cx="5620505" cy="2520279"/>
+          </p:xfrm>
+          <a:graphic>
+            <a:graphicData uri="http://schemas.openxmlformats.org/drawingml/2006/diagram">
+              <dgm:relIds xmlns:dgm="http://schemas.openxmlformats.org/drawingml/2006/diagram" xmlns:r="http://schemas.openxmlformats.org/officeDocument/2006/relationships" r:dm="rId3" r:lo="rId4" r:qs="rId5" r:cs="rId6"/>
+            </a:graphicData>
+          </a:graphic>
+        </p:graphicFrame>
+        <p:grpSp>
+          <p:nvGrpSpPr>
+            <p:cNvPr id="26" name="그룹 25">
+              <a:extLst>
+                <a:ext uri="{FF2B5EF4-FFF2-40B4-BE49-F238E27FC236}">
+                  <a16:creationId xmlns:a16="http://schemas.microsoft.com/office/drawing/2014/main" id="{0BE81697-D119-4021-B6B8-B1CD076AF2BA}"/>
+                </a:ext>
+              </a:extLst>
+            </p:cNvPr>
+            <p:cNvGrpSpPr/>
+            <p:nvPr/>
+          </p:nvGrpSpPr>
+          <p:grpSpPr>
+            <a:xfrm>
+              <a:off x="3926115" y="1888895"/>
+              <a:ext cx="196638" cy="179920"/>
+              <a:chOff x="2339752" y="1995686"/>
+              <a:chExt cx="1368152" cy="432048"/>
+            </a:xfrm>
+          </p:grpSpPr>
+          <p:cxnSp>
+            <p:nvCxnSpPr>
+              <p:cNvPr id="5" name="직선 연결선 4">
+                <a:extLst>
+                  <a:ext uri="{FF2B5EF4-FFF2-40B4-BE49-F238E27FC236}">
+                    <a16:creationId xmlns:a16="http://schemas.microsoft.com/office/drawing/2014/main" id="{57D1866D-48F0-4F6E-BFBD-04FEF7CE05F1}"/>
+                  </a:ext>
+                </a:extLst>
+              </p:cNvPr>
+              <p:cNvCxnSpPr>
+                <a:cxnSpLocks/>
+              </p:cNvCxnSpPr>
+              <p:nvPr/>
+            </p:nvCxnSpPr>
+            <p:spPr>
+              <a:xfrm>
+                <a:off x="2339752" y="1995686"/>
+                <a:ext cx="1368152" cy="432048"/>
+              </a:xfrm>
+              <a:prstGeom prst="line">
+                <a:avLst/>
+              </a:prstGeom>
+              <a:ln w="28575">
+                <a:solidFill>
+                  <a:schemeClr val="tx2"/>
+                </a:solidFill>
+                <a:prstDash val="solid"/>
+              </a:ln>
+            </p:spPr>
+            <p:style>
+              <a:lnRef idx="1">
+                <a:schemeClr val="accent1"/>
+              </a:lnRef>
+              <a:fillRef idx="0">
+                <a:schemeClr val="accent1"/>
+              </a:fillRef>
+              <a:effectRef idx="0">
+                <a:schemeClr val="accent1"/>
+              </a:effectRef>
+              <a:fontRef idx="minor">
+                <a:schemeClr val="tx1"/>
+              </a:fontRef>
+            </p:style>
+          </p:cxnSp>
+          <p:cxnSp>
+            <p:nvCxnSpPr>
+              <p:cNvPr id="21" name="직선 연결선 20">
+                <a:extLst>
+                  <a:ext uri="{FF2B5EF4-FFF2-40B4-BE49-F238E27FC236}">
+                    <a16:creationId xmlns:a16="http://schemas.microsoft.com/office/drawing/2014/main" id="{74AD577A-FD49-49E5-8AA7-66CDD7A8AE0F}"/>
+                  </a:ext>
+                </a:extLst>
+              </p:cNvPr>
+              <p:cNvCxnSpPr>
+                <a:cxnSpLocks/>
+              </p:cNvCxnSpPr>
+              <p:nvPr/>
+            </p:nvCxnSpPr>
+            <p:spPr>
+              <a:xfrm flipH="1">
+                <a:off x="2339752" y="1995686"/>
+                <a:ext cx="1368152" cy="432048"/>
+              </a:xfrm>
+              <a:prstGeom prst="line">
+                <a:avLst/>
+              </a:prstGeom>
+              <a:ln w="28575">
+                <a:solidFill>
+                  <a:schemeClr val="tx2"/>
+                </a:solidFill>
+                <a:prstDash val="solid"/>
+              </a:ln>
+            </p:spPr>
+            <p:style>
+              <a:lnRef idx="1">
+                <a:schemeClr val="accent1"/>
+              </a:lnRef>
+              <a:fillRef idx="0">
+                <a:schemeClr val="accent1"/>
+              </a:fillRef>
+              <a:effectRef idx="0">
+                <a:schemeClr val="accent1"/>
+              </a:effectRef>
+              <a:fontRef idx="minor">
+                <a:schemeClr val="tx1"/>
+              </a:fontRef>
+            </p:style>
+          </p:cxnSp>
+        </p:grpSp>
+        <p:cxnSp>
+          <p:nvCxnSpPr>
+            <p:cNvPr id="31" name="직선 화살표 연결선 30">
+              <a:extLst>
+                <a:ext uri="{FF2B5EF4-FFF2-40B4-BE49-F238E27FC236}">
+                  <a16:creationId xmlns:a16="http://schemas.microsoft.com/office/drawing/2014/main" id="{1A626DEC-81F6-4371-B5C2-DCBD3450170F}"/>
+                </a:ext>
+              </a:extLst>
+            </p:cNvPr>
+            <p:cNvCxnSpPr>
+              <a:cxnSpLocks/>
+            </p:cNvCxnSpPr>
+            <p:nvPr/>
+          </p:nvCxnSpPr>
+          <p:spPr>
+            <a:xfrm flipH="1" flipV="1">
+              <a:off x="4572000" y="1635646"/>
+              <a:ext cx="791572" cy="1215428"/>
+            </a:xfrm>
+            <a:prstGeom prst="straightConnector1">
+              <a:avLst/>
+            </a:prstGeom>
+            <a:ln w="28575">
+              <a:solidFill>
+                <a:schemeClr val="tx2"/>
+              </a:solidFill>
+              <a:headEnd type="none" w="med" len="med"/>
+              <a:tailEnd type="arrow" w="med" len="med"/>
+            </a:ln>
+          </p:spPr>
+          <p:style>
+            <a:lnRef idx="1">
+              <a:schemeClr val="accent1"/>
+            </a:lnRef>
+            <a:fillRef idx="0">
+              <a:schemeClr val="accent1"/>
+            </a:fillRef>
+            <a:effectRef idx="0">
+              <a:schemeClr val="accent1"/>
+            </a:effectRef>
+            <a:fontRef idx="minor">
+              <a:schemeClr val="tx1"/>
+            </a:fontRef>
+          </p:style>
+        </p:cxnSp>
+        <p:cxnSp>
+          <p:nvCxnSpPr>
+            <p:cNvPr id="34" name="직선 화살표 연결선 33">
+              <a:extLst>
+                <a:ext uri="{FF2B5EF4-FFF2-40B4-BE49-F238E27FC236}">
+                  <a16:creationId xmlns:a16="http://schemas.microsoft.com/office/drawing/2014/main" id="{D0965E4B-2B57-4AE0-84E6-E1A0F83E387F}"/>
+                </a:ext>
+              </a:extLst>
+            </p:cNvPr>
+            <p:cNvCxnSpPr>
+              <a:cxnSpLocks/>
+            </p:cNvCxnSpPr>
+            <p:nvPr/>
+          </p:nvCxnSpPr>
+          <p:spPr>
+            <a:xfrm flipV="1">
+              <a:off x="3628649" y="1635646"/>
+              <a:ext cx="791571" cy="1215428"/>
+            </a:xfrm>
+            <a:prstGeom prst="straightConnector1">
+              <a:avLst/>
+            </a:prstGeom>
+            <a:ln w="28575">
+              <a:solidFill>
+                <a:schemeClr val="tx2"/>
+              </a:solidFill>
+              <a:headEnd type="none" w="med" len="med"/>
+              <a:tailEnd type="arrow" w="med" len="med"/>
+            </a:ln>
+          </p:spPr>
+          <p:style>
+            <a:lnRef idx="1">
+              <a:schemeClr val="accent1"/>
+            </a:lnRef>
+            <a:fillRef idx="0">
+              <a:schemeClr val="accent1"/>
+            </a:fillRef>
+            <a:effectRef idx="0">
+              <a:schemeClr val="accent1"/>
+            </a:effectRef>
+            <a:fontRef idx="minor">
+              <a:schemeClr val="tx1"/>
+            </a:fontRef>
+          </p:style>
+        </p:cxnSp>
+        <p:sp>
+          <p:nvSpPr>
+            <p:cNvPr id="49" name="타원 48">
+              <a:extLst>
+                <a:ext uri="{FF2B5EF4-FFF2-40B4-BE49-F238E27FC236}">
+                  <a16:creationId xmlns:a16="http://schemas.microsoft.com/office/drawing/2014/main" id="{2FD3B908-D2F9-40F9-A4E2-6B7CDA749F81}"/>
+                </a:ext>
+              </a:extLst>
+            </p:cNvPr>
+            <p:cNvSpPr/>
+            <p:nvPr/>
+          </p:nvSpPr>
+          <p:spPr>
+            <a:xfrm>
+              <a:off x="3658077" y="1698194"/>
+              <a:ext cx="288549" cy="278547"/>
+            </a:xfrm>
+            <a:prstGeom prst="ellipse">
+              <a:avLst/>
+            </a:prstGeom>
+            <a:ln>
+              <a:solidFill>
+                <a:schemeClr val="tx2"/>
+              </a:solidFill>
+            </a:ln>
+          </p:spPr>
+          <p:style>
+            <a:lnRef idx="2">
+              <a:schemeClr val="dk1"/>
+            </a:lnRef>
+            <a:fillRef idx="1">
+              <a:schemeClr val="lt1"/>
+            </a:fillRef>
+            <a:effectRef idx="0">
+              <a:schemeClr val="dk1"/>
+            </a:effectRef>
+            <a:fontRef idx="minor">
+              <a:schemeClr val="dk1"/>
+            </a:fontRef>
+          </p:style>
+          <p:txBody>
+            <a:bodyPr rtlCol="0" anchor="ctr"/>
+            <a:lstStyle/>
+            <a:p>
+              <a:pPr algn="ctr"/>
+              <a:r>
+                <a:rPr lang="en-US" altLang="ko-KR" sz="1200" b="1">
+                  <a:solidFill>
+                    <a:schemeClr val="tx2"/>
+                  </a:solidFill>
+                </a:rPr>
+                <a:t>1</a:t>
+              </a:r>
+              <a:endParaRPr lang="ko-KR" altLang="en-US" sz="1200" b="1">
+                <a:solidFill>
+                  <a:schemeClr val="tx2"/>
+                </a:solidFill>
+              </a:endParaRPr>
+            </a:p>
+          </p:txBody>
+        </p:sp>
+        <p:sp>
+          <p:nvSpPr>
+            <p:cNvPr id="51" name="타원 50">
+              <a:extLst>
+                <a:ext uri="{FF2B5EF4-FFF2-40B4-BE49-F238E27FC236}">
+                  <a16:creationId xmlns:a16="http://schemas.microsoft.com/office/drawing/2014/main" id="{427E4EEF-DD56-44ED-A4DF-376794CD546D}"/>
+                </a:ext>
+              </a:extLst>
+            </p:cNvPr>
+            <p:cNvSpPr/>
+            <p:nvPr/>
+          </p:nvSpPr>
+          <p:spPr>
+            <a:xfrm>
+              <a:off x="2864765" y="2530040"/>
+              <a:ext cx="288549" cy="278547"/>
+            </a:xfrm>
+            <a:prstGeom prst="ellipse">
+              <a:avLst/>
+            </a:prstGeom>
+            <a:ln>
+              <a:solidFill>
+                <a:schemeClr val="tx2"/>
+              </a:solidFill>
+            </a:ln>
+          </p:spPr>
+          <p:style>
+            <a:lnRef idx="2">
+              <a:schemeClr val="dk1"/>
+            </a:lnRef>
+            <a:fillRef idx="1">
+              <a:schemeClr val="lt1"/>
+            </a:fillRef>
+            <a:effectRef idx="0">
+              <a:schemeClr val="dk1"/>
+            </a:effectRef>
+            <a:fontRef idx="minor">
+              <a:schemeClr val="dk1"/>
+            </a:fontRef>
+          </p:style>
+          <p:txBody>
+            <a:bodyPr rtlCol="0" anchor="ctr"/>
+            <a:lstStyle/>
+            <a:p>
+              <a:pPr algn="ctr"/>
+              <a:r>
+                <a:rPr lang="en-US" altLang="ko-KR" sz="1200" b="1">
+                  <a:solidFill>
+                    <a:schemeClr val="tx2"/>
+                  </a:solidFill>
+                </a:rPr>
+                <a:t>3</a:t>
+              </a:r>
+              <a:endParaRPr lang="ko-KR" altLang="en-US" sz="1200" b="1">
+                <a:solidFill>
+                  <a:schemeClr val="tx2"/>
+                </a:solidFill>
+              </a:endParaRPr>
+            </a:p>
+          </p:txBody>
+        </p:sp>
+        <p:grpSp>
+          <p:nvGrpSpPr>
+            <p:cNvPr id="56" name="그룹 55">
+              <a:extLst>
+                <a:ext uri="{FF2B5EF4-FFF2-40B4-BE49-F238E27FC236}">
+                  <a16:creationId xmlns:a16="http://schemas.microsoft.com/office/drawing/2014/main" id="{CFDC55A3-55C9-4AA1-A6D3-5346CE61C223}"/>
+                </a:ext>
+              </a:extLst>
+            </p:cNvPr>
+            <p:cNvGrpSpPr/>
+            <p:nvPr/>
+          </p:nvGrpSpPr>
+          <p:grpSpPr>
+            <a:xfrm>
+              <a:off x="3148161" y="2744745"/>
+              <a:ext cx="196638" cy="179920"/>
+              <a:chOff x="2339752" y="1995686"/>
+              <a:chExt cx="1368152" cy="432048"/>
+            </a:xfrm>
+          </p:grpSpPr>
+          <p:cxnSp>
+            <p:nvCxnSpPr>
+              <p:cNvPr id="57" name="직선 연결선 56">
+                <a:extLst>
+                  <a:ext uri="{FF2B5EF4-FFF2-40B4-BE49-F238E27FC236}">
+                    <a16:creationId xmlns:a16="http://schemas.microsoft.com/office/drawing/2014/main" id="{7F89792C-42AD-49EC-9185-AA8586754CAA}"/>
+                  </a:ext>
+                </a:extLst>
+              </p:cNvPr>
+              <p:cNvCxnSpPr>
+                <a:cxnSpLocks/>
+              </p:cNvCxnSpPr>
+              <p:nvPr/>
+            </p:nvCxnSpPr>
+            <p:spPr>
+              <a:xfrm>
+                <a:off x="2339752" y="1995686"/>
+                <a:ext cx="1368152" cy="432048"/>
+              </a:xfrm>
+              <a:prstGeom prst="line">
+                <a:avLst/>
+              </a:prstGeom>
+              <a:ln w="28575">
+                <a:solidFill>
+                  <a:schemeClr val="tx2"/>
+                </a:solidFill>
+                <a:prstDash val="solid"/>
+              </a:ln>
+            </p:spPr>
+            <p:style>
+              <a:lnRef idx="1">
+                <a:schemeClr val="accent1"/>
+              </a:lnRef>
+              <a:fillRef idx="0">
+                <a:schemeClr val="accent1"/>
+              </a:fillRef>
+              <a:effectRef idx="0">
+                <a:schemeClr val="accent1"/>
+              </a:effectRef>
+              <a:fontRef idx="minor">
+                <a:schemeClr val="tx1"/>
+              </a:fontRef>
+            </p:style>
+          </p:cxnSp>
+          <p:cxnSp>
+            <p:nvCxnSpPr>
+              <p:cNvPr id="58" name="직선 연결선 57">
+                <a:extLst>
+                  <a:ext uri="{FF2B5EF4-FFF2-40B4-BE49-F238E27FC236}">
+                    <a16:creationId xmlns:a16="http://schemas.microsoft.com/office/drawing/2014/main" id="{07CBA802-FB9E-43C6-8987-B205CF6CF384}"/>
+                  </a:ext>
+                </a:extLst>
+              </p:cNvPr>
+              <p:cNvCxnSpPr>
+                <a:cxnSpLocks/>
+              </p:cNvCxnSpPr>
+              <p:nvPr/>
+            </p:nvCxnSpPr>
+            <p:spPr>
+              <a:xfrm flipH="1">
+                <a:off x="2339752" y="1995686"/>
+                <a:ext cx="1368152" cy="432048"/>
+              </a:xfrm>
+              <a:prstGeom prst="line">
+                <a:avLst/>
+              </a:prstGeom>
+              <a:ln w="28575">
+                <a:solidFill>
+                  <a:schemeClr val="tx2"/>
+                </a:solidFill>
+                <a:prstDash val="solid"/>
+              </a:ln>
+            </p:spPr>
+            <p:style>
+              <a:lnRef idx="1">
+                <a:schemeClr val="accent1"/>
+              </a:lnRef>
+              <a:fillRef idx="0">
+                <a:schemeClr val="accent1"/>
+              </a:fillRef>
+              <a:effectRef idx="0">
+                <a:schemeClr val="accent1"/>
+              </a:effectRef>
+              <a:fontRef idx="minor">
+                <a:schemeClr val="tx1"/>
+              </a:fontRef>
+            </p:style>
+          </p:cxnSp>
+        </p:grpSp>
+        <p:sp>
+          <p:nvSpPr>
+            <p:cNvPr id="47" name="타원 46">
+              <a:extLst>
+                <a:ext uri="{FF2B5EF4-FFF2-40B4-BE49-F238E27FC236}">
+                  <a16:creationId xmlns:a16="http://schemas.microsoft.com/office/drawing/2014/main" id="{F6FE38BB-7492-44C2-BE6C-400D6F0FD82E}"/>
+                </a:ext>
+              </a:extLst>
+            </p:cNvPr>
+            <p:cNvSpPr/>
+            <p:nvPr/>
+          </p:nvSpPr>
+          <p:spPr>
+            <a:xfrm>
+              <a:off x="4351836" y="1707654"/>
+              <a:ext cx="288549" cy="278547"/>
+            </a:xfrm>
+            <a:prstGeom prst="ellipse">
+              <a:avLst/>
+            </a:prstGeom>
+            <a:ln>
+              <a:solidFill>
+                <a:schemeClr val="tx2"/>
+              </a:solidFill>
+            </a:ln>
+          </p:spPr>
+          <p:style>
+            <a:lnRef idx="2">
+              <a:schemeClr val="dk1"/>
+            </a:lnRef>
+            <a:fillRef idx="1">
+              <a:schemeClr val="lt1"/>
+            </a:fillRef>
+            <a:effectRef idx="0">
+              <a:schemeClr val="dk1"/>
+            </a:effectRef>
+            <a:fontRef idx="minor">
+              <a:schemeClr val="dk1"/>
+            </a:fontRef>
+          </p:style>
+          <p:txBody>
+            <a:bodyPr rtlCol="0" anchor="ctr"/>
+            <a:lstStyle/>
+            <a:p>
+              <a:pPr algn="ctr"/>
+              <a:r>
+                <a:rPr lang="en-US" altLang="ko-KR" sz="1200" b="1">
+                  <a:solidFill>
+                    <a:schemeClr val="tx2"/>
+                  </a:solidFill>
+                </a:rPr>
+                <a:t>2</a:t>
+              </a:r>
+              <a:endParaRPr lang="ko-KR" altLang="en-US" sz="1200" b="1">
+                <a:solidFill>
+                  <a:schemeClr val="tx2"/>
+                </a:solidFill>
+              </a:endParaRPr>
+            </a:p>
+          </p:txBody>
+        </p:sp>
+      </p:grpSp>
+    </p:spTree>
+    <p:extLst>
+      <p:ext uri="{BB962C8B-B14F-4D97-AF65-F5344CB8AC3E}">
+        <p14:creationId xmlns:p14="http://schemas.microsoft.com/office/powerpoint/2010/main" val="739073227"/>
+      </p:ext>
+    </p:extLst>
+  </p:cSld>
+  <p:clrMapOvr>
+    <a:masterClrMapping/>
+  </p:clrMapOvr>
+</p:sld>
+</file>
+
 <file path=ppt/theme/theme1.xml><?xml version="1.0" encoding="utf-8"?>
 <a:theme xmlns:a="http://schemas.openxmlformats.org/drawingml/2006/main" name="Office 테마">
   <a:themeElements>
